--- a/test2_output.pptx
+++ b/test2_output.pptx
@@ -2235,7 +2235,7 @@
       </p:sp>
       <p:pic>
         <p:nvPicPr>
-          <p:cNvPr id="12" name="Image 1" descr="/var/folders/ky/3gqyhkyd7k16pwqdw48v0k400000gn/T/icon-bg-at8nlsf2v-1767452180349.png">    </p:cNvPr>
+          <p:cNvPr id="12" name="Image 1" descr="/var/folders/ky/3gqyhkyd7k16pwqdw48v0k400000gn/T/icon-bg-gtozgglx3-1767453698890.png">    </p:cNvPr>
           <p:cNvPicPr>
             <a:picLocks noChangeAspect="1"/>
           </p:cNvPicPr>
@@ -2259,7 +2259,7 @@
       </p:pic>
       <p:pic>
         <p:nvPicPr>
-          <p:cNvPr id="13" name="Image 2" descr="/var/folders/ky/3gqyhkyd7k16pwqdw48v0k400000gn/T/icon-icon-rg2s4v3ty-1767452180512.png">    </p:cNvPr>
+          <p:cNvPr id="13" name="Image 2" descr="/var/folders/ky/3gqyhkyd7k16pwqdw48v0k400000gn/T/icon-icon-bn78bbnbo-1767453699061.png">    </p:cNvPr>
           <p:cNvPicPr>
             <a:picLocks noChangeAspect="1"/>
           </p:cNvPicPr>
@@ -2283,7 +2283,7 @@
       </p:pic>
       <p:pic>
         <p:nvPicPr>
-          <p:cNvPr id="14" name="Image 3" descr="/var/folders/ky/3gqyhkyd7k16pwqdw48v0k400000gn/T/icon-icon-9p0kbp3id-1767452180556.png">    </p:cNvPr>
+          <p:cNvPr id="14" name="Image 3" descr="/var/folders/ky/3gqyhkyd7k16pwqdw48v0k400000gn/T/icon-icon-ojueg74hv-1767453699129.png">    </p:cNvPr>
           <p:cNvPicPr>
             <a:picLocks noChangeAspect="1"/>
           </p:cNvPicPr>
@@ -3296,7 +3296,7 @@
       </p:sp>
       <p:pic>
         <p:nvPicPr>
-          <p:cNvPr id="25" name="Image 0" descr="/var/folders/ky/3gqyhkyd7k16pwqdw48v0k400000gn/T/icon-icon-2yfzpybfe-1767452195236.png">    </p:cNvPr>
+          <p:cNvPr id="25" name="Image 0" descr="/var/folders/ky/3gqyhkyd7k16pwqdw48v0k400000gn/T/icon-icon-8rdgz6xpv-1767453713203.png">    </p:cNvPr>
           <p:cNvPicPr>
             <a:picLocks noChangeAspect="1"/>
           </p:cNvPicPr>
@@ -3320,7 +3320,7 @@
       </p:pic>
       <p:pic>
         <p:nvPicPr>
-          <p:cNvPr id="26" name="Image 1" descr="/var/folders/ky/3gqyhkyd7k16pwqdw48v0k400000gn/T/icon-icon-dtze75gn7-1767452195298.png">    </p:cNvPr>
+          <p:cNvPr id="26" name="Image 1" descr="/var/folders/ky/3gqyhkyd7k16pwqdw48v0k400000gn/T/icon-icon-9plcgfmz0-1767453713243.png">    </p:cNvPr>
           <p:cNvPicPr>
             <a:picLocks noChangeAspect="1"/>
           </p:cNvPicPr>
@@ -3344,7 +3344,7 @@
       </p:pic>
       <p:pic>
         <p:nvPicPr>
-          <p:cNvPr id="27" name="Image 2" descr="/var/folders/ky/3gqyhkyd7k16pwqdw48v0k400000gn/T/icon-icon-y5r19l7wr-1767452195380.png">    </p:cNvPr>
+          <p:cNvPr id="27" name="Image 2" descr="/var/folders/ky/3gqyhkyd7k16pwqdw48v0k400000gn/T/icon-icon-lvdaw96mp-1767453713283.png">    </p:cNvPr>
           <p:cNvPicPr>
             <a:picLocks noChangeAspect="1"/>
           </p:cNvPicPr>
@@ -3368,7 +3368,7 @@
       </p:pic>
       <p:pic>
         <p:nvPicPr>
-          <p:cNvPr id="28" name="Image 3" descr="/var/folders/ky/3gqyhkyd7k16pwqdw48v0k400000gn/T/icon-icon-jamg65jwp-1767452195429.png">    </p:cNvPr>
+          <p:cNvPr id="28" name="Image 3" descr="/var/folders/ky/3gqyhkyd7k16pwqdw48v0k400000gn/T/icon-icon-d4le3v5v5-1767453713358.png">    </p:cNvPr>
           <p:cNvPicPr>
             <a:picLocks noChangeAspect="1"/>
           </p:cNvPicPr>
@@ -3392,7 +3392,7 @@
       </p:pic>
       <p:pic>
         <p:nvPicPr>
-          <p:cNvPr id="29" name="Image 4" descr="/var/folders/ky/3gqyhkyd7k16pwqdw48v0k400000gn/T/icon-icon-btmpldwo7-1767452195496.png">    </p:cNvPr>
+          <p:cNvPr id="29" name="Image 4" descr="/var/folders/ky/3gqyhkyd7k16pwqdw48v0k400000gn/T/icon-icon-hjsmghudo-1767453713415.png">    </p:cNvPr>
           <p:cNvPicPr>
             <a:picLocks noChangeAspect="1"/>
           </p:cNvPicPr>
@@ -3416,7 +3416,7 @@
       </p:pic>
       <p:pic>
         <p:nvPicPr>
-          <p:cNvPr id="30" name="Image 5" descr="/var/folders/ky/3gqyhkyd7k16pwqdw48v0k400000gn/T/icon-icon-9u576kcdb-1767452195558.png">    </p:cNvPr>
+          <p:cNvPr id="30" name="Image 5" descr="/var/folders/ky/3gqyhkyd7k16pwqdw48v0k400000gn/T/icon-icon-ud7dk79gu-1767453713467.png">    </p:cNvPr>
           <p:cNvPicPr>
             <a:picLocks noChangeAspect="1"/>
           </p:cNvPicPr>
@@ -3440,7 +3440,7 @@
       </p:pic>
       <p:pic>
         <p:nvPicPr>
-          <p:cNvPr id="31" name="Image 6" descr="/var/folders/ky/3gqyhkyd7k16pwqdw48v0k400000gn/T/icon-icon-itsr9ud09-1767452195614.png">    </p:cNvPr>
+          <p:cNvPr id="31" name="Image 6" descr="/var/folders/ky/3gqyhkyd7k16pwqdw48v0k400000gn/T/icon-icon-p4x9dfr14-1767453713533.png">    </p:cNvPr>
           <p:cNvPicPr>
             <a:picLocks noChangeAspect="1"/>
           </p:cNvPicPr>
@@ -3464,7 +3464,7 @@
       </p:pic>
       <p:pic>
         <p:nvPicPr>
-          <p:cNvPr id="32" name="Image 7" descr="/var/folders/ky/3gqyhkyd7k16pwqdw48v0k400000gn/T/icon-icon-9u576kcdb-1767452195673.png">    </p:cNvPr>
+          <p:cNvPr id="32" name="Image 7" descr="/var/folders/ky/3gqyhkyd7k16pwqdw48v0k400000gn/T/icon-icon-ud7dk79gu-1767453713582.png">    </p:cNvPr>
           <p:cNvPicPr>
             <a:picLocks noChangeAspect="1"/>
           </p:cNvPicPr>
@@ -3488,7 +3488,7 @@
       </p:pic>
       <p:pic>
         <p:nvPicPr>
-          <p:cNvPr id="33" name="Image 8" descr="/var/folders/ky/3gqyhkyd7k16pwqdw48v0k400000gn/T/icon-icon-itsr9ud09-1767452195721.png">    </p:cNvPr>
+          <p:cNvPr id="33" name="Image 8" descr="/var/folders/ky/3gqyhkyd7k16pwqdw48v0k400000gn/T/icon-icon-p4x9dfr14-1767453713650.png">    </p:cNvPr>
           <p:cNvPicPr>
             <a:picLocks noChangeAspect="1"/>
           </p:cNvPicPr>
@@ -4421,7 +4421,7 @@
       </p:sp>
       <p:pic>
         <p:nvPicPr>
-          <p:cNvPr id="23" name="Image 0" descr="/var/folders/ky/3gqyhkyd7k16pwqdw48v0k400000gn/T/icon-icon-3ggjvik9w-1767452196713.png">    </p:cNvPr>
+          <p:cNvPr id="23" name="Image 0" descr="/var/folders/ky/3gqyhkyd7k16pwqdw48v0k400000gn/T/icon-icon-tc7thds78-1767453714652.png">    </p:cNvPr>
           <p:cNvPicPr>
             <a:picLocks noChangeAspect="1"/>
           </p:cNvPicPr>
@@ -4445,7 +4445,7 @@
       </p:pic>
       <p:pic>
         <p:nvPicPr>
-          <p:cNvPr id="24" name="Image 1" descr="/var/folders/ky/3gqyhkyd7k16pwqdw48v0k400000gn/T/icon-icon-75bg6xsdt-1767452196780.png">    </p:cNvPr>
+          <p:cNvPr id="24" name="Image 1" descr="/var/folders/ky/3gqyhkyd7k16pwqdw48v0k400000gn/T/icon-icon-ah9vne7na-1767453714721.png">    </p:cNvPr>
           <p:cNvPicPr>
             <a:picLocks noChangeAspect="1"/>
           </p:cNvPicPr>
@@ -4469,7 +4469,7 @@
       </p:pic>
       <p:pic>
         <p:nvPicPr>
-          <p:cNvPr id="25" name="Image 2" descr="/var/folders/ky/3gqyhkyd7k16pwqdw48v0k400000gn/T/icon-icon-qzia740zy-1767452196837.png">    </p:cNvPr>
+          <p:cNvPr id="25" name="Image 2" descr="/var/folders/ky/3gqyhkyd7k16pwqdw48v0k400000gn/T/icon-icon-t6jphcl1i-1767453714785.png">    </p:cNvPr>
           <p:cNvPicPr>
             <a:picLocks noChangeAspect="1"/>
           </p:cNvPicPr>
@@ -4493,7 +4493,7 @@
       </p:pic>
       <p:pic>
         <p:nvPicPr>
-          <p:cNvPr id="26" name="Image 3" descr="/var/folders/ky/3gqyhkyd7k16pwqdw48v0k400000gn/T/icon-icon-ee20uaezq-1767452196890.png">    </p:cNvPr>
+          <p:cNvPr id="26" name="Image 3" descr="/var/folders/ky/3gqyhkyd7k16pwqdw48v0k400000gn/T/icon-icon-9581dz43i-1767453714833.png">    </p:cNvPr>
           <p:cNvPicPr>
             <a:picLocks noChangeAspect="1"/>
           </p:cNvPicPr>
@@ -4517,7 +4517,7 @@
       </p:pic>
       <p:pic>
         <p:nvPicPr>
-          <p:cNvPr id="27" name="Image 4" descr="/var/folders/ky/3gqyhkyd7k16pwqdw48v0k400000gn/T/icon-icon-s0qb44k6p-1767452196933.png">    </p:cNvPr>
+          <p:cNvPr id="27" name="Image 4" descr="/var/folders/ky/3gqyhkyd7k16pwqdw48v0k400000gn/T/icon-icon-jpcwhorxi-1767453714871.png">    </p:cNvPr>
           <p:cNvPicPr>
             <a:picLocks noChangeAspect="1"/>
           </p:cNvPicPr>
@@ -4541,7 +4541,7 @@
       </p:pic>
       <p:pic>
         <p:nvPicPr>
-          <p:cNvPr id="28" name="Image 5" descr="/var/folders/ky/3gqyhkyd7k16pwqdw48v0k400000gn/T/icon-icon-ee20uaezq-1767452197002.png">    </p:cNvPr>
+          <p:cNvPr id="28" name="Image 5" descr="/var/folders/ky/3gqyhkyd7k16pwqdw48v0k400000gn/T/icon-icon-9581dz43i-1767453714929.png">    </p:cNvPr>
           <p:cNvPicPr>
             <a:picLocks noChangeAspect="1"/>
           </p:cNvPicPr>
@@ -4565,7 +4565,7 @@
       </p:pic>
       <p:pic>
         <p:nvPicPr>
-          <p:cNvPr id="29" name="Image 6" descr="/var/folders/ky/3gqyhkyd7k16pwqdw48v0k400000gn/T/icon-icon-s0qb44k6p-1767452197047.png">    </p:cNvPr>
+          <p:cNvPr id="29" name="Image 6" descr="/var/folders/ky/3gqyhkyd7k16pwqdw48v0k400000gn/T/icon-icon-jpcwhorxi-1767453714983.png">    </p:cNvPr>
           <p:cNvPicPr>
             <a:picLocks noChangeAspect="1"/>
           </p:cNvPicPr>
@@ -5868,7 +5868,7 @@
       </p:sp>
       <p:pic>
         <p:nvPicPr>
-          <p:cNvPr id="31" name="Image 0" descr="/var/folders/ky/3gqyhkyd7k16pwqdw48v0k400000gn/T/icon-icon-ic8ivdgfl-1767452198129.png">    </p:cNvPr>
+          <p:cNvPr id="31" name="Image 0" descr="/var/folders/ky/3gqyhkyd7k16pwqdw48v0k400000gn/T/icon-icon-gltlnyksn-1767453716003.png">    </p:cNvPr>
           <p:cNvPicPr>
             <a:picLocks noChangeAspect="1"/>
           </p:cNvPicPr>
@@ -5892,7 +5892,7 @@
       </p:pic>
       <p:pic>
         <p:nvPicPr>
-          <p:cNvPr id="32" name="Image 1" descr="/var/folders/ky/3gqyhkyd7k16pwqdw48v0k400000gn/T/icon-icon-9odltko04-1767452198194.png">    </p:cNvPr>
+          <p:cNvPr id="32" name="Image 1" descr="/var/folders/ky/3gqyhkyd7k16pwqdw48v0k400000gn/T/icon-icon-ypvfwxl9r-1767453716058.png">    </p:cNvPr>
           <p:cNvPicPr>
             <a:picLocks noChangeAspect="1"/>
           </p:cNvPicPr>
@@ -5916,7 +5916,7 @@
       </p:pic>
       <p:pic>
         <p:nvPicPr>
-          <p:cNvPr id="33" name="Image 2" descr="/var/folders/ky/3gqyhkyd7k16pwqdw48v0k400000gn/T/icon-icon-ag6969gj9-1767452198275.png">    </p:cNvPr>
+          <p:cNvPr id="33" name="Image 2" descr="/var/folders/ky/3gqyhkyd7k16pwqdw48v0k400000gn/T/icon-icon-f0zajrvy8-1767453716102.png">    </p:cNvPr>
           <p:cNvPicPr>
             <a:picLocks noChangeAspect="1"/>
           </p:cNvPicPr>
@@ -5940,7 +5940,7 @@
       </p:pic>
       <p:pic>
         <p:nvPicPr>
-          <p:cNvPr id="34" name="Image 3" descr="/var/folders/ky/3gqyhkyd7k16pwqdw48v0k400000gn/T/icon-icon-ag6969gj9-1767452198347.png">    </p:cNvPr>
+          <p:cNvPr id="34" name="Image 3" descr="/var/folders/ky/3gqyhkyd7k16pwqdw48v0k400000gn/T/icon-icon-f0zajrvy8-1767453716141.png">    </p:cNvPr>
           <p:cNvPicPr>
             <a:picLocks noChangeAspect="1"/>
           </p:cNvPicPr>
@@ -5964,7 +5964,7 @@
       </p:pic>
       <p:pic>
         <p:nvPicPr>
-          <p:cNvPr id="35" name="Image 4" descr="/var/folders/ky/3gqyhkyd7k16pwqdw48v0k400000gn/T/icon-icon-nuck049je-1767452198415.png">    </p:cNvPr>
+          <p:cNvPr id="35" name="Image 4" descr="/var/folders/ky/3gqyhkyd7k16pwqdw48v0k400000gn/T/icon-icon-ejq1qkcwn-1767453716208.png">    </p:cNvPr>
           <p:cNvPicPr>
             <a:picLocks noChangeAspect="1"/>
           </p:cNvPicPr>
@@ -5988,7 +5988,7 @@
       </p:pic>
       <p:pic>
         <p:nvPicPr>
-          <p:cNvPr id="36" name="Image 5" descr="/var/folders/ky/3gqyhkyd7k16pwqdw48v0k400000gn/T/icon-icon-nuck049je-1767452198480.png">    </p:cNvPr>
+          <p:cNvPr id="36" name="Image 5" descr="/var/folders/ky/3gqyhkyd7k16pwqdw48v0k400000gn/T/icon-icon-ejq1qkcwn-1767453716253.png">    </p:cNvPr>
           <p:cNvPicPr>
             <a:picLocks noChangeAspect="1"/>
           </p:cNvPicPr>
@@ -6012,7 +6012,7 @@
       </p:pic>
       <p:pic>
         <p:nvPicPr>
-          <p:cNvPr id="37" name="Image 6" descr="/var/folders/ky/3gqyhkyd7k16pwqdw48v0k400000gn/T/icon-icon-myif6p3ry-1767452198542.png">    </p:cNvPr>
+          <p:cNvPr id="37" name="Image 6" descr="/var/folders/ky/3gqyhkyd7k16pwqdw48v0k400000gn/T/icon-icon-nsbxnhtti-1767453716316.png">    </p:cNvPr>
           <p:cNvPicPr>
             <a:picLocks noChangeAspect="1"/>
           </p:cNvPicPr>
@@ -6036,7 +6036,7 @@
       </p:pic>
       <p:pic>
         <p:nvPicPr>
-          <p:cNvPr id="38" name="Image 7" descr="/var/folders/ky/3gqyhkyd7k16pwqdw48v0k400000gn/T/icon-icon-rxzhfr3d1-1767452198606.png">    </p:cNvPr>
+          <p:cNvPr id="38" name="Image 7" descr="/var/folders/ky/3gqyhkyd7k16pwqdw48v0k400000gn/T/icon-icon-qxjw40eef-1767453716384.png">    </p:cNvPr>
           <p:cNvPicPr>
             <a:picLocks noChangeAspect="1"/>
           </p:cNvPicPr>
@@ -6060,7 +6060,7 @@
       </p:pic>
       <p:pic>
         <p:nvPicPr>
-          <p:cNvPr id="39" name="Image 8" descr="/var/folders/ky/3gqyhkyd7k16pwqdw48v0k400000gn/T/icon-icon-ljam2g22j-1767452198664.png">    </p:cNvPr>
+          <p:cNvPr id="39" name="Image 8" descr="/var/folders/ky/3gqyhkyd7k16pwqdw48v0k400000gn/T/icon-icon-abpc063vk-1767453716434.png">    </p:cNvPr>
           <p:cNvPicPr>
             <a:picLocks noChangeAspect="1"/>
           </p:cNvPicPr>
@@ -6084,7 +6084,7 @@
       </p:pic>
       <p:pic>
         <p:nvPicPr>
-          <p:cNvPr id="40" name="Image 9" descr="/var/folders/ky/3gqyhkyd7k16pwqdw48v0k400000gn/T/icon-icon-ncf1nog0h-1767452198725.png">    </p:cNvPr>
+          <p:cNvPr id="40" name="Image 9" descr="/var/folders/ky/3gqyhkyd7k16pwqdw48v0k400000gn/T/icon-icon-u8yxt0567-1767453716495.png">    </p:cNvPr>
           <p:cNvPicPr>
             <a:picLocks noChangeAspect="1"/>
           </p:cNvPicPr>
@@ -6108,7 +6108,7 @@
       </p:pic>
       <p:pic>
         <p:nvPicPr>
-          <p:cNvPr id="41" name="Image 10" descr="/var/folders/ky/3gqyhkyd7k16pwqdw48v0k400000gn/T/icon-icon-ncf1nog0h-1767452198789.png">    </p:cNvPr>
+          <p:cNvPr id="41" name="Image 10" descr="/var/folders/ky/3gqyhkyd7k16pwqdw48v0k400000gn/T/icon-icon-u8yxt0567-1767453716542.png">    </p:cNvPr>
           <p:cNvPicPr>
             <a:picLocks noChangeAspect="1"/>
           </p:cNvPicPr>
@@ -6132,7 +6132,7 @@
       </p:pic>
       <p:pic>
         <p:nvPicPr>
-          <p:cNvPr id="42" name="Image 11" descr="/var/folders/ky/3gqyhkyd7k16pwqdw48v0k400000gn/T/icon-icon-djte4o6h3-1767452198847.png">    </p:cNvPr>
+          <p:cNvPr id="42" name="Image 11" descr="/var/folders/ky/3gqyhkyd7k16pwqdw48v0k400000gn/T/icon-icon-y1yqig0wv-1767453716584.png">    </p:cNvPr>
           <p:cNvPicPr>
             <a:picLocks noChangeAspect="1"/>
           </p:cNvPicPr>
@@ -6156,7 +6156,7 @@
       </p:pic>
       <p:pic>
         <p:nvPicPr>
-          <p:cNvPr id="43" name="Image 12" descr="/var/folders/ky/3gqyhkyd7k16pwqdw48v0k400000gn/T/icon-icon-djte4o6h3-1767452198906.png">    </p:cNvPr>
+          <p:cNvPr id="43" name="Image 12" descr="/var/folders/ky/3gqyhkyd7k16pwqdw48v0k400000gn/T/icon-icon-y1yqig0wv-1767453716659.png">    </p:cNvPr>
           <p:cNvPicPr>
             <a:picLocks noChangeAspect="1"/>
           </p:cNvPicPr>
@@ -6180,7 +6180,7 @@
       </p:pic>
       <p:pic>
         <p:nvPicPr>
-          <p:cNvPr id="44" name="Image 13" descr="/var/folders/ky/3gqyhkyd7k16pwqdw48v0k400000gn/T/icon-icon-s63or49ap-1767452198968.png">    </p:cNvPr>
+          <p:cNvPr id="44" name="Image 13" descr="/var/folders/ky/3gqyhkyd7k16pwqdw48v0k400000gn/T/icon-icon-ff4swsnbm-1767453716718.png">    </p:cNvPr>
           <p:cNvPicPr>
             <a:picLocks noChangeAspect="1"/>
           </p:cNvPicPr>
@@ -6204,7 +6204,7 @@
       </p:pic>
       <p:pic>
         <p:nvPicPr>
-          <p:cNvPr id="45" name="Image 14" descr="/var/folders/ky/3gqyhkyd7k16pwqdw48v0k400000gn/T/icon-icon-s63or49ap-1767452199028.png">    </p:cNvPr>
+          <p:cNvPr id="45" name="Image 14" descr="/var/folders/ky/3gqyhkyd7k16pwqdw48v0k400000gn/T/icon-icon-ff4swsnbm-1767453716770.png">    </p:cNvPr>
           <p:cNvPicPr>
             <a:picLocks noChangeAspect="1"/>
           </p:cNvPicPr>
@@ -6228,7 +6228,7 @@
       </p:pic>
       <p:pic>
         <p:nvPicPr>
-          <p:cNvPr id="46" name="Image 15" descr="/var/folders/ky/3gqyhkyd7k16pwqdw48v0k400000gn/T/icon-icon-doph5u3xk-1767452199089.png">    </p:cNvPr>
+          <p:cNvPr id="46" name="Image 15" descr="/var/folders/ky/3gqyhkyd7k16pwqdw48v0k400000gn/T/icon-icon-zj4673xyk-1767453716834.png">    </p:cNvPr>
           <p:cNvPicPr>
             <a:picLocks noChangeAspect="1"/>
           </p:cNvPicPr>
@@ -6252,7 +6252,7 @@
       </p:pic>
       <p:pic>
         <p:nvPicPr>
-          <p:cNvPr id="47" name="Image 16" descr="/var/folders/ky/3gqyhkyd7k16pwqdw48v0k400000gn/T/icon-icon-doph5u3xk-1767452199147.png">    </p:cNvPr>
+          <p:cNvPr id="47" name="Image 16" descr="/var/folders/ky/3gqyhkyd7k16pwqdw48v0k400000gn/T/icon-icon-zj4673xyk-1767453716885.png">    </p:cNvPr>
           <p:cNvPicPr>
             <a:picLocks noChangeAspect="1"/>
           </p:cNvPicPr>
@@ -7094,7 +7094,7 @@
       </p:sp>
       <p:pic>
         <p:nvPicPr>
-          <p:cNvPr id="23" name="Image 0" descr="/var/folders/ky/3gqyhkyd7k16pwqdw48v0k400000gn/T/icon-icon-ls8974u4b-1767452181558.png">    </p:cNvPr>
+          <p:cNvPr id="23" name="Image 0" descr="/var/folders/ky/3gqyhkyd7k16pwqdw48v0k400000gn/T/icon-icon-icnq42b1j-1767453700094.png">    </p:cNvPr>
           <p:cNvPicPr>
             <a:picLocks noChangeAspect="1"/>
           </p:cNvPicPr>
@@ -7118,7 +7118,7 @@
       </p:pic>
       <p:pic>
         <p:nvPicPr>
-          <p:cNvPr id="24" name="Image 1" descr="/var/folders/ky/3gqyhkyd7k16pwqdw48v0k400000gn/T/icon-icon-cyng8mhvb-1767452181604.png">    </p:cNvPr>
+          <p:cNvPr id="24" name="Image 1" descr="/var/folders/ky/3gqyhkyd7k16pwqdw48v0k400000gn/T/icon-icon-mx8xdlkm0-1767453700136.png">    </p:cNvPr>
           <p:cNvPicPr>
             <a:picLocks noChangeAspect="1"/>
           </p:cNvPicPr>
@@ -7142,7 +7142,7 @@
       </p:pic>
       <p:pic>
         <p:nvPicPr>
-          <p:cNvPr id="25" name="Image 2" descr="/var/folders/ky/3gqyhkyd7k16pwqdw48v0k400000gn/T/icon-icon-00iy4hn2r-1767452181663.png">    </p:cNvPr>
+          <p:cNvPr id="25" name="Image 2" descr="/var/folders/ky/3gqyhkyd7k16pwqdw48v0k400000gn/T/icon-icon-g8e3oq25g-1767453700170.png">    </p:cNvPr>
           <p:cNvPicPr>
             <a:picLocks noChangeAspect="1"/>
           </p:cNvPicPr>
@@ -7166,7 +7166,7 @@
       </p:pic>
       <p:pic>
         <p:nvPicPr>
-          <p:cNvPr id="26" name="Image 3" descr="/var/folders/ky/3gqyhkyd7k16pwqdw48v0k400000gn/T/icon-icon-0tict04ot-1767452181712.png">    </p:cNvPr>
+          <p:cNvPr id="26" name="Image 3" descr="/var/folders/ky/3gqyhkyd7k16pwqdw48v0k400000gn/T/icon-icon-5k3y3l4m7-1767453700251.png">    </p:cNvPr>
           <p:cNvPicPr>
             <a:picLocks noChangeAspect="1"/>
           </p:cNvPicPr>
@@ -7190,7 +7190,7 @@
       </p:pic>
       <p:pic>
         <p:nvPicPr>
-          <p:cNvPr id="27" name="Image 4" descr="/var/folders/ky/3gqyhkyd7k16pwqdw48v0k400000gn/T/icon-icon-0tict04ot-1767452181782.png">    </p:cNvPr>
+          <p:cNvPr id="27" name="Image 4" descr="/var/folders/ky/3gqyhkyd7k16pwqdw48v0k400000gn/T/icon-icon-5k3y3l4m7-1767453700304.png">    </p:cNvPr>
           <p:cNvPicPr>
             <a:picLocks noChangeAspect="1"/>
           </p:cNvPicPr>
@@ -8410,7 +8410,7 @@
       </p:sp>
       <p:pic>
         <p:nvPicPr>
-          <p:cNvPr id="32" name="Image 0" descr="/var/folders/ky/3gqyhkyd7k16pwqdw48v0k400000gn/T/icon-icon-qxaw03782-1767452182756.png">    </p:cNvPr>
+          <p:cNvPr id="32" name="Image 0" descr="/var/folders/ky/3gqyhkyd7k16pwqdw48v0k400000gn/T/icon-icon-opku0u2dg-1767453701243.png">    </p:cNvPr>
           <p:cNvPicPr>
             <a:picLocks noChangeAspect="1"/>
           </p:cNvPicPr>
@@ -8434,7 +8434,7 @@
       </p:pic>
       <p:pic>
         <p:nvPicPr>
-          <p:cNvPr id="33" name="Image 1" descr="/var/folders/ky/3gqyhkyd7k16pwqdw48v0k400000gn/T/icon-icon-kvp50fi2f-1767452182805.png">    </p:cNvPr>
+          <p:cNvPr id="33" name="Image 1" descr="/var/folders/ky/3gqyhkyd7k16pwqdw48v0k400000gn/T/icon-icon-ooye02cq8-1767453701302.png">    </p:cNvPr>
           <p:cNvPicPr>
             <a:picLocks noChangeAspect="1"/>
           </p:cNvPicPr>
@@ -8458,7 +8458,7 @@
       </p:pic>
       <p:pic>
         <p:nvPicPr>
-          <p:cNvPr id="34" name="Image 2" descr="/var/folders/ky/3gqyhkyd7k16pwqdw48v0k400000gn/T/icon-icon-y1j4ypae1-1767452182866.png">    </p:cNvPr>
+          <p:cNvPr id="34" name="Image 2" descr="/var/folders/ky/3gqyhkyd7k16pwqdw48v0k400000gn/T/icon-icon-2b7280x4i-1767453701365.png">    </p:cNvPr>
           <p:cNvPicPr>
             <a:picLocks noChangeAspect="1"/>
           </p:cNvPicPr>
@@ -8482,7 +8482,7 @@
       </p:pic>
       <p:pic>
         <p:nvPicPr>
-          <p:cNvPr id="35" name="Image 3" descr="/var/folders/ky/3gqyhkyd7k16pwqdw48v0k400000gn/T/icon-icon-2ilqxjvca-1767452182935.png">    </p:cNvPr>
+          <p:cNvPr id="35" name="Image 3" descr="/var/folders/ky/3gqyhkyd7k16pwqdw48v0k400000gn/T/icon-icon-uwho8k9yv-1767453701419.png">    </p:cNvPr>
           <p:cNvPicPr>
             <a:picLocks noChangeAspect="1"/>
           </p:cNvPicPr>
@@ -9448,7 +9448,7 @@
       </p:sp>
       <p:pic>
         <p:nvPicPr>
-          <p:cNvPr id="27" name="Image 0" descr="/var/folders/ky/3gqyhkyd7k16pwqdw48v0k400000gn/T/icon-icon-5ev4twkbl-1767452183949.png">    </p:cNvPr>
+          <p:cNvPr id="27" name="Image 0" descr="/var/folders/ky/3gqyhkyd7k16pwqdw48v0k400000gn/T/icon-icon-q6somg985-1767453702449.png">    </p:cNvPr>
           <p:cNvPicPr>
             <a:picLocks noChangeAspect="1"/>
           </p:cNvPicPr>
@@ -9472,7 +9472,7 @@
       </p:pic>
       <p:pic>
         <p:nvPicPr>
-          <p:cNvPr id="28" name="Image 1" descr="/var/folders/ky/3gqyhkyd7k16pwqdw48v0k400000gn/T/icon-icon-7e03z19lc-1767452184005.png">    </p:cNvPr>
+          <p:cNvPr id="28" name="Image 1" descr="/var/folders/ky/3gqyhkyd7k16pwqdw48v0k400000gn/T/icon-icon-gf08u6mif-1767453702501.png">    </p:cNvPr>
           <p:cNvPicPr>
             <a:picLocks noChangeAspect="1"/>
           </p:cNvPicPr>
@@ -9496,7 +9496,7 @@
       </p:pic>
       <p:pic>
         <p:nvPicPr>
-          <p:cNvPr id="29" name="Image 2" descr="/var/folders/ky/3gqyhkyd7k16pwqdw48v0k400000gn/T/icon-icon-m2t4b05cz-1767452184066.png">    </p:cNvPr>
+          <p:cNvPr id="29" name="Image 2" descr="/var/folders/ky/3gqyhkyd7k16pwqdw48v0k400000gn/T/icon-icon-ghmoh0dhn-1767453702565.png">    </p:cNvPr>
           <p:cNvPicPr>
             <a:picLocks noChangeAspect="1"/>
           </p:cNvPicPr>
@@ -9520,7 +9520,7 @@
       </p:pic>
       <p:pic>
         <p:nvPicPr>
-          <p:cNvPr id="30" name="Image 3" descr="/var/folders/ky/3gqyhkyd7k16pwqdw48v0k400000gn/T/icon-icon-ptjirh5sc-1767452184112.png">    </p:cNvPr>
+          <p:cNvPr id="30" name="Image 3" descr="/var/folders/ky/3gqyhkyd7k16pwqdw48v0k400000gn/T/icon-icon-awp3vk7jb-1767453702615.png">    </p:cNvPr>
           <p:cNvPicPr>
             <a:picLocks noChangeAspect="1"/>
           </p:cNvPicPr>
@@ -10298,7 +10298,7 @@
       </p:sp>
       <p:pic>
         <p:nvPicPr>
-          <p:cNvPr id="22" name="Image 1" descr="/var/folders/ky/3gqyhkyd7k16pwqdw48v0k400000gn/T/icon-icon-489m1ef0q-1767452185111.png">    </p:cNvPr>
+          <p:cNvPr id="22" name="Image 1" descr="/var/folders/ky/3gqyhkyd7k16pwqdw48v0k400000gn/T/icon-icon-zym52eluc-1767453703639.png">    </p:cNvPr>
           <p:cNvPicPr>
             <a:picLocks noChangeAspect="1"/>
           </p:cNvPicPr>
@@ -10322,7 +10322,7 @@
       </p:pic>
       <p:pic>
         <p:nvPicPr>
-          <p:cNvPr id="23" name="Image 2" descr="/var/folders/ky/3gqyhkyd7k16pwqdw48v0k400000gn/T/icon-icon-9y9gr71ls-1767452185175.png">    </p:cNvPr>
+          <p:cNvPr id="23" name="Image 2" descr="/var/folders/ky/3gqyhkyd7k16pwqdw48v0k400000gn/T/icon-icon-genfj8qka-1767453703691.png">    </p:cNvPr>
           <p:cNvPicPr>
             <a:picLocks noChangeAspect="1"/>
           </p:cNvPicPr>
@@ -10346,7 +10346,7 @@
       </p:pic>
       <p:pic>
         <p:nvPicPr>
-          <p:cNvPr id="24" name="Image 3" descr="/var/folders/ky/3gqyhkyd7k16pwqdw48v0k400000gn/T/icon-icon-82px8aa1q-1767452185238.png">    </p:cNvPr>
+          <p:cNvPr id="24" name="Image 3" descr="/var/folders/ky/3gqyhkyd7k16pwqdw48v0k400000gn/T/icon-icon-zz7246h7p-1767453703757.png">    </p:cNvPr>
           <p:cNvPicPr>
             <a:picLocks noChangeAspect="1"/>
           </p:cNvPicPr>
@@ -11468,7 +11468,7 @@
       </p:sp>
       <p:pic>
         <p:nvPicPr>
-          <p:cNvPr id="29" name="Image 0" descr="/var/folders/ky/3gqyhkyd7k16pwqdw48v0k400000gn/T/icon-icon-rrgix6r5p-1767452186248.png">    </p:cNvPr>
+          <p:cNvPr id="29" name="Image 0" descr="/var/folders/ky/3gqyhkyd7k16pwqdw48v0k400000gn/T/icon-icon-0tvz020vu-1767453704759.png">    </p:cNvPr>
           <p:cNvPicPr>
             <a:picLocks noChangeAspect="1"/>
           </p:cNvPicPr>
@@ -11492,7 +11492,7 @@
       </p:pic>
       <p:pic>
         <p:nvPicPr>
-          <p:cNvPr id="30" name="Image 1" descr="/var/folders/ky/3gqyhkyd7k16pwqdw48v0k400000gn/T/icon-icon-oo6pcdv29-1767452186316.png">    </p:cNvPr>
+          <p:cNvPr id="30" name="Image 1" descr="/var/folders/ky/3gqyhkyd7k16pwqdw48v0k400000gn/T/icon-icon-a7lomydv6-1767453704826.png">    </p:cNvPr>
           <p:cNvPicPr>
             <a:picLocks noChangeAspect="1"/>
           </p:cNvPicPr>
@@ -11516,7 +11516,7 @@
       </p:pic>
       <p:pic>
         <p:nvPicPr>
-          <p:cNvPr id="31" name="Image 2" descr="/var/folders/ky/3gqyhkyd7k16pwqdw48v0k400000gn/T/icon-icon-07p9cay8w-1767452186362.png">    </p:cNvPr>
+          <p:cNvPr id="31" name="Image 2" descr="/var/folders/ky/3gqyhkyd7k16pwqdw48v0k400000gn/T/icon-icon-hffps8neb-1767453704883.png">    </p:cNvPr>
           <p:cNvPicPr>
             <a:picLocks noChangeAspect="1"/>
           </p:cNvPicPr>
@@ -11540,7 +11540,7 @@
       </p:pic>
       <p:pic>
         <p:nvPicPr>
-          <p:cNvPr id="32" name="Image 3" descr="/var/folders/ky/3gqyhkyd7k16pwqdw48v0k400000gn/T/icon-icon-k0oev05g9-1767452186425.png">    </p:cNvPr>
+          <p:cNvPr id="32" name="Image 3" descr="/var/folders/ky/3gqyhkyd7k16pwqdw48v0k400000gn/T/icon-icon-73rh22vce-1767453704946.png">    </p:cNvPr>
           <p:cNvPicPr>
             <a:picLocks noChangeAspect="1"/>
           </p:cNvPicPr>
@@ -11564,7 +11564,7 @@
       </p:pic>
       <p:pic>
         <p:nvPicPr>
-          <p:cNvPr id="33" name="Image 4" descr="/var/folders/ky/3gqyhkyd7k16pwqdw48v0k400000gn/T/icon-icon-himp782tb-1767452186480.png">    </p:cNvPr>
+          <p:cNvPr id="33" name="Image 4" descr="/var/folders/ky/3gqyhkyd7k16pwqdw48v0k400000gn/T/icon-icon-oefs0m3bv-1767453705008.png">    </p:cNvPr>
           <p:cNvPicPr>
             <a:picLocks noChangeAspect="1"/>
           </p:cNvPicPr>
@@ -11588,7 +11588,7 @@
       </p:pic>
       <p:pic>
         <p:nvPicPr>
-          <p:cNvPr id="34" name="Image 5" descr="/var/folders/ky/3gqyhkyd7k16pwqdw48v0k400000gn/T/icon-icon-bijzw7w6b-1767452186537.png">    </p:cNvPr>
+          <p:cNvPr id="34" name="Image 5" descr="/var/folders/ky/3gqyhkyd7k16pwqdw48v0k400000gn/T/icon-icon-267ynfnq8-1767453705056.png">    </p:cNvPr>
           <p:cNvPicPr>
             <a:picLocks noChangeAspect="1"/>
           </p:cNvPicPr>
@@ -11612,7 +11612,7 @@
       </p:pic>
       <p:pic>
         <p:nvPicPr>
-          <p:cNvPr id="35" name="Image 6" descr="/var/folders/ky/3gqyhkyd7k16pwqdw48v0k400000gn/T/icon-icon-73j1jdi2p-1767452186589.png">    </p:cNvPr>
+          <p:cNvPr id="35" name="Image 6" descr="/var/folders/ky/3gqyhkyd7k16pwqdw48v0k400000gn/T/icon-icon-u2ndtz710-1767453705125.png">    </p:cNvPr>
           <p:cNvPicPr>
             <a:picLocks noChangeAspect="1"/>
           </p:cNvPicPr>
@@ -13140,7 +13140,7 @@
       </p:sp>
       <p:pic>
         <p:nvPicPr>
-          <p:cNvPr id="29" name="Image 1" descr="/var/folders/ky/3gqyhkyd7k16pwqdw48v0k400000gn/T/icon-icon-w0c2ajtnn-1767452187650.png">    </p:cNvPr>
+          <p:cNvPr id="29" name="Image 1" descr="/var/folders/ky/3gqyhkyd7k16pwqdw48v0k400000gn/T/icon-icon-f7d6p79uu-1767453706110.png">    </p:cNvPr>
           <p:cNvPicPr>
             <a:picLocks noChangeAspect="1"/>
           </p:cNvPicPr>
@@ -13164,7 +13164,7 @@
       </p:pic>
       <p:pic>
         <p:nvPicPr>
-          <p:cNvPr id="30" name="Image 2" descr="/var/folders/ky/3gqyhkyd7k16pwqdw48v0k400000gn/T/icon-icon-n0dltp75l-1767452187696.png">    </p:cNvPr>
+          <p:cNvPr id="30" name="Image 2" descr="/var/folders/ky/3gqyhkyd7k16pwqdw48v0k400000gn/T/icon-icon-ati11occ0-1767453706177.png">    </p:cNvPr>
           <p:cNvPicPr>
             <a:picLocks noChangeAspect="1"/>
           </p:cNvPicPr>
@@ -13188,7 +13188,7 @@
       </p:pic>
       <p:pic>
         <p:nvPicPr>
-          <p:cNvPr id="31" name="Image 3" descr="/var/folders/ky/3gqyhkyd7k16pwqdw48v0k400000gn/T/icon-icon-ggsdc4bwu-1767452187764.png">    </p:cNvPr>
+          <p:cNvPr id="31" name="Image 3" descr="/var/folders/ky/3gqyhkyd7k16pwqdw48v0k400000gn/T/icon-icon-rewjd15qf-1767453706245.png">    </p:cNvPr>
           <p:cNvPicPr>
             <a:picLocks noChangeAspect="1"/>
           </p:cNvPicPr>
@@ -13212,7 +13212,7 @@
       </p:pic>
       <p:pic>
         <p:nvPicPr>
-          <p:cNvPr id="32" name="Image 4" descr="/var/folders/ky/3gqyhkyd7k16pwqdw48v0k400000gn/T/icon-icon-0wj9iqrzl-1767452187821.png">    </p:cNvPr>
+          <p:cNvPr id="32" name="Image 4" descr="/var/folders/ky/3gqyhkyd7k16pwqdw48v0k400000gn/T/icon-icon-bajjtup4m-1767453706293.png">    </p:cNvPr>
           <p:cNvPicPr>
             <a:picLocks noChangeAspect="1"/>
           </p:cNvPicPr>
@@ -13236,7 +13236,7 @@
       </p:pic>
       <p:pic>
         <p:nvPicPr>
-          <p:cNvPr id="33" name="Image 5" descr="/var/folders/ky/3gqyhkyd7k16pwqdw48v0k400000gn/T/icon-icon-n0dltp75l-1767452187875.png">    </p:cNvPr>
+          <p:cNvPr id="33" name="Image 5" descr="/var/folders/ky/3gqyhkyd7k16pwqdw48v0k400000gn/T/icon-icon-ati11occ0-1767453706353.png">    </p:cNvPr>
           <p:cNvPicPr>
             <a:picLocks noChangeAspect="1"/>
           </p:cNvPicPr>
@@ -13260,7 +13260,7 @@
       </p:pic>
       <p:pic>
         <p:nvPicPr>
-          <p:cNvPr id="34" name="Image 6" descr="/var/folders/ky/3gqyhkyd7k16pwqdw48v0k400000gn/T/icon-icon-ggsdc4bwu-1767452187916.png">    </p:cNvPr>
+          <p:cNvPr id="34" name="Image 6" descr="/var/folders/ky/3gqyhkyd7k16pwqdw48v0k400000gn/T/icon-icon-rewjd15qf-1767453706410.png">    </p:cNvPr>
           <p:cNvPicPr>
             <a:picLocks noChangeAspect="1"/>
           </p:cNvPicPr>
@@ -13284,7 +13284,7 @@
       </p:pic>
       <p:pic>
         <p:nvPicPr>
-          <p:cNvPr id="35" name="Image 7" descr="/var/folders/ky/3gqyhkyd7k16pwqdw48v0k400000gn/T/icon-icon-0wj9iqrzl-1767452187989.png">    </p:cNvPr>
+          <p:cNvPr id="35" name="Image 7" descr="/var/folders/ky/3gqyhkyd7k16pwqdw48v0k400000gn/T/icon-icon-bajjtup4m-1767453706451.png">    </p:cNvPr>
           <p:cNvPicPr>
             <a:picLocks noChangeAspect="1"/>
           </p:cNvPicPr>
@@ -13308,7 +13308,7 @@
       </p:pic>
       <p:pic>
         <p:nvPicPr>
-          <p:cNvPr id="36" name="Image 8" descr="/var/folders/ky/3gqyhkyd7k16pwqdw48v0k400000gn/T/icon-icon-xs7wvvr06-1767452188062.png">    </p:cNvPr>
+          <p:cNvPr id="36" name="Image 8" descr="/var/folders/ky/3gqyhkyd7k16pwqdw48v0k400000gn/T/icon-icon-kpsbc75l1-1767453706503.png">    </p:cNvPr>
           <p:cNvPicPr>
             <a:picLocks noChangeAspect="1"/>
           </p:cNvPicPr>
@@ -13332,7 +13332,7 @@
       </p:pic>
       <p:pic>
         <p:nvPicPr>
-          <p:cNvPr id="37" name="Image 9" descr="/var/folders/ky/3gqyhkyd7k16pwqdw48v0k400000gn/T/icon-icon-xs7wvvr06-1767452188122.png">    </p:cNvPr>
+          <p:cNvPr id="37" name="Image 9" descr="/var/folders/ky/3gqyhkyd7k16pwqdw48v0k400000gn/T/icon-icon-kpsbc75l1-1767453706559.png">    </p:cNvPr>
           <p:cNvPicPr>
             <a:picLocks noChangeAspect="1"/>
           </p:cNvPicPr>
@@ -13356,7 +13356,7 @@
       </p:pic>
       <p:pic>
         <p:nvPicPr>
-          <p:cNvPr id="38" name="Image 10" descr="/var/folders/ky/3gqyhkyd7k16pwqdw48v0k400000gn/T/icon-icon-iztpusx18-1767452188174.png">    </p:cNvPr>
+          <p:cNvPr id="38" name="Image 10" descr="/var/folders/ky/3gqyhkyd7k16pwqdw48v0k400000gn/T/icon-icon-6k87abiko-1767453706617.png">    </p:cNvPr>
           <p:cNvPicPr>
             <a:picLocks noChangeAspect="1"/>
           </p:cNvPicPr>
@@ -13380,7 +13380,7 @@
       </p:pic>
       <p:pic>
         <p:nvPicPr>
-          <p:cNvPr id="39" name="Image 11" descr="/var/folders/ky/3gqyhkyd7k16pwqdw48v0k400000gn/T/icon-icon-z2xo6gt3g-1767452188238.png">    </p:cNvPr>
+          <p:cNvPr id="39" name="Image 11" descr="/var/folders/ky/3gqyhkyd7k16pwqdw48v0k400000gn/T/icon-icon-3winq9dvj-1767453706668.png">    </p:cNvPr>
           <p:cNvPicPr>
             <a:picLocks noChangeAspect="1"/>
           </p:cNvPicPr>
@@ -13404,7 +13404,7 @@
       </p:pic>
       <p:pic>
         <p:nvPicPr>
-          <p:cNvPr id="40" name="Image 12" descr="/var/folders/ky/3gqyhkyd7k16pwqdw48v0k400000gn/T/icon-icon-kgtzmxubx-1767452188289.png">    </p:cNvPr>
+          <p:cNvPr id="40" name="Image 12" descr="/var/folders/ky/3gqyhkyd7k16pwqdw48v0k400000gn/T/icon-icon-8ak6mkalx-1767453706734.png">    </p:cNvPr>
           <p:cNvPicPr>
             <a:picLocks noChangeAspect="1"/>
           </p:cNvPicPr>
@@ -13428,7 +13428,7 @@
       </p:pic>
       <p:pic>
         <p:nvPicPr>
-          <p:cNvPr id="41" name="Image 13" descr="/var/folders/ky/3gqyhkyd7k16pwqdw48v0k400000gn/T/icon-icon-z2xo6gt3g-1767452188344.png">    </p:cNvPr>
+          <p:cNvPr id="41" name="Image 13" descr="/var/folders/ky/3gqyhkyd7k16pwqdw48v0k400000gn/T/icon-icon-3winq9dvj-1767453706783.png">    </p:cNvPr>
           <p:cNvPicPr>
             <a:picLocks noChangeAspect="1"/>
           </p:cNvPicPr>
@@ -13452,7 +13452,7 @@
       </p:pic>
       <p:pic>
         <p:nvPicPr>
-          <p:cNvPr id="42" name="Image 14" descr="/var/folders/ky/3gqyhkyd7k16pwqdw48v0k400000gn/T/icon-icon-kgtzmxubx-1767452188398.png">    </p:cNvPr>
+          <p:cNvPr id="42" name="Image 14" descr="/var/folders/ky/3gqyhkyd7k16pwqdw48v0k400000gn/T/icon-icon-8ak6mkalx-1767453706846.png">    </p:cNvPr>
           <p:cNvPicPr>
             <a:picLocks noChangeAspect="1"/>
           </p:cNvPicPr>
@@ -13476,7 +13476,7 @@
       </p:pic>
       <p:pic>
         <p:nvPicPr>
-          <p:cNvPr id="43" name="Image 15" descr="/var/folders/ky/3gqyhkyd7k16pwqdw48v0k400000gn/T/icon-icon-tw2n9vofa-1767452188443.png">    </p:cNvPr>
+          <p:cNvPr id="43" name="Image 15" descr="/var/folders/ky/3gqyhkyd7k16pwqdw48v0k400000gn/T/icon-icon-p2ao86hh3-1767453706892.png">    </p:cNvPr>
           <p:cNvPicPr>
             <a:picLocks noChangeAspect="1"/>
           </p:cNvPicPr>
@@ -13500,7 +13500,7 @@
       </p:pic>
       <p:pic>
         <p:nvPicPr>
-          <p:cNvPr id="44" name="Image 16" descr="/var/folders/ky/3gqyhkyd7k16pwqdw48v0k400000gn/T/icon-icon-tw2n9vofa-1767452188508.png">    </p:cNvPr>
+          <p:cNvPr id="44" name="Image 16" descr="/var/folders/ky/3gqyhkyd7k16pwqdw48v0k400000gn/T/icon-icon-p2ao86hh3-1767453706931.png">    </p:cNvPr>
           <p:cNvPicPr>
             <a:picLocks noChangeAspect="1"/>
           </p:cNvPicPr>
@@ -13524,7 +13524,7 @@
       </p:pic>
       <p:pic>
         <p:nvPicPr>
-          <p:cNvPr id="45" name="Image 17" descr="/var/folders/ky/3gqyhkyd7k16pwqdw48v0k400000gn/T/icon-icon-6rfzc94v7-1767452188572.png">    </p:cNvPr>
+          <p:cNvPr id="45" name="Image 17" descr="/var/folders/ky/3gqyhkyd7k16pwqdw48v0k400000gn/T/icon-icon-32nt2v2uc-1767453706967.png">    </p:cNvPr>
           <p:cNvPicPr>
             <a:picLocks noChangeAspect="1"/>
           </p:cNvPicPr>
@@ -13548,7 +13548,7 @@
       </p:pic>
       <p:pic>
         <p:nvPicPr>
-          <p:cNvPr id="46" name="Image 18" descr="/var/folders/ky/3gqyhkyd7k16pwqdw48v0k400000gn/T/icon-icon-z7n7ryntk-1767452188623.png">    </p:cNvPr>
+          <p:cNvPr id="46" name="Image 18" descr="/var/folders/ky/3gqyhkyd7k16pwqdw48v0k400000gn/T/icon-icon-pdfc725u0-1767453707020.png">    </p:cNvPr>
           <p:cNvPicPr>
             <a:picLocks noChangeAspect="1"/>
           </p:cNvPicPr>
@@ -13572,7 +13572,7 @@
       </p:pic>
       <p:pic>
         <p:nvPicPr>
-          <p:cNvPr id="47" name="Image 19" descr="/var/folders/ky/3gqyhkyd7k16pwqdw48v0k400000gn/T/icon-icon-r31enfhit-1767452188701.png">    </p:cNvPr>
+          <p:cNvPr id="47" name="Image 19" descr="/var/folders/ky/3gqyhkyd7k16pwqdw48v0k400000gn/T/icon-icon-f3qmcvtdu-1767453707073.png">    </p:cNvPr>
           <p:cNvPicPr>
             <a:picLocks noChangeAspect="1"/>
           </p:cNvPicPr>
@@ -13596,7 +13596,7 @@
       </p:pic>
       <p:pic>
         <p:nvPicPr>
-          <p:cNvPr id="48" name="Image 20" descr="/var/folders/ky/3gqyhkyd7k16pwqdw48v0k400000gn/T/icon-icon-it9nbxb7d-1767452188762.png">    </p:cNvPr>
+          <p:cNvPr id="48" name="Image 20" descr="/var/folders/ky/3gqyhkyd7k16pwqdw48v0k400000gn/T/icon-icon-qtqfpu5zp-1767453707115.png">    </p:cNvPr>
           <p:cNvPicPr>
             <a:picLocks noChangeAspect="1"/>
           </p:cNvPicPr>
@@ -13620,7 +13620,7 @@
       </p:pic>
       <p:pic>
         <p:nvPicPr>
-          <p:cNvPr id="49" name="Image 21" descr="/var/folders/ky/3gqyhkyd7k16pwqdw48v0k400000gn/T/icon-icon-z7n7ryntk-1767452188811.png">    </p:cNvPr>
+          <p:cNvPr id="49" name="Image 21" descr="/var/folders/ky/3gqyhkyd7k16pwqdw48v0k400000gn/T/icon-icon-pdfc725u0-1767453707152.png">    </p:cNvPr>
           <p:cNvPicPr>
             <a:picLocks noChangeAspect="1"/>
           </p:cNvPicPr>
@@ -13644,7 +13644,7 @@
       </p:pic>
       <p:pic>
         <p:nvPicPr>
-          <p:cNvPr id="50" name="Image 22" descr="/var/folders/ky/3gqyhkyd7k16pwqdw48v0k400000gn/T/icon-icon-r31enfhit-1767452188875.png">    </p:cNvPr>
+          <p:cNvPr id="50" name="Image 22" descr="/var/folders/ky/3gqyhkyd7k16pwqdw48v0k400000gn/T/icon-icon-f3qmcvtdu-1767453707189.png">    </p:cNvPr>
           <p:cNvPicPr>
             <a:picLocks noChangeAspect="1"/>
           </p:cNvPicPr>
@@ -13668,7 +13668,7 @@
       </p:pic>
       <p:pic>
         <p:nvPicPr>
-          <p:cNvPr id="51" name="Image 23" descr="/var/folders/ky/3gqyhkyd7k16pwqdw48v0k400000gn/T/icon-icon-it9nbxb7d-1767452188924.png">    </p:cNvPr>
+          <p:cNvPr id="51" name="Image 23" descr="/var/folders/ky/3gqyhkyd7k16pwqdw48v0k400000gn/T/icon-icon-qtqfpu5zp-1767453707250.png">    </p:cNvPr>
           <p:cNvPicPr>
             <a:picLocks noChangeAspect="1"/>
           </p:cNvPicPr>
@@ -13692,7 +13692,7 @@
       </p:pic>
       <p:pic>
         <p:nvPicPr>
-          <p:cNvPr id="52" name="Image 24" descr="/var/folders/ky/3gqyhkyd7k16pwqdw48v0k400000gn/T/icon-icon-ar60xv6z7-1767452188989.png">    </p:cNvPr>
+          <p:cNvPr id="52" name="Image 24" descr="/var/folders/ky/3gqyhkyd7k16pwqdw48v0k400000gn/T/icon-icon-qi3hwvztv-1767453707317.png">    </p:cNvPr>
           <p:cNvPicPr>
             <a:picLocks noChangeAspect="1"/>
           </p:cNvPicPr>
@@ -13716,7 +13716,7 @@
       </p:pic>
       <p:pic>
         <p:nvPicPr>
-          <p:cNvPr id="53" name="Image 25" descr="/var/folders/ky/3gqyhkyd7k16pwqdw48v0k400000gn/T/icon-icon-ar60xv6z7-1767452189039.png">    </p:cNvPr>
+          <p:cNvPr id="53" name="Image 25" descr="/var/folders/ky/3gqyhkyd7k16pwqdw48v0k400000gn/T/icon-icon-qi3hwvztv-1767453707366.png">    </p:cNvPr>
           <p:cNvPicPr>
             <a:picLocks noChangeAspect="1"/>
           </p:cNvPicPr>
@@ -15314,7 +15314,7 @@
       </p:sp>
       <p:pic>
         <p:nvPicPr>
-          <p:cNvPr id="42" name="Image 0" descr="/var/folders/ky/3gqyhkyd7k16pwqdw48v0k400000gn/T/icon-icon-17ia5hfsq-1767452190044.png">    </p:cNvPr>
+          <p:cNvPr id="42" name="Image 0" descr="/var/folders/ky/3gqyhkyd7k16pwqdw48v0k400000gn/T/icon-icon-lle43ohpn-1767453708335.png">    </p:cNvPr>
           <p:cNvPicPr>
             <a:picLocks noChangeAspect="1"/>
           </p:cNvPicPr>
@@ -15338,7 +15338,7 @@
       </p:pic>
       <p:pic>
         <p:nvPicPr>
-          <p:cNvPr id="43" name="Image 1" descr="/var/folders/ky/3gqyhkyd7k16pwqdw48v0k400000gn/T/icon-icon-17ia5hfsq-1767452190107.png">    </p:cNvPr>
+          <p:cNvPr id="43" name="Image 1" descr="/var/folders/ky/3gqyhkyd7k16pwqdw48v0k400000gn/T/icon-icon-lle43ohpn-1767453708391.png">    </p:cNvPr>
           <p:cNvPicPr>
             <a:picLocks noChangeAspect="1"/>
           </p:cNvPicPr>
@@ -15362,7 +15362,7 @@
       </p:pic>
       <p:pic>
         <p:nvPicPr>
-          <p:cNvPr id="44" name="Image 2" descr="/var/folders/ky/3gqyhkyd7k16pwqdw48v0k400000gn/T/icon-icon-8m2i8j2sy-1767452190172.png">    </p:cNvPr>
+          <p:cNvPr id="44" name="Image 2" descr="/var/folders/ky/3gqyhkyd7k16pwqdw48v0k400000gn/T/icon-icon-ek1js9r1o-1767453708451.png">    </p:cNvPr>
           <p:cNvPicPr>
             <a:picLocks noChangeAspect="1"/>
           </p:cNvPicPr>
@@ -15386,7 +15386,7 @@
       </p:pic>
       <p:pic>
         <p:nvPicPr>
-          <p:cNvPr id="45" name="Image 3" descr="/var/folders/ky/3gqyhkyd7k16pwqdw48v0k400000gn/T/icon-icon-393nzxi0m-1767452190222.png">    </p:cNvPr>
+          <p:cNvPr id="45" name="Image 3" descr="/var/folders/ky/3gqyhkyd7k16pwqdw48v0k400000gn/T/icon-icon-3hvzsmwxm-1767453708502.png">    </p:cNvPr>
           <p:cNvPicPr>
             <a:picLocks noChangeAspect="1"/>
           </p:cNvPicPr>
@@ -15410,7 +15410,7 @@
       </p:pic>
       <p:pic>
         <p:nvPicPr>
-          <p:cNvPr id="46" name="Image 4" descr="/var/folders/ky/3gqyhkyd7k16pwqdw48v0k400000gn/T/icon-icon-hlcqnqjlt-1767452190284.png">    </p:cNvPr>
+          <p:cNvPr id="46" name="Image 4" descr="/var/folders/ky/3gqyhkyd7k16pwqdw48v0k400000gn/T/icon-icon-jrmazglon-1767453708565.png">    </p:cNvPr>
           <p:cNvPicPr>
             <a:picLocks noChangeAspect="1"/>
           </p:cNvPicPr>
@@ -15434,7 +15434,7 @@
       </p:pic>
       <p:pic>
         <p:nvPicPr>
-          <p:cNvPr id="47" name="Image 5" descr="/var/folders/ky/3gqyhkyd7k16pwqdw48v0k400000gn/T/icon-icon-son7klybm-1767452190331.png">    </p:cNvPr>
+          <p:cNvPr id="47" name="Image 5" descr="/var/folders/ky/3gqyhkyd7k16pwqdw48v0k400000gn/T/icon-icon-nu14uuh4a-1767453708617.png">    </p:cNvPr>
           <p:cNvPicPr>
             <a:picLocks noChangeAspect="1"/>
           </p:cNvPicPr>
@@ -15458,7 +15458,7 @@
       </p:pic>
       <p:pic>
         <p:nvPicPr>
-          <p:cNvPr id="48" name="Image 6" descr="/var/folders/ky/3gqyhkyd7k16pwqdw48v0k400000gn/T/icon-icon-son7klybm-1767452190398.png">    </p:cNvPr>
+          <p:cNvPr id="48" name="Image 6" descr="/var/folders/ky/3gqyhkyd7k16pwqdw48v0k400000gn/T/icon-icon-nu14uuh4a-1767453708655.png">    </p:cNvPr>
           <p:cNvPicPr>
             <a:picLocks noChangeAspect="1"/>
           </p:cNvPicPr>
@@ -15482,7 +15482,7 @@
       </p:pic>
       <p:pic>
         <p:nvPicPr>
-          <p:cNvPr id="49" name="Image 7" descr="/var/folders/ky/3gqyhkyd7k16pwqdw48v0k400000gn/T/icon-icon-lffwvi302-1767452190467.png">    </p:cNvPr>
+          <p:cNvPr id="49" name="Image 7" descr="/var/folders/ky/3gqyhkyd7k16pwqdw48v0k400000gn/T/icon-icon-0egdrcz30-1767453708725.png">    </p:cNvPr>
           <p:cNvPicPr>
             <a:picLocks noChangeAspect="1"/>
           </p:cNvPicPr>
@@ -15506,7 +15506,7 @@
       </p:pic>
       <p:pic>
         <p:nvPicPr>
-          <p:cNvPr id="50" name="Image 8" descr="/var/folders/ky/3gqyhkyd7k16pwqdw48v0k400000gn/T/icon-icon-uhi0ctl3t-1767452190515.png">    </p:cNvPr>
+          <p:cNvPr id="50" name="Image 8" descr="/var/folders/ky/3gqyhkyd7k16pwqdw48v0k400000gn/T/icon-icon-dnm35wdzp-1767453708782.png">    </p:cNvPr>
           <p:cNvPicPr>
             <a:picLocks noChangeAspect="1"/>
           </p:cNvPicPr>
@@ -15530,7 +15530,7 @@
       </p:pic>
       <p:pic>
         <p:nvPicPr>
-          <p:cNvPr id="51" name="Image 9" descr="/var/folders/ky/3gqyhkyd7k16pwqdw48v0k400000gn/T/icon-icon-z8wvcnpwd-1767452190561.png">    </p:cNvPr>
+          <p:cNvPr id="51" name="Image 9" descr="/var/folders/ky/3gqyhkyd7k16pwqdw48v0k400000gn/T/icon-icon-fibxqmnyz-1767453708836.png">    </p:cNvPr>
           <p:cNvPicPr>
             <a:picLocks noChangeAspect="1"/>
           </p:cNvPicPr>
@@ -15554,7 +15554,7 @@
       </p:pic>
       <p:pic>
         <p:nvPicPr>
-          <p:cNvPr id="52" name="Image 10" descr="/var/folders/ky/3gqyhkyd7k16pwqdw48v0k400000gn/T/icon-icon-cycnz8574-1767452190623.png">    </p:cNvPr>
+          <p:cNvPr id="52" name="Image 10" descr="/var/folders/ky/3gqyhkyd7k16pwqdw48v0k400000gn/T/icon-icon-6fb5xu1qq-1767453708901.png">    </p:cNvPr>
           <p:cNvPicPr>
             <a:picLocks noChangeAspect="1"/>
           </p:cNvPicPr>
@@ -15578,7 +15578,7 @@
       </p:pic>
       <p:pic>
         <p:nvPicPr>
-          <p:cNvPr id="53" name="Image 11" descr="/var/folders/ky/3gqyhkyd7k16pwqdw48v0k400000gn/T/icon-icon-pi6h5854l-1767452190679.png">    </p:cNvPr>
+          <p:cNvPr id="53" name="Image 11" descr="/var/folders/ky/3gqyhkyd7k16pwqdw48v0k400000gn/T/icon-icon-fzlnt975f-1767453708949.png">    </p:cNvPr>
           <p:cNvPicPr>
             <a:picLocks noChangeAspect="1"/>
           </p:cNvPicPr>
@@ -15602,7 +15602,7 @@
       </p:pic>
       <p:pic>
         <p:nvPicPr>
-          <p:cNvPr id="54" name="Image 12" descr="/var/folders/ky/3gqyhkyd7k16pwqdw48v0k400000gn/T/icon-icon-cycnz8574-1767452190748.png">    </p:cNvPr>
+          <p:cNvPr id="54" name="Image 12" descr="/var/folders/ky/3gqyhkyd7k16pwqdw48v0k400000gn/T/icon-icon-6fb5xu1qq-1767453709003.png">    </p:cNvPr>
           <p:cNvPicPr>
             <a:picLocks noChangeAspect="1"/>
           </p:cNvPicPr>
@@ -15626,7 +15626,7 @@
       </p:pic>
       <p:pic>
         <p:nvPicPr>
-          <p:cNvPr id="55" name="Image 13" descr="/var/folders/ky/3gqyhkyd7k16pwqdw48v0k400000gn/T/icon-icon-pi6h5854l-1767452190815.png">    </p:cNvPr>
+          <p:cNvPr id="55" name="Image 13" descr="/var/folders/ky/3gqyhkyd7k16pwqdw48v0k400000gn/T/icon-icon-fzlnt975f-1767453709055.png">    </p:cNvPr>
           <p:cNvPicPr>
             <a:picLocks noChangeAspect="1"/>
           </p:cNvPicPr>
@@ -15871,6 +15871,1126 @@
         </p:nvSpPr>
         <p:spPr>
           <a:xfrm>
+            <a:off x="573024" y="1981200"/>
+            <a:ext cx="3730752" cy="461963"/>
+          </a:xfrm>
+          <a:prstGeom prst="rect">
+            <a:avLst/>
+          </a:prstGeom>
+          <a:noFill/>
+          <a:ln/>
+        </p:spPr>
+        <p:txBody>
+          <a:bodyPr wrap="square" lIns="152400" tIns="114300" rIns="152400" bIns="114300" rtlCol="0" anchor="t"/>
+          <a:lstStyle/>
+          <a:p>
+            <a:pPr algn="ctr" indent="0" marL="0">
+              <a:lnSpc>
+                <a:spcPts val="1800"/>
+              </a:lnSpc>
+              <a:buNone/>
+            </a:pPr>
+            <a:r>
+              <a:rPr lang="en-US" sz="1200" b="1" dirty="0">
+                <a:solidFill>
+                  <a:srgbClr val="374151"/>
+                </a:solidFill>
+                <a:latin typeface="Montserrat" pitchFamily="34" charset="0"/>
+                <a:ea typeface="Montserrat" pitchFamily="34" charset="-122"/>
+                <a:cs typeface="Montserrat" pitchFamily="34" charset="-120"/>
+              </a:rPr>
+              <a:t>Feature</a:t>
+            </a:r>
+            <a:endParaRPr lang="en-US" sz="1200" dirty="0"/>
+          </a:p>
+        </p:txBody>
+      </p:sp>
+      <p:sp>
+        <p:nvSpPr>
+          <p:cNvPr id="8" name="Text 6"/>
+          <p:cNvSpPr/>
+          <p:nvPr/>
+        </p:nvSpPr>
+        <p:spPr>
+          <a:xfrm>
+            <a:off x="4230624" y="1981200"/>
+            <a:ext cx="3730752" cy="461963"/>
+          </a:xfrm>
+          <a:prstGeom prst="rect">
+            <a:avLst/>
+          </a:prstGeom>
+          <a:noFill/>
+          <a:ln/>
+        </p:spPr>
+        <p:txBody>
+          <a:bodyPr wrap="square" lIns="152400" tIns="114300" rIns="152400" bIns="114300" rtlCol="0" anchor="t"/>
+          <a:lstStyle/>
+          <a:p>
+            <a:pPr algn="ctr" indent="0" marL="0">
+              <a:lnSpc>
+                <a:spcPts val="1800"/>
+              </a:lnSpc>
+              <a:buNone/>
+            </a:pPr>
+            <a:r>
+              <a:rPr lang="en-US" sz="1200" b="1" dirty="0">
+                <a:solidFill>
+                  <a:srgbClr val="E63946"/>
+                </a:solidFill>
+                <a:latin typeface="Montserrat" pitchFamily="34" charset="0"/>
+                <a:ea typeface="Montserrat" pitchFamily="34" charset="-122"/>
+                <a:cs typeface="Montserrat" pitchFamily="34" charset="-120"/>
+              </a:rPr>
+              <a:t> </a:t>
+            </a:r>
+            <a:pPr algn="ctr" indent="0" marL="0">
+              <a:lnSpc>
+                <a:spcPts val="1800"/>
+              </a:lnSpc>
+              <a:buNone/>
+            </a:pPr>
+            <a:r>
+              <a:rPr lang="en-US" sz="1200" b="1" dirty="0">
+                <a:solidFill>
+                  <a:srgbClr val="E63946"/>
+                </a:solidFill>
+                <a:latin typeface="Montserrat" pitchFamily="34" charset="0"/>
+                <a:ea typeface="Montserrat" pitchFamily="34" charset="-122"/>
+                <a:cs typeface="Montserrat" pitchFamily="34" charset="-120"/>
+              </a:rPr>
+              <a:t>    </a:t>
+            </a:r>
+            <a:pPr algn="ctr" indent="0" marL="0">
+              <a:lnSpc>
+                <a:spcPts val="1800"/>
+              </a:lnSpc>
+              <a:buNone/>
+            </a:pPr>
+            <a:r>
+              <a:rPr lang="en-US" sz="1200" b="1" dirty="0">
+                <a:solidFill>
+                  <a:srgbClr val="E63946"/>
+                </a:solidFill>
+                <a:latin typeface="Montserrat" pitchFamily="34" charset="0"/>
+                <a:ea typeface="Montserrat" pitchFamily="34" charset="-122"/>
+                <a:cs typeface="Montserrat" pitchFamily="34" charset="-120"/>
+              </a:rPr>
+              <a:t>Dook Travels</a:t>
+            </a:r>
+            <a:endParaRPr lang="en-US" sz="1200" dirty="0"/>
+          </a:p>
+        </p:txBody>
+      </p:sp>
+      <p:sp>
+        <p:nvSpPr>
+          <p:cNvPr id="9" name="Text 7"/>
+          <p:cNvSpPr/>
+          <p:nvPr/>
+        </p:nvSpPr>
+        <p:spPr>
+          <a:xfrm>
+            <a:off x="7888224" y="1981200"/>
+            <a:ext cx="3730752" cy="461963"/>
+          </a:xfrm>
+          <a:prstGeom prst="rect">
+            <a:avLst/>
+          </a:prstGeom>
+          <a:noFill/>
+          <a:ln/>
+        </p:spPr>
+        <p:txBody>
+          <a:bodyPr wrap="square" lIns="152400" tIns="114300" rIns="152400" bIns="114300" rtlCol="0" anchor="t"/>
+          <a:lstStyle/>
+          <a:p>
+            <a:pPr algn="ctr" indent="0" marL="0">
+              <a:lnSpc>
+                <a:spcPts val="1800"/>
+              </a:lnSpc>
+              <a:buNone/>
+            </a:pPr>
+            <a:r>
+              <a:rPr lang="en-US" sz="1200" b="1" dirty="0">
+                <a:solidFill>
+                  <a:srgbClr val="374151"/>
+                </a:solidFill>
+                <a:latin typeface="Montserrat" pitchFamily="34" charset="0"/>
+                <a:ea typeface="Montserrat" pitchFamily="34" charset="-122"/>
+                <a:cs typeface="Montserrat" pitchFamily="34" charset="-120"/>
+              </a:rPr>
+              <a:t>Other DMCs</a:t>
+            </a:r>
+            <a:endParaRPr lang="en-US" sz="1200" dirty="0"/>
+          </a:p>
+        </p:txBody>
+      </p:sp>
+      <p:sp>
+        <p:nvSpPr>
+          <p:cNvPr id="10" name="Text 8"/>
+          <p:cNvSpPr/>
+          <p:nvPr/>
+        </p:nvSpPr>
+        <p:spPr>
+          <a:xfrm>
+            <a:off x="573024" y="2443163"/>
+            <a:ext cx="3730752" cy="466725"/>
+          </a:xfrm>
+          <a:prstGeom prst="rect">
+            <a:avLst/>
+          </a:prstGeom>
+          <a:noFill/>
+          <a:ln/>
+        </p:spPr>
+        <p:txBody>
+          <a:bodyPr wrap="square" lIns="152400" tIns="114300" rIns="152400" bIns="114300" rtlCol="0" anchor="t"/>
+          <a:lstStyle/>
+          <a:p>
+            <a:pPr algn="ctr" indent="0" marL="0">
+              <a:lnSpc>
+                <a:spcPts val="1800"/>
+              </a:lnSpc>
+              <a:buNone/>
+            </a:pPr>
+            <a:r>
+              <a:rPr lang="en-US" sz="1200" dirty="0">
+                <a:solidFill>
+                  <a:srgbClr val="000000"/>
+                </a:solidFill>
+                <a:latin typeface="Montserrat" pitchFamily="34" charset="0"/>
+                <a:ea typeface="Montserrat" pitchFamily="34" charset="-122"/>
+                <a:cs typeface="Montserrat" pitchFamily="34" charset="-120"/>
+              </a:rPr>
+              <a:t> </a:t>
+            </a:r>
+            <a:pPr algn="ctr" indent="0" marL="0">
+              <a:lnSpc>
+                <a:spcPts val="1800"/>
+              </a:lnSpc>
+              <a:buNone/>
+            </a:pPr>
+            <a:r>
+              <a:rPr lang="en-US" sz="1200" dirty="0">
+                <a:solidFill>
+                  <a:srgbClr val="000000"/>
+                </a:solidFill>
+                <a:latin typeface="Montserrat" pitchFamily="34" charset="0"/>
+                <a:ea typeface="Montserrat" pitchFamily="34" charset="-122"/>
+                <a:cs typeface="Montserrat" pitchFamily="34" charset="-120"/>
+              </a:rPr>
+              <a:t>   </a:t>
+            </a:r>
+            <a:pPr algn="ctr" indent="0" marL="0">
+              <a:lnSpc>
+                <a:spcPts val="1800"/>
+              </a:lnSpc>
+              <a:buNone/>
+            </a:pPr>
+            <a:r>
+              <a:rPr lang="en-US" sz="1200" dirty="0">
+                <a:solidFill>
+                  <a:srgbClr val="000000"/>
+                </a:solidFill>
+                <a:latin typeface="Montserrat" pitchFamily="34" charset="0"/>
+                <a:ea typeface="Montserrat" pitchFamily="34" charset="-122"/>
+                <a:cs typeface="Montserrat" pitchFamily="34" charset="-120"/>
+              </a:rPr>
+              <a:t> Own Indian Restaurants in CIS</a:t>
+            </a:r>
+            <a:endParaRPr lang="en-US" sz="1200" dirty="0"/>
+          </a:p>
+        </p:txBody>
+      </p:sp>
+      <p:sp>
+        <p:nvSpPr>
+          <p:cNvPr id="11" name="Text 9"/>
+          <p:cNvSpPr/>
+          <p:nvPr/>
+        </p:nvSpPr>
+        <p:spPr>
+          <a:xfrm>
+            <a:off x="4230624" y="2443163"/>
+            <a:ext cx="3730752" cy="466725"/>
+          </a:xfrm>
+          <a:prstGeom prst="rect">
+            <a:avLst/>
+          </a:prstGeom>
+          <a:noFill/>
+          <a:ln/>
+        </p:spPr>
+        <p:txBody>
+          <a:bodyPr wrap="square" lIns="152400" tIns="114300" rIns="152400" bIns="114300" rtlCol="0" anchor="t"/>
+          <a:lstStyle/>
+          <a:p>
+            <a:pPr algn="ctr" indent="0" marL="0">
+              <a:lnSpc>
+                <a:spcPts val="1800"/>
+              </a:lnSpc>
+              <a:buNone/>
+            </a:pPr>
+            <a:r>
+              <a:rPr lang="en-US" sz="1200" dirty="0">
+                <a:solidFill>
+                  <a:srgbClr val="059669"/>
+                </a:solidFill>
+                <a:latin typeface="Montserrat" pitchFamily="34" charset="0"/>
+                <a:ea typeface="Montserrat" pitchFamily="34" charset="-122"/>
+                <a:cs typeface="Montserrat" pitchFamily="34" charset="-120"/>
+              </a:rPr>
+              <a:t> Yes</a:t>
+            </a:r>
+            <a:endParaRPr lang="en-US" sz="1200" dirty="0"/>
+          </a:p>
+        </p:txBody>
+      </p:sp>
+      <p:sp>
+        <p:nvSpPr>
+          <p:cNvPr id="12" name="Text 10"/>
+          <p:cNvSpPr/>
+          <p:nvPr/>
+        </p:nvSpPr>
+        <p:spPr>
+          <a:xfrm>
+            <a:off x="7888224" y="2443163"/>
+            <a:ext cx="3730752" cy="466725"/>
+          </a:xfrm>
+          <a:prstGeom prst="rect">
+            <a:avLst/>
+          </a:prstGeom>
+          <a:noFill/>
+          <a:ln/>
+        </p:spPr>
+        <p:txBody>
+          <a:bodyPr wrap="square" lIns="152400" tIns="114300" rIns="152400" bIns="114300" rtlCol="0" anchor="t"/>
+          <a:lstStyle/>
+          <a:p>
+            <a:pPr algn="ctr" indent="0" marL="0">
+              <a:lnSpc>
+                <a:spcPts val="1800"/>
+              </a:lnSpc>
+              <a:buNone/>
+            </a:pPr>
+            <a:r>
+              <a:rPr lang="en-US" sz="1200" dirty="0">
+                <a:solidFill>
+                  <a:srgbClr val="DC2626"/>
+                </a:solidFill>
+                <a:latin typeface="Montserrat" pitchFamily="34" charset="0"/>
+                <a:ea typeface="Montserrat" pitchFamily="34" charset="-122"/>
+                <a:cs typeface="Montserrat" pitchFamily="34" charset="-120"/>
+              </a:rPr>
+              <a:t> No / Rarely</a:t>
+            </a:r>
+            <a:endParaRPr lang="en-US" sz="1200" dirty="0"/>
+          </a:p>
+        </p:txBody>
+      </p:sp>
+      <p:sp>
+        <p:nvSpPr>
+          <p:cNvPr id="13" name="Text 11"/>
+          <p:cNvSpPr/>
+          <p:nvPr/>
+        </p:nvSpPr>
+        <p:spPr>
+          <a:xfrm>
+            <a:off x="573024" y="2909888"/>
+            <a:ext cx="3730752" cy="466725"/>
+          </a:xfrm>
+          <a:prstGeom prst="rect">
+            <a:avLst/>
+          </a:prstGeom>
+          <a:noFill/>
+          <a:ln/>
+        </p:spPr>
+        <p:txBody>
+          <a:bodyPr wrap="square" lIns="152400" tIns="114300" rIns="152400" bIns="114300" rtlCol="0" anchor="t"/>
+          <a:lstStyle/>
+          <a:p>
+            <a:pPr algn="ctr" indent="0" marL="0">
+              <a:lnSpc>
+                <a:spcPts val="1800"/>
+              </a:lnSpc>
+              <a:buNone/>
+            </a:pPr>
+            <a:r>
+              <a:rPr lang="en-US" sz="1200" dirty="0">
+                <a:solidFill>
+                  <a:srgbClr val="000000"/>
+                </a:solidFill>
+                <a:latin typeface="Montserrat" pitchFamily="34" charset="0"/>
+                <a:ea typeface="Montserrat" pitchFamily="34" charset="-122"/>
+                <a:cs typeface="Montserrat" pitchFamily="34" charset="-120"/>
+              </a:rPr>
+              <a:t> </a:t>
+            </a:r>
+            <a:pPr algn="ctr" indent="0" marL="0">
+              <a:lnSpc>
+                <a:spcPts val="1800"/>
+              </a:lnSpc>
+              <a:buNone/>
+            </a:pPr>
+            <a:r>
+              <a:rPr lang="en-US" sz="1200" dirty="0">
+                <a:solidFill>
+                  <a:srgbClr val="000000"/>
+                </a:solidFill>
+                <a:latin typeface="Montserrat" pitchFamily="34" charset="0"/>
+                <a:ea typeface="Montserrat" pitchFamily="34" charset="-122"/>
+                <a:cs typeface="Montserrat" pitchFamily="34" charset="-120"/>
+              </a:rPr>
+              <a:t>    </a:t>
+            </a:r>
+            <a:pPr algn="ctr" indent="0" marL="0">
+              <a:lnSpc>
+                <a:spcPts val="1800"/>
+              </a:lnSpc>
+              <a:buNone/>
+            </a:pPr>
+            <a:r>
+              <a:rPr lang="en-US" sz="1200" dirty="0">
+                <a:solidFill>
+                  <a:srgbClr val="000000"/>
+                </a:solidFill>
+                <a:latin typeface="Montserrat" pitchFamily="34" charset="0"/>
+                <a:ea typeface="Montserrat" pitchFamily="34" charset="-122"/>
+                <a:cs typeface="Montserrat" pitchFamily="34" charset="-120"/>
+              </a:rPr>
+              <a:t> Pioneer in Indian Market</a:t>
+            </a:r>
+            <a:endParaRPr lang="en-US" sz="1200" dirty="0"/>
+          </a:p>
+        </p:txBody>
+      </p:sp>
+      <p:sp>
+        <p:nvSpPr>
+          <p:cNvPr id="14" name="Text 12"/>
+          <p:cNvSpPr/>
+          <p:nvPr/>
+        </p:nvSpPr>
+        <p:spPr>
+          <a:xfrm>
+            <a:off x="4230624" y="2909888"/>
+            <a:ext cx="3730752" cy="466725"/>
+          </a:xfrm>
+          <a:prstGeom prst="rect">
+            <a:avLst/>
+          </a:prstGeom>
+          <a:noFill/>
+          <a:ln/>
+        </p:spPr>
+        <p:txBody>
+          <a:bodyPr wrap="square" lIns="152400" tIns="114300" rIns="152400" bIns="114300" rtlCol="0" anchor="t"/>
+          <a:lstStyle/>
+          <a:p>
+            <a:pPr algn="ctr" indent="0" marL="0">
+              <a:lnSpc>
+                <a:spcPts val="1800"/>
+              </a:lnSpc>
+              <a:buNone/>
+            </a:pPr>
+            <a:r>
+              <a:rPr lang="en-US" sz="1200" dirty="0">
+                <a:solidFill>
+                  <a:srgbClr val="059669"/>
+                </a:solidFill>
+                <a:latin typeface="Montserrat" pitchFamily="34" charset="0"/>
+                <a:ea typeface="Montserrat" pitchFamily="34" charset="-122"/>
+                <a:cs typeface="Montserrat" pitchFamily="34" charset="-120"/>
+              </a:rPr>
+              <a:t> Since 2010</a:t>
+            </a:r>
+            <a:endParaRPr lang="en-US" sz="1200" dirty="0"/>
+          </a:p>
+        </p:txBody>
+      </p:sp>
+      <p:sp>
+        <p:nvSpPr>
+          <p:cNvPr id="15" name="Text 13"/>
+          <p:cNvSpPr/>
+          <p:nvPr/>
+        </p:nvSpPr>
+        <p:spPr>
+          <a:xfrm>
+            <a:off x="7888224" y="2909888"/>
+            <a:ext cx="3730752" cy="466725"/>
+          </a:xfrm>
+          <a:prstGeom prst="rect">
+            <a:avLst/>
+          </a:prstGeom>
+          <a:noFill/>
+          <a:ln/>
+        </p:spPr>
+        <p:txBody>
+          <a:bodyPr wrap="square" lIns="152400" tIns="114300" rIns="152400" bIns="114300" rtlCol="0" anchor="t"/>
+          <a:lstStyle/>
+          <a:p>
+            <a:pPr algn="ctr" indent="0" marL="0">
+              <a:lnSpc>
+                <a:spcPts val="1800"/>
+              </a:lnSpc>
+              <a:buNone/>
+            </a:pPr>
+            <a:r>
+              <a:rPr lang="en-US" sz="1200" dirty="0">
+                <a:solidFill>
+                  <a:srgbClr val="DC2626"/>
+                </a:solidFill>
+                <a:latin typeface="Montserrat" pitchFamily="34" charset="0"/>
+                <a:ea typeface="Montserrat" pitchFamily="34" charset="-122"/>
+                <a:cs typeface="Montserrat" pitchFamily="34" charset="-120"/>
+              </a:rPr>
+              <a:t> Follower</a:t>
+            </a:r>
+            <a:endParaRPr lang="en-US" sz="1200" dirty="0"/>
+          </a:p>
+        </p:txBody>
+      </p:sp>
+      <p:sp>
+        <p:nvSpPr>
+          <p:cNvPr id="16" name="Text 14"/>
+          <p:cNvSpPr/>
+          <p:nvPr/>
+        </p:nvSpPr>
+        <p:spPr>
+          <a:xfrm>
+            <a:off x="573024" y="3376613"/>
+            <a:ext cx="3730752" cy="466725"/>
+          </a:xfrm>
+          <a:prstGeom prst="rect">
+            <a:avLst/>
+          </a:prstGeom>
+          <a:noFill/>
+          <a:ln/>
+        </p:spPr>
+        <p:txBody>
+          <a:bodyPr wrap="square" lIns="152400" tIns="114300" rIns="152400" bIns="114300" rtlCol="0" anchor="t"/>
+          <a:lstStyle/>
+          <a:p>
+            <a:pPr algn="ctr" indent="0" marL="0">
+              <a:lnSpc>
+                <a:spcPts val="1800"/>
+              </a:lnSpc>
+              <a:buNone/>
+            </a:pPr>
+            <a:r>
+              <a:rPr lang="en-US" sz="1200" dirty="0">
+                <a:solidFill>
+                  <a:srgbClr val="000000"/>
+                </a:solidFill>
+                <a:latin typeface="Montserrat" pitchFamily="34" charset="0"/>
+                <a:ea typeface="Montserrat" pitchFamily="34" charset="-122"/>
+                <a:cs typeface="Montserrat" pitchFamily="34" charset="-120"/>
+              </a:rPr>
+              <a:t> </a:t>
+            </a:r>
+            <a:pPr algn="ctr" indent="0" marL="0">
+              <a:lnSpc>
+                <a:spcPts val="1800"/>
+              </a:lnSpc>
+              <a:buNone/>
+            </a:pPr>
+            <a:r>
+              <a:rPr lang="en-US" sz="1200" dirty="0">
+                <a:solidFill>
+                  <a:srgbClr val="000000"/>
+                </a:solidFill>
+                <a:latin typeface="Montserrat" pitchFamily="34" charset="0"/>
+                <a:ea typeface="Montserrat" pitchFamily="34" charset="-122"/>
+                <a:cs typeface="Montserrat" pitchFamily="34" charset="-120"/>
+              </a:rPr>
+              <a:t>     </a:t>
+            </a:r>
+            <a:pPr algn="ctr" indent="0" marL="0">
+              <a:lnSpc>
+                <a:spcPts val="1800"/>
+              </a:lnSpc>
+              <a:buNone/>
+            </a:pPr>
+            <a:r>
+              <a:rPr lang="en-US" sz="1200" dirty="0">
+                <a:solidFill>
+                  <a:srgbClr val="000000"/>
+                </a:solidFill>
+                <a:latin typeface="Montserrat" pitchFamily="34" charset="0"/>
+                <a:ea typeface="Montserrat" pitchFamily="34" charset="-122"/>
+                <a:cs typeface="Montserrat" pitchFamily="34" charset="-120"/>
+              </a:rPr>
+              <a:t> Comprehensive B2B Tech Platform</a:t>
+            </a:r>
+            <a:endParaRPr lang="en-US" sz="1200" dirty="0"/>
+          </a:p>
+        </p:txBody>
+      </p:sp>
+      <p:sp>
+        <p:nvSpPr>
+          <p:cNvPr id="17" name="Text 15"/>
+          <p:cNvSpPr/>
+          <p:nvPr/>
+        </p:nvSpPr>
+        <p:spPr>
+          <a:xfrm>
+            <a:off x="4230624" y="3376613"/>
+            <a:ext cx="3730752" cy="466725"/>
+          </a:xfrm>
+          <a:prstGeom prst="rect">
+            <a:avLst/>
+          </a:prstGeom>
+          <a:noFill/>
+          <a:ln/>
+        </p:spPr>
+        <p:txBody>
+          <a:bodyPr wrap="square" lIns="152400" tIns="114300" rIns="152400" bIns="114300" rtlCol="0" anchor="t"/>
+          <a:lstStyle/>
+          <a:p>
+            <a:pPr algn="ctr" indent="0" marL="0">
+              <a:lnSpc>
+                <a:spcPts val="1800"/>
+              </a:lnSpc>
+              <a:buNone/>
+            </a:pPr>
+            <a:r>
+              <a:rPr lang="en-US" sz="1200" dirty="0">
+                <a:solidFill>
+                  <a:srgbClr val="059669"/>
+                </a:solidFill>
+                <a:latin typeface="Montserrat" pitchFamily="34" charset="0"/>
+                <a:ea typeface="Montserrat" pitchFamily="34" charset="-122"/>
+                <a:cs typeface="Montserrat" pitchFamily="34" charset="-120"/>
+              </a:rPr>
+              <a:t> Yes</a:t>
+            </a:r>
+            <a:endParaRPr lang="en-US" sz="1200" dirty="0"/>
+          </a:p>
+        </p:txBody>
+      </p:sp>
+      <p:sp>
+        <p:nvSpPr>
+          <p:cNvPr id="18" name="Text 16"/>
+          <p:cNvSpPr/>
+          <p:nvPr/>
+        </p:nvSpPr>
+        <p:spPr>
+          <a:xfrm>
+            <a:off x="7888224" y="3376613"/>
+            <a:ext cx="3730752" cy="466725"/>
+          </a:xfrm>
+          <a:prstGeom prst="rect">
+            <a:avLst/>
+          </a:prstGeom>
+          <a:noFill/>
+          <a:ln/>
+        </p:spPr>
+        <p:txBody>
+          <a:bodyPr wrap="square" lIns="152400" tIns="114300" rIns="152400" bIns="114300" rtlCol="0" anchor="t"/>
+          <a:lstStyle/>
+          <a:p>
+            <a:pPr algn="ctr" indent="0" marL="0">
+              <a:lnSpc>
+                <a:spcPts val="1800"/>
+              </a:lnSpc>
+              <a:buNone/>
+            </a:pPr>
+            <a:r>
+              <a:rPr lang="en-US" sz="1200" dirty="0">
+                <a:solidFill>
+                  <a:srgbClr val="DC2626"/>
+                </a:solidFill>
+                <a:latin typeface="Montserrat" pitchFamily="34" charset="0"/>
+                <a:ea typeface="Montserrat" pitchFamily="34" charset="-122"/>
+                <a:cs typeface="Montserrat" pitchFamily="34" charset="-120"/>
+              </a:rPr>
+              <a:t> Limited / None</a:t>
+            </a:r>
+            <a:endParaRPr lang="en-US" sz="1200" dirty="0"/>
+          </a:p>
+        </p:txBody>
+      </p:sp>
+      <p:sp>
+        <p:nvSpPr>
+          <p:cNvPr id="19" name="Text 17"/>
+          <p:cNvSpPr/>
+          <p:nvPr/>
+        </p:nvSpPr>
+        <p:spPr>
+          <a:xfrm>
+            <a:off x="573024" y="3843338"/>
+            <a:ext cx="3730752" cy="466725"/>
+          </a:xfrm>
+          <a:prstGeom prst="rect">
+            <a:avLst/>
+          </a:prstGeom>
+          <a:noFill/>
+          <a:ln/>
+        </p:spPr>
+        <p:txBody>
+          <a:bodyPr wrap="square" lIns="152400" tIns="114300" rIns="152400" bIns="114300" rtlCol="0" anchor="t"/>
+          <a:lstStyle/>
+          <a:p>
+            <a:pPr algn="ctr" indent="0" marL="0">
+              <a:lnSpc>
+                <a:spcPts val="1800"/>
+              </a:lnSpc>
+              <a:buNone/>
+            </a:pPr>
+            <a:r>
+              <a:rPr lang="en-US" sz="1200" dirty="0">
+                <a:solidFill>
+                  <a:srgbClr val="000000"/>
+                </a:solidFill>
+                <a:latin typeface="Montserrat" pitchFamily="34" charset="0"/>
+                <a:ea typeface="Montserrat" pitchFamily="34" charset="-122"/>
+                <a:cs typeface="Montserrat" pitchFamily="34" charset="-120"/>
+              </a:rPr>
+              <a:t> </a:t>
+            </a:r>
+            <a:pPr algn="ctr" indent="0" marL="0">
+              <a:lnSpc>
+                <a:spcPts val="1800"/>
+              </a:lnSpc>
+              <a:buNone/>
+            </a:pPr>
+            <a:r>
+              <a:rPr lang="en-US" sz="1200" dirty="0">
+                <a:solidFill>
+                  <a:srgbClr val="000000"/>
+                </a:solidFill>
+                <a:latin typeface="Montserrat" pitchFamily="34" charset="0"/>
+                <a:ea typeface="Montserrat" pitchFamily="34" charset="-122"/>
+                <a:cs typeface="Montserrat" pitchFamily="34" charset="-120"/>
+              </a:rPr>
+              <a:t>    </a:t>
+            </a:r>
+            <a:pPr algn="ctr" indent="0" marL="0">
+              <a:lnSpc>
+                <a:spcPts val="1800"/>
+              </a:lnSpc>
+              <a:buNone/>
+            </a:pPr>
+            <a:r>
+              <a:rPr lang="en-US" sz="1200" dirty="0">
+                <a:solidFill>
+                  <a:srgbClr val="000000"/>
+                </a:solidFill>
+                <a:latin typeface="Montserrat" pitchFamily="34" charset="0"/>
+                <a:ea typeface="Montserrat" pitchFamily="34" charset="-122"/>
+                <a:cs typeface="Montserrat" pitchFamily="34" charset="-120"/>
+              </a:rPr>
+              <a:t> Specialized Indian Market Focus</a:t>
+            </a:r>
+            <a:endParaRPr lang="en-US" sz="1200" dirty="0"/>
+          </a:p>
+        </p:txBody>
+      </p:sp>
+      <p:sp>
+        <p:nvSpPr>
+          <p:cNvPr id="20" name="Text 18"/>
+          <p:cNvSpPr/>
+          <p:nvPr/>
+        </p:nvSpPr>
+        <p:spPr>
+          <a:xfrm>
+            <a:off x="4230624" y="3843338"/>
+            <a:ext cx="3730752" cy="466725"/>
+          </a:xfrm>
+          <a:prstGeom prst="rect">
+            <a:avLst/>
+          </a:prstGeom>
+          <a:noFill/>
+          <a:ln/>
+        </p:spPr>
+        <p:txBody>
+          <a:bodyPr wrap="square" lIns="152400" tIns="114300" rIns="152400" bIns="114300" rtlCol="0" anchor="t"/>
+          <a:lstStyle/>
+          <a:p>
+            <a:pPr algn="ctr" indent="0" marL="0">
+              <a:lnSpc>
+                <a:spcPts val="1800"/>
+              </a:lnSpc>
+              <a:buNone/>
+            </a:pPr>
+            <a:r>
+              <a:rPr lang="en-US" sz="1200" dirty="0">
+                <a:solidFill>
+                  <a:srgbClr val="059669"/>
+                </a:solidFill>
+                <a:latin typeface="Montserrat" pitchFamily="34" charset="0"/>
+                <a:ea typeface="Montserrat" pitchFamily="34" charset="-122"/>
+                <a:cs typeface="Montserrat" pitchFamily="34" charset="-120"/>
+              </a:rPr>
+              <a:t> Core DNA</a:t>
+            </a:r>
+            <a:endParaRPr lang="en-US" sz="1200" dirty="0"/>
+          </a:p>
+        </p:txBody>
+      </p:sp>
+      <p:sp>
+        <p:nvSpPr>
+          <p:cNvPr id="21" name="Text 19"/>
+          <p:cNvSpPr/>
+          <p:nvPr/>
+        </p:nvSpPr>
+        <p:spPr>
+          <a:xfrm>
+            <a:off x="7888224" y="3843338"/>
+            <a:ext cx="3730752" cy="466725"/>
+          </a:xfrm>
+          <a:prstGeom prst="rect">
+            <a:avLst/>
+          </a:prstGeom>
+          <a:noFill/>
+          <a:ln/>
+        </p:spPr>
+        <p:txBody>
+          <a:bodyPr wrap="square" lIns="152400" tIns="114300" rIns="152400" bIns="114300" rtlCol="0" anchor="t"/>
+          <a:lstStyle/>
+          <a:p>
+            <a:pPr algn="ctr" indent="0" marL="0">
+              <a:lnSpc>
+                <a:spcPts val="1800"/>
+              </a:lnSpc>
+              <a:buNone/>
+            </a:pPr>
+            <a:r>
+              <a:rPr lang="en-US" sz="1200" dirty="0">
+                <a:solidFill>
+                  <a:srgbClr val="DC2626"/>
+                </a:solidFill>
+                <a:latin typeface="Montserrat" pitchFamily="34" charset="0"/>
+                <a:ea typeface="Montserrat" pitchFamily="34" charset="-122"/>
+                <a:cs typeface="Montserrat" pitchFamily="34" charset="-120"/>
+              </a:rPr>
+              <a:t> General</a:t>
+            </a:r>
+            <a:endParaRPr lang="en-US" sz="1200" dirty="0"/>
+          </a:p>
+        </p:txBody>
+      </p:sp>
+      <p:sp>
+        <p:nvSpPr>
+          <p:cNvPr id="22" name="Text 20"/>
+          <p:cNvSpPr/>
+          <p:nvPr/>
+        </p:nvSpPr>
+        <p:spPr>
+          <a:xfrm>
+            <a:off x="573024" y="4310063"/>
+            <a:ext cx="3730752" cy="466725"/>
+          </a:xfrm>
+          <a:prstGeom prst="rect">
+            <a:avLst/>
+          </a:prstGeom>
+          <a:noFill/>
+          <a:ln/>
+        </p:spPr>
+        <p:txBody>
+          <a:bodyPr wrap="square" lIns="152400" tIns="114300" rIns="152400" bIns="114300" rtlCol="0" anchor="t"/>
+          <a:lstStyle/>
+          <a:p>
+            <a:pPr algn="ctr" indent="0" marL="0">
+              <a:lnSpc>
+                <a:spcPts val="1800"/>
+              </a:lnSpc>
+              <a:buNone/>
+            </a:pPr>
+            <a:r>
+              <a:rPr lang="en-US" sz="1200" dirty="0">
+                <a:solidFill>
+                  <a:srgbClr val="000000"/>
+                </a:solidFill>
+                <a:latin typeface="Montserrat" pitchFamily="34" charset="0"/>
+                <a:ea typeface="Montserrat" pitchFamily="34" charset="-122"/>
+                <a:cs typeface="Montserrat" pitchFamily="34" charset="-120"/>
+              </a:rPr>
+              <a:t> </a:t>
+            </a:r>
+            <a:pPr algn="ctr" indent="0" marL="0">
+              <a:lnSpc>
+                <a:spcPts val="1800"/>
+              </a:lnSpc>
+              <a:buNone/>
+            </a:pPr>
+            <a:r>
+              <a:rPr lang="en-US" sz="1200" dirty="0">
+                <a:solidFill>
+                  <a:srgbClr val="000000"/>
+                </a:solidFill>
+                <a:latin typeface="Montserrat" pitchFamily="34" charset="0"/>
+                <a:ea typeface="Montserrat" pitchFamily="34" charset="-122"/>
+                <a:cs typeface="Montserrat" pitchFamily="34" charset="-120"/>
+              </a:rPr>
+              <a:t>   </a:t>
+            </a:r>
+            <a:pPr algn="ctr" indent="0" marL="0">
+              <a:lnSpc>
+                <a:spcPts val="1800"/>
+              </a:lnSpc>
+              <a:buNone/>
+            </a:pPr>
+            <a:r>
+              <a:rPr lang="en-US" sz="1200" dirty="0">
+                <a:solidFill>
+                  <a:srgbClr val="000000"/>
+                </a:solidFill>
+                <a:latin typeface="Montserrat" pitchFamily="34" charset="0"/>
+                <a:ea typeface="Montserrat" pitchFamily="34" charset="-122"/>
+                <a:cs typeface="Montserrat" pitchFamily="34" charset="-120"/>
+              </a:rPr>
+              <a:t> On-Ground Offices in 9+ Countries</a:t>
+            </a:r>
+            <a:endParaRPr lang="en-US" sz="1200" dirty="0"/>
+          </a:p>
+        </p:txBody>
+      </p:sp>
+      <p:sp>
+        <p:nvSpPr>
+          <p:cNvPr id="23" name="Text 21"/>
+          <p:cNvSpPr/>
+          <p:nvPr/>
+        </p:nvSpPr>
+        <p:spPr>
+          <a:xfrm>
+            <a:off x="4230624" y="4310063"/>
+            <a:ext cx="3730752" cy="466725"/>
+          </a:xfrm>
+          <a:prstGeom prst="rect">
+            <a:avLst/>
+          </a:prstGeom>
+          <a:noFill/>
+          <a:ln/>
+        </p:spPr>
+        <p:txBody>
+          <a:bodyPr wrap="square" lIns="152400" tIns="114300" rIns="152400" bIns="114300" rtlCol="0" anchor="t"/>
+          <a:lstStyle/>
+          <a:p>
+            <a:pPr algn="ctr" indent="0" marL="0">
+              <a:lnSpc>
+                <a:spcPts val="1800"/>
+              </a:lnSpc>
+              <a:buNone/>
+            </a:pPr>
+            <a:r>
+              <a:rPr lang="en-US" sz="1200" dirty="0">
+                <a:solidFill>
+                  <a:srgbClr val="059669"/>
+                </a:solidFill>
+                <a:latin typeface="Montserrat" pitchFamily="34" charset="0"/>
+                <a:ea typeface="Montserrat" pitchFamily="34" charset="-122"/>
+                <a:cs typeface="Montserrat" pitchFamily="34" charset="-120"/>
+              </a:rPr>
+              <a:t> Yes</a:t>
+            </a:r>
+            <a:endParaRPr lang="en-US" sz="1200" dirty="0"/>
+          </a:p>
+        </p:txBody>
+      </p:sp>
+      <p:sp>
+        <p:nvSpPr>
+          <p:cNvPr id="24" name="Text 22"/>
+          <p:cNvSpPr/>
+          <p:nvPr/>
+        </p:nvSpPr>
+        <p:spPr>
+          <a:xfrm>
+            <a:off x="7888224" y="4310063"/>
+            <a:ext cx="3730752" cy="466725"/>
+          </a:xfrm>
+          <a:prstGeom prst="rect">
+            <a:avLst/>
+          </a:prstGeom>
+          <a:noFill/>
+          <a:ln/>
+        </p:spPr>
+        <p:txBody>
+          <a:bodyPr wrap="square" lIns="152400" tIns="114300" rIns="152400" bIns="114300" rtlCol="0" anchor="t"/>
+          <a:lstStyle/>
+          <a:p>
+            <a:pPr algn="ctr" indent="0" marL="0">
+              <a:lnSpc>
+                <a:spcPts val="1800"/>
+              </a:lnSpc>
+              <a:buNone/>
+            </a:pPr>
+            <a:r>
+              <a:rPr lang="en-US" sz="1200" dirty="0">
+                <a:solidFill>
+                  <a:srgbClr val="DC2626"/>
+                </a:solidFill>
+                <a:latin typeface="Montserrat" pitchFamily="34" charset="0"/>
+                <a:ea typeface="Montserrat" pitchFamily="34" charset="-122"/>
+                <a:cs typeface="Montserrat" pitchFamily="34" charset="-120"/>
+              </a:rPr>
+              <a:t> Limited Presence</a:t>
+            </a:r>
+            <a:endParaRPr lang="en-US" sz="1200" dirty="0"/>
+          </a:p>
+        </p:txBody>
+      </p:sp>
+      <p:sp>
+        <p:nvSpPr>
+          <p:cNvPr id="25" name="Text 23"/>
+          <p:cNvSpPr/>
+          <p:nvPr/>
+        </p:nvSpPr>
+        <p:spPr>
+          <a:xfrm>
+            <a:off x="573024" y="4776788"/>
+            <a:ext cx="3730752" cy="466725"/>
+          </a:xfrm>
+          <a:prstGeom prst="rect">
+            <a:avLst/>
+          </a:prstGeom>
+          <a:noFill/>
+          <a:ln/>
+        </p:spPr>
+        <p:txBody>
+          <a:bodyPr wrap="square" lIns="152400" tIns="114300" rIns="152400" bIns="114300" rtlCol="0" anchor="t"/>
+          <a:lstStyle/>
+          <a:p>
+            <a:pPr algn="ctr" indent="0" marL="0">
+              <a:lnSpc>
+                <a:spcPts val="1800"/>
+              </a:lnSpc>
+              <a:buNone/>
+            </a:pPr>
+            <a:r>
+              <a:rPr lang="en-US" sz="1200" dirty="0">
+                <a:solidFill>
+                  <a:srgbClr val="000000"/>
+                </a:solidFill>
+                <a:latin typeface="Montserrat" pitchFamily="34" charset="0"/>
+                <a:ea typeface="Montserrat" pitchFamily="34" charset="-122"/>
+                <a:cs typeface="Montserrat" pitchFamily="34" charset="-120"/>
+              </a:rPr>
+              <a:t> </a:t>
+            </a:r>
+            <a:pPr algn="ctr" indent="0" marL="0">
+              <a:lnSpc>
+                <a:spcPts val="1800"/>
+              </a:lnSpc>
+              <a:buNone/>
+            </a:pPr>
+            <a:r>
+              <a:rPr lang="en-US" sz="1200" dirty="0">
+                <a:solidFill>
+                  <a:srgbClr val="000000"/>
+                </a:solidFill>
+                <a:latin typeface="Montserrat" pitchFamily="34" charset="0"/>
+                <a:ea typeface="Montserrat" pitchFamily="34" charset="-122"/>
+                <a:cs typeface="Montserrat" pitchFamily="34" charset="-120"/>
+              </a:rPr>
+              <a:t>     </a:t>
+            </a:r>
+            <a:pPr algn="ctr" indent="0" marL="0">
+              <a:lnSpc>
+                <a:spcPts val="1800"/>
+              </a:lnSpc>
+              <a:buNone/>
+            </a:pPr>
+            <a:r>
+              <a:rPr lang="en-US" sz="1200" dirty="0">
+                <a:solidFill>
+                  <a:srgbClr val="000000"/>
+                </a:solidFill>
+                <a:latin typeface="Montserrat" pitchFamily="34" charset="0"/>
+                <a:ea typeface="Montserrat" pitchFamily="34" charset="-122"/>
+                <a:cs typeface="Montserrat" pitchFamily="34" charset="-120"/>
+              </a:rPr>
+              <a:t> Proven MICE &amp; Corporate Expertise</a:t>
+            </a:r>
+            <a:endParaRPr lang="en-US" sz="1200" dirty="0"/>
+          </a:p>
+        </p:txBody>
+      </p:sp>
+      <p:sp>
+        <p:nvSpPr>
+          <p:cNvPr id="26" name="Text 24"/>
+          <p:cNvSpPr/>
+          <p:nvPr/>
+        </p:nvSpPr>
+        <p:spPr>
+          <a:xfrm>
+            <a:off x="4230624" y="4776788"/>
+            <a:ext cx="3730752" cy="466725"/>
+          </a:xfrm>
+          <a:prstGeom prst="rect">
+            <a:avLst/>
+          </a:prstGeom>
+          <a:noFill/>
+          <a:ln/>
+        </p:spPr>
+        <p:txBody>
+          <a:bodyPr wrap="square" lIns="152400" tIns="114300" rIns="152400" bIns="114300" rtlCol="0" anchor="t"/>
+          <a:lstStyle/>
+          <a:p>
+            <a:pPr algn="ctr" indent="0" marL="0">
+              <a:lnSpc>
+                <a:spcPts val="1800"/>
+              </a:lnSpc>
+              <a:buNone/>
+            </a:pPr>
+            <a:r>
+              <a:rPr lang="en-US" sz="1200" dirty="0">
+                <a:solidFill>
+                  <a:srgbClr val="059669"/>
+                </a:solidFill>
+                <a:latin typeface="Montserrat" pitchFamily="34" charset="0"/>
+                <a:ea typeface="Montserrat" pitchFamily="34" charset="-122"/>
+                <a:cs typeface="Montserrat" pitchFamily="34" charset="-120"/>
+              </a:rPr>
+              <a:t> Yes</a:t>
+            </a:r>
+            <a:endParaRPr lang="en-US" sz="1200" dirty="0"/>
+          </a:p>
+        </p:txBody>
+      </p:sp>
+      <p:sp>
+        <p:nvSpPr>
+          <p:cNvPr id="27" name="Text 25"/>
+          <p:cNvSpPr/>
+          <p:nvPr/>
+        </p:nvSpPr>
+        <p:spPr>
+          <a:xfrm>
+            <a:off x="7888224" y="4776788"/>
+            <a:ext cx="3730752" cy="466725"/>
+          </a:xfrm>
+          <a:prstGeom prst="rect">
+            <a:avLst/>
+          </a:prstGeom>
+          <a:noFill/>
+          <a:ln/>
+        </p:spPr>
+        <p:txBody>
+          <a:bodyPr wrap="square" lIns="152400" tIns="114300" rIns="152400" bIns="114300" rtlCol="0" anchor="t"/>
+          <a:lstStyle/>
+          <a:p>
+            <a:pPr algn="ctr" indent="0" marL="0">
+              <a:lnSpc>
+                <a:spcPts val="1800"/>
+              </a:lnSpc>
+              <a:buNone/>
+            </a:pPr>
+            <a:r>
+              <a:rPr lang="en-US" sz="1200" dirty="0">
+                <a:solidFill>
+                  <a:srgbClr val="DC2626"/>
+                </a:solidFill>
+                <a:latin typeface="Montserrat" pitchFamily="34" charset="0"/>
+                <a:ea typeface="Montserrat" pitchFamily="34" charset="-122"/>
+                <a:cs typeface="Montserrat" pitchFamily="34" charset="-120"/>
+              </a:rPr>
+              <a:t> Variable</a:t>
+            </a:r>
+            <a:endParaRPr lang="en-US" sz="1200" dirty="0"/>
+          </a:p>
+        </p:txBody>
+      </p:sp>
+      <p:sp>
+        <p:nvSpPr>
+          <p:cNvPr id="28" name="Text 26"/>
+          <p:cNvSpPr/>
+          <p:nvPr/>
+        </p:nvSpPr>
+        <p:spPr>
+          <a:xfrm>
             <a:off x="609600" y="5476875"/>
             <a:ext cx="10972800" cy="838200"/>
           </a:xfrm>
@@ -15897,7 +17017,7 @@
       </p:sp>
       <p:sp>
         <p:nvSpPr>
-          <p:cNvPr id="8" name="Shape 6"/>
+          <p:cNvPr id="29" name="Shape 27"/>
           <p:cNvSpPr/>
           <p:nvPr/>
         </p:nvSpPr>
@@ -15920,7 +17040,7 @@
       </p:sp>
       <p:sp>
         <p:nvSpPr>
-          <p:cNvPr id="9" name="Text 7"/>
+          <p:cNvPr id="30" name="Text 28"/>
           <p:cNvSpPr/>
           <p:nvPr/>
         </p:nvSpPr>
@@ -16013,7 +17133,7 @@
       </p:sp>
       <p:sp>
         <p:nvSpPr>
-          <p:cNvPr id="10" name="Text 8"/>
+          <p:cNvPr id="31" name="Text 29"/>
           <p:cNvSpPr/>
           <p:nvPr/>
         </p:nvSpPr>
@@ -16055,7 +17175,7 @@
       </p:sp>
       <p:pic>
         <p:nvPicPr>
-          <p:cNvPr id="11" name="Image 0" descr="/var/folders/ky/3gqyhkyd7k16pwqdw48v0k400000gn/T/icon-icon-hepcwd3e4-1767452191791.png">    </p:cNvPr>
+          <p:cNvPr id="32" name="Image 0" descr="/var/folders/ky/3gqyhkyd7k16pwqdw48v0k400000gn/T/icon-icon-zy28hhlrk-1767453710032.png">    </p:cNvPr>
           <p:cNvPicPr>
             <a:picLocks noChangeAspect="1"/>
           </p:cNvPicPr>
@@ -16079,7 +17199,7 @@
       </p:pic>
       <p:pic>
         <p:nvPicPr>
-          <p:cNvPr id="12" name="Image 1" descr="/var/folders/ky/3gqyhkyd7k16pwqdw48v0k400000gn/T/icon-icon-o9q0tq5a7-1767452191876.png">    </p:cNvPr>
+          <p:cNvPr id="33" name="Image 1" descr="/var/folders/ky/3gqyhkyd7k16pwqdw48v0k400000gn/T/icon-icon-zy28hhlrk-1767453710091.png">    </p:cNvPr>
           <p:cNvPicPr>
             <a:picLocks noChangeAspect="1"/>
           </p:cNvPicPr>
@@ -16093,8 +17213,8 @@
         </p:blipFill>
         <p:spPr>
           <a:xfrm>
-            <a:off x="1160413" y="2600325"/>
-            <a:ext cx="133350" cy="152400"/>
+            <a:off x="5470773" y="2133600"/>
+            <a:ext cx="171450" cy="152400"/>
           </a:xfrm>
           <a:prstGeom prst="rect">
             <a:avLst/>
@@ -16103,7 +17223,7 @@
       </p:pic>
       <p:pic>
         <p:nvPicPr>
-          <p:cNvPr id="13" name="Image 2" descr="/var/folders/ky/3gqyhkyd7k16pwqdw48v0k400000gn/T/icon-icon-9ijuu0ipj-1767452191928.png">    </p:cNvPr>
+          <p:cNvPr id="34" name="Image 2" descr="/var/folders/ky/3gqyhkyd7k16pwqdw48v0k400000gn/T/icon-icon-dxg6fj98r-1767453710131.png">    </p:cNvPr>
           <p:cNvPicPr>
             <a:picLocks noChangeAspect="1"/>
           </p:cNvPicPr>
@@ -16117,8 +17237,8 @@
         </p:blipFill>
         <p:spPr>
           <a:xfrm>
-            <a:off x="5843588" y="2590800"/>
-            <a:ext cx="152400" cy="152400"/>
+            <a:off x="1160413" y="2600325"/>
+            <a:ext cx="133350" cy="152400"/>
           </a:xfrm>
           <a:prstGeom prst="rect">
             <a:avLst/>
@@ -16127,7 +17247,7 @@
       </p:pic>
       <p:pic>
         <p:nvPicPr>
-          <p:cNvPr id="14" name="Image 3" descr="/var/folders/ky/3gqyhkyd7k16pwqdw48v0k400000gn/T/icon-icon-zx4h7jdd5-1767452191968.png">    </p:cNvPr>
+          <p:cNvPr id="35" name="Image 3" descr="/var/folders/ky/3gqyhkyd7k16pwqdw48v0k400000gn/T/icon-icon-dxg6fj98r-1767453710166.png">    </p:cNvPr>
           <p:cNvPicPr>
             <a:picLocks noChangeAspect="1"/>
           </p:cNvPicPr>
@@ -16141,8 +17261,8 @@
         </p:blipFill>
         <p:spPr>
           <a:xfrm>
-            <a:off x="9226302" y="2590800"/>
-            <a:ext cx="152400" cy="152400"/>
+            <a:off x="1160413" y="2600325"/>
+            <a:ext cx="133350" cy="152400"/>
           </a:xfrm>
           <a:prstGeom prst="rect">
             <a:avLst/>
@@ -16151,7 +17271,7 @@
       </p:pic>
       <p:pic>
         <p:nvPicPr>
-          <p:cNvPr id="15" name="Image 4" descr="/var/folders/ky/3gqyhkyd7k16pwqdw48v0k400000gn/T/icon-icon-v33dhjsoo-1767452192038.png">    </p:cNvPr>
+          <p:cNvPr id="36" name="Image 4" descr="/var/folders/ky/3gqyhkyd7k16pwqdw48v0k400000gn/T/icon-icon-7on43wnmk-1767453710228.png">    </p:cNvPr>
           <p:cNvPicPr>
             <a:picLocks noChangeAspect="1"/>
           </p:cNvPicPr>
@@ -16165,7 +17285,7 @@
         </p:blipFill>
         <p:spPr>
           <a:xfrm>
-            <a:off x="1369814" y="3067050"/>
+            <a:off x="5843588" y="2590800"/>
             <a:ext cx="152400" cy="152400"/>
           </a:xfrm>
           <a:prstGeom prst="rect">
@@ -16175,7 +17295,7 @@
       </p:pic>
       <p:pic>
         <p:nvPicPr>
-          <p:cNvPr id="16" name="Image 5" descr="/var/folders/ky/3gqyhkyd7k16pwqdw48v0k400000gn/T/icon-icon-7qu6ehr0w-1767452192081.png">    </p:cNvPr>
+          <p:cNvPr id="37" name="Image 5" descr="/var/folders/ky/3gqyhkyd7k16pwqdw48v0k400000gn/T/icon-icon-7on43wnmk-1767453710297.png">    </p:cNvPr>
           <p:cNvPicPr>
             <a:picLocks noChangeAspect="1"/>
           </p:cNvPicPr>
@@ -16189,7 +17309,7 @@
         </p:blipFill>
         <p:spPr>
           <a:xfrm>
-            <a:off x="5562451" y="3057525"/>
+            <a:off x="5843588" y="2590800"/>
             <a:ext cx="152400" cy="152400"/>
           </a:xfrm>
           <a:prstGeom prst="rect">
@@ -16199,7 +17319,7 @@
       </p:pic>
       <p:pic>
         <p:nvPicPr>
-          <p:cNvPr id="17" name="Image 6" descr="/var/folders/ky/3gqyhkyd7k16pwqdw48v0k400000gn/T/icon-icon-9zk5baooi-1767452192138.png">    </p:cNvPr>
+          <p:cNvPr id="38" name="Image 6" descr="/var/folders/ky/3gqyhkyd7k16pwqdw48v0k400000gn/T/icon-icon-ivtc2j0jd-1767453710345.png">    </p:cNvPr>
           <p:cNvPicPr>
             <a:picLocks noChangeAspect="1"/>
           </p:cNvPicPr>
@@ -16213,7 +17333,7 @@
         </p:blipFill>
         <p:spPr>
           <a:xfrm>
-            <a:off x="9313515" y="3057525"/>
+            <a:off x="9226302" y="2590800"/>
             <a:ext cx="152400" cy="152400"/>
           </a:xfrm>
           <a:prstGeom prst="rect">
@@ -16223,7 +17343,7 @@
       </p:pic>
       <p:pic>
         <p:nvPicPr>
-          <p:cNvPr id="18" name="Image 7" descr="/var/folders/ky/3gqyhkyd7k16pwqdw48v0k400000gn/T/icon-icon-nn388b24l-1767452192190.png">    </p:cNvPr>
+          <p:cNvPr id="39" name="Image 7" descr="/var/folders/ky/3gqyhkyd7k16pwqdw48v0k400000gn/T/icon-icon-ivtc2j0jd-1767453710384.png">    </p:cNvPr>
           <p:cNvPicPr>
             <a:picLocks noChangeAspect="1"/>
           </p:cNvPicPr>
@@ -16237,8 +17357,8 @@
         </p:blipFill>
         <p:spPr>
           <a:xfrm>
-            <a:off x="954435" y="3533775"/>
-            <a:ext cx="190500" cy="152400"/>
+            <a:off x="9226302" y="2590800"/>
+            <a:ext cx="152400" cy="152400"/>
           </a:xfrm>
           <a:prstGeom prst="rect">
             <a:avLst/>
@@ -16247,7 +17367,7 @@
       </p:pic>
       <p:pic>
         <p:nvPicPr>
-          <p:cNvPr id="19" name="Image 8" descr="/var/folders/ky/3gqyhkyd7k16pwqdw48v0k400000gn/T/icon-icon-uvfjnhonc-1767452192256.png">    </p:cNvPr>
+          <p:cNvPr id="40" name="Image 8" descr="/var/folders/ky/3gqyhkyd7k16pwqdw48v0k400000gn/T/icon-icon-iphmwg811-1767453710438.png">    </p:cNvPr>
           <p:cNvPicPr>
             <a:picLocks noChangeAspect="1"/>
           </p:cNvPicPr>
@@ -16261,7 +17381,7 @@
         </p:blipFill>
         <p:spPr>
           <a:xfrm>
-            <a:off x="5843588" y="3524250"/>
+            <a:off x="1369814" y="3067050"/>
             <a:ext cx="152400" cy="152400"/>
           </a:xfrm>
           <a:prstGeom prst="rect">
@@ -16271,7 +17391,7 @@
       </p:pic>
       <p:pic>
         <p:nvPicPr>
-          <p:cNvPr id="20" name="Image 9" descr="/var/folders/ky/3gqyhkyd7k16pwqdw48v0k400000gn/T/icon-icon-fspji29i8-1767452192305.png">    </p:cNvPr>
+          <p:cNvPr id="41" name="Image 9" descr="/var/folders/ky/3gqyhkyd7k16pwqdw48v0k400000gn/T/icon-icon-iphmwg811-1767453710488.png">    </p:cNvPr>
           <p:cNvPicPr>
             <a:picLocks noChangeAspect="1"/>
           </p:cNvPicPr>
@@ -16285,7 +17405,7 @@
         </p:blipFill>
         <p:spPr>
           <a:xfrm>
-            <a:off x="9072265" y="3524250"/>
+            <a:off x="1369814" y="3067050"/>
             <a:ext cx="152400" cy="152400"/>
           </a:xfrm>
           <a:prstGeom prst="rect">
@@ -16295,7 +17415,7 @@
       </p:pic>
       <p:pic>
         <p:nvPicPr>
-          <p:cNvPr id="21" name="Image 10" descr="/var/folders/ky/3gqyhkyd7k16pwqdw48v0k400000gn/T/icon-icon-dcld36uzl-1767452192345.png">    </p:cNvPr>
+          <p:cNvPr id="42" name="Image 10" descr="/var/folders/ky/3gqyhkyd7k16pwqdw48v0k400000gn/T/icon-icon-9tgfpnkoj-1767453710558.png">    </p:cNvPr>
           <p:cNvPicPr>
             <a:picLocks noChangeAspect="1"/>
           </p:cNvPicPr>
@@ -16309,7 +17429,7 @@
         </p:blipFill>
         <p:spPr>
           <a:xfrm>
-            <a:off x="1079302" y="4000500"/>
+            <a:off x="5562451" y="3057525"/>
             <a:ext cx="152400" cy="152400"/>
           </a:xfrm>
           <a:prstGeom prst="rect">
@@ -16319,7 +17439,7 @@
       </p:pic>
       <p:pic>
         <p:nvPicPr>
-          <p:cNvPr id="22" name="Image 11" descr="/var/folders/ky/3gqyhkyd7k16pwqdw48v0k400000gn/T/icon-icon-1xvgriwab-1767452192425.png">    </p:cNvPr>
+          <p:cNvPr id="43" name="Image 11" descr="/var/folders/ky/3gqyhkyd7k16pwqdw48v0k400000gn/T/icon-icon-9tgfpnkoj-1767453710617.png">    </p:cNvPr>
           <p:cNvPicPr>
             <a:picLocks noChangeAspect="1"/>
           </p:cNvPicPr>
@@ -16333,7 +17453,7 @@
         </p:blipFill>
         <p:spPr>
           <a:xfrm>
-            <a:off x="5590729" y="3990975"/>
+            <a:off x="5562451" y="3057525"/>
             <a:ext cx="152400" cy="152400"/>
           </a:xfrm>
           <a:prstGeom prst="rect">
@@ -16343,7 +17463,7 @@
       </p:pic>
       <p:pic>
         <p:nvPicPr>
-          <p:cNvPr id="23" name="Image 12" descr="/var/folders/ky/3gqyhkyd7k16pwqdw48v0k400000gn/T/icon-icon-vqwlr9mqg-1767452192481.png">    </p:cNvPr>
+          <p:cNvPr id="44" name="Image 12" descr="/var/folders/ky/3gqyhkyd7k16pwqdw48v0k400000gn/T/icon-icon-04wh45wy8-1767453710670.png">    </p:cNvPr>
           <p:cNvPicPr>
             <a:picLocks noChangeAspect="1"/>
           </p:cNvPicPr>
@@ -16357,7 +17477,7 @@
         </p:blipFill>
         <p:spPr>
           <a:xfrm>
-            <a:off x="9342834" y="3990975"/>
+            <a:off x="9313515" y="3057525"/>
             <a:ext cx="152400" cy="152400"/>
           </a:xfrm>
           <a:prstGeom prst="rect">
@@ -16367,7 +17487,7 @@
       </p:pic>
       <p:pic>
         <p:nvPicPr>
-          <p:cNvPr id="24" name="Image 13" descr="/var/folders/ky/3gqyhkyd7k16pwqdw48v0k400000gn/T/icon-icon-c60f7737q-1767452192538.png">    </p:cNvPr>
+          <p:cNvPr id="45" name="Image 13" descr="/var/folders/ky/3gqyhkyd7k16pwqdw48v0k400000gn/T/icon-icon-04wh45wy8-1767453710734.png">    </p:cNvPr>
           <p:cNvPicPr>
             <a:picLocks noChangeAspect="1"/>
           </p:cNvPicPr>
@@ -16381,8 +17501,8 @@
         </p:blipFill>
         <p:spPr>
           <a:xfrm>
-            <a:off x="1017836" y="4467225"/>
-            <a:ext cx="114300" cy="152400"/>
+            <a:off x="9313515" y="3057525"/>
+            <a:ext cx="152400" cy="152400"/>
           </a:xfrm>
           <a:prstGeom prst="rect">
             <a:avLst/>
@@ -16391,7 +17511,7 @@
       </p:pic>
       <p:pic>
         <p:nvPicPr>
-          <p:cNvPr id="25" name="Image 14" descr="/var/folders/ky/3gqyhkyd7k16pwqdw48v0k400000gn/T/icon-icon-fx287rsm2-1767452192591.png">    </p:cNvPr>
+          <p:cNvPr id="46" name="Image 14" descr="/var/folders/ky/3gqyhkyd7k16pwqdw48v0k400000gn/T/icon-icon-koosp7eqy-1767453710784.png">    </p:cNvPr>
           <p:cNvPicPr>
             <a:picLocks noChangeAspect="1"/>
           </p:cNvPicPr>
@@ -16405,8 +17525,8 @@
         </p:blipFill>
         <p:spPr>
           <a:xfrm>
-            <a:off x="5843588" y="4457700"/>
-            <a:ext cx="152400" cy="152400"/>
+            <a:off x="954435" y="3533775"/>
+            <a:ext cx="190500" cy="152400"/>
           </a:xfrm>
           <a:prstGeom prst="rect">
             <a:avLst/>
@@ -16415,7 +17535,7 @@
       </p:pic>
       <p:pic>
         <p:nvPicPr>
-          <p:cNvPr id="26" name="Image 15" descr="/var/folders/ky/3gqyhkyd7k16pwqdw48v0k400000gn/T/icon-icon-skjffhy4b-1767452192655.png">    </p:cNvPr>
+          <p:cNvPr id="47" name="Image 15" descr="/var/folders/ky/3gqyhkyd7k16pwqdw48v0k400000gn/T/icon-icon-koosp7eqy-1767453710822.png">    </p:cNvPr>
           <p:cNvPicPr>
             <a:picLocks noChangeAspect="1"/>
           </p:cNvPicPr>
@@ -16429,8 +17549,8 @@
         </p:blipFill>
         <p:spPr>
           <a:xfrm>
-            <a:off x="8973443" y="4457700"/>
-            <a:ext cx="152400" cy="152400"/>
+            <a:off x="954435" y="3533775"/>
+            <a:ext cx="190500" cy="152400"/>
           </a:xfrm>
           <a:prstGeom prst="rect">
             <a:avLst/>
@@ -16439,7 +17559,7 @@
       </p:pic>
       <p:pic>
         <p:nvPicPr>
-          <p:cNvPr id="27" name="Image 16" descr="/var/folders/ky/3gqyhkyd7k16pwqdw48v0k400000gn/T/icon-icon-f6j4uenk2-1767452192703.png">    </p:cNvPr>
+          <p:cNvPr id="48" name="Image 16" descr="/var/folders/ky/3gqyhkyd7k16pwqdw48v0k400000gn/T/icon-icon-khwderbd4-1767453710890.png">    </p:cNvPr>
           <p:cNvPicPr>
             <a:picLocks noChangeAspect="1"/>
           </p:cNvPicPr>
@@ -16453,8 +17573,8 @@
         </p:blipFill>
         <p:spPr>
           <a:xfrm>
-            <a:off x="954584" y="4933950"/>
-            <a:ext cx="190500" cy="152400"/>
+            <a:off x="5843588" y="3524250"/>
+            <a:ext cx="152400" cy="152400"/>
           </a:xfrm>
           <a:prstGeom prst="rect">
             <a:avLst/>
@@ -16463,7 +17583,7 @@
       </p:pic>
       <p:pic>
         <p:nvPicPr>
-          <p:cNvPr id="28" name="Image 17" descr="/var/folders/ky/3gqyhkyd7k16pwqdw48v0k400000gn/T/icon-icon-g29sn3edx-1767452192761.png">    </p:cNvPr>
+          <p:cNvPr id="49" name="Image 17" descr="/var/folders/ky/3gqyhkyd7k16pwqdw48v0k400000gn/T/icon-icon-khwderbd4-1767453710951.png">    </p:cNvPr>
           <p:cNvPicPr>
             <a:picLocks noChangeAspect="1"/>
           </p:cNvPicPr>
@@ -16477,7 +17597,7 @@
         </p:blipFill>
         <p:spPr>
           <a:xfrm>
-            <a:off x="5843588" y="4924425"/>
+            <a:off x="5843588" y="3524250"/>
             <a:ext cx="152400" cy="152400"/>
           </a:xfrm>
           <a:prstGeom prst="rect">
@@ -16487,7 +17607,7 @@
       </p:pic>
       <p:pic>
         <p:nvPicPr>
-          <p:cNvPr id="29" name="Image 18" descr="/var/folders/ky/3gqyhkyd7k16pwqdw48v0k400000gn/T/icon-icon-ft40d9zn3-1767452192816.png">    </p:cNvPr>
+          <p:cNvPr id="50" name="Image 18" descr="/var/folders/ky/3gqyhkyd7k16pwqdw48v0k400000gn/T/icon-icon-wuycxwuus-1767453711003.png">    </p:cNvPr>
           <p:cNvPicPr>
             <a:picLocks noChangeAspect="1"/>
           </p:cNvPicPr>
@@ -16501,7 +17621,7 @@
         </p:blipFill>
         <p:spPr>
           <a:xfrm>
-            <a:off x="9330630" y="4924425"/>
+            <a:off x="9072265" y="3524250"/>
             <a:ext cx="152400" cy="152400"/>
           </a:xfrm>
           <a:prstGeom prst="rect">
@@ -16511,7 +17631,7 @@
       </p:pic>
       <p:pic>
         <p:nvPicPr>
-          <p:cNvPr id="30" name="Image 19" descr="/var/folders/ky/3gqyhkyd7k16pwqdw48v0k400000gn/T/icon-icon-y7daps6sr-1767452192863.png">    </p:cNvPr>
+          <p:cNvPr id="51" name="Image 19" descr="/var/folders/ky/3gqyhkyd7k16pwqdw48v0k400000gn/T/icon-icon-wuycxwuus-1767453711045.png">    </p:cNvPr>
           <p:cNvPicPr>
             <a:picLocks noChangeAspect="1"/>
           </p:cNvPicPr>
@@ -16525,8 +17645,8 @@
         </p:blipFill>
         <p:spPr>
           <a:xfrm>
-            <a:off x="800100" y="5667375"/>
-            <a:ext cx="128588" cy="171450"/>
+            <a:off x="9072265" y="3524250"/>
+            <a:ext cx="152400" cy="152400"/>
           </a:xfrm>
           <a:prstGeom prst="rect">
             <a:avLst/>
@@ -16535,7 +17655,7 @@
       </p:pic>
       <p:pic>
         <p:nvPicPr>
-          <p:cNvPr id="31" name="Image 20" descr="/var/folders/ky/3gqyhkyd7k16pwqdw48v0k400000gn/T/icon-icon-y7daps6sr-1767452192931.png">    </p:cNvPr>
+          <p:cNvPr id="52" name="Image 20" descr="/var/folders/ky/3gqyhkyd7k16pwqdw48v0k400000gn/T/icon-icon-6ba9htpio-1767453711116.png">    </p:cNvPr>
           <p:cNvPicPr>
             <a:picLocks noChangeAspect="1"/>
           </p:cNvPicPr>
@@ -16543,6 +17663,462 @@
         </p:nvPicPr>
         <p:blipFill>
           <a:blip r:embed="rId21"/>
+          <a:stretch>
+            <a:fillRect/>
+          </a:stretch>
+        </p:blipFill>
+        <p:spPr>
+          <a:xfrm>
+            <a:off x="1079302" y="4000500"/>
+            <a:ext cx="152400" cy="152400"/>
+          </a:xfrm>
+          <a:prstGeom prst="rect">
+            <a:avLst/>
+          </a:prstGeom>
+        </p:spPr>
+      </p:pic>
+      <p:pic>
+        <p:nvPicPr>
+          <p:cNvPr id="53" name="Image 21" descr="/var/folders/ky/3gqyhkyd7k16pwqdw48v0k400000gn/T/icon-icon-6ba9htpio-1767453711194.png">    </p:cNvPr>
+          <p:cNvPicPr>
+            <a:picLocks noChangeAspect="1"/>
+          </p:cNvPicPr>
+          <p:nvPr/>
+        </p:nvPicPr>
+        <p:blipFill>
+          <a:blip r:embed="rId22"/>
+          <a:stretch>
+            <a:fillRect/>
+          </a:stretch>
+        </p:blipFill>
+        <p:spPr>
+          <a:xfrm>
+            <a:off x="1079302" y="4000500"/>
+            <a:ext cx="152400" cy="152400"/>
+          </a:xfrm>
+          <a:prstGeom prst="rect">
+            <a:avLst/>
+          </a:prstGeom>
+        </p:spPr>
+      </p:pic>
+      <p:pic>
+        <p:nvPicPr>
+          <p:cNvPr id="54" name="Image 22" descr="/var/folders/ky/3gqyhkyd7k16pwqdw48v0k400000gn/T/icon-icon-7bj87c2zu-1767453711250.png">    </p:cNvPr>
+          <p:cNvPicPr>
+            <a:picLocks noChangeAspect="1"/>
+          </p:cNvPicPr>
+          <p:nvPr/>
+        </p:nvPicPr>
+        <p:blipFill>
+          <a:blip r:embed="rId23"/>
+          <a:stretch>
+            <a:fillRect/>
+          </a:stretch>
+        </p:blipFill>
+        <p:spPr>
+          <a:xfrm>
+            <a:off x="5590729" y="3990975"/>
+            <a:ext cx="152400" cy="152400"/>
+          </a:xfrm>
+          <a:prstGeom prst="rect">
+            <a:avLst/>
+          </a:prstGeom>
+        </p:spPr>
+      </p:pic>
+      <p:pic>
+        <p:nvPicPr>
+          <p:cNvPr id="55" name="Image 23" descr="/var/folders/ky/3gqyhkyd7k16pwqdw48v0k400000gn/T/icon-icon-7bj87c2zu-1767453711300.png">    </p:cNvPr>
+          <p:cNvPicPr>
+            <a:picLocks noChangeAspect="1"/>
+          </p:cNvPicPr>
+          <p:nvPr/>
+        </p:nvPicPr>
+        <p:blipFill>
+          <a:blip r:embed="rId24"/>
+          <a:stretch>
+            <a:fillRect/>
+          </a:stretch>
+        </p:blipFill>
+        <p:spPr>
+          <a:xfrm>
+            <a:off x="5590729" y="3990975"/>
+            <a:ext cx="152400" cy="152400"/>
+          </a:xfrm>
+          <a:prstGeom prst="rect">
+            <a:avLst/>
+          </a:prstGeom>
+        </p:spPr>
+      </p:pic>
+      <p:pic>
+        <p:nvPicPr>
+          <p:cNvPr id="56" name="Image 24" descr="/var/folders/ky/3gqyhkyd7k16pwqdw48v0k400000gn/T/icon-icon-m9ysrg6v2-1767453711369.png">    </p:cNvPr>
+          <p:cNvPicPr>
+            <a:picLocks noChangeAspect="1"/>
+          </p:cNvPicPr>
+          <p:nvPr/>
+        </p:nvPicPr>
+        <p:blipFill>
+          <a:blip r:embed="rId25"/>
+          <a:stretch>
+            <a:fillRect/>
+          </a:stretch>
+        </p:blipFill>
+        <p:spPr>
+          <a:xfrm>
+            <a:off x="9342834" y="3990975"/>
+            <a:ext cx="152400" cy="152400"/>
+          </a:xfrm>
+          <a:prstGeom prst="rect">
+            <a:avLst/>
+          </a:prstGeom>
+        </p:spPr>
+      </p:pic>
+      <p:pic>
+        <p:nvPicPr>
+          <p:cNvPr id="57" name="Image 25" descr="/var/folders/ky/3gqyhkyd7k16pwqdw48v0k400000gn/T/icon-icon-m9ysrg6v2-1767453711435.png">    </p:cNvPr>
+          <p:cNvPicPr>
+            <a:picLocks noChangeAspect="1"/>
+          </p:cNvPicPr>
+          <p:nvPr/>
+        </p:nvPicPr>
+        <p:blipFill>
+          <a:blip r:embed="rId26"/>
+          <a:stretch>
+            <a:fillRect/>
+          </a:stretch>
+        </p:blipFill>
+        <p:spPr>
+          <a:xfrm>
+            <a:off x="9342834" y="3990975"/>
+            <a:ext cx="152400" cy="152400"/>
+          </a:xfrm>
+          <a:prstGeom prst="rect">
+            <a:avLst/>
+          </a:prstGeom>
+        </p:spPr>
+      </p:pic>
+      <p:pic>
+        <p:nvPicPr>
+          <p:cNvPr id="58" name="Image 26" descr="/var/folders/ky/3gqyhkyd7k16pwqdw48v0k400000gn/T/icon-icon-hz42gxoeo-1767453711483.png">    </p:cNvPr>
+          <p:cNvPicPr>
+            <a:picLocks noChangeAspect="1"/>
+          </p:cNvPicPr>
+          <p:nvPr/>
+        </p:nvPicPr>
+        <p:blipFill>
+          <a:blip r:embed="rId27"/>
+          <a:stretch>
+            <a:fillRect/>
+          </a:stretch>
+        </p:blipFill>
+        <p:spPr>
+          <a:xfrm>
+            <a:off x="1017836" y="4467225"/>
+            <a:ext cx="114300" cy="152400"/>
+          </a:xfrm>
+          <a:prstGeom prst="rect">
+            <a:avLst/>
+          </a:prstGeom>
+        </p:spPr>
+      </p:pic>
+      <p:pic>
+        <p:nvPicPr>
+          <p:cNvPr id="59" name="Image 27" descr="/var/folders/ky/3gqyhkyd7k16pwqdw48v0k400000gn/T/icon-icon-hz42gxoeo-1767453711524.png">    </p:cNvPr>
+          <p:cNvPicPr>
+            <a:picLocks noChangeAspect="1"/>
+          </p:cNvPicPr>
+          <p:nvPr/>
+        </p:nvPicPr>
+        <p:blipFill>
+          <a:blip r:embed="rId28"/>
+          <a:stretch>
+            <a:fillRect/>
+          </a:stretch>
+        </p:blipFill>
+        <p:spPr>
+          <a:xfrm>
+            <a:off x="1017836" y="4467225"/>
+            <a:ext cx="114300" cy="152400"/>
+          </a:xfrm>
+          <a:prstGeom prst="rect">
+            <a:avLst/>
+          </a:prstGeom>
+        </p:spPr>
+      </p:pic>
+      <p:pic>
+        <p:nvPicPr>
+          <p:cNvPr id="60" name="Image 28" descr="/var/folders/ky/3gqyhkyd7k16pwqdw48v0k400000gn/T/icon-icon-53cpd6ytb-1767453711593.png">    </p:cNvPr>
+          <p:cNvPicPr>
+            <a:picLocks noChangeAspect="1"/>
+          </p:cNvPicPr>
+          <p:nvPr/>
+        </p:nvPicPr>
+        <p:blipFill>
+          <a:blip r:embed="rId29"/>
+          <a:stretch>
+            <a:fillRect/>
+          </a:stretch>
+        </p:blipFill>
+        <p:spPr>
+          <a:xfrm>
+            <a:off x="5843588" y="4457700"/>
+            <a:ext cx="152400" cy="152400"/>
+          </a:xfrm>
+          <a:prstGeom prst="rect">
+            <a:avLst/>
+          </a:prstGeom>
+        </p:spPr>
+      </p:pic>
+      <p:pic>
+        <p:nvPicPr>
+          <p:cNvPr id="61" name="Image 29" descr="/var/folders/ky/3gqyhkyd7k16pwqdw48v0k400000gn/T/icon-icon-53cpd6ytb-1767453711649.png">    </p:cNvPr>
+          <p:cNvPicPr>
+            <a:picLocks noChangeAspect="1"/>
+          </p:cNvPicPr>
+          <p:nvPr/>
+        </p:nvPicPr>
+        <p:blipFill>
+          <a:blip r:embed="rId30"/>
+          <a:stretch>
+            <a:fillRect/>
+          </a:stretch>
+        </p:blipFill>
+        <p:spPr>
+          <a:xfrm>
+            <a:off x="5843588" y="4457700"/>
+            <a:ext cx="152400" cy="152400"/>
+          </a:xfrm>
+          <a:prstGeom prst="rect">
+            <a:avLst/>
+          </a:prstGeom>
+        </p:spPr>
+      </p:pic>
+      <p:pic>
+        <p:nvPicPr>
+          <p:cNvPr id="62" name="Image 30" descr="/var/folders/ky/3gqyhkyd7k16pwqdw48v0k400000gn/T/icon-icon-bli3olima-1767453711703.png">    </p:cNvPr>
+          <p:cNvPicPr>
+            <a:picLocks noChangeAspect="1"/>
+          </p:cNvPicPr>
+          <p:nvPr/>
+        </p:nvPicPr>
+        <p:blipFill>
+          <a:blip r:embed="rId31"/>
+          <a:stretch>
+            <a:fillRect/>
+          </a:stretch>
+        </p:blipFill>
+        <p:spPr>
+          <a:xfrm>
+            <a:off x="8973443" y="4457700"/>
+            <a:ext cx="152400" cy="152400"/>
+          </a:xfrm>
+          <a:prstGeom prst="rect">
+            <a:avLst/>
+          </a:prstGeom>
+        </p:spPr>
+      </p:pic>
+      <p:pic>
+        <p:nvPicPr>
+          <p:cNvPr id="63" name="Image 31" descr="/var/folders/ky/3gqyhkyd7k16pwqdw48v0k400000gn/T/icon-icon-bli3olima-1767453711768.png">    </p:cNvPr>
+          <p:cNvPicPr>
+            <a:picLocks noChangeAspect="1"/>
+          </p:cNvPicPr>
+          <p:nvPr/>
+        </p:nvPicPr>
+        <p:blipFill>
+          <a:blip r:embed="rId32"/>
+          <a:stretch>
+            <a:fillRect/>
+          </a:stretch>
+        </p:blipFill>
+        <p:spPr>
+          <a:xfrm>
+            <a:off x="8973443" y="4457700"/>
+            <a:ext cx="152400" cy="152400"/>
+          </a:xfrm>
+          <a:prstGeom prst="rect">
+            <a:avLst/>
+          </a:prstGeom>
+        </p:spPr>
+      </p:pic>
+      <p:pic>
+        <p:nvPicPr>
+          <p:cNvPr id="64" name="Image 32" descr="/var/folders/ky/3gqyhkyd7k16pwqdw48v0k400000gn/T/icon-icon-q89r0znm5-1767453711836.png">    </p:cNvPr>
+          <p:cNvPicPr>
+            <a:picLocks noChangeAspect="1"/>
+          </p:cNvPicPr>
+          <p:nvPr/>
+        </p:nvPicPr>
+        <p:blipFill>
+          <a:blip r:embed="rId33"/>
+          <a:stretch>
+            <a:fillRect/>
+          </a:stretch>
+        </p:blipFill>
+        <p:spPr>
+          <a:xfrm>
+            <a:off x="954584" y="4933950"/>
+            <a:ext cx="190500" cy="152400"/>
+          </a:xfrm>
+          <a:prstGeom prst="rect">
+            <a:avLst/>
+          </a:prstGeom>
+        </p:spPr>
+      </p:pic>
+      <p:pic>
+        <p:nvPicPr>
+          <p:cNvPr id="65" name="Image 33" descr="/var/folders/ky/3gqyhkyd7k16pwqdw48v0k400000gn/T/icon-icon-q89r0znm5-1767453711885.png">    </p:cNvPr>
+          <p:cNvPicPr>
+            <a:picLocks noChangeAspect="1"/>
+          </p:cNvPicPr>
+          <p:nvPr/>
+        </p:nvPicPr>
+        <p:blipFill>
+          <a:blip r:embed="rId34"/>
+          <a:stretch>
+            <a:fillRect/>
+          </a:stretch>
+        </p:blipFill>
+        <p:spPr>
+          <a:xfrm>
+            <a:off x="954584" y="4933950"/>
+            <a:ext cx="190500" cy="152400"/>
+          </a:xfrm>
+          <a:prstGeom prst="rect">
+            <a:avLst/>
+          </a:prstGeom>
+        </p:spPr>
+      </p:pic>
+      <p:pic>
+        <p:nvPicPr>
+          <p:cNvPr id="66" name="Image 34" descr="/var/folders/ky/3gqyhkyd7k16pwqdw48v0k400000gn/T/icon-icon-lih0r8b71-1767453711952.png">    </p:cNvPr>
+          <p:cNvPicPr>
+            <a:picLocks noChangeAspect="1"/>
+          </p:cNvPicPr>
+          <p:nvPr/>
+        </p:nvPicPr>
+        <p:blipFill>
+          <a:blip r:embed="rId35"/>
+          <a:stretch>
+            <a:fillRect/>
+          </a:stretch>
+        </p:blipFill>
+        <p:spPr>
+          <a:xfrm>
+            <a:off x="5843588" y="4924425"/>
+            <a:ext cx="152400" cy="152400"/>
+          </a:xfrm>
+          <a:prstGeom prst="rect">
+            <a:avLst/>
+          </a:prstGeom>
+        </p:spPr>
+      </p:pic>
+      <p:pic>
+        <p:nvPicPr>
+          <p:cNvPr id="67" name="Image 35" descr="/var/folders/ky/3gqyhkyd7k16pwqdw48v0k400000gn/T/icon-icon-lih0r8b71-1767453712003.png">    </p:cNvPr>
+          <p:cNvPicPr>
+            <a:picLocks noChangeAspect="1"/>
+          </p:cNvPicPr>
+          <p:nvPr/>
+        </p:nvPicPr>
+        <p:blipFill>
+          <a:blip r:embed="rId36"/>
+          <a:stretch>
+            <a:fillRect/>
+          </a:stretch>
+        </p:blipFill>
+        <p:spPr>
+          <a:xfrm>
+            <a:off x="5843588" y="4924425"/>
+            <a:ext cx="152400" cy="152400"/>
+          </a:xfrm>
+          <a:prstGeom prst="rect">
+            <a:avLst/>
+          </a:prstGeom>
+        </p:spPr>
+      </p:pic>
+      <p:pic>
+        <p:nvPicPr>
+          <p:cNvPr id="68" name="Image 36" descr="/var/folders/ky/3gqyhkyd7k16pwqdw48v0k400000gn/T/icon-icon-ed0dzdnv5-1767453712076.png">    </p:cNvPr>
+          <p:cNvPicPr>
+            <a:picLocks noChangeAspect="1"/>
+          </p:cNvPicPr>
+          <p:nvPr/>
+        </p:nvPicPr>
+        <p:blipFill>
+          <a:blip r:embed="rId37"/>
+          <a:stretch>
+            <a:fillRect/>
+          </a:stretch>
+        </p:blipFill>
+        <p:spPr>
+          <a:xfrm>
+            <a:off x="9330630" y="4924425"/>
+            <a:ext cx="152400" cy="152400"/>
+          </a:xfrm>
+          <a:prstGeom prst="rect">
+            <a:avLst/>
+          </a:prstGeom>
+        </p:spPr>
+      </p:pic>
+      <p:pic>
+        <p:nvPicPr>
+          <p:cNvPr id="69" name="Image 37" descr="/var/folders/ky/3gqyhkyd7k16pwqdw48v0k400000gn/T/icon-icon-ed0dzdnv5-1767453712135.png">    </p:cNvPr>
+          <p:cNvPicPr>
+            <a:picLocks noChangeAspect="1"/>
+          </p:cNvPicPr>
+          <p:nvPr/>
+        </p:nvPicPr>
+        <p:blipFill>
+          <a:blip r:embed="rId38"/>
+          <a:stretch>
+            <a:fillRect/>
+          </a:stretch>
+        </p:blipFill>
+        <p:spPr>
+          <a:xfrm>
+            <a:off x="9330630" y="4924425"/>
+            <a:ext cx="152400" cy="152400"/>
+          </a:xfrm>
+          <a:prstGeom prst="rect">
+            <a:avLst/>
+          </a:prstGeom>
+        </p:spPr>
+      </p:pic>
+      <p:pic>
+        <p:nvPicPr>
+          <p:cNvPr id="70" name="Image 38" descr="/var/folders/ky/3gqyhkyd7k16pwqdw48v0k400000gn/T/icon-icon-e5ox5hdqo-1767453712187.png">    </p:cNvPr>
+          <p:cNvPicPr>
+            <a:picLocks noChangeAspect="1"/>
+          </p:cNvPicPr>
+          <p:nvPr/>
+        </p:nvPicPr>
+        <p:blipFill>
+          <a:blip r:embed="rId39"/>
+          <a:stretch>
+            <a:fillRect/>
+          </a:stretch>
+        </p:blipFill>
+        <p:spPr>
+          <a:xfrm>
+            <a:off x="800100" y="5667375"/>
+            <a:ext cx="128588" cy="171450"/>
+          </a:xfrm>
+          <a:prstGeom prst="rect">
+            <a:avLst/>
+          </a:prstGeom>
+        </p:spPr>
+      </p:pic>
+      <p:pic>
+        <p:nvPicPr>
+          <p:cNvPr id="71" name="Image 39" descr="/var/folders/ky/3gqyhkyd7k16pwqdw48v0k400000gn/T/icon-icon-e5ox5hdqo-1767453712251.png">    </p:cNvPr>
+          <p:cNvPicPr>
+            <a:picLocks noChangeAspect="1"/>
+          </p:cNvPicPr>
+          <p:nvPr/>
+        </p:nvPicPr>
+        <p:blipFill>
+          <a:blip r:embed="rId40"/>
           <a:stretch>
             <a:fillRect/>
           </a:stretch>

--- a/test2_output.pptx
+++ b/test2_output.pptx
@@ -2235,7 +2235,7 @@
       </p:sp>
       <p:pic>
         <p:nvPicPr>
-          <p:cNvPr id="12" name="Image 1" descr="/var/folders/ky/3gqyhkyd7k16pwqdw48v0k400000gn/T/icon-bg-gtozgglx3-1767453698890.png">    </p:cNvPr>
+          <p:cNvPr id="12" name="Image 1" descr="/var/folders/ky/3gqyhkyd7k16pwqdw48v0k400000gn/T/icon-bg-cdcnakrpg-1767456273627.png">    </p:cNvPr>
           <p:cNvPicPr>
             <a:picLocks noChangeAspect="1"/>
           </p:cNvPicPr>
@@ -2259,7 +2259,7 @@
       </p:pic>
       <p:pic>
         <p:nvPicPr>
-          <p:cNvPr id="13" name="Image 2" descr="/var/folders/ky/3gqyhkyd7k16pwqdw48v0k400000gn/T/icon-icon-bn78bbnbo-1767453699061.png">    </p:cNvPr>
+          <p:cNvPr id="13" name="Image 2" descr="/var/folders/ky/3gqyhkyd7k16pwqdw48v0k400000gn/T/icon-icon-g13fp7ne8-1767456273802.png">    </p:cNvPr>
           <p:cNvPicPr>
             <a:picLocks noChangeAspect="1"/>
           </p:cNvPicPr>
@@ -2283,7 +2283,7 @@
       </p:pic>
       <p:pic>
         <p:nvPicPr>
-          <p:cNvPr id="14" name="Image 3" descr="/var/folders/ky/3gqyhkyd7k16pwqdw48v0k400000gn/T/icon-icon-ojueg74hv-1767453699129.png">    </p:cNvPr>
+          <p:cNvPr id="14" name="Image 3" descr="/var/folders/ky/3gqyhkyd7k16pwqdw48v0k400000gn/T/icon-icon-ame9g0n3b-1767456273849.png">    </p:cNvPr>
           <p:cNvPicPr>
             <a:picLocks noChangeAspect="1"/>
           </p:cNvPicPr>
@@ -2553,7 +2553,7 @@
             <a:r>
               <a:rPr lang="en-US" sz="3600" b="1" dirty="0">
                 <a:solidFill>
-                  <a:srgbClr val="FFFFFF">
+                  <a:srgbClr val="E63946">
                     <a:alpha val="0"/>
                   </a:srgbClr>
                 </a:solidFill>
@@ -2681,7 +2681,7 @@
             <a:r>
               <a:rPr lang="en-US" sz="3600" b="1" dirty="0">
                 <a:solidFill>
-                  <a:srgbClr val="FFFFFF">
+                  <a:srgbClr val="E63946">
                     <a:alpha val="0"/>
                   </a:srgbClr>
                 </a:solidFill>
@@ -2809,7 +2809,7 @@
             <a:r>
               <a:rPr lang="en-US" sz="3600" b="1" dirty="0">
                 <a:solidFill>
-                  <a:srgbClr val="FFFFFF">
+                  <a:srgbClr val="E63946">
                     <a:alpha val="0"/>
                   </a:srgbClr>
                 </a:solidFill>
@@ -2937,7 +2937,7 @@
             <a:r>
               <a:rPr lang="en-US" sz="3600" b="1" dirty="0">
                 <a:solidFill>
-                  <a:srgbClr val="FFFFFF">
+                  <a:srgbClr val="E63946">
                     <a:alpha val="0"/>
                   </a:srgbClr>
                 </a:solidFill>
@@ -3065,7 +3065,7 @@
             <a:r>
               <a:rPr lang="en-US" sz="3600" b="1" dirty="0">
                 <a:solidFill>
-                  <a:srgbClr val="FFFFFF">
+                  <a:srgbClr val="E63946">
                     <a:alpha val="0"/>
                   </a:srgbClr>
                 </a:solidFill>
@@ -3296,7 +3296,7 @@
       </p:sp>
       <p:pic>
         <p:nvPicPr>
-          <p:cNvPr id="25" name="Image 0" descr="/var/folders/ky/3gqyhkyd7k16pwqdw48v0k400000gn/T/icon-icon-8rdgz6xpv-1767453713203.png">    </p:cNvPr>
+          <p:cNvPr id="25" name="Image 0" descr="/var/folders/ky/3gqyhkyd7k16pwqdw48v0k400000gn/T/icon-icon-i50dds0m7-1767456288477.png">    </p:cNvPr>
           <p:cNvPicPr>
             <a:picLocks noChangeAspect="1"/>
           </p:cNvPicPr>
@@ -3320,7 +3320,7 @@
       </p:pic>
       <p:pic>
         <p:nvPicPr>
-          <p:cNvPr id="26" name="Image 1" descr="/var/folders/ky/3gqyhkyd7k16pwqdw48v0k400000gn/T/icon-icon-9plcgfmz0-1767453713243.png">    </p:cNvPr>
+          <p:cNvPr id="26" name="Image 1" descr="/var/folders/ky/3gqyhkyd7k16pwqdw48v0k400000gn/T/icon-icon-7xtxf1m2z-1767456288538.png">    </p:cNvPr>
           <p:cNvPicPr>
             <a:picLocks noChangeAspect="1"/>
           </p:cNvPicPr>
@@ -3344,7 +3344,7 @@
       </p:pic>
       <p:pic>
         <p:nvPicPr>
-          <p:cNvPr id="27" name="Image 2" descr="/var/folders/ky/3gqyhkyd7k16pwqdw48v0k400000gn/T/icon-icon-lvdaw96mp-1767453713283.png">    </p:cNvPr>
+          <p:cNvPr id="27" name="Image 2" descr="/var/folders/ky/3gqyhkyd7k16pwqdw48v0k400000gn/T/icon-icon-qtzs84nty-1767456288596.png">    </p:cNvPr>
           <p:cNvPicPr>
             <a:picLocks noChangeAspect="1"/>
           </p:cNvPicPr>
@@ -3368,7 +3368,7 @@
       </p:pic>
       <p:pic>
         <p:nvPicPr>
-          <p:cNvPr id="28" name="Image 3" descr="/var/folders/ky/3gqyhkyd7k16pwqdw48v0k400000gn/T/icon-icon-d4le3v5v5-1767453713358.png">    </p:cNvPr>
+          <p:cNvPr id="28" name="Image 3" descr="/var/folders/ky/3gqyhkyd7k16pwqdw48v0k400000gn/T/icon-icon-5xfqx7e6p-1767456288650.png">    </p:cNvPr>
           <p:cNvPicPr>
             <a:picLocks noChangeAspect="1"/>
           </p:cNvPicPr>
@@ -3392,7 +3392,7 @@
       </p:pic>
       <p:pic>
         <p:nvPicPr>
-          <p:cNvPr id="29" name="Image 4" descr="/var/folders/ky/3gqyhkyd7k16pwqdw48v0k400000gn/T/icon-icon-hjsmghudo-1767453713415.png">    </p:cNvPr>
+          <p:cNvPr id="29" name="Image 4" descr="/var/folders/ky/3gqyhkyd7k16pwqdw48v0k400000gn/T/icon-icon-cjf5m5xqa-1767456288694.png">    </p:cNvPr>
           <p:cNvPicPr>
             <a:picLocks noChangeAspect="1"/>
           </p:cNvPicPr>
@@ -3416,7 +3416,7 @@
       </p:pic>
       <p:pic>
         <p:nvPicPr>
-          <p:cNvPr id="30" name="Image 5" descr="/var/folders/ky/3gqyhkyd7k16pwqdw48v0k400000gn/T/icon-icon-ud7dk79gu-1767453713467.png">    </p:cNvPr>
+          <p:cNvPr id="30" name="Image 5" descr="/var/folders/ky/3gqyhkyd7k16pwqdw48v0k400000gn/T/icon-icon-qsbej2iwc-1767456288763.png">    </p:cNvPr>
           <p:cNvPicPr>
             <a:picLocks noChangeAspect="1"/>
           </p:cNvPicPr>
@@ -3440,7 +3440,7 @@
       </p:pic>
       <p:pic>
         <p:nvPicPr>
-          <p:cNvPr id="31" name="Image 6" descr="/var/folders/ky/3gqyhkyd7k16pwqdw48v0k400000gn/T/icon-icon-p4x9dfr14-1767453713533.png">    </p:cNvPr>
+          <p:cNvPr id="31" name="Image 6" descr="/var/folders/ky/3gqyhkyd7k16pwqdw48v0k400000gn/T/icon-icon-cjb91mi7p-1767456288808.png">    </p:cNvPr>
           <p:cNvPicPr>
             <a:picLocks noChangeAspect="1"/>
           </p:cNvPicPr>
@@ -3464,7 +3464,7 @@
       </p:pic>
       <p:pic>
         <p:nvPicPr>
-          <p:cNvPr id="32" name="Image 7" descr="/var/folders/ky/3gqyhkyd7k16pwqdw48v0k400000gn/T/icon-icon-ud7dk79gu-1767453713582.png">    </p:cNvPr>
+          <p:cNvPr id="32" name="Image 7" descr="/var/folders/ky/3gqyhkyd7k16pwqdw48v0k400000gn/T/icon-icon-qsbej2iwc-1767456288869.png">    </p:cNvPr>
           <p:cNvPicPr>
             <a:picLocks noChangeAspect="1"/>
           </p:cNvPicPr>
@@ -3488,7 +3488,7 @@
       </p:pic>
       <p:pic>
         <p:nvPicPr>
-          <p:cNvPr id="33" name="Image 8" descr="/var/folders/ky/3gqyhkyd7k16pwqdw48v0k400000gn/T/icon-icon-p4x9dfr14-1767453713650.png">    </p:cNvPr>
+          <p:cNvPr id="33" name="Image 8" descr="/var/folders/ky/3gqyhkyd7k16pwqdw48v0k400000gn/T/icon-icon-cjb91mi7p-1767456288921.png">    </p:cNvPr>
           <p:cNvPicPr>
             <a:picLocks noChangeAspect="1"/>
           </p:cNvPicPr>
@@ -4421,7 +4421,7 @@
       </p:sp>
       <p:pic>
         <p:nvPicPr>
-          <p:cNvPr id="23" name="Image 0" descr="/var/folders/ky/3gqyhkyd7k16pwqdw48v0k400000gn/T/icon-icon-tc7thds78-1767453714652.png">    </p:cNvPr>
+          <p:cNvPr id="23" name="Image 0" descr="/var/folders/ky/3gqyhkyd7k16pwqdw48v0k400000gn/T/icon-icon-h1v5iyd99-1767456289911.png">    </p:cNvPr>
           <p:cNvPicPr>
             <a:picLocks noChangeAspect="1"/>
           </p:cNvPicPr>
@@ -4445,7 +4445,7 @@
       </p:pic>
       <p:pic>
         <p:nvPicPr>
-          <p:cNvPr id="24" name="Image 1" descr="/var/folders/ky/3gqyhkyd7k16pwqdw48v0k400000gn/T/icon-icon-ah9vne7na-1767453714721.png">    </p:cNvPr>
+          <p:cNvPr id="24" name="Image 1" descr="/var/folders/ky/3gqyhkyd7k16pwqdw48v0k400000gn/T/icon-icon-jlcfiywh6-1767456289969.png">    </p:cNvPr>
           <p:cNvPicPr>
             <a:picLocks noChangeAspect="1"/>
           </p:cNvPicPr>
@@ -4469,7 +4469,7 @@
       </p:pic>
       <p:pic>
         <p:nvPicPr>
-          <p:cNvPr id="25" name="Image 2" descr="/var/folders/ky/3gqyhkyd7k16pwqdw48v0k400000gn/T/icon-icon-t6jphcl1i-1767453714785.png">    </p:cNvPr>
+          <p:cNvPr id="25" name="Image 2" descr="/var/folders/ky/3gqyhkyd7k16pwqdw48v0k400000gn/T/icon-icon-ybzcvi3aa-1767456290011.png">    </p:cNvPr>
           <p:cNvPicPr>
             <a:picLocks noChangeAspect="1"/>
           </p:cNvPicPr>
@@ -4493,7 +4493,7 @@
       </p:pic>
       <p:pic>
         <p:nvPicPr>
-          <p:cNvPr id="26" name="Image 3" descr="/var/folders/ky/3gqyhkyd7k16pwqdw48v0k400000gn/T/icon-icon-9581dz43i-1767453714833.png">    </p:cNvPr>
+          <p:cNvPr id="26" name="Image 3" descr="/var/folders/ky/3gqyhkyd7k16pwqdw48v0k400000gn/T/icon-icon-o0dw2bexj-1767456290083.png">    </p:cNvPr>
           <p:cNvPicPr>
             <a:picLocks noChangeAspect="1"/>
           </p:cNvPicPr>
@@ -4517,7 +4517,7 @@
       </p:pic>
       <p:pic>
         <p:nvPicPr>
-          <p:cNvPr id="27" name="Image 4" descr="/var/folders/ky/3gqyhkyd7k16pwqdw48v0k400000gn/T/icon-icon-jpcwhorxi-1767453714871.png">    </p:cNvPr>
+          <p:cNvPr id="27" name="Image 4" descr="/var/folders/ky/3gqyhkyd7k16pwqdw48v0k400000gn/T/icon-icon-dnt3qn94g-1767456290156.png">    </p:cNvPr>
           <p:cNvPicPr>
             <a:picLocks noChangeAspect="1"/>
           </p:cNvPicPr>
@@ -4541,7 +4541,7 @@
       </p:pic>
       <p:pic>
         <p:nvPicPr>
-          <p:cNvPr id="28" name="Image 5" descr="/var/folders/ky/3gqyhkyd7k16pwqdw48v0k400000gn/T/icon-icon-9581dz43i-1767453714929.png">    </p:cNvPr>
+          <p:cNvPr id="28" name="Image 5" descr="/var/folders/ky/3gqyhkyd7k16pwqdw48v0k400000gn/T/icon-icon-o0dw2bexj-1767456290207.png">    </p:cNvPr>
           <p:cNvPicPr>
             <a:picLocks noChangeAspect="1"/>
           </p:cNvPicPr>
@@ -4565,7 +4565,7 @@
       </p:pic>
       <p:pic>
         <p:nvPicPr>
-          <p:cNvPr id="29" name="Image 6" descr="/var/folders/ky/3gqyhkyd7k16pwqdw48v0k400000gn/T/icon-icon-jpcwhorxi-1767453714983.png">    </p:cNvPr>
+          <p:cNvPr id="29" name="Image 6" descr="/var/folders/ky/3gqyhkyd7k16pwqdw48v0k400000gn/T/icon-icon-dnt3qn94g-1767456290274.png">    </p:cNvPr>
           <p:cNvPicPr>
             <a:picLocks noChangeAspect="1"/>
           </p:cNvPicPr>
@@ -5868,7 +5868,7 @@
       </p:sp>
       <p:pic>
         <p:nvPicPr>
-          <p:cNvPr id="31" name="Image 0" descr="/var/folders/ky/3gqyhkyd7k16pwqdw48v0k400000gn/T/icon-icon-gltlnyksn-1767453716003.png">    </p:cNvPr>
+          <p:cNvPr id="31" name="Image 0" descr="/var/folders/ky/3gqyhkyd7k16pwqdw48v0k400000gn/T/icon-icon-fq6rz7yue-1767456291253.png">    </p:cNvPr>
           <p:cNvPicPr>
             <a:picLocks noChangeAspect="1"/>
           </p:cNvPicPr>
@@ -5892,7 +5892,7 @@
       </p:pic>
       <p:pic>
         <p:nvPicPr>
-          <p:cNvPr id="32" name="Image 1" descr="/var/folders/ky/3gqyhkyd7k16pwqdw48v0k400000gn/T/icon-icon-ypvfwxl9r-1767453716058.png">    </p:cNvPr>
+          <p:cNvPr id="32" name="Image 1" descr="/var/folders/ky/3gqyhkyd7k16pwqdw48v0k400000gn/T/icon-icon-oai549i6a-1767456291295.png">    </p:cNvPr>
           <p:cNvPicPr>
             <a:picLocks noChangeAspect="1"/>
           </p:cNvPicPr>
@@ -5916,7 +5916,7 @@
       </p:pic>
       <p:pic>
         <p:nvPicPr>
-          <p:cNvPr id="33" name="Image 2" descr="/var/folders/ky/3gqyhkyd7k16pwqdw48v0k400000gn/T/icon-icon-f0zajrvy8-1767453716102.png">    </p:cNvPr>
+          <p:cNvPr id="33" name="Image 2" descr="/var/folders/ky/3gqyhkyd7k16pwqdw48v0k400000gn/T/icon-icon-u22ubn34y-1767456291372.png">    </p:cNvPr>
           <p:cNvPicPr>
             <a:picLocks noChangeAspect="1"/>
           </p:cNvPicPr>
@@ -5940,7 +5940,7 @@
       </p:pic>
       <p:pic>
         <p:nvPicPr>
-          <p:cNvPr id="34" name="Image 3" descr="/var/folders/ky/3gqyhkyd7k16pwqdw48v0k400000gn/T/icon-icon-f0zajrvy8-1767453716141.png">    </p:cNvPr>
+          <p:cNvPr id="34" name="Image 3" descr="/var/folders/ky/3gqyhkyd7k16pwqdw48v0k400000gn/T/icon-icon-u22ubn34y-1767456291430.png">    </p:cNvPr>
           <p:cNvPicPr>
             <a:picLocks noChangeAspect="1"/>
           </p:cNvPicPr>
@@ -5964,7 +5964,7 @@
       </p:pic>
       <p:pic>
         <p:nvPicPr>
-          <p:cNvPr id="35" name="Image 4" descr="/var/folders/ky/3gqyhkyd7k16pwqdw48v0k400000gn/T/icon-icon-ejq1qkcwn-1767453716208.png">    </p:cNvPr>
+          <p:cNvPr id="35" name="Image 4" descr="/var/folders/ky/3gqyhkyd7k16pwqdw48v0k400000gn/T/icon-icon-z2r5wk9gv-1767456291482.png">    </p:cNvPr>
           <p:cNvPicPr>
             <a:picLocks noChangeAspect="1"/>
           </p:cNvPicPr>
@@ -5988,7 +5988,7 @@
       </p:pic>
       <p:pic>
         <p:nvPicPr>
-          <p:cNvPr id="36" name="Image 5" descr="/var/folders/ky/3gqyhkyd7k16pwqdw48v0k400000gn/T/icon-icon-ejq1qkcwn-1767453716253.png">    </p:cNvPr>
+          <p:cNvPr id="36" name="Image 5" descr="/var/folders/ky/3gqyhkyd7k16pwqdw48v0k400000gn/T/icon-icon-z2r5wk9gv-1767456291547.png">    </p:cNvPr>
           <p:cNvPicPr>
             <a:picLocks noChangeAspect="1"/>
           </p:cNvPicPr>
@@ -6012,7 +6012,7 @@
       </p:pic>
       <p:pic>
         <p:nvPicPr>
-          <p:cNvPr id="37" name="Image 6" descr="/var/folders/ky/3gqyhkyd7k16pwqdw48v0k400000gn/T/icon-icon-nsbxnhtti-1767453716316.png">    </p:cNvPr>
+          <p:cNvPr id="37" name="Image 6" descr="/var/folders/ky/3gqyhkyd7k16pwqdw48v0k400000gn/T/icon-icon-nwgu2nxt1-1767456291598.png">    </p:cNvPr>
           <p:cNvPicPr>
             <a:picLocks noChangeAspect="1"/>
           </p:cNvPicPr>
@@ -6036,7 +6036,7 @@
       </p:pic>
       <p:pic>
         <p:nvPicPr>
-          <p:cNvPr id="38" name="Image 7" descr="/var/folders/ky/3gqyhkyd7k16pwqdw48v0k400000gn/T/icon-icon-qxjw40eef-1767453716384.png">    </p:cNvPr>
+          <p:cNvPr id="38" name="Image 7" descr="/var/folders/ky/3gqyhkyd7k16pwqdw48v0k400000gn/T/icon-icon-gsvwlzdri-1767456291674.png">    </p:cNvPr>
           <p:cNvPicPr>
             <a:picLocks noChangeAspect="1"/>
           </p:cNvPicPr>
@@ -6060,7 +6060,7 @@
       </p:pic>
       <p:pic>
         <p:nvPicPr>
-          <p:cNvPr id="39" name="Image 8" descr="/var/folders/ky/3gqyhkyd7k16pwqdw48v0k400000gn/T/icon-icon-abpc063vk-1767453716434.png">    </p:cNvPr>
+          <p:cNvPr id="39" name="Image 8" descr="/var/folders/ky/3gqyhkyd7k16pwqdw48v0k400000gn/T/icon-icon-jxi8v580t-1767456291746.png">    </p:cNvPr>
           <p:cNvPicPr>
             <a:picLocks noChangeAspect="1"/>
           </p:cNvPicPr>
@@ -6084,7 +6084,7 @@
       </p:pic>
       <p:pic>
         <p:nvPicPr>
-          <p:cNvPr id="40" name="Image 9" descr="/var/folders/ky/3gqyhkyd7k16pwqdw48v0k400000gn/T/icon-icon-u8yxt0567-1767453716495.png">    </p:cNvPr>
+          <p:cNvPr id="40" name="Image 9" descr="/var/folders/ky/3gqyhkyd7k16pwqdw48v0k400000gn/T/icon-icon-5hsri27xf-1767456291797.png">    </p:cNvPr>
           <p:cNvPicPr>
             <a:picLocks noChangeAspect="1"/>
           </p:cNvPicPr>
@@ -6108,7 +6108,7 @@
       </p:pic>
       <p:pic>
         <p:nvPicPr>
-          <p:cNvPr id="41" name="Image 10" descr="/var/folders/ky/3gqyhkyd7k16pwqdw48v0k400000gn/T/icon-icon-u8yxt0567-1767453716542.png">    </p:cNvPr>
+          <p:cNvPr id="41" name="Image 10" descr="/var/folders/ky/3gqyhkyd7k16pwqdw48v0k400000gn/T/icon-icon-5hsri27xf-1767456291874.png">    </p:cNvPr>
           <p:cNvPicPr>
             <a:picLocks noChangeAspect="1"/>
           </p:cNvPicPr>
@@ -6132,7 +6132,7 @@
       </p:pic>
       <p:pic>
         <p:nvPicPr>
-          <p:cNvPr id="42" name="Image 11" descr="/var/folders/ky/3gqyhkyd7k16pwqdw48v0k400000gn/T/icon-icon-y1yqig0wv-1767453716584.png">    </p:cNvPr>
+          <p:cNvPr id="42" name="Image 11" descr="/var/folders/ky/3gqyhkyd7k16pwqdw48v0k400000gn/T/icon-icon-nn0p5t3yq-1767456291934.png">    </p:cNvPr>
           <p:cNvPicPr>
             <a:picLocks noChangeAspect="1"/>
           </p:cNvPicPr>
@@ -6156,7 +6156,7 @@
       </p:pic>
       <p:pic>
         <p:nvPicPr>
-          <p:cNvPr id="43" name="Image 12" descr="/var/folders/ky/3gqyhkyd7k16pwqdw48v0k400000gn/T/icon-icon-y1yqig0wv-1767453716659.png">    </p:cNvPr>
+          <p:cNvPr id="43" name="Image 12" descr="/var/folders/ky/3gqyhkyd7k16pwqdw48v0k400000gn/T/icon-icon-nn0p5t3yq-1767456291984.png">    </p:cNvPr>
           <p:cNvPicPr>
             <a:picLocks noChangeAspect="1"/>
           </p:cNvPicPr>
@@ -6180,7 +6180,7 @@
       </p:pic>
       <p:pic>
         <p:nvPicPr>
-          <p:cNvPr id="44" name="Image 13" descr="/var/folders/ky/3gqyhkyd7k16pwqdw48v0k400000gn/T/icon-icon-ff4swsnbm-1767453716718.png">    </p:cNvPr>
+          <p:cNvPr id="44" name="Image 13" descr="/var/folders/ky/3gqyhkyd7k16pwqdw48v0k400000gn/T/icon-icon-xzmvx72m8-1767456292031.png">    </p:cNvPr>
           <p:cNvPicPr>
             <a:picLocks noChangeAspect="1"/>
           </p:cNvPicPr>
@@ -6204,7 +6204,7 @@
       </p:pic>
       <p:pic>
         <p:nvPicPr>
-          <p:cNvPr id="45" name="Image 14" descr="/var/folders/ky/3gqyhkyd7k16pwqdw48v0k400000gn/T/icon-icon-ff4swsnbm-1767453716770.png">    </p:cNvPr>
+          <p:cNvPr id="45" name="Image 14" descr="/var/folders/ky/3gqyhkyd7k16pwqdw48v0k400000gn/T/icon-icon-xzmvx72m8-1767456292106.png">    </p:cNvPr>
           <p:cNvPicPr>
             <a:picLocks noChangeAspect="1"/>
           </p:cNvPicPr>
@@ -6228,7 +6228,7 @@
       </p:pic>
       <p:pic>
         <p:nvPicPr>
-          <p:cNvPr id="46" name="Image 15" descr="/var/folders/ky/3gqyhkyd7k16pwqdw48v0k400000gn/T/icon-icon-zj4673xyk-1767453716834.png">    </p:cNvPr>
+          <p:cNvPr id="46" name="Image 15" descr="/var/folders/ky/3gqyhkyd7k16pwqdw48v0k400000gn/T/icon-icon-empmqy9qm-1767456292167.png">    </p:cNvPr>
           <p:cNvPicPr>
             <a:picLocks noChangeAspect="1"/>
           </p:cNvPicPr>
@@ -6252,7 +6252,7 @@
       </p:pic>
       <p:pic>
         <p:nvPicPr>
-          <p:cNvPr id="47" name="Image 16" descr="/var/folders/ky/3gqyhkyd7k16pwqdw48v0k400000gn/T/icon-icon-zj4673xyk-1767453716885.png">    </p:cNvPr>
+          <p:cNvPr id="47" name="Image 16" descr="/var/folders/ky/3gqyhkyd7k16pwqdw48v0k400000gn/T/icon-icon-empmqy9qm-1767456292218.png">    </p:cNvPr>
           <p:cNvPicPr>
             <a:picLocks noChangeAspect="1"/>
           </p:cNvPicPr>
@@ -7094,7 +7094,7 @@
       </p:sp>
       <p:pic>
         <p:nvPicPr>
-          <p:cNvPr id="23" name="Image 0" descr="/var/folders/ky/3gqyhkyd7k16pwqdw48v0k400000gn/T/icon-icon-icnq42b1j-1767453700094.png">    </p:cNvPr>
+          <p:cNvPr id="23" name="Image 0" descr="/var/folders/ky/3gqyhkyd7k16pwqdw48v0k400000gn/T/icon-icon-4ku7er5zm-1767456274868.png">    </p:cNvPr>
           <p:cNvPicPr>
             <a:picLocks noChangeAspect="1"/>
           </p:cNvPicPr>
@@ -7118,7 +7118,7 @@
       </p:pic>
       <p:pic>
         <p:nvPicPr>
-          <p:cNvPr id="24" name="Image 1" descr="/var/folders/ky/3gqyhkyd7k16pwqdw48v0k400000gn/T/icon-icon-mx8xdlkm0-1767453700136.png">    </p:cNvPr>
+          <p:cNvPr id="24" name="Image 1" descr="/var/folders/ky/3gqyhkyd7k16pwqdw48v0k400000gn/T/icon-icon-w1vknczb9-1767456274906.png">    </p:cNvPr>
           <p:cNvPicPr>
             <a:picLocks noChangeAspect="1"/>
           </p:cNvPicPr>
@@ -7142,7 +7142,7 @@
       </p:pic>
       <p:pic>
         <p:nvPicPr>
-          <p:cNvPr id="25" name="Image 2" descr="/var/folders/ky/3gqyhkyd7k16pwqdw48v0k400000gn/T/icon-icon-g8e3oq25g-1767453700170.png">    </p:cNvPr>
+          <p:cNvPr id="25" name="Image 2" descr="/var/folders/ky/3gqyhkyd7k16pwqdw48v0k400000gn/T/icon-icon-a2epuhwra-1767456274945.png">    </p:cNvPr>
           <p:cNvPicPr>
             <a:picLocks noChangeAspect="1"/>
           </p:cNvPicPr>
@@ -7166,7 +7166,7 @@
       </p:pic>
       <p:pic>
         <p:nvPicPr>
-          <p:cNvPr id="26" name="Image 3" descr="/var/folders/ky/3gqyhkyd7k16pwqdw48v0k400000gn/T/icon-icon-5k3y3l4m7-1767453700251.png">    </p:cNvPr>
+          <p:cNvPr id="26" name="Image 3" descr="/var/folders/ky/3gqyhkyd7k16pwqdw48v0k400000gn/T/icon-icon-wxelsvx4q-1767456275006.png">    </p:cNvPr>
           <p:cNvPicPr>
             <a:picLocks noChangeAspect="1"/>
           </p:cNvPicPr>
@@ -7190,7 +7190,7 @@
       </p:pic>
       <p:pic>
         <p:nvPicPr>
-          <p:cNvPr id="27" name="Image 4" descr="/var/folders/ky/3gqyhkyd7k16pwqdw48v0k400000gn/T/icon-icon-5k3y3l4m7-1767453700304.png">    </p:cNvPr>
+          <p:cNvPr id="27" name="Image 4" descr="/var/folders/ky/3gqyhkyd7k16pwqdw48v0k400000gn/T/icon-icon-wxelsvx4q-1767456275075.png">    </p:cNvPr>
           <p:cNvPicPr>
             <a:picLocks noChangeAspect="1"/>
           </p:cNvPicPr>
@@ -8410,7 +8410,7 @@
       </p:sp>
       <p:pic>
         <p:nvPicPr>
-          <p:cNvPr id="32" name="Image 0" descr="/var/folders/ky/3gqyhkyd7k16pwqdw48v0k400000gn/T/icon-icon-opku0u2dg-1767453701243.png">    </p:cNvPr>
+          <p:cNvPr id="32" name="Image 0" descr="/var/folders/ky/3gqyhkyd7k16pwqdw48v0k400000gn/T/icon-icon-z9x8lp5ul-1767456275988.png">    </p:cNvPr>
           <p:cNvPicPr>
             <a:picLocks noChangeAspect="1"/>
           </p:cNvPicPr>
@@ -8434,7 +8434,7 @@
       </p:pic>
       <p:pic>
         <p:nvPicPr>
-          <p:cNvPr id="33" name="Image 1" descr="/var/folders/ky/3gqyhkyd7k16pwqdw48v0k400000gn/T/icon-icon-ooye02cq8-1767453701302.png">    </p:cNvPr>
+          <p:cNvPr id="33" name="Image 1" descr="/var/folders/ky/3gqyhkyd7k16pwqdw48v0k400000gn/T/icon-icon-lba3tmix3-1767456276056.png">    </p:cNvPr>
           <p:cNvPicPr>
             <a:picLocks noChangeAspect="1"/>
           </p:cNvPicPr>
@@ -8458,7 +8458,7 @@
       </p:pic>
       <p:pic>
         <p:nvPicPr>
-          <p:cNvPr id="34" name="Image 2" descr="/var/folders/ky/3gqyhkyd7k16pwqdw48v0k400000gn/T/icon-icon-2b7280x4i-1767453701365.png">    </p:cNvPr>
+          <p:cNvPr id="34" name="Image 2" descr="/var/folders/ky/3gqyhkyd7k16pwqdw48v0k400000gn/T/icon-icon-4sbl5e4h7-1767456276110.png">    </p:cNvPr>
           <p:cNvPicPr>
             <a:picLocks noChangeAspect="1"/>
           </p:cNvPicPr>
@@ -8482,7 +8482,7 @@
       </p:pic>
       <p:pic>
         <p:nvPicPr>
-          <p:cNvPr id="35" name="Image 3" descr="/var/folders/ky/3gqyhkyd7k16pwqdw48v0k400000gn/T/icon-icon-uwho8k9yv-1767453701419.png">    </p:cNvPr>
+          <p:cNvPr id="35" name="Image 3" descr="/var/folders/ky/3gqyhkyd7k16pwqdw48v0k400000gn/T/icon-icon-ta8ui0jxk-1767456276182.png">    </p:cNvPr>
           <p:cNvPicPr>
             <a:picLocks noChangeAspect="1"/>
           </p:cNvPicPr>
@@ -9448,7 +9448,7 @@
       </p:sp>
       <p:pic>
         <p:nvPicPr>
-          <p:cNvPr id="27" name="Image 0" descr="/var/folders/ky/3gqyhkyd7k16pwqdw48v0k400000gn/T/icon-icon-q6somg985-1767453702449.png">    </p:cNvPr>
+          <p:cNvPr id="27" name="Image 0" descr="/var/folders/ky/3gqyhkyd7k16pwqdw48v0k400000gn/T/icon-icon-tro2sx44h-1767456277155.png">    </p:cNvPr>
           <p:cNvPicPr>
             <a:picLocks noChangeAspect="1"/>
           </p:cNvPicPr>
@@ -9472,7 +9472,7 @@
       </p:pic>
       <p:pic>
         <p:nvPicPr>
-          <p:cNvPr id="28" name="Image 1" descr="/var/folders/ky/3gqyhkyd7k16pwqdw48v0k400000gn/T/icon-icon-gf08u6mif-1767453702501.png">    </p:cNvPr>
+          <p:cNvPr id="28" name="Image 1" descr="/var/folders/ky/3gqyhkyd7k16pwqdw48v0k400000gn/T/icon-icon-cy4pzpyk3-1767456277214.png">    </p:cNvPr>
           <p:cNvPicPr>
             <a:picLocks noChangeAspect="1"/>
           </p:cNvPicPr>
@@ -9496,7 +9496,7 @@
       </p:pic>
       <p:pic>
         <p:nvPicPr>
-          <p:cNvPr id="29" name="Image 2" descr="/var/folders/ky/3gqyhkyd7k16pwqdw48v0k400000gn/T/icon-icon-ghmoh0dhn-1767453702565.png">    </p:cNvPr>
+          <p:cNvPr id="29" name="Image 2" descr="/var/folders/ky/3gqyhkyd7k16pwqdw48v0k400000gn/T/icon-icon-ulx267mjt-1767456277267.png">    </p:cNvPr>
           <p:cNvPicPr>
             <a:picLocks noChangeAspect="1"/>
           </p:cNvPicPr>
@@ -9520,7 +9520,7 @@
       </p:pic>
       <p:pic>
         <p:nvPicPr>
-          <p:cNvPr id="30" name="Image 3" descr="/var/folders/ky/3gqyhkyd7k16pwqdw48v0k400000gn/T/icon-icon-awp3vk7jb-1767453702615.png">    </p:cNvPr>
+          <p:cNvPr id="30" name="Image 3" descr="/var/folders/ky/3gqyhkyd7k16pwqdw48v0k400000gn/T/icon-icon-0vd9ye7xe-1767456277330.png">    </p:cNvPr>
           <p:cNvPicPr>
             <a:picLocks noChangeAspect="1"/>
           </p:cNvPicPr>
@@ -10298,7 +10298,7 @@
       </p:sp>
       <p:pic>
         <p:nvPicPr>
-          <p:cNvPr id="22" name="Image 1" descr="/var/folders/ky/3gqyhkyd7k16pwqdw48v0k400000gn/T/icon-icon-zym52eluc-1767453703639.png">    </p:cNvPr>
+          <p:cNvPr id="22" name="Image 1" descr="/var/folders/ky/3gqyhkyd7k16pwqdw48v0k400000gn/T/icon-icon-lj2jhc81y-1767456278323.png">    </p:cNvPr>
           <p:cNvPicPr>
             <a:picLocks noChangeAspect="1"/>
           </p:cNvPicPr>
@@ -10322,7 +10322,7 @@
       </p:pic>
       <p:pic>
         <p:nvPicPr>
-          <p:cNvPr id="23" name="Image 2" descr="/var/folders/ky/3gqyhkyd7k16pwqdw48v0k400000gn/T/icon-icon-genfj8qka-1767453703691.png">    </p:cNvPr>
+          <p:cNvPr id="23" name="Image 2" descr="/var/folders/ky/3gqyhkyd7k16pwqdw48v0k400000gn/T/icon-icon-bsl732ti7-1767456278406.png">    </p:cNvPr>
           <p:cNvPicPr>
             <a:picLocks noChangeAspect="1"/>
           </p:cNvPicPr>
@@ -10346,7 +10346,7 @@
       </p:pic>
       <p:pic>
         <p:nvPicPr>
-          <p:cNvPr id="24" name="Image 3" descr="/var/folders/ky/3gqyhkyd7k16pwqdw48v0k400000gn/T/icon-icon-zz7246h7p-1767453703757.png">    </p:cNvPr>
+          <p:cNvPr id="24" name="Image 3" descr="/var/folders/ky/3gqyhkyd7k16pwqdw48v0k400000gn/T/icon-icon-grl5fgkfr-1767456278472.png">    </p:cNvPr>
           <p:cNvPicPr>
             <a:picLocks noChangeAspect="1"/>
           </p:cNvPicPr>
@@ -11468,7 +11468,7 @@
       </p:sp>
       <p:pic>
         <p:nvPicPr>
-          <p:cNvPr id="29" name="Image 0" descr="/var/folders/ky/3gqyhkyd7k16pwqdw48v0k400000gn/T/icon-icon-0tvz020vu-1767453704759.png">    </p:cNvPr>
+          <p:cNvPr id="29" name="Image 0" descr="/var/folders/ky/3gqyhkyd7k16pwqdw48v0k400000gn/T/icon-icon-r4de7ccnn-1767456279717.png">    </p:cNvPr>
           <p:cNvPicPr>
             <a:picLocks noChangeAspect="1"/>
           </p:cNvPicPr>
@@ -11492,7 +11492,7 @@
       </p:pic>
       <p:pic>
         <p:nvPicPr>
-          <p:cNvPr id="30" name="Image 1" descr="/var/folders/ky/3gqyhkyd7k16pwqdw48v0k400000gn/T/icon-icon-a7lomydv6-1767453704826.png">    </p:cNvPr>
+          <p:cNvPr id="30" name="Image 1" descr="/var/folders/ky/3gqyhkyd7k16pwqdw48v0k400000gn/T/icon-icon-gaouba4wx-1767456279768.png">    </p:cNvPr>
           <p:cNvPicPr>
             <a:picLocks noChangeAspect="1"/>
           </p:cNvPicPr>
@@ -11516,7 +11516,7 @@
       </p:pic>
       <p:pic>
         <p:nvPicPr>
-          <p:cNvPr id="31" name="Image 2" descr="/var/folders/ky/3gqyhkyd7k16pwqdw48v0k400000gn/T/icon-icon-hffps8neb-1767453704883.png">    </p:cNvPr>
+          <p:cNvPr id="31" name="Image 2" descr="/var/folders/ky/3gqyhkyd7k16pwqdw48v0k400000gn/T/icon-icon-nh9ercfou-1767456279812.png">    </p:cNvPr>
           <p:cNvPicPr>
             <a:picLocks noChangeAspect="1"/>
           </p:cNvPicPr>
@@ -11540,7 +11540,7 @@
       </p:pic>
       <p:pic>
         <p:nvPicPr>
-          <p:cNvPr id="32" name="Image 3" descr="/var/folders/ky/3gqyhkyd7k16pwqdw48v0k400000gn/T/icon-icon-73rh22vce-1767453704946.png">    </p:cNvPr>
+          <p:cNvPr id="32" name="Image 3" descr="/var/folders/ky/3gqyhkyd7k16pwqdw48v0k400000gn/T/icon-icon-wweepvv42-1767456279873.png">    </p:cNvPr>
           <p:cNvPicPr>
             <a:picLocks noChangeAspect="1"/>
           </p:cNvPicPr>
@@ -11564,7 +11564,7 @@
       </p:pic>
       <p:pic>
         <p:nvPicPr>
-          <p:cNvPr id="33" name="Image 4" descr="/var/folders/ky/3gqyhkyd7k16pwqdw48v0k400000gn/T/icon-icon-oefs0m3bv-1767453705008.png">    </p:cNvPr>
+          <p:cNvPr id="33" name="Image 4" descr="/var/folders/ky/3gqyhkyd7k16pwqdw48v0k400000gn/T/icon-icon-3zkabdico-1767456279940.png">    </p:cNvPr>
           <p:cNvPicPr>
             <a:picLocks noChangeAspect="1"/>
           </p:cNvPicPr>
@@ -11588,7 +11588,7 @@
       </p:pic>
       <p:pic>
         <p:nvPicPr>
-          <p:cNvPr id="34" name="Image 5" descr="/var/folders/ky/3gqyhkyd7k16pwqdw48v0k400000gn/T/icon-icon-267ynfnq8-1767453705056.png">    </p:cNvPr>
+          <p:cNvPr id="34" name="Image 5" descr="/var/folders/ky/3gqyhkyd7k16pwqdw48v0k400000gn/T/icon-icon-7ixfz3962-1767456279986.png">    </p:cNvPr>
           <p:cNvPicPr>
             <a:picLocks noChangeAspect="1"/>
           </p:cNvPicPr>
@@ -11612,7 +11612,7 @@
       </p:pic>
       <p:pic>
         <p:nvPicPr>
-          <p:cNvPr id="35" name="Image 6" descr="/var/folders/ky/3gqyhkyd7k16pwqdw48v0k400000gn/T/icon-icon-u2ndtz710-1767453705125.png">    </p:cNvPr>
+          <p:cNvPr id="35" name="Image 6" descr="/var/folders/ky/3gqyhkyd7k16pwqdw48v0k400000gn/T/icon-icon-v5rep8u30-1767456280068.png">    </p:cNvPr>
           <p:cNvPicPr>
             <a:picLocks noChangeAspect="1"/>
           </p:cNvPicPr>
@@ -13140,7 +13140,7 @@
       </p:sp>
       <p:pic>
         <p:nvPicPr>
-          <p:cNvPr id="29" name="Image 1" descr="/var/folders/ky/3gqyhkyd7k16pwqdw48v0k400000gn/T/icon-icon-f7d6p79uu-1767453706110.png">    </p:cNvPr>
+          <p:cNvPr id="29" name="Image 1" descr="/var/folders/ky/3gqyhkyd7k16pwqdw48v0k400000gn/T/icon-icon-2iwsgtqf2-1767456281067.png">    </p:cNvPr>
           <p:cNvPicPr>
             <a:picLocks noChangeAspect="1"/>
           </p:cNvPicPr>
@@ -13164,7 +13164,7 @@
       </p:pic>
       <p:pic>
         <p:nvPicPr>
-          <p:cNvPr id="30" name="Image 2" descr="/var/folders/ky/3gqyhkyd7k16pwqdw48v0k400000gn/T/icon-icon-ati11occ0-1767453706177.png">    </p:cNvPr>
+          <p:cNvPr id="30" name="Image 2" descr="/var/folders/ky/3gqyhkyd7k16pwqdw48v0k400000gn/T/icon-icon-k9ixm4b7w-1767456281141.png">    </p:cNvPr>
           <p:cNvPicPr>
             <a:picLocks noChangeAspect="1"/>
           </p:cNvPicPr>
@@ -13188,7 +13188,7 @@
       </p:pic>
       <p:pic>
         <p:nvPicPr>
-          <p:cNvPr id="31" name="Image 3" descr="/var/folders/ky/3gqyhkyd7k16pwqdw48v0k400000gn/T/icon-icon-rewjd15qf-1767453706245.png">    </p:cNvPr>
+          <p:cNvPr id="31" name="Image 3" descr="/var/folders/ky/3gqyhkyd7k16pwqdw48v0k400000gn/T/icon-icon-254289kar-1767456281208.png">    </p:cNvPr>
           <p:cNvPicPr>
             <a:picLocks noChangeAspect="1"/>
           </p:cNvPicPr>
@@ -13212,7 +13212,7 @@
       </p:pic>
       <p:pic>
         <p:nvPicPr>
-          <p:cNvPr id="32" name="Image 4" descr="/var/folders/ky/3gqyhkyd7k16pwqdw48v0k400000gn/T/icon-icon-bajjtup4m-1767453706293.png">    </p:cNvPr>
+          <p:cNvPr id="32" name="Image 4" descr="/var/folders/ky/3gqyhkyd7k16pwqdw48v0k400000gn/T/icon-icon-vn0c804kh-1767456281253.png">    </p:cNvPr>
           <p:cNvPicPr>
             <a:picLocks noChangeAspect="1"/>
           </p:cNvPicPr>
@@ -13236,7 +13236,7 @@
       </p:pic>
       <p:pic>
         <p:nvPicPr>
-          <p:cNvPr id="33" name="Image 5" descr="/var/folders/ky/3gqyhkyd7k16pwqdw48v0k400000gn/T/icon-icon-ati11occ0-1767453706353.png">    </p:cNvPr>
+          <p:cNvPr id="33" name="Image 5" descr="/var/folders/ky/3gqyhkyd7k16pwqdw48v0k400000gn/T/icon-icon-k9ixm4b7w-1767456281323.png">    </p:cNvPr>
           <p:cNvPicPr>
             <a:picLocks noChangeAspect="1"/>
           </p:cNvPicPr>
@@ -13260,7 +13260,7 @@
       </p:pic>
       <p:pic>
         <p:nvPicPr>
-          <p:cNvPr id="34" name="Image 6" descr="/var/folders/ky/3gqyhkyd7k16pwqdw48v0k400000gn/T/icon-icon-rewjd15qf-1767453706410.png">    </p:cNvPr>
+          <p:cNvPr id="34" name="Image 6" descr="/var/folders/ky/3gqyhkyd7k16pwqdw48v0k400000gn/T/icon-icon-254289kar-1767456281381.png">    </p:cNvPr>
           <p:cNvPicPr>
             <a:picLocks noChangeAspect="1"/>
           </p:cNvPicPr>
@@ -13284,7 +13284,7 @@
       </p:pic>
       <p:pic>
         <p:nvPicPr>
-          <p:cNvPr id="35" name="Image 7" descr="/var/folders/ky/3gqyhkyd7k16pwqdw48v0k400000gn/T/icon-icon-bajjtup4m-1767453706451.png">    </p:cNvPr>
+          <p:cNvPr id="35" name="Image 7" descr="/var/folders/ky/3gqyhkyd7k16pwqdw48v0k400000gn/T/icon-icon-vn0c804kh-1767456281452.png">    </p:cNvPr>
           <p:cNvPicPr>
             <a:picLocks noChangeAspect="1"/>
           </p:cNvPicPr>
@@ -13308,7 +13308,7 @@
       </p:pic>
       <p:pic>
         <p:nvPicPr>
-          <p:cNvPr id="36" name="Image 8" descr="/var/folders/ky/3gqyhkyd7k16pwqdw48v0k400000gn/T/icon-icon-kpsbc75l1-1767453706503.png">    </p:cNvPr>
+          <p:cNvPr id="36" name="Image 8" descr="/var/folders/ky/3gqyhkyd7k16pwqdw48v0k400000gn/T/icon-icon-w4zo0jit9-1767456281515.png">    </p:cNvPr>
           <p:cNvPicPr>
             <a:picLocks noChangeAspect="1"/>
           </p:cNvPicPr>
@@ -13332,7 +13332,7 @@
       </p:pic>
       <p:pic>
         <p:nvPicPr>
-          <p:cNvPr id="37" name="Image 9" descr="/var/folders/ky/3gqyhkyd7k16pwqdw48v0k400000gn/T/icon-icon-kpsbc75l1-1767453706559.png">    </p:cNvPr>
+          <p:cNvPr id="37" name="Image 9" descr="/var/folders/ky/3gqyhkyd7k16pwqdw48v0k400000gn/T/icon-icon-w4zo0jit9-1767456281567.png">    </p:cNvPr>
           <p:cNvPicPr>
             <a:picLocks noChangeAspect="1"/>
           </p:cNvPicPr>
@@ -13356,7 +13356,7 @@
       </p:pic>
       <p:pic>
         <p:nvPicPr>
-          <p:cNvPr id="38" name="Image 10" descr="/var/folders/ky/3gqyhkyd7k16pwqdw48v0k400000gn/T/icon-icon-6k87abiko-1767453706617.png">    </p:cNvPr>
+          <p:cNvPr id="38" name="Image 10" descr="/var/folders/ky/3gqyhkyd7k16pwqdw48v0k400000gn/T/icon-icon-lj9ryjd3s-1767456281609.png">    </p:cNvPr>
           <p:cNvPicPr>
             <a:picLocks noChangeAspect="1"/>
           </p:cNvPicPr>
@@ -13380,7 +13380,7 @@
       </p:pic>
       <p:pic>
         <p:nvPicPr>
-          <p:cNvPr id="39" name="Image 11" descr="/var/folders/ky/3gqyhkyd7k16pwqdw48v0k400000gn/T/icon-icon-3winq9dvj-1767453706668.png">    </p:cNvPr>
+          <p:cNvPr id="39" name="Image 11" descr="/var/folders/ky/3gqyhkyd7k16pwqdw48v0k400000gn/T/icon-icon-0ze3tv6jp-1767456281678.png">    </p:cNvPr>
           <p:cNvPicPr>
             <a:picLocks noChangeAspect="1"/>
           </p:cNvPicPr>
@@ -13404,7 +13404,7 @@
       </p:pic>
       <p:pic>
         <p:nvPicPr>
-          <p:cNvPr id="40" name="Image 12" descr="/var/folders/ky/3gqyhkyd7k16pwqdw48v0k400000gn/T/icon-icon-8ak6mkalx-1767453706734.png">    </p:cNvPr>
+          <p:cNvPr id="40" name="Image 12" descr="/var/folders/ky/3gqyhkyd7k16pwqdw48v0k400000gn/T/icon-icon-nr4ymelcl-1767456281724.png">    </p:cNvPr>
           <p:cNvPicPr>
             <a:picLocks noChangeAspect="1"/>
           </p:cNvPicPr>
@@ -13428,7 +13428,7 @@
       </p:pic>
       <p:pic>
         <p:nvPicPr>
-          <p:cNvPr id="41" name="Image 13" descr="/var/folders/ky/3gqyhkyd7k16pwqdw48v0k400000gn/T/icon-icon-3winq9dvj-1767453706783.png">    </p:cNvPr>
+          <p:cNvPr id="41" name="Image 13" descr="/var/folders/ky/3gqyhkyd7k16pwqdw48v0k400000gn/T/icon-icon-0ze3tv6jp-1767456281780.png">    </p:cNvPr>
           <p:cNvPicPr>
             <a:picLocks noChangeAspect="1"/>
           </p:cNvPicPr>
@@ -13452,7 +13452,7 @@
       </p:pic>
       <p:pic>
         <p:nvPicPr>
-          <p:cNvPr id="42" name="Image 14" descr="/var/folders/ky/3gqyhkyd7k16pwqdw48v0k400000gn/T/icon-icon-8ak6mkalx-1767453706846.png">    </p:cNvPr>
+          <p:cNvPr id="42" name="Image 14" descr="/var/folders/ky/3gqyhkyd7k16pwqdw48v0k400000gn/T/icon-icon-nr4ymelcl-1767456281832.png">    </p:cNvPr>
           <p:cNvPicPr>
             <a:picLocks noChangeAspect="1"/>
           </p:cNvPicPr>
@@ -13476,7 +13476,7 @@
       </p:pic>
       <p:pic>
         <p:nvPicPr>
-          <p:cNvPr id="43" name="Image 15" descr="/var/folders/ky/3gqyhkyd7k16pwqdw48v0k400000gn/T/icon-icon-p2ao86hh3-1767453706892.png">    </p:cNvPr>
+          <p:cNvPr id="43" name="Image 15" descr="/var/folders/ky/3gqyhkyd7k16pwqdw48v0k400000gn/T/icon-icon-k5meadul0-1767456281900.png">    </p:cNvPr>
           <p:cNvPicPr>
             <a:picLocks noChangeAspect="1"/>
           </p:cNvPicPr>
@@ -13500,7 +13500,7 @@
       </p:pic>
       <p:pic>
         <p:nvPicPr>
-          <p:cNvPr id="44" name="Image 16" descr="/var/folders/ky/3gqyhkyd7k16pwqdw48v0k400000gn/T/icon-icon-p2ao86hh3-1767453706931.png">    </p:cNvPr>
+          <p:cNvPr id="44" name="Image 16" descr="/var/folders/ky/3gqyhkyd7k16pwqdw48v0k400000gn/T/icon-icon-k5meadul0-1767456281964.png">    </p:cNvPr>
           <p:cNvPicPr>
             <a:picLocks noChangeAspect="1"/>
           </p:cNvPicPr>
@@ -13524,7 +13524,7 @@
       </p:pic>
       <p:pic>
         <p:nvPicPr>
-          <p:cNvPr id="45" name="Image 17" descr="/var/folders/ky/3gqyhkyd7k16pwqdw48v0k400000gn/T/icon-icon-32nt2v2uc-1767453706967.png">    </p:cNvPr>
+          <p:cNvPr id="45" name="Image 17" descr="/var/folders/ky/3gqyhkyd7k16pwqdw48v0k400000gn/T/icon-icon-1uqwedu2d-1767456282032.png">    </p:cNvPr>
           <p:cNvPicPr>
             <a:picLocks noChangeAspect="1"/>
           </p:cNvPicPr>
@@ -13548,7 +13548,7 @@
       </p:pic>
       <p:pic>
         <p:nvPicPr>
-          <p:cNvPr id="46" name="Image 18" descr="/var/folders/ky/3gqyhkyd7k16pwqdw48v0k400000gn/T/icon-icon-pdfc725u0-1767453707020.png">    </p:cNvPr>
+          <p:cNvPr id="46" name="Image 18" descr="/var/folders/ky/3gqyhkyd7k16pwqdw48v0k400000gn/T/icon-icon-bksl7aebe-1767456282084.png">    </p:cNvPr>
           <p:cNvPicPr>
             <a:picLocks noChangeAspect="1"/>
           </p:cNvPicPr>
@@ -13572,7 +13572,7 @@
       </p:pic>
       <p:pic>
         <p:nvPicPr>
-          <p:cNvPr id="47" name="Image 19" descr="/var/folders/ky/3gqyhkyd7k16pwqdw48v0k400000gn/T/icon-icon-f3qmcvtdu-1767453707073.png">    </p:cNvPr>
+          <p:cNvPr id="47" name="Image 19" descr="/var/folders/ky/3gqyhkyd7k16pwqdw48v0k400000gn/T/icon-icon-03j014uop-1767456282162.png">    </p:cNvPr>
           <p:cNvPicPr>
             <a:picLocks noChangeAspect="1"/>
           </p:cNvPicPr>
@@ -13596,7 +13596,7 @@
       </p:pic>
       <p:pic>
         <p:nvPicPr>
-          <p:cNvPr id="48" name="Image 20" descr="/var/folders/ky/3gqyhkyd7k16pwqdw48v0k400000gn/T/icon-icon-qtqfpu5zp-1767453707115.png">    </p:cNvPr>
+          <p:cNvPr id="48" name="Image 20" descr="/var/folders/ky/3gqyhkyd7k16pwqdw48v0k400000gn/T/icon-icon-inu8exkma-1767456282209.png">    </p:cNvPr>
           <p:cNvPicPr>
             <a:picLocks noChangeAspect="1"/>
           </p:cNvPicPr>
@@ -13620,7 +13620,7 @@
       </p:pic>
       <p:pic>
         <p:nvPicPr>
-          <p:cNvPr id="49" name="Image 21" descr="/var/folders/ky/3gqyhkyd7k16pwqdw48v0k400000gn/T/icon-icon-pdfc725u0-1767453707152.png">    </p:cNvPr>
+          <p:cNvPr id="49" name="Image 21" descr="/var/folders/ky/3gqyhkyd7k16pwqdw48v0k400000gn/T/icon-icon-bksl7aebe-1767456282280.png">    </p:cNvPr>
           <p:cNvPicPr>
             <a:picLocks noChangeAspect="1"/>
           </p:cNvPicPr>
@@ -13644,7 +13644,7 @@
       </p:pic>
       <p:pic>
         <p:nvPicPr>
-          <p:cNvPr id="50" name="Image 22" descr="/var/folders/ky/3gqyhkyd7k16pwqdw48v0k400000gn/T/icon-icon-f3qmcvtdu-1767453707189.png">    </p:cNvPr>
+          <p:cNvPr id="50" name="Image 22" descr="/var/folders/ky/3gqyhkyd7k16pwqdw48v0k400000gn/T/icon-icon-03j014uop-1767456282341.png">    </p:cNvPr>
           <p:cNvPicPr>
             <a:picLocks noChangeAspect="1"/>
           </p:cNvPicPr>
@@ -13668,7 +13668,7 @@
       </p:pic>
       <p:pic>
         <p:nvPicPr>
-          <p:cNvPr id="51" name="Image 23" descr="/var/folders/ky/3gqyhkyd7k16pwqdw48v0k400000gn/T/icon-icon-qtqfpu5zp-1767453707250.png">    </p:cNvPr>
+          <p:cNvPr id="51" name="Image 23" descr="/var/folders/ky/3gqyhkyd7k16pwqdw48v0k400000gn/T/icon-icon-inu8exkma-1767456282409.png">    </p:cNvPr>
           <p:cNvPicPr>
             <a:picLocks noChangeAspect="1"/>
           </p:cNvPicPr>
@@ -13692,7 +13692,7 @@
       </p:pic>
       <p:pic>
         <p:nvPicPr>
-          <p:cNvPr id="52" name="Image 24" descr="/var/folders/ky/3gqyhkyd7k16pwqdw48v0k400000gn/T/icon-icon-qi3hwvztv-1767453707317.png">    </p:cNvPr>
+          <p:cNvPr id="52" name="Image 24" descr="/var/folders/ky/3gqyhkyd7k16pwqdw48v0k400000gn/T/icon-icon-t3nhubhnk-1767456282458.png">    </p:cNvPr>
           <p:cNvPicPr>
             <a:picLocks noChangeAspect="1"/>
           </p:cNvPicPr>
@@ -13716,7 +13716,7 @@
       </p:pic>
       <p:pic>
         <p:nvPicPr>
-          <p:cNvPr id="53" name="Image 25" descr="/var/folders/ky/3gqyhkyd7k16pwqdw48v0k400000gn/T/icon-icon-qi3hwvztv-1767453707366.png">    </p:cNvPr>
+          <p:cNvPr id="53" name="Image 25" descr="/var/folders/ky/3gqyhkyd7k16pwqdw48v0k400000gn/T/icon-icon-t3nhubhnk-1767456282499.png">    </p:cNvPr>
           <p:cNvPicPr>
             <a:picLocks noChangeAspect="1"/>
           </p:cNvPicPr>
@@ -15314,7 +15314,7 @@
       </p:sp>
       <p:pic>
         <p:nvPicPr>
-          <p:cNvPr id="42" name="Image 0" descr="/var/folders/ky/3gqyhkyd7k16pwqdw48v0k400000gn/T/icon-icon-lle43ohpn-1767453708335.png">    </p:cNvPr>
+          <p:cNvPr id="42" name="Image 0" descr="/var/folders/ky/3gqyhkyd7k16pwqdw48v0k400000gn/T/icon-icon-g1tzw3izc-1767456283476.png">    </p:cNvPr>
           <p:cNvPicPr>
             <a:picLocks noChangeAspect="1"/>
           </p:cNvPicPr>
@@ -15338,7 +15338,7 @@
       </p:pic>
       <p:pic>
         <p:nvPicPr>
-          <p:cNvPr id="43" name="Image 1" descr="/var/folders/ky/3gqyhkyd7k16pwqdw48v0k400000gn/T/icon-icon-lle43ohpn-1767453708391.png">    </p:cNvPr>
+          <p:cNvPr id="43" name="Image 1" descr="/var/folders/ky/3gqyhkyd7k16pwqdw48v0k400000gn/T/icon-icon-g1tzw3izc-1767456283547.png">    </p:cNvPr>
           <p:cNvPicPr>
             <a:picLocks noChangeAspect="1"/>
           </p:cNvPicPr>
@@ -15362,7 +15362,7 @@
       </p:pic>
       <p:pic>
         <p:nvPicPr>
-          <p:cNvPr id="44" name="Image 2" descr="/var/folders/ky/3gqyhkyd7k16pwqdw48v0k400000gn/T/icon-icon-ek1js9r1o-1767453708451.png">    </p:cNvPr>
+          <p:cNvPr id="44" name="Image 2" descr="/var/folders/ky/3gqyhkyd7k16pwqdw48v0k400000gn/T/icon-icon-74p0a7p2j-1767456283599.png">    </p:cNvPr>
           <p:cNvPicPr>
             <a:picLocks noChangeAspect="1"/>
           </p:cNvPicPr>
@@ -15386,7 +15386,7 @@
       </p:pic>
       <p:pic>
         <p:nvPicPr>
-          <p:cNvPr id="45" name="Image 3" descr="/var/folders/ky/3gqyhkyd7k16pwqdw48v0k400000gn/T/icon-icon-3hvzsmwxm-1767453708502.png">    </p:cNvPr>
+          <p:cNvPr id="45" name="Image 3" descr="/var/folders/ky/3gqyhkyd7k16pwqdw48v0k400000gn/T/icon-icon-i2qxd7gud-1767456283673.png">    </p:cNvPr>
           <p:cNvPicPr>
             <a:picLocks noChangeAspect="1"/>
           </p:cNvPicPr>
@@ -15410,7 +15410,7 @@
       </p:pic>
       <p:pic>
         <p:nvPicPr>
-          <p:cNvPr id="46" name="Image 4" descr="/var/folders/ky/3gqyhkyd7k16pwqdw48v0k400000gn/T/icon-icon-jrmazglon-1767453708565.png">    </p:cNvPr>
+          <p:cNvPr id="46" name="Image 4" descr="/var/folders/ky/3gqyhkyd7k16pwqdw48v0k400000gn/T/icon-icon-fzdy7o4ok-1767456283730.png">    </p:cNvPr>
           <p:cNvPicPr>
             <a:picLocks noChangeAspect="1"/>
           </p:cNvPicPr>
@@ -15434,7 +15434,7 @@
       </p:pic>
       <p:pic>
         <p:nvPicPr>
-          <p:cNvPr id="47" name="Image 5" descr="/var/folders/ky/3gqyhkyd7k16pwqdw48v0k400000gn/T/icon-icon-nu14uuh4a-1767453708617.png">    </p:cNvPr>
+          <p:cNvPr id="47" name="Image 5" descr="/var/folders/ky/3gqyhkyd7k16pwqdw48v0k400000gn/T/icon-icon-zsund2bet-1767456283783.png">    </p:cNvPr>
           <p:cNvPicPr>
             <a:picLocks noChangeAspect="1"/>
           </p:cNvPicPr>
@@ -15458,7 +15458,7 @@
       </p:pic>
       <p:pic>
         <p:nvPicPr>
-          <p:cNvPr id="48" name="Image 6" descr="/var/folders/ky/3gqyhkyd7k16pwqdw48v0k400000gn/T/icon-icon-nu14uuh4a-1767453708655.png">    </p:cNvPr>
+          <p:cNvPr id="48" name="Image 6" descr="/var/folders/ky/3gqyhkyd7k16pwqdw48v0k400000gn/T/icon-icon-zsund2bet-1767456283846.png">    </p:cNvPr>
           <p:cNvPicPr>
             <a:picLocks noChangeAspect="1"/>
           </p:cNvPicPr>
@@ -15482,7 +15482,7 @@
       </p:pic>
       <p:pic>
         <p:nvPicPr>
-          <p:cNvPr id="49" name="Image 7" descr="/var/folders/ky/3gqyhkyd7k16pwqdw48v0k400000gn/T/icon-icon-0egdrcz30-1767453708725.png">    </p:cNvPr>
+          <p:cNvPr id="49" name="Image 7" descr="/var/folders/ky/3gqyhkyd7k16pwqdw48v0k400000gn/T/icon-icon-4szczkt7v-1767456283897.png">    </p:cNvPr>
           <p:cNvPicPr>
             <a:picLocks noChangeAspect="1"/>
           </p:cNvPicPr>
@@ -15506,7 +15506,7 @@
       </p:pic>
       <p:pic>
         <p:nvPicPr>
-          <p:cNvPr id="50" name="Image 8" descr="/var/folders/ky/3gqyhkyd7k16pwqdw48v0k400000gn/T/icon-icon-dnm35wdzp-1767453708782.png">    </p:cNvPr>
+          <p:cNvPr id="50" name="Image 8" descr="/var/folders/ky/3gqyhkyd7k16pwqdw48v0k400000gn/T/icon-icon-cinattjcc-1767456283934.png">    </p:cNvPr>
           <p:cNvPicPr>
             <a:picLocks noChangeAspect="1"/>
           </p:cNvPicPr>
@@ -15530,7 +15530,7 @@
       </p:pic>
       <p:pic>
         <p:nvPicPr>
-          <p:cNvPr id="51" name="Image 9" descr="/var/folders/ky/3gqyhkyd7k16pwqdw48v0k400000gn/T/icon-icon-fibxqmnyz-1767453708836.png">    </p:cNvPr>
+          <p:cNvPr id="51" name="Image 9" descr="/var/folders/ky/3gqyhkyd7k16pwqdw48v0k400000gn/T/icon-icon-onrnn42dj-1767456283997.png">    </p:cNvPr>
           <p:cNvPicPr>
             <a:picLocks noChangeAspect="1"/>
           </p:cNvPicPr>
@@ -15554,7 +15554,7 @@
       </p:pic>
       <p:pic>
         <p:nvPicPr>
-          <p:cNvPr id="52" name="Image 10" descr="/var/folders/ky/3gqyhkyd7k16pwqdw48v0k400000gn/T/icon-icon-6fb5xu1qq-1767453708901.png">    </p:cNvPr>
+          <p:cNvPr id="52" name="Image 10" descr="/var/folders/ky/3gqyhkyd7k16pwqdw48v0k400000gn/T/icon-icon-oac3po5rv-1767456284045.png">    </p:cNvPr>
           <p:cNvPicPr>
             <a:picLocks noChangeAspect="1"/>
           </p:cNvPicPr>
@@ -15578,7 +15578,7 @@
       </p:pic>
       <p:pic>
         <p:nvPicPr>
-          <p:cNvPr id="53" name="Image 11" descr="/var/folders/ky/3gqyhkyd7k16pwqdw48v0k400000gn/T/icon-icon-fzlnt975f-1767453708949.png">    </p:cNvPr>
+          <p:cNvPr id="53" name="Image 11" descr="/var/folders/ky/3gqyhkyd7k16pwqdw48v0k400000gn/T/icon-icon-0hwirq4ol-1767456284086.png">    </p:cNvPr>
           <p:cNvPicPr>
             <a:picLocks noChangeAspect="1"/>
           </p:cNvPicPr>
@@ -15602,7 +15602,7 @@
       </p:pic>
       <p:pic>
         <p:nvPicPr>
-          <p:cNvPr id="54" name="Image 12" descr="/var/folders/ky/3gqyhkyd7k16pwqdw48v0k400000gn/T/icon-icon-6fb5xu1qq-1767453709003.png">    </p:cNvPr>
+          <p:cNvPr id="54" name="Image 12" descr="/var/folders/ky/3gqyhkyd7k16pwqdw48v0k400000gn/T/icon-icon-oac3po5rv-1767456284150.png">    </p:cNvPr>
           <p:cNvPicPr>
             <a:picLocks noChangeAspect="1"/>
           </p:cNvPicPr>
@@ -15626,7 +15626,7 @@
       </p:pic>
       <p:pic>
         <p:nvPicPr>
-          <p:cNvPr id="55" name="Image 13" descr="/var/folders/ky/3gqyhkyd7k16pwqdw48v0k400000gn/T/icon-icon-fzlnt975f-1767453709055.png">    </p:cNvPr>
+          <p:cNvPr id="55" name="Image 13" descr="/var/folders/ky/3gqyhkyd7k16pwqdw48v0k400000gn/T/icon-icon-0hwirq4ol-1767456284195.png">    </p:cNvPr>
           <p:cNvPicPr>
             <a:picLocks noChangeAspect="1"/>
           </p:cNvPicPr>
@@ -15877,7 +15877,9 @@
           <a:prstGeom prst="rect">
             <a:avLst/>
           </a:prstGeom>
-          <a:noFill/>
+          <a:solidFill>
+            <a:srgbClr val="F8F9FA"/>
+          </a:solidFill>
           <a:ln/>
         </p:spPr>
         <p:txBody>
@@ -15919,7 +15921,9 @@
           <a:prstGeom prst="rect">
             <a:avLst/>
           </a:prstGeom>
-          <a:noFill/>
+          <a:solidFill>
+            <a:srgbClr val="F8F9FA"/>
+          </a:solidFill>
           <a:ln/>
         </p:spPr>
         <p:txBody>
@@ -15995,7 +15999,9 @@
           <a:prstGeom prst="rect">
             <a:avLst/>
           </a:prstGeom>
-          <a:noFill/>
+          <a:solidFill>
+            <a:srgbClr val="F8F9FA"/>
+          </a:solidFill>
           <a:ln/>
         </p:spPr>
         <p:txBody>
@@ -17175,7 +17181,7 @@
       </p:sp>
       <p:pic>
         <p:nvPicPr>
-          <p:cNvPr id="32" name="Image 0" descr="/var/folders/ky/3gqyhkyd7k16pwqdw48v0k400000gn/T/icon-icon-zy28hhlrk-1767453710032.png">    </p:cNvPr>
+          <p:cNvPr id="32" name="Image 0" descr="/var/folders/ky/3gqyhkyd7k16pwqdw48v0k400000gn/T/icon-icon-ph4zfgk2z-1767456285181.png">    </p:cNvPr>
           <p:cNvPicPr>
             <a:picLocks noChangeAspect="1"/>
           </p:cNvPicPr>
@@ -17199,7 +17205,7 @@
       </p:pic>
       <p:pic>
         <p:nvPicPr>
-          <p:cNvPr id="33" name="Image 1" descr="/var/folders/ky/3gqyhkyd7k16pwqdw48v0k400000gn/T/icon-icon-zy28hhlrk-1767453710091.png">    </p:cNvPr>
+          <p:cNvPr id="33" name="Image 1" descr="/var/folders/ky/3gqyhkyd7k16pwqdw48v0k400000gn/T/icon-icon-ph4zfgk2z-1767456285250.png">    </p:cNvPr>
           <p:cNvPicPr>
             <a:picLocks noChangeAspect="1"/>
           </p:cNvPicPr>
@@ -17223,7 +17229,7 @@
       </p:pic>
       <p:pic>
         <p:nvPicPr>
-          <p:cNvPr id="34" name="Image 2" descr="/var/folders/ky/3gqyhkyd7k16pwqdw48v0k400000gn/T/icon-icon-dxg6fj98r-1767453710131.png">    </p:cNvPr>
+          <p:cNvPr id="34" name="Image 2" descr="/var/folders/ky/3gqyhkyd7k16pwqdw48v0k400000gn/T/icon-icon-yc20gntl1-1767456285305.png">    </p:cNvPr>
           <p:cNvPicPr>
             <a:picLocks noChangeAspect="1"/>
           </p:cNvPicPr>
@@ -17247,7 +17253,7 @@
       </p:pic>
       <p:pic>
         <p:nvPicPr>
-          <p:cNvPr id="35" name="Image 3" descr="/var/folders/ky/3gqyhkyd7k16pwqdw48v0k400000gn/T/icon-icon-dxg6fj98r-1767453710166.png">    </p:cNvPr>
+          <p:cNvPr id="35" name="Image 3" descr="/var/folders/ky/3gqyhkyd7k16pwqdw48v0k400000gn/T/icon-icon-yc20gntl1-1767456285362.png">    </p:cNvPr>
           <p:cNvPicPr>
             <a:picLocks noChangeAspect="1"/>
           </p:cNvPicPr>
@@ -17271,7 +17277,7 @@
       </p:pic>
       <p:pic>
         <p:nvPicPr>
-          <p:cNvPr id="36" name="Image 4" descr="/var/folders/ky/3gqyhkyd7k16pwqdw48v0k400000gn/T/icon-icon-7on43wnmk-1767453710228.png">    </p:cNvPr>
+          <p:cNvPr id="36" name="Image 4" descr="/var/folders/ky/3gqyhkyd7k16pwqdw48v0k400000gn/T/icon-icon-6b2ezv712-1767456285416.png">    </p:cNvPr>
           <p:cNvPicPr>
             <a:picLocks noChangeAspect="1"/>
           </p:cNvPicPr>
@@ -17295,7 +17301,7 @@
       </p:pic>
       <p:pic>
         <p:nvPicPr>
-          <p:cNvPr id="37" name="Image 5" descr="/var/folders/ky/3gqyhkyd7k16pwqdw48v0k400000gn/T/icon-icon-7on43wnmk-1767453710297.png">    </p:cNvPr>
+          <p:cNvPr id="37" name="Image 5" descr="/var/folders/ky/3gqyhkyd7k16pwqdw48v0k400000gn/T/icon-icon-6b2ezv712-1767456285479.png">    </p:cNvPr>
           <p:cNvPicPr>
             <a:picLocks noChangeAspect="1"/>
           </p:cNvPicPr>
@@ -17319,7 +17325,7 @@
       </p:pic>
       <p:pic>
         <p:nvPicPr>
-          <p:cNvPr id="38" name="Image 6" descr="/var/folders/ky/3gqyhkyd7k16pwqdw48v0k400000gn/T/icon-icon-ivtc2j0jd-1767453710345.png">    </p:cNvPr>
+          <p:cNvPr id="38" name="Image 6" descr="/var/folders/ky/3gqyhkyd7k16pwqdw48v0k400000gn/T/icon-icon-tvs6wuj4a-1767456285530.png">    </p:cNvPr>
           <p:cNvPicPr>
             <a:picLocks noChangeAspect="1"/>
           </p:cNvPicPr>
@@ -17343,7 +17349,7 @@
       </p:pic>
       <p:pic>
         <p:nvPicPr>
-          <p:cNvPr id="39" name="Image 7" descr="/var/folders/ky/3gqyhkyd7k16pwqdw48v0k400000gn/T/icon-icon-ivtc2j0jd-1767453710384.png">    </p:cNvPr>
+          <p:cNvPr id="39" name="Image 7" descr="/var/folders/ky/3gqyhkyd7k16pwqdw48v0k400000gn/T/icon-icon-tvs6wuj4a-1767456285592.png">    </p:cNvPr>
           <p:cNvPicPr>
             <a:picLocks noChangeAspect="1"/>
           </p:cNvPicPr>
@@ -17367,7 +17373,7 @@
       </p:pic>
       <p:pic>
         <p:nvPicPr>
-          <p:cNvPr id="40" name="Image 8" descr="/var/folders/ky/3gqyhkyd7k16pwqdw48v0k400000gn/T/icon-icon-iphmwg811-1767453710438.png">    </p:cNvPr>
+          <p:cNvPr id="40" name="Image 8" descr="/var/folders/ky/3gqyhkyd7k16pwqdw48v0k400000gn/T/icon-icon-25uhs8kyd-1767456285638.png">    </p:cNvPr>
           <p:cNvPicPr>
             <a:picLocks noChangeAspect="1"/>
           </p:cNvPicPr>
@@ -17391,7 +17397,7 @@
       </p:pic>
       <p:pic>
         <p:nvPicPr>
-          <p:cNvPr id="41" name="Image 9" descr="/var/folders/ky/3gqyhkyd7k16pwqdw48v0k400000gn/T/icon-icon-iphmwg811-1767453710488.png">    </p:cNvPr>
+          <p:cNvPr id="41" name="Image 9" descr="/var/folders/ky/3gqyhkyd7k16pwqdw48v0k400000gn/T/icon-icon-25uhs8kyd-1767456285708.png">    </p:cNvPr>
           <p:cNvPicPr>
             <a:picLocks noChangeAspect="1"/>
           </p:cNvPicPr>
@@ -17415,7 +17421,7 @@
       </p:pic>
       <p:pic>
         <p:nvPicPr>
-          <p:cNvPr id="42" name="Image 10" descr="/var/folders/ky/3gqyhkyd7k16pwqdw48v0k400000gn/T/icon-icon-9tgfpnkoj-1767453710558.png">    </p:cNvPr>
+          <p:cNvPr id="42" name="Image 10" descr="/var/folders/ky/3gqyhkyd7k16pwqdw48v0k400000gn/T/icon-icon-6p82smskw-1767456285755.png">    </p:cNvPr>
           <p:cNvPicPr>
             <a:picLocks noChangeAspect="1"/>
           </p:cNvPicPr>
@@ -17439,7 +17445,7 @@
       </p:pic>
       <p:pic>
         <p:nvPicPr>
-          <p:cNvPr id="43" name="Image 11" descr="/var/folders/ky/3gqyhkyd7k16pwqdw48v0k400000gn/T/icon-icon-9tgfpnkoj-1767453710617.png">    </p:cNvPr>
+          <p:cNvPr id="43" name="Image 11" descr="/var/folders/ky/3gqyhkyd7k16pwqdw48v0k400000gn/T/icon-icon-6p82smskw-1767456285813.png">    </p:cNvPr>
           <p:cNvPicPr>
             <a:picLocks noChangeAspect="1"/>
           </p:cNvPicPr>
@@ -17463,7 +17469,7 @@
       </p:pic>
       <p:pic>
         <p:nvPicPr>
-          <p:cNvPr id="44" name="Image 12" descr="/var/folders/ky/3gqyhkyd7k16pwqdw48v0k400000gn/T/icon-icon-04wh45wy8-1767453710670.png">    </p:cNvPr>
+          <p:cNvPr id="44" name="Image 12" descr="/var/folders/ky/3gqyhkyd7k16pwqdw48v0k400000gn/T/icon-icon-xfdh60ecj-1767456285866.png">    </p:cNvPr>
           <p:cNvPicPr>
             <a:picLocks noChangeAspect="1"/>
           </p:cNvPicPr>
@@ -17487,7 +17493,7 @@
       </p:pic>
       <p:pic>
         <p:nvPicPr>
-          <p:cNvPr id="45" name="Image 13" descr="/var/folders/ky/3gqyhkyd7k16pwqdw48v0k400000gn/T/icon-icon-04wh45wy8-1767453710734.png">    </p:cNvPr>
+          <p:cNvPr id="45" name="Image 13" descr="/var/folders/ky/3gqyhkyd7k16pwqdw48v0k400000gn/T/icon-icon-xfdh60ecj-1767456285930.png">    </p:cNvPr>
           <p:cNvPicPr>
             <a:picLocks noChangeAspect="1"/>
           </p:cNvPicPr>
@@ -17511,7 +17517,7 @@
       </p:pic>
       <p:pic>
         <p:nvPicPr>
-          <p:cNvPr id="46" name="Image 14" descr="/var/folders/ky/3gqyhkyd7k16pwqdw48v0k400000gn/T/icon-icon-koosp7eqy-1767453710784.png">    </p:cNvPr>
+          <p:cNvPr id="46" name="Image 14" descr="/var/folders/ky/3gqyhkyd7k16pwqdw48v0k400000gn/T/icon-icon-p6ei03xq0-1767456285980.png">    </p:cNvPr>
           <p:cNvPicPr>
             <a:picLocks noChangeAspect="1"/>
           </p:cNvPicPr>
@@ -17535,7 +17541,7 @@
       </p:pic>
       <p:pic>
         <p:nvPicPr>
-          <p:cNvPr id="47" name="Image 15" descr="/var/folders/ky/3gqyhkyd7k16pwqdw48v0k400000gn/T/icon-icon-koosp7eqy-1767453710822.png">    </p:cNvPr>
+          <p:cNvPr id="47" name="Image 15" descr="/var/folders/ky/3gqyhkyd7k16pwqdw48v0k400000gn/T/icon-icon-p6ei03xq0-1767456286019.png">    </p:cNvPr>
           <p:cNvPicPr>
             <a:picLocks noChangeAspect="1"/>
           </p:cNvPicPr>
@@ -17559,7 +17565,7 @@
       </p:pic>
       <p:pic>
         <p:nvPicPr>
-          <p:cNvPr id="48" name="Image 16" descr="/var/folders/ky/3gqyhkyd7k16pwqdw48v0k400000gn/T/icon-icon-khwderbd4-1767453710890.png">    </p:cNvPr>
+          <p:cNvPr id="48" name="Image 16" descr="/var/folders/ky/3gqyhkyd7k16pwqdw48v0k400000gn/T/icon-icon-6zfom86np-1767456286080.png">    </p:cNvPr>
           <p:cNvPicPr>
             <a:picLocks noChangeAspect="1"/>
           </p:cNvPicPr>
@@ -17583,7 +17589,7 @@
       </p:pic>
       <p:pic>
         <p:nvPicPr>
-          <p:cNvPr id="49" name="Image 17" descr="/var/folders/ky/3gqyhkyd7k16pwqdw48v0k400000gn/T/icon-icon-khwderbd4-1767453710951.png">    </p:cNvPr>
+          <p:cNvPr id="49" name="Image 17" descr="/var/folders/ky/3gqyhkyd7k16pwqdw48v0k400000gn/T/icon-icon-6zfom86np-1767456286133.png">    </p:cNvPr>
           <p:cNvPicPr>
             <a:picLocks noChangeAspect="1"/>
           </p:cNvPicPr>
@@ -17607,7 +17613,7 @@
       </p:pic>
       <p:pic>
         <p:nvPicPr>
-          <p:cNvPr id="50" name="Image 18" descr="/var/folders/ky/3gqyhkyd7k16pwqdw48v0k400000gn/T/icon-icon-wuycxwuus-1767453711003.png">    </p:cNvPr>
+          <p:cNvPr id="50" name="Image 18" descr="/var/folders/ky/3gqyhkyd7k16pwqdw48v0k400000gn/T/icon-icon-nuz3tlco8-1767456286207.png">    </p:cNvPr>
           <p:cNvPicPr>
             <a:picLocks noChangeAspect="1"/>
           </p:cNvPicPr>
@@ -17631,7 +17637,7 @@
       </p:pic>
       <p:pic>
         <p:nvPicPr>
-          <p:cNvPr id="51" name="Image 19" descr="/var/folders/ky/3gqyhkyd7k16pwqdw48v0k400000gn/T/icon-icon-wuycxwuus-1767453711045.png">    </p:cNvPr>
+          <p:cNvPr id="51" name="Image 19" descr="/var/folders/ky/3gqyhkyd7k16pwqdw48v0k400000gn/T/icon-icon-nuz3tlco8-1767456286264.png">    </p:cNvPr>
           <p:cNvPicPr>
             <a:picLocks noChangeAspect="1"/>
           </p:cNvPicPr>
@@ -17655,7 +17661,7 @@
       </p:pic>
       <p:pic>
         <p:nvPicPr>
-          <p:cNvPr id="52" name="Image 20" descr="/var/folders/ky/3gqyhkyd7k16pwqdw48v0k400000gn/T/icon-icon-6ba9htpio-1767453711116.png">    </p:cNvPr>
+          <p:cNvPr id="52" name="Image 20" descr="/var/folders/ky/3gqyhkyd7k16pwqdw48v0k400000gn/T/icon-icon-7ak5bpflt-1767456286316.png">    </p:cNvPr>
           <p:cNvPicPr>
             <a:picLocks noChangeAspect="1"/>
           </p:cNvPicPr>
@@ -17679,7 +17685,7 @@
       </p:pic>
       <p:pic>
         <p:nvPicPr>
-          <p:cNvPr id="53" name="Image 21" descr="/var/folders/ky/3gqyhkyd7k16pwqdw48v0k400000gn/T/icon-icon-6ba9htpio-1767453711194.png">    </p:cNvPr>
+          <p:cNvPr id="53" name="Image 21" descr="/var/folders/ky/3gqyhkyd7k16pwqdw48v0k400000gn/T/icon-icon-7ak5bpflt-1767456286381.png">    </p:cNvPr>
           <p:cNvPicPr>
             <a:picLocks noChangeAspect="1"/>
           </p:cNvPicPr>
@@ -17703,7 +17709,7 @@
       </p:pic>
       <p:pic>
         <p:nvPicPr>
-          <p:cNvPr id="54" name="Image 22" descr="/var/folders/ky/3gqyhkyd7k16pwqdw48v0k400000gn/T/icon-icon-7bj87c2zu-1767453711250.png">    </p:cNvPr>
+          <p:cNvPr id="54" name="Image 22" descr="/var/folders/ky/3gqyhkyd7k16pwqdw48v0k400000gn/T/icon-icon-4spesjwpj-1767456286432.png">    </p:cNvPr>
           <p:cNvPicPr>
             <a:picLocks noChangeAspect="1"/>
           </p:cNvPicPr>
@@ -17727,7 +17733,7 @@
       </p:pic>
       <p:pic>
         <p:nvPicPr>
-          <p:cNvPr id="55" name="Image 23" descr="/var/folders/ky/3gqyhkyd7k16pwqdw48v0k400000gn/T/icon-icon-7bj87c2zu-1767453711300.png">    </p:cNvPr>
+          <p:cNvPr id="55" name="Image 23" descr="/var/folders/ky/3gqyhkyd7k16pwqdw48v0k400000gn/T/icon-icon-4spesjwpj-1767456286506.png">    </p:cNvPr>
           <p:cNvPicPr>
             <a:picLocks noChangeAspect="1"/>
           </p:cNvPicPr>
@@ -17751,7 +17757,7 @@
       </p:pic>
       <p:pic>
         <p:nvPicPr>
-          <p:cNvPr id="56" name="Image 24" descr="/var/folders/ky/3gqyhkyd7k16pwqdw48v0k400000gn/T/icon-icon-m9ysrg6v2-1767453711369.png">    </p:cNvPr>
+          <p:cNvPr id="56" name="Image 24" descr="/var/folders/ky/3gqyhkyd7k16pwqdw48v0k400000gn/T/icon-icon-4rps8n7e4-1767456286564.png">    </p:cNvPr>
           <p:cNvPicPr>
             <a:picLocks noChangeAspect="1"/>
           </p:cNvPicPr>
@@ -17775,7 +17781,7 @@
       </p:pic>
       <p:pic>
         <p:nvPicPr>
-          <p:cNvPr id="57" name="Image 25" descr="/var/folders/ky/3gqyhkyd7k16pwqdw48v0k400000gn/T/icon-icon-m9ysrg6v2-1767453711435.png">    </p:cNvPr>
+          <p:cNvPr id="57" name="Image 25" descr="/var/folders/ky/3gqyhkyd7k16pwqdw48v0k400000gn/T/icon-icon-4rps8n7e4-1767456286615.png">    </p:cNvPr>
           <p:cNvPicPr>
             <a:picLocks noChangeAspect="1"/>
           </p:cNvPicPr>
@@ -17799,7 +17805,7 @@
       </p:pic>
       <p:pic>
         <p:nvPicPr>
-          <p:cNvPr id="58" name="Image 26" descr="/var/folders/ky/3gqyhkyd7k16pwqdw48v0k400000gn/T/icon-icon-hz42gxoeo-1767453711483.png">    </p:cNvPr>
+          <p:cNvPr id="58" name="Image 26" descr="/var/folders/ky/3gqyhkyd7k16pwqdw48v0k400000gn/T/icon-icon-qww4lrzb6-1767456286679.png">    </p:cNvPr>
           <p:cNvPicPr>
             <a:picLocks noChangeAspect="1"/>
           </p:cNvPicPr>
@@ -17823,7 +17829,7 @@
       </p:pic>
       <p:pic>
         <p:nvPicPr>
-          <p:cNvPr id="59" name="Image 27" descr="/var/folders/ky/3gqyhkyd7k16pwqdw48v0k400000gn/T/icon-icon-hz42gxoeo-1767453711524.png">    </p:cNvPr>
+          <p:cNvPr id="59" name="Image 27" descr="/var/folders/ky/3gqyhkyd7k16pwqdw48v0k400000gn/T/icon-icon-qww4lrzb6-1767456286735.png">    </p:cNvPr>
           <p:cNvPicPr>
             <a:picLocks noChangeAspect="1"/>
           </p:cNvPicPr>
@@ -17847,7 +17853,7 @@
       </p:pic>
       <p:pic>
         <p:nvPicPr>
-          <p:cNvPr id="60" name="Image 28" descr="/var/folders/ky/3gqyhkyd7k16pwqdw48v0k400000gn/T/icon-icon-53cpd6ytb-1767453711593.png">    </p:cNvPr>
+          <p:cNvPr id="60" name="Image 28" descr="/var/folders/ky/3gqyhkyd7k16pwqdw48v0k400000gn/T/icon-icon-rckffxxbw-1767456286807.png">    </p:cNvPr>
           <p:cNvPicPr>
             <a:picLocks noChangeAspect="1"/>
           </p:cNvPicPr>
@@ -17871,7 +17877,7 @@
       </p:pic>
       <p:pic>
         <p:nvPicPr>
-          <p:cNvPr id="61" name="Image 29" descr="/var/folders/ky/3gqyhkyd7k16pwqdw48v0k400000gn/T/icon-icon-53cpd6ytb-1767453711649.png">    </p:cNvPr>
+          <p:cNvPr id="61" name="Image 29" descr="/var/folders/ky/3gqyhkyd7k16pwqdw48v0k400000gn/T/icon-icon-rckffxxbw-1767456286863.png">    </p:cNvPr>
           <p:cNvPicPr>
             <a:picLocks noChangeAspect="1"/>
           </p:cNvPicPr>
@@ -17895,7 +17901,7 @@
       </p:pic>
       <p:pic>
         <p:nvPicPr>
-          <p:cNvPr id="62" name="Image 30" descr="/var/folders/ky/3gqyhkyd7k16pwqdw48v0k400000gn/T/icon-icon-bli3olima-1767453711703.png">    </p:cNvPr>
+          <p:cNvPr id="62" name="Image 30" descr="/var/folders/ky/3gqyhkyd7k16pwqdw48v0k400000gn/T/icon-icon-uz4dj41lw-1767456286916.png">    </p:cNvPr>
           <p:cNvPicPr>
             <a:picLocks noChangeAspect="1"/>
           </p:cNvPicPr>
@@ -17919,7 +17925,7 @@
       </p:pic>
       <p:pic>
         <p:nvPicPr>
-          <p:cNvPr id="63" name="Image 31" descr="/var/folders/ky/3gqyhkyd7k16pwqdw48v0k400000gn/T/icon-icon-bli3olima-1767453711768.png">    </p:cNvPr>
+          <p:cNvPr id="63" name="Image 31" descr="/var/folders/ky/3gqyhkyd7k16pwqdw48v0k400000gn/T/icon-icon-uz4dj41lw-1767456286981.png">    </p:cNvPr>
           <p:cNvPicPr>
             <a:picLocks noChangeAspect="1"/>
           </p:cNvPicPr>
@@ -17943,7 +17949,7 @@
       </p:pic>
       <p:pic>
         <p:nvPicPr>
-          <p:cNvPr id="64" name="Image 32" descr="/var/folders/ky/3gqyhkyd7k16pwqdw48v0k400000gn/T/icon-icon-q89r0znm5-1767453711836.png">    </p:cNvPr>
+          <p:cNvPr id="64" name="Image 32" descr="/var/folders/ky/3gqyhkyd7k16pwqdw48v0k400000gn/T/icon-icon-v61svvayq-1767456287032.png">    </p:cNvPr>
           <p:cNvPicPr>
             <a:picLocks noChangeAspect="1"/>
           </p:cNvPicPr>
@@ -17967,7 +17973,7 @@
       </p:pic>
       <p:pic>
         <p:nvPicPr>
-          <p:cNvPr id="65" name="Image 33" descr="/var/folders/ky/3gqyhkyd7k16pwqdw48v0k400000gn/T/icon-icon-q89r0znm5-1767453711885.png">    </p:cNvPr>
+          <p:cNvPr id="65" name="Image 33" descr="/var/folders/ky/3gqyhkyd7k16pwqdw48v0k400000gn/T/icon-icon-v61svvayq-1767456287106.png">    </p:cNvPr>
           <p:cNvPicPr>
             <a:picLocks noChangeAspect="1"/>
           </p:cNvPicPr>
@@ -17991,7 +17997,7 @@
       </p:pic>
       <p:pic>
         <p:nvPicPr>
-          <p:cNvPr id="66" name="Image 34" descr="/var/folders/ky/3gqyhkyd7k16pwqdw48v0k400000gn/T/icon-icon-lih0r8b71-1767453711952.png">    </p:cNvPr>
+          <p:cNvPr id="66" name="Image 34" descr="/var/folders/ky/3gqyhkyd7k16pwqdw48v0k400000gn/T/icon-icon-zzr4frqw3-1767456287164.png">    </p:cNvPr>
           <p:cNvPicPr>
             <a:picLocks noChangeAspect="1"/>
           </p:cNvPicPr>
@@ -18015,7 +18021,7 @@
       </p:pic>
       <p:pic>
         <p:nvPicPr>
-          <p:cNvPr id="67" name="Image 35" descr="/var/folders/ky/3gqyhkyd7k16pwqdw48v0k400000gn/T/icon-icon-lih0r8b71-1767453712003.png">    </p:cNvPr>
+          <p:cNvPr id="67" name="Image 35" descr="/var/folders/ky/3gqyhkyd7k16pwqdw48v0k400000gn/T/icon-icon-zzr4frqw3-1767456287217.png">    </p:cNvPr>
           <p:cNvPicPr>
             <a:picLocks noChangeAspect="1"/>
           </p:cNvPicPr>
@@ -18039,7 +18045,7 @@
       </p:pic>
       <p:pic>
         <p:nvPicPr>
-          <p:cNvPr id="68" name="Image 36" descr="/var/folders/ky/3gqyhkyd7k16pwqdw48v0k400000gn/T/icon-icon-ed0dzdnv5-1767453712076.png">    </p:cNvPr>
+          <p:cNvPr id="68" name="Image 36" descr="/var/folders/ky/3gqyhkyd7k16pwqdw48v0k400000gn/T/icon-icon-4lid4siip-1767456287282.png">    </p:cNvPr>
           <p:cNvPicPr>
             <a:picLocks noChangeAspect="1"/>
           </p:cNvPicPr>
@@ -18063,7 +18069,7 @@
       </p:pic>
       <p:pic>
         <p:nvPicPr>
-          <p:cNvPr id="69" name="Image 37" descr="/var/folders/ky/3gqyhkyd7k16pwqdw48v0k400000gn/T/icon-icon-ed0dzdnv5-1767453712135.png">    </p:cNvPr>
+          <p:cNvPr id="69" name="Image 37" descr="/var/folders/ky/3gqyhkyd7k16pwqdw48v0k400000gn/T/icon-icon-4lid4siip-1767456287333.png">    </p:cNvPr>
           <p:cNvPicPr>
             <a:picLocks noChangeAspect="1"/>
           </p:cNvPicPr>
@@ -18087,7 +18093,7 @@
       </p:pic>
       <p:pic>
         <p:nvPicPr>
-          <p:cNvPr id="70" name="Image 38" descr="/var/folders/ky/3gqyhkyd7k16pwqdw48v0k400000gn/T/icon-icon-e5ox5hdqo-1767453712187.png">    </p:cNvPr>
+          <p:cNvPr id="70" name="Image 38" descr="/var/folders/ky/3gqyhkyd7k16pwqdw48v0k400000gn/T/icon-icon-mxp3n4e49-1767456287409.png">    </p:cNvPr>
           <p:cNvPicPr>
             <a:picLocks noChangeAspect="1"/>
           </p:cNvPicPr>
@@ -18111,7 +18117,7 @@
       </p:pic>
       <p:pic>
         <p:nvPicPr>
-          <p:cNvPr id="71" name="Image 39" descr="/var/folders/ky/3gqyhkyd7k16pwqdw48v0k400000gn/T/icon-icon-e5ox5hdqo-1767453712251.png">    </p:cNvPr>
+          <p:cNvPr id="71" name="Image 39" descr="/var/folders/ky/3gqyhkyd7k16pwqdw48v0k400000gn/T/icon-icon-mxp3n4e49-1767456287460.png">    </p:cNvPr>
           <p:cNvPicPr>
             <a:picLocks noChangeAspect="1"/>
           </p:cNvPicPr>

--- a/test2_output.pptx
+++ b/test2_output.pptx
@@ -2235,7 +2235,7 @@
       </p:sp>
       <p:pic>
         <p:nvPicPr>
-          <p:cNvPr id="12" name="Image 1" descr="/var/folders/ky/3gqyhkyd7k16pwqdw48v0k400000gn/T/icon-bg-cdcnakrpg-1767456273627.png">    </p:cNvPr>
+          <p:cNvPr id="12" name="Image 1" descr="/var/folders/1y/yzhkrds14j1gm67qjvlds8tm7vvy2b/T/icon-bg-4vg7ux6mb-1767662372497.png">    </p:cNvPr>
           <p:cNvPicPr>
             <a:picLocks noChangeAspect="1"/>
           </p:cNvPicPr>
@@ -2259,7 +2259,7 @@
       </p:pic>
       <p:pic>
         <p:nvPicPr>
-          <p:cNvPr id="13" name="Image 2" descr="/var/folders/ky/3gqyhkyd7k16pwqdw48v0k400000gn/T/icon-icon-g13fp7ne8-1767456273802.png">    </p:cNvPr>
+          <p:cNvPr id="13" name="Image 2" descr="/var/folders/1y/yzhkrds14j1gm67qjvlds8tm7vvy2b/T/icon-icon-88s27kop0-1767662372657.png">    </p:cNvPr>
           <p:cNvPicPr>
             <a:picLocks noChangeAspect="1"/>
           </p:cNvPicPr>
@@ -2283,7 +2283,7 @@
       </p:pic>
       <p:pic>
         <p:nvPicPr>
-          <p:cNvPr id="14" name="Image 3" descr="/var/folders/ky/3gqyhkyd7k16pwqdw48v0k400000gn/T/icon-icon-ame9g0n3b-1767456273849.png">    </p:cNvPr>
+          <p:cNvPr id="14" name="Image 3" descr="/var/folders/1y/yzhkrds14j1gm67qjvlds8tm7vvy2b/T/icon-icon-g9i14kyea-1767662372694.png">    </p:cNvPr>
           <p:cNvPicPr>
             <a:picLocks noChangeAspect="1"/>
           </p:cNvPicPr>
@@ -3296,7 +3296,7 @@
       </p:sp>
       <p:pic>
         <p:nvPicPr>
-          <p:cNvPr id="25" name="Image 0" descr="/var/folders/ky/3gqyhkyd7k16pwqdw48v0k400000gn/T/icon-icon-i50dds0m7-1767456288477.png">    </p:cNvPr>
+          <p:cNvPr id="25" name="Image 0" descr="/var/folders/1y/yzhkrds14j1gm67qjvlds8tm7vvy2b/T/icon-icon-fmhqmqvy1-1767662393042.png">    </p:cNvPr>
           <p:cNvPicPr>
             <a:picLocks noChangeAspect="1"/>
           </p:cNvPicPr>
@@ -3320,7 +3320,7 @@
       </p:pic>
       <p:pic>
         <p:nvPicPr>
-          <p:cNvPr id="26" name="Image 1" descr="/var/folders/ky/3gqyhkyd7k16pwqdw48v0k400000gn/T/icon-icon-7xtxf1m2z-1767456288538.png">    </p:cNvPr>
+          <p:cNvPr id="26" name="Image 1" descr="/var/folders/1y/yzhkrds14j1gm67qjvlds8tm7vvy2b/T/icon-icon-fo6nwavkk-1767662393086.png">    </p:cNvPr>
           <p:cNvPicPr>
             <a:picLocks noChangeAspect="1"/>
           </p:cNvPicPr>
@@ -3344,7 +3344,7 @@
       </p:pic>
       <p:pic>
         <p:nvPicPr>
-          <p:cNvPr id="27" name="Image 2" descr="/var/folders/ky/3gqyhkyd7k16pwqdw48v0k400000gn/T/icon-icon-qtzs84nty-1767456288596.png">    </p:cNvPr>
+          <p:cNvPr id="27" name="Image 2" descr="/var/folders/1y/yzhkrds14j1gm67qjvlds8tm7vvy2b/T/icon-icon-7puf6cw6t-1767662393122.png">    </p:cNvPr>
           <p:cNvPicPr>
             <a:picLocks noChangeAspect="1"/>
           </p:cNvPicPr>
@@ -3368,7 +3368,7 @@
       </p:pic>
       <p:pic>
         <p:nvPicPr>
-          <p:cNvPr id="28" name="Image 3" descr="/var/folders/ky/3gqyhkyd7k16pwqdw48v0k400000gn/T/icon-icon-5xfqx7e6p-1767456288650.png">    </p:cNvPr>
+          <p:cNvPr id="28" name="Image 3" descr="/var/folders/1y/yzhkrds14j1gm67qjvlds8tm7vvy2b/T/icon-icon-hox087a39-1767662393161.png">    </p:cNvPr>
           <p:cNvPicPr>
             <a:picLocks noChangeAspect="1"/>
           </p:cNvPicPr>
@@ -3392,7 +3392,7 @@
       </p:pic>
       <p:pic>
         <p:nvPicPr>
-          <p:cNvPr id="29" name="Image 4" descr="/var/folders/ky/3gqyhkyd7k16pwqdw48v0k400000gn/T/icon-icon-cjf5m5xqa-1767456288694.png">    </p:cNvPr>
+          <p:cNvPr id="29" name="Image 4" descr="/var/folders/1y/yzhkrds14j1gm67qjvlds8tm7vvy2b/T/icon-icon-ka2nqo70w-1767662393193.png">    </p:cNvPr>
           <p:cNvPicPr>
             <a:picLocks noChangeAspect="1"/>
           </p:cNvPicPr>
@@ -3416,7 +3416,7 @@
       </p:pic>
       <p:pic>
         <p:nvPicPr>
-          <p:cNvPr id="30" name="Image 5" descr="/var/folders/ky/3gqyhkyd7k16pwqdw48v0k400000gn/T/icon-icon-qsbej2iwc-1767456288763.png">    </p:cNvPr>
+          <p:cNvPr id="30" name="Image 5" descr="/var/folders/1y/yzhkrds14j1gm67qjvlds8tm7vvy2b/T/icon-icon-3z169hq25-1767662393228.png">    </p:cNvPr>
           <p:cNvPicPr>
             <a:picLocks noChangeAspect="1"/>
           </p:cNvPicPr>
@@ -3440,7 +3440,7 @@
       </p:pic>
       <p:pic>
         <p:nvPicPr>
-          <p:cNvPr id="31" name="Image 6" descr="/var/folders/ky/3gqyhkyd7k16pwqdw48v0k400000gn/T/icon-icon-cjb91mi7p-1767456288808.png">    </p:cNvPr>
+          <p:cNvPr id="31" name="Image 6" descr="/var/folders/1y/yzhkrds14j1gm67qjvlds8tm7vvy2b/T/icon-icon-b3oq6ok97-1767662393261.png">    </p:cNvPr>
           <p:cNvPicPr>
             <a:picLocks noChangeAspect="1"/>
           </p:cNvPicPr>
@@ -3464,7 +3464,7 @@
       </p:pic>
       <p:pic>
         <p:nvPicPr>
-          <p:cNvPr id="32" name="Image 7" descr="/var/folders/ky/3gqyhkyd7k16pwqdw48v0k400000gn/T/icon-icon-qsbej2iwc-1767456288869.png">    </p:cNvPr>
+          <p:cNvPr id="32" name="Image 7" descr="/var/folders/1y/yzhkrds14j1gm67qjvlds8tm7vvy2b/T/icon-icon-3z169hq25-1767662393292.png">    </p:cNvPr>
           <p:cNvPicPr>
             <a:picLocks noChangeAspect="1"/>
           </p:cNvPicPr>
@@ -3488,7 +3488,7 @@
       </p:pic>
       <p:pic>
         <p:nvPicPr>
-          <p:cNvPr id="33" name="Image 8" descr="/var/folders/ky/3gqyhkyd7k16pwqdw48v0k400000gn/T/icon-icon-cjb91mi7p-1767456288921.png">    </p:cNvPr>
+          <p:cNvPr id="33" name="Image 8" descr="/var/folders/1y/yzhkrds14j1gm67qjvlds8tm7vvy2b/T/icon-icon-b3oq6ok97-1767662393326.png">    </p:cNvPr>
           <p:cNvPicPr>
             <a:picLocks noChangeAspect="1"/>
           </p:cNvPicPr>
@@ -4421,7 +4421,7 @@
       </p:sp>
       <p:pic>
         <p:nvPicPr>
-          <p:cNvPr id="23" name="Image 0" descr="/var/folders/ky/3gqyhkyd7k16pwqdw48v0k400000gn/T/icon-icon-h1v5iyd99-1767456289911.png">    </p:cNvPr>
+          <p:cNvPr id="23" name="Image 0" descr="/var/folders/1y/yzhkrds14j1gm67qjvlds8tm7vvy2b/T/icon-icon-bz3yhu5vw-1767662395199.png">    </p:cNvPr>
           <p:cNvPicPr>
             <a:picLocks noChangeAspect="1"/>
           </p:cNvPicPr>
@@ -4445,7 +4445,7 @@
       </p:pic>
       <p:pic>
         <p:nvPicPr>
-          <p:cNvPr id="24" name="Image 1" descr="/var/folders/ky/3gqyhkyd7k16pwqdw48v0k400000gn/T/icon-icon-jlcfiywh6-1767456289969.png">    </p:cNvPr>
+          <p:cNvPr id="24" name="Image 1" descr="/var/folders/1y/yzhkrds14j1gm67qjvlds8tm7vvy2b/T/icon-icon-fji8ovvzj-1767662395244.png">    </p:cNvPr>
           <p:cNvPicPr>
             <a:picLocks noChangeAspect="1"/>
           </p:cNvPicPr>
@@ -4469,7 +4469,7 @@
       </p:pic>
       <p:pic>
         <p:nvPicPr>
-          <p:cNvPr id="25" name="Image 2" descr="/var/folders/ky/3gqyhkyd7k16pwqdw48v0k400000gn/T/icon-icon-ybzcvi3aa-1767456290011.png">    </p:cNvPr>
+          <p:cNvPr id="25" name="Image 2" descr="/var/folders/1y/yzhkrds14j1gm67qjvlds8tm7vvy2b/T/icon-icon-myqvec2n6-1767662395277.png">    </p:cNvPr>
           <p:cNvPicPr>
             <a:picLocks noChangeAspect="1"/>
           </p:cNvPicPr>
@@ -4493,7 +4493,7 @@
       </p:pic>
       <p:pic>
         <p:nvPicPr>
-          <p:cNvPr id="26" name="Image 3" descr="/var/folders/ky/3gqyhkyd7k16pwqdw48v0k400000gn/T/icon-icon-o0dw2bexj-1767456290083.png">    </p:cNvPr>
+          <p:cNvPr id="26" name="Image 3" descr="/var/folders/1y/yzhkrds14j1gm67qjvlds8tm7vvy2b/T/icon-icon-e21ctq6z4-1767662395310.png">    </p:cNvPr>
           <p:cNvPicPr>
             <a:picLocks noChangeAspect="1"/>
           </p:cNvPicPr>
@@ -4517,7 +4517,7 @@
       </p:pic>
       <p:pic>
         <p:nvPicPr>
-          <p:cNvPr id="27" name="Image 4" descr="/var/folders/ky/3gqyhkyd7k16pwqdw48v0k400000gn/T/icon-icon-dnt3qn94g-1767456290156.png">    </p:cNvPr>
+          <p:cNvPr id="27" name="Image 4" descr="/var/folders/1y/yzhkrds14j1gm67qjvlds8tm7vvy2b/T/icon-icon-htkg5a0yd-1767662395342.png">    </p:cNvPr>
           <p:cNvPicPr>
             <a:picLocks noChangeAspect="1"/>
           </p:cNvPicPr>
@@ -4541,7 +4541,7 @@
       </p:pic>
       <p:pic>
         <p:nvPicPr>
-          <p:cNvPr id="28" name="Image 5" descr="/var/folders/ky/3gqyhkyd7k16pwqdw48v0k400000gn/T/icon-icon-o0dw2bexj-1767456290207.png">    </p:cNvPr>
+          <p:cNvPr id="28" name="Image 5" descr="/var/folders/1y/yzhkrds14j1gm67qjvlds8tm7vvy2b/T/icon-icon-e21ctq6z4-1767662395376.png">    </p:cNvPr>
           <p:cNvPicPr>
             <a:picLocks noChangeAspect="1"/>
           </p:cNvPicPr>
@@ -4565,7 +4565,7 @@
       </p:pic>
       <p:pic>
         <p:nvPicPr>
-          <p:cNvPr id="29" name="Image 6" descr="/var/folders/ky/3gqyhkyd7k16pwqdw48v0k400000gn/T/icon-icon-dnt3qn94g-1767456290274.png">    </p:cNvPr>
+          <p:cNvPr id="29" name="Image 6" descr="/var/folders/1y/yzhkrds14j1gm67qjvlds8tm7vvy2b/T/icon-icon-htkg5a0yd-1767662395411.png">    </p:cNvPr>
           <p:cNvPicPr>
             <a:picLocks noChangeAspect="1"/>
           </p:cNvPicPr>
@@ -5868,7 +5868,7 @@
       </p:sp>
       <p:pic>
         <p:nvPicPr>
-          <p:cNvPr id="31" name="Image 0" descr="/var/folders/ky/3gqyhkyd7k16pwqdw48v0k400000gn/T/icon-icon-fq6rz7yue-1767456291253.png">    </p:cNvPr>
+          <p:cNvPr id="31" name="Image 0" descr="/var/folders/1y/yzhkrds14j1gm67qjvlds8tm7vvy2b/T/icon-icon-jq06x3btm-1767662397279.png">    </p:cNvPr>
           <p:cNvPicPr>
             <a:picLocks noChangeAspect="1"/>
           </p:cNvPicPr>
@@ -5892,7 +5892,7 @@
       </p:pic>
       <p:pic>
         <p:nvPicPr>
-          <p:cNvPr id="32" name="Image 1" descr="/var/folders/ky/3gqyhkyd7k16pwqdw48v0k400000gn/T/icon-icon-oai549i6a-1767456291295.png">    </p:cNvPr>
+          <p:cNvPr id="32" name="Image 1" descr="/var/folders/1y/yzhkrds14j1gm67qjvlds8tm7vvy2b/T/icon-icon-yvzrci78b-1767662397320.png">    </p:cNvPr>
           <p:cNvPicPr>
             <a:picLocks noChangeAspect="1"/>
           </p:cNvPicPr>
@@ -5916,7 +5916,7 @@
       </p:pic>
       <p:pic>
         <p:nvPicPr>
-          <p:cNvPr id="33" name="Image 2" descr="/var/folders/ky/3gqyhkyd7k16pwqdw48v0k400000gn/T/icon-icon-u22ubn34y-1767456291372.png">    </p:cNvPr>
+          <p:cNvPr id="33" name="Image 2" descr="/var/folders/1y/yzhkrds14j1gm67qjvlds8tm7vvy2b/T/icon-icon-1t4s3muqo-1767662397353.png">    </p:cNvPr>
           <p:cNvPicPr>
             <a:picLocks noChangeAspect="1"/>
           </p:cNvPicPr>
@@ -5940,7 +5940,7 @@
       </p:pic>
       <p:pic>
         <p:nvPicPr>
-          <p:cNvPr id="34" name="Image 3" descr="/var/folders/ky/3gqyhkyd7k16pwqdw48v0k400000gn/T/icon-icon-u22ubn34y-1767456291430.png">    </p:cNvPr>
+          <p:cNvPr id="34" name="Image 3" descr="/var/folders/1y/yzhkrds14j1gm67qjvlds8tm7vvy2b/T/icon-icon-1t4s3muqo-1767662397384.png">    </p:cNvPr>
           <p:cNvPicPr>
             <a:picLocks noChangeAspect="1"/>
           </p:cNvPicPr>
@@ -5964,7 +5964,7 @@
       </p:pic>
       <p:pic>
         <p:nvPicPr>
-          <p:cNvPr id="35" name="Image 4" descr="/var/folders/ky/3gqyhkyd7k16pwqdw48v0k400000gn/T/icon-icon-z2r5wk9gv-1767456291482.png">    </p:cNvPr>
+          <p:cNvPr id="35" name="Image 4" descr="/var/folders/1y/yzhkrds14j1gm67qjvlds8tm7vvy2b/T/icon-icon-ge5yd0voe-1767662397418.png">    </p:cNvPr>
           <p:cNvPicPr>
             <a:picLocks noChangeAspect="1"/>
           </p:cNvPicPr>
@@ -5988,7 +5988,7 @@
       </p:pic>
       <p:pic>
         <p:nvPicPr>
-          <p:cNvPr id="36" name="Image 5" descr="/var/folders/ky/3gqyhkyd7k16pwqdw48v0k400000gn/T/icon-icon-z2r5wk9gv-1767456291547.png">    </p:cNvPr>
+          <p:cNvPr id="36" name="Image 5" descr="/var/folders/1y/yzhkrds14j1gm67qjvlds8tm7vvy2b/T/icon-icon-ge5yd0voe-1767662397451.png">    </p:cNvPr>
           <p:cNvPicPr>
             <a:picLocks noChangeAspect="1"/>
           </p:cNvPicPr>
@@ -6012,7 +6012,7 @@
       </p:pic>
       <p:pic>
         <p:nvPicPr>
-          <p:cNvPr id="37" name="Image 6" descr="/var/folders/ky/3gqyhkyd7k16pwqdw48v0k400000gn/T/icon-icon-nwgu2nxt1-1767456291598.png">    </p:cNvPr>
+          <p:cNvPr id="37" name="Image 6" descr="/var/folders/1y/yzhkrds14j1gm67qjvlds8tm7vvy2b/T/icon-icon-vmgp1l5mt-1767662397484.png">    </p:cNvPr>
           <p:cNvPicPr>
             <a:picLocks noChangeAspect="1"/>
           </p:cNvPicPr>
@@ -6036,7 +6036,7 @@
       </p:pic>
       <p:pic>
         <p:nvPicPr>
-          <p:cNvPr id="38" name="Image 7" descr="/var/folders/ky/3gqyhkyd7k16pwqdw48v0k400000gn/T/icon-icon-gsvwlzdri-1767456291674.png">    </p:cNvPr>
+          <p:cNvPr id="38" name="Image 7" descr="/var/folders/1y/yzhkrds14j1gm67qjvlds8tm7vvy2b/T/icon-icon-lv2gw4d7v-1767662397519.png">    </p:cNvPr>
           <p:cNvPicPr>
             <a:picLocks noChangeAspect="1"/>
           </p:cNvPicPr>
@@ -6060,7 +6060,7 @@
       </p:pic>
       <p:pic>
         <p:nvPicPr>
-          <p:cNvPr id="39" name="Image 8" descr="/var/folders/ky/3gqyhkyd7k16pwqdw48v0k400000gn/T/icon-icon-jxi8v580t-1767456291746.png">    </p:cNvPr>
+          <p:cNvPr id="39" name="Image 8" descr="/var/folders/1y/yzhkrds14j1gm67qjvlds8tm7vvy2b/T/icon-icon-dbxe5i7wv-1767662397551.png">    </p:cNvPr>
           <p:cNvPicPr>
             <a:picLocks noChangeAspect="1"/>
           </p:cNvPicPr>
@@ -6084,7 +6084,7 @@
       </p:pic>
       <p:pic>
         <p:nvPicPr>
-          <p:cNvPr id="40" name="Image 9" descr="/var/folders/ky/3gqyhkyd7k16pwqdw48v0k400000gn/T/icon-icon-5hsri27xf-1767456291797.png">    </p:cNvPr>
+          <p:cNvPr id="40" name="Image 9" descr="/var/folders/1y/yzhkrds14j1gm67qjvlds8tm7vvy2b/T/icon-icon-2ninznksb-1767662397585.png">    </p:cNvPr>
           <p:cNvPicPr>
             <a:picLocks noChangeAspect="1"/>
           </p:cNvPicPr>
@@ -6108,7 +6108,7 @@
       </p:pic>
       <p:pic>
         <p:nvPicPr>
-          <p:cNvPr id="41" name="Image 10" descr="/var/folders/ky/3gqyhkyd7k16pwqdw48v0k400000gn/T/icon-icon-5hsri27xf-1767456291874.png">    </p:cNvPr>
+          <p:cNvPr id="41" name="Image 10" descr="/var/folders/1y/yzhkrds14j1gm67qjvlds8tm7vvy2b/T/icon-icon-2ninznksb-1767662397620.png">    </p:cNvPr>
           <p:cNvPicPr>
             <a:picLocks noChangeAspect="1"/>
           </p:cNvPicPr>
@@ -6132,7 +6132,7 @@
       </p:pic>
       <p:pic>
         <p:nvPicPr>
-          <p:cNvPr id="42" name="Image 11" descr="/var/folders/ky/3gqyhkyd7k16pwqdw48v0k400000gn/T/icon-icon-nn0p5t3yq-1767456291934.png">    </p:cNvPr>
+          <p:cNvPr id="42" name="Image 11" descr="/var/folders/1y/yzhkrds14j1gm67qjvlds8tm7vvy2b/T/icon-icon-wshkvrlp7-1767662397661.png">    </p:cNvPr>
           <p:cNvPicPr>
             <a:picLocks noChangeAspect="1"/>
           </p:cNvPicPr>
@@ -6156,7 +6156,7 @@
       </p:pic>
       <p:pic>
         <p:nvPicPr>
-          <p:cNvPr id="43" name="Image 12" descr="/var/folders/ky/3gqyhkyd7k16pwqdw48v0k400000gn/T/icon-icon-nn0p5t3yq-1767456291984.png">    </p:cNvPr>
+          <p:cNvPr id="43" name="Image 12" descr="/var/folders/1y/yzhkrds14j1gm67qjvlds8tm7vvy2b/T/icon-icon-wshkvrlp7-1767662397702.png">    </p:cNvPr>
           <p:cNvPicPr>
             <a:picLocks noChangeAspect="1"/>
           </p:cNvPicPr>
@@ -6180,7 +6180,7 @@
       </p:pic>
       <p:pic>
         <p:nvPicPr>
-          <p:cNvPr id="44" name="Image 13" descr="/var/folders/ky/3gqyhkyd7k16pwqdw48v0k400000gn/T/icon-icon-xzmvx72m8-1767456292031.png">    </p:cNvPr>
+          <p:cNvPr id="44" name="Image 13" descr="/var/folders/1y/yzhkrds14j1gm67qjvlds8tm7vvy2b/T/icon-icon-duvkjj494-1767662397736.png">    </p:cNvPr>
           <p:cNvPicPr>
             <a:picLocks noChangeAspect="1"/>
           </p:cNvPicPr>
@@ -6204,7 +6204,7 @@
       </p:pic>
       <p:pic>
         <p:nvPicPr>
-          <p:cNvPr id="45" name="Image 14" descr="/var/folders/ky/3gqyhkyd7k16pwqdw48v0k400000gn/T/icon-icon-xzmvx72m8-1767456292106.png">    </p:cNvPr>
+          <p:cNvPr id="45" name="Image 14" descr="/var/folders/1y/yzhkrds14j1gm67qjvlds8tm7vvy2b/T/icon-icon-duvkjj494-1767662397776.png">    </p:cNvPr>
           <p:cNvPicPr>
             <a:picLocks noChangeAspect="1"/>
           </p:cNvPicPr>
@@ -6228,7 +6228,7 @@
       </p:pic>
       <p:pic>
         <p:nvPicPr>
-          <p:cNvPr id="46" name="Image 15" descr="/var/folders/ky/3gqyhkyd7k16pwqdw48v0k400000gn/T/icon-icon-empmqy9qm-1767456292167.png">    </p:cNvPr>
+          <p:cNvPr id="46" name="Image 15" descr="/var/folders/1y/yzhkrds14j1gm67qjvlds8tm7vvy2b/T/icon-icon-rm53mle1t-1767662397812.png">    </p:cNvPr>
           <p:cNvPicPr>
             <a:picLocks noChangeAspect="1"/>
           </p:cNvPicPr>
@@ -6252,7 +6252,7 @@
       </p:pic>
       <p:pic>
         <p:nvPicPr>
-          <p:cNvPr id="47" name="Image 16" descr="/var/folders/ky/3gqyhkyd7k16pwqdw48v0k400000gn/T/icon-icon-empmqy9qm-1767456292218.png">    </p:cNvPr>
+          <p:cNvPr id="47" name="Image 16" descr="/var/folders/1y/yzhkrds14j1gm67qjvlds8tm7vvy2b/T/icon-icon-rm53mle1t-1767662397853.png">    </p:cNvPr>
           <p:cNvPicPr>
             <a:picLocks noChangeAspect="1"/>
           </p:cNvPicPr>
@@ -7094,7 +7094,7 @@
       </p:sp>
       <p:pic>
         <p:nvPicPr>
-          <p:cNvPr id="23" name="Image 0" descr="/var/folders/ky/3gqyhkyd7k16pwqdw48v0k400000gn/T/icon-icon-4ku7er5zm-1767456274868.png">    </p:cNvPr>
+          <p:cNvPr id="23" name="Image 0" descr="/var/folders/1y/yzhkrds14j1gm67qjvlds8tm7vvy2b/T/icon-icon-bcv3dothl-1767662374889.png">    </p:cNvPr>
           <p:cNvPicPr>
             <a:picLocks noChangeAspect="1"/>
           </p:cNvPicPr>
@@ -7118,7 +7118,7 @@
       </p:pic>
       <p:pic>
         <p:nvPicPr>
-          <p:cNvPr id="24" name="Image 1" descr="/var/folders/ky/3gqyhkyd7k16pwqdw48v0k400000gn/T/icon-icon-w1vknczb9-1767456274906.png">    </p:cNvPr>
+          <p:cNvPr id="24" name="Image 1" descr="/var/folders/1y/yzhkrds14j1gm67qjvlds8tm7vvy2b/T/icon-icon-0zt17efc4-1767662374937.png">    </p:cNvPr>
           <p:cNvPicPr>
             <a:picLocks noChangeAspect="1"/>
           </p:cNvPicPr>
@@ -7142,7 +7142,7 @@
       </p:pic>
       <p:pic>
         <p:nvPicPr>
-          <p:cNvPr id="25" name="Image 2" descr="/var/folders/ky/3gqyhkyd7k16pwqdw48v0k400000gn/T/icon-icon-a2epuhwra-1767456274945.png">    </p:cNvPr>
+          <p:cNvPr id="25" name="Image 2" descr="/var/folders/1y/yzhkrds14j1gm67qjvlds8tm7vvy2b/T/icon-icon-bixoj07uh-1767662374968.png">    </p:cNvPr>
           <p:cNvPicPr>
             <a:picLocks noChangeAspect="1"/>
           </p:cNvPicPr>
@@ -7166,7 +7166,7 @@
       </p:pic>
       <p:pic>
         <p:nvPicPr>
-          <p:cNvPr id="26" name="Image 3" descr="/var/folders/ky/3gqyhkyd7k16pwqdw48v0k400000gn/T/icon-icon-wxelsvx4q-1767456275006.png">    </p:cNvPr>
+          <p:cNvPr id="26" name="Image 3" descr="/var/folders/1y/yzhkrds14j1gm67qjvlds8tm7vvy2b/T/icon-icon-ua88x4kyw-1767662375003.png">    </p:cNvPr>
           <p:cNvPicPr>
             <a:picLocks noChangeAspect="1"/>
           </p:cNvPicPr>
@@ -7190,7 +7190,7 @@
       </p:pic>
       <p:pic>
         <p:nvPicPr>
-          <p:cNvPr id="27" name="Image 4" descr="/var/folders/ky/3gqyhkyd7k16pwqdw48v0k400000gn/T/icon-icon-wxelsvx4q-1767456275075.png">    </p:cNvPr>
+          <p:cNvPr id="27" name="Image 4" descr="/var/folders/1y/yzhkrds14j1gm67qjvlds8tm7vvy2b/T/icon-icon-ua88x4kyw-1767662375036.png">    </p:cNvPr>
           <p:cNvPicPr>
             <a:picLocks noChangeAspect="1"/>
           </p:cNvPicPr>
@@ -8410,7 +8410,7 @@
       </p:sp>
       <p:pic>
         <p:nvPicPr>
-          <p:cNvPr id="32" name="Image 0" descr="/var/folders/ky/3gqyhkyd7k16pwqdw48v0k400000gn/T/icon-icon-z9x8lp5ul-1767456275988.png">    </p:cNvPr>
+          <p:cNvPr id="32" name="Image 0" descr="/var/folders/1y/yzhkrds14j1gm67qjvlds8tm7vvy2b/T/icon-icon-7701iu6mx-1767662376853.png">    </p:cNvPr>
           <p:cNvPicPr>
             <a:picLocks noChangeAspect="1"/>
           </p:cNvPicPr>
@@ -8434,7 +8434,7 @@
       </p:pic>
       <p:pic>
         <p:nvPicPr>
-          <p:cNvPr id="33" name="Image 1" descr="/var/folders/ky/3gqyhkyd7k16pwqdw48v0k400000gn/T/icon-icon-lba3tmix3-1767456276056.png">    </p:cNvPr>
+          <p:cNvPr id="33" name="Image 1" descr="/var/folders/1y/yzhkrds14j1gm67qjvlds8tm7vvy2b/T/icon-icon-aya7f3qsg-1767662376901.png">    </p:cNvPr>
           <p:cNvPicPr>
             <a:picLocks noChangeAspect="1"/>
           </p:cNvPicPr>
@@ -8458,7 +8458,7 @@
       </p:pic>
       <p:pic>
         <p:nvPicPr>
-          <p:cNvPr id="34" name="Image 2" descr="/var/folders/ky/3gqyhkyd7k16pwqdw48v0k400000gn/T/icon-icon-4sbl5e4h7-1767456276110.png">    </p:cNvPr>
+          <p:cNvPr id="34" name="Image 2" descr="/var/folders/1y/yzhkrds14j1gm67qjvlds8tm7vvy2b/T/icon-icon-0i0lu0chb-1767662376934.png">    </p:cNvPr>
           <p:cNvPicPr>
             <a:picLocks noChangeAspect="1"/>
           </p:cNvPicPr>
@@ -8482,7 +8482,7 @@
       </p:pic>
       <p:pic>
         <p:nvPicPr>
-          <p:cNvPr id="35" name="Image 3" descr="/var/folders/ky/3gqyhkyd7k16pwqdw48v0k400000gn/T/icon-icon-ta8ui0jxk-1767456276182.png">    </p:cNvPr>
+          <p:cNvPr id="35" name="Image 3" descr="/var/folders/1y/yzhkrds14j1gm67qjvlds8tm7vvy2b/T/icon-icon-mz0sv7yev-1767662376968.png">    </p:cNvPr>
           <p:cNvPicPr>
             <a:picLocks noChangeAspect="1"/>
           </p:cNvPicPr>
@@ -9448,7 +9448,7 @@
       </p:sp>
       <p:pic>
         <p:nvPicPr>
-          <p:cNvPr id="27" name="Image 0" descr="/var/folders/ky/3gqyhkyd7k16pwqdw48v0k400000gn/T/icon-icon-tro2sx44h-1767456277155.png">    </p:cNvPr>
+          <p:cNvPr id="27" name="Image 0" descr="/var/folders/1y/yzhkrds14j1gm67qjvlds8tm7vvy2b/T/icon-icon-4e77jn539-1767662378792.png">    </p:cNvPr>
           <p:cNvPicPr>
             <a:picLocks noChangeAspect="1"/>
           </p:cNvPicPr>
@@ -9472,7 +9472,7 @@
       </p:pic>
       <p:pic>
         <p:nvPicPr>
-          <p:cNvPr id="28" name="Image 1" descr="/var/folders/ky/3gqyhkyd7k16pwqdw48v0k400000gn/T/icon-icon-cy4pzpyk3-1767456277214.png">    </p:cNvPr>
+          <p:cNvPr id="28" name="Image 1" descr="/var/folders/1y/yzhkrds14j1gm67qjvlds8tm7vvy2b/T/icon-icon-nb0lsowtt-1767662378836.png">    </p:cNvPr>
           <p:cNvPicPr>
             <a:picLocks noChangeAspect="1"/>
           </p:cNvPicPr>
@@ -9496,7 +9496,7 @@
       </p:pic>
       <p:pic>
         <p:nvPicPr>
-          <p:cNvPr id="29" name="Image 2" descr="/var/folders/ky/3gqyhkyd7k16pwqdw48v0k400000gn/T/icon-icon-ulx267mjt-1767456277267.png">    </p:cNvPr>
+          <p:cNvPr id="29" name="Image 2" descr="/var/folders/1y/yzhkrds14j1gm67qjvlds8tm7vvy2b/T/icon-icon-7izkf7mqt-1767662378869.png">    </p:cNvPr>
           <p:cNvPicPr>
             <a:picLocks noChangeAspect="1"/>
           </p:cNvPicPr>
@@ -9520,7 +9520,7 @@
       </p:pic>
       <p:pic>
         <p:nvPicPr>
-          <p:cNvPr id="30" name="Image 3" descr="/var/folders/ky/3gqyhkyd7k16pwqdw48v0k400000gn/T/icon-icon-0vd9ye7xe-1767456277330.png">    </p:cNvPr>
+          <p:cNvPr id="30" name="Image 3" descr="/var/folders/1y/yzhkrds14j1gm67qjvlds8tm7vvy2b/T/icon-icon-8feufv6ey-1767662378903.png">    </p:cNvPr>
           <p:cNvPicPr>
             <a:picLocks noChangeAspect="1"/>
           </p:cNvPicPr>
@@ -10298,7 +10298,7 @@
       </p:sp>
       <p:pic>
         <p:nvPicPr>
-          <p:cNvPr id="22" name="Image 1" descr="/var/folders/ky/3gqyhkyd7k16pwqdw48v0k400000gn/T/icon-icon-lj2jhc81y-1767456278323.png">    </p:cNvPr>
+          <p:cNvPr id="22" name="Image 1" descr="/var/folders/1y/yzhkrds14j1gm67qjvlds8tm7vvy2b/T/icon-icon-7va9vvsug-1767662380705.png">    </p:cNvPr>
           <p:cNvPicPr>
             <a:picLocks noChangeAspect="1"/>
           </p:cNvPicPr>
@@ -10322,7 +10322,7 @@
       </p:pic>
       <p:pic>
         <p:nvPicPr>
-          <p:cNvPr id="23" name="Image 2" descr="/var/folders/ky/3gqyhkyd7k16pwqdw48v0k400000gn/T/icon-icon-bsl732ti7-1767456278406.png">    </p:cNvPr>
+          <p:cNvPr id="23" name="Image 2" descr="/var/folders/1y/yzhkrds14j1gm67qjvlds8tm7vvy2b/T/icon-icon-ai8ina1a4-1767662380753.png">    </p:cNvPr>
           <p:cNvPicPr>
             <a:picLocks noChangeAspect="1"/>
           </p:cNvPicPr>
@@ -10346,7 +10346,7 @@
       </p:pic>
       <p:pic>
         <p:nvPicPr>
-          <p:cNvPr id="24" name="Image 3" descr="/var/folders/ky/3gqyhkyd7k16pwqdw48v0k400000gn/T/icon-icon-grl5fgkfr-1767456278472.png">    </p:cNvPr>
+          <p:cNvPr id="24" name="Image 3" descr="/var/folders/1y/yzhkrds14j1gm67qjvlds8tm7vvy2b/T/icon-icon-6uwhyr2fg-1767662380784.png">    </p:cNvPr>
           <p:cNvPicPr>
             <a:picLocks noChangeAspect="1"/>
           </p:cNvPicPr>
@@ -11468,7 +11468,7 @@
       </p:sp>
       <p:pic>
         <p:nvPicPr>
-          <p:cNvPr id="29" name="Image 0" descr="/var/folders/ky/3gqyhkyd7k16pwqdw48v0k400000gn/T/icon-icon-r4de7ccnn-1767456279717.png">    </p:cNvPr>
+          <p:cNvPr id="29" name="Image 0" descr="/var/folders/1y/yzhkrds14j1gm67qjvlds8tm7vvy2b/T/icon-icon-ybgs84wdi-1767662382628.png">    </p:cNvPr>
           <p:cNvPicPr>
             <a:picLocks noChangeAspect="1"/>
           </p:cNvPicPr>
@@ -11492,7 +11492,7 @@
       </p:pic>
       <p:pic>
         <p:nvPicPr>
-          <p:cNvPr id="30" name="Image 1" descr="/var/folders/ky/3gqyhkyd7k16pwqdw48v0k400000gn/T/icon-icon-gaouba4wx-1767456279768.png">    </p:cNvPr>
+          <p:cNvPr id="30" name="Image 1" descr="/var/folders/1y/yzhkrds14j1gm67qjvlds8tm7vvy2b/T/icon-icon-v1c5mepit-1767662382679.png">    </p:cNvPr>
           <p:cNvPicPr>
             <a:picLocks noChangeAspect="1"/>
           </p:cNvPicPr>
@@ -11516,7 +11516,7 @@
       </p:pic>
       <p:pic>
         <p:nvPicPr>
-          <p:cNvPr id="31" name="Image 2" descr="/var/folders/ky/3gqyhkyd7k16pwqdw48v0k400000gn/T/icon-icon-nh9ercfou-1767456279812.png">    </p:cNvPr>
+          <p:cNvPr id="31" name="Image 2" descr="/var/folders/1y/yzhkrds14j1gm67qjvlds8tm7vvy2b/T/icon-icon-va92v8gfe-1767662382710.png">    </p:cNvPr>
           <p:cNvPicPr>
             <a:picLocks noChangeAspect="1"/>
           </p:cNvPicPr>
@@ -11540,7 +11540,7 @@
       </p:pic>
       <p:pic>
         <p:nvPicPr>
-          <p:cNvPr id="32" name="Image 3" descr="/var/folders/ky/3gqyhkyd7k16pwqdw48v0k400000gn/T/icon-icon-wweepvv42-1767456279873.png">    </p:cNvPr>
+          <p:cNvPr id="32" name="Image 3" descr="/var/folders/1y/yzhkrds14j1gm67qjvlds8tm7vvy2b/T/icon-icon-i3z543als-1767662382744.png">    </p:cNvPr>
           <p:cNvPicPr>
             <a:picLocks noChangeAspect="1"/>
           </p:cNvPicPr>
@@ -11564,7 +11564,7 @@
       </p:pic>
       <p:pic>
         <p:nvPicPr>
-          <p:cNvPr id="33" name="Image 4" descr="/var/folders/ky/3gqyhkyd7k16pwqdw48v0k400000gn/T/icon-icon-3zkabdico-1767456279940.png">    </p:cNvPr>
+          <p:cNvPr id="33" name="Image 4" descr="/var/folders/1y/yzhkrds14j1gm67qjvlds8tm7vvy2b/T/icon-icon-726c7yo4j-1767662382777.png">    </p:cNvPr>
           <p:cNvPicPr>
             <a:picLocks noChangeAspect="1"/>
           </p:cNvPicPr>
@@ -11588,7 +11588,7 @@
       </p:pic>
       <p:pic>
         <p:nvPicPr>
-          <p:cNvPr id="34" name="Image 5" descr="/var/folders/ky/3gqyhkyd7k16pwqdw48v0k400000gn/T/icon-icon-7ixfz3962-1767456279986.png">    </p:cNvPr>
+          <p:cNvPr id="34" name="Image 5" descr="/var/folders/1y/yzhkrds14j1gm67qjvlds8tm7vvy2b/T/icon-icon-vzuby07zw-1767662382810.png">    </p:cNvPr>
           <p:cNvPicPr>
             <a:picLocks noChangeAspect="1"/>
           </p:cNvPicPr>
@@ -11612,7 +11612,7 @@
       </p:pic>
       <p:pic>
         <p:nvPicPr>
-          <p:cNvPr id="35" name="Image 6" descr="/var/folders/ky/3gqyhkyd7k16pwqdw48v0k400000gn/T/icon-icon-v5rep8u30-1767456280068.png">    </p:cNvPr>
+          <p:cNvPr id="35" name="Image 6" descr="/var/folders/1y/yzhkrds14j1gm67qjvlds8tm7vvy2b/T/icon-icon-9zry7o4k5-1767662382844.png">    </p:cNvPr>
           <p:cNvPicPr>
             <a:picLocks noChangeAspect="1"/>
           </p:cNvPicPr>
@@ -13140,7 +13140,7 @@
       </p:sp>
       <p:pic>
         <p:nvPicPr>
-          <p:cNvPr id="29" name="Image 1" descr="/var/folders/ky/3gqyhkyd7k16pwqdw48v0k400000gn/T/icon-icon-2iwsgtqf2-1767456281067.png">    </p:cNvPr>
+          <p:cNvPr id="29" name="Image 1" descr="/var/folders/1y/yzhkrds14j1gm67qjvlds8tm7vvy2b/T/icon-icon-7dpy8952r-1767662384681.png">    </p:cNvPr>
           <p:cNvPicPr>
             <a:picLocks noChangeAspect="1"/>
           </p:cNvPicPr>
@@ -13164,7 +13164,7 @@
       </p:pic>
       <p:pic>
         <p:nvPicPr>
-          <p:cNvPr id="30" name="Image 2" descr="/var/folders/ky/3gqyhkyd7k16pwqdw48v0k400000gn/T/icon-icon-k9ixm4b7w-1767456281141.png">    </p:cNvPr>
+          <p:cNvPr id="30" name="Image 2" descr="/var/folders/1y/yzhkrds14j1gm67qjvlds8tm7vvy2b/T/icon-icon-e8y77r3c7-1767662384727.png">    </p:cNvPr>
           <p:cNvPicPr>
             <a:picLocks noChangeAspect="1"/>
           </p:cNvPicPr>
@@ -13188,7 +13188,7 @@
       </p:pic>
       <p:pic>
         <p:nvPicPr>
-          <p:cNvPr id="31" name="Image 3" descr="/var/folders/ky/3gqyhkyd7k16pwqdw48v0k400000gn/T/icon-icon-254289kar-1767456281208.png">    </p:cNvPr>
+          <p:cNvPr id="31" name="Image 3" descr="/var/folders/1y/yzhkrds14j1gm67qjvlds8tm7vvy2b/T/icon-icon-byjeqfyhj-1767662384759.png">    </p:cNvPr>
           <p:cNvPicPr>
             <a:picLocks noChangeAspect="1"/>
           </p:cNvPicPr>
@@ -13212,7 +13212,7 @@
       </p:pic>
       <p:pic>
         <p:nvPicPr>
-          <p:cNvPr id="32" name="Image 4" descr="/var/folders/ky/3gqyhkyd7k16pwqdw48v0k400000gn/T/icon-icon-vn0c804kh-1767456281253.png">    </p:cNvPr>
+          <p:cNvPr id="32" name="Image 4" descr="/var/folders/1y/yzhkrds14j1gm67qjvlds8tm7vvy2b/T/icon-icon-s9qc8ppev-1767662384794.png">    </p:cNvPr>
           <p:cNvPicPr>
             <a:picLocks noChangeAspect="1"/>
           </p:cNvPicPr>
@@ -13236,7 +13236,7 @@
       </p:pic>
       <p:pic>
         <p:nvPicPr>
-          <p:cNvPr id="33" name="Image 5" descr="/var/folders/ky/3gqyhkyd7k16pwqdw48v0k400000gn/T/icon-icon-k9ixm4b7w-1767456281323.png">    </p:cNvPr>
+          <p:cNvPr id="33" name="Image 5" descr="/var/folders/1y/yzhkrds14j1gm67qjvlds8tm7vvy2b/T/icon-icon-e8y77r3c7-1767662384827.png">    </p:cNvPr>
           <p:cNvPicPr>
             <a:picLocks noChangeAspect="1"/>
           </p:cNvPicPr>
@@ -13260,7 +13260,7 @@
       </p:pic>
       <p:pic>
         <p:nvPicPr>
-          <p:cNvPr id="34" name="Image 6" descr="/var/folders/ky/3gqyhkyd7k16pwqdw48v0k400000gn/T/icon-icon-254289kar-1767456281381.png">    </p:cNvPr>
+          <p:cNvPr id="34" name="Image 6" descr="/var/folders/1y/yzhkrds14j1gm67qjvlds8tm7vvy2b/T/icon-icon-byjeqfyhj-1767662384859.png">    </p:cNvPr>
           <p:cNvPicPr>
             <a:picLocks noChangeAspect="1"/>
           </p:cNvPicPr>
@@ -13284,7 +13284,7 @@
       </p:pic>
       <p:pic>
         <p:nvPicPr>
-          <p:cNvPr id="35" name="Image 7" descr="/var/folders/ky/3gqyhkyd7k16pwqdw48v0k400000gn/T/icon-icon-vn0c804kh-1767456281452.png">    </p:cNvPr>
+          <p:cNvPr id="35" name="Image 7" descr="/var/folders/1y/yzhkrds14j1gm67qjvlds8tm7vvy2b/T/icon-icon-s9qc8ppev-1767662384894.png">    </p:cNvPr>
           <p:cNvPicPr>
             <a:picLocks noChangeAspect="1"/>
           </p:cNvPicPr>
@@ -13308,7 +13308,7 @@
       </p:pic>
       <p:pic>
         <p:nvPicPr>
-          <p:cNvPr id="36" name="Image 8" descr="/var/folders/ky/3gqyhkyd7k16pwqdw48v0k400000gn/T/icon-icon-w4zo0jit9-1767456281515.png">    </p:cNvPr>
+          <p:cNvPr id="36" name="Image 8" descr="/var/folders/1y/yzhkrds14j1gm67qjvlds8tm7vvy2b/T/icon-icon-8mid7h262-1767662384926.png">    </p:cNvPr>
           <p:cNvPicPr>
             <a:picLocks noChangeAspect="1"/>
           </p:cNvPicPr>
@@ -13332,7 +13332,7 @@
       </p:pic>
       <p:pic>
         <p:nvPicPr>
-          <p:cNvPr id="37" name="Image 9" descr="/var/folders/ky/3gqyhkyd7k16pwqdw48v0k400000gn/T/icon-icon-w4zo0jit9-1767456281567.png">    </p:cNvPr>
+          <p:cNvPr id="37" name="Image 9" descr="/var/folders/1y/yzhkrds14j1gm67qjvlds8tm7vvy2b/T/icon-icon-8mid7h262-1767662384961.png">    </p:cNvPr>
           <p:cNvPicPr>
             <a:picLocks noChangeAspect="1"/>
           </p:cNvPicPr>
@@ -13356,7 +13356,7 @@
       </p:pic>
       <p:pic>
         <p:nvPicPr>
-          <p:cNvPr id="38" name="Image 10" descr="/var/folders/ky/3gqyhkyd7k16pwqdw48v0k400000gn/T/icon-icon-lj9ryjd3s-1767456281609.png">    </p:cNvPr>
+          <p:cNvPr id="38" name="Image 10" descr="/var/folders/1y/yzhkrds14j1gm67qjvlds8tm7vvy2b/T/icon-icon-ojgputcz2-1767662385003.png">    </p:cNvPr>
           <p:cNvPicPr>
             <a:picLocks noChangeAspect="1"/>
           </p:cNvPicPr>
@@ -13380,7 +13380,7 @@
       </p:pic>
       <p:pic>
         <p:nvPicPr>
-          <p:cNvPr id="39" name="Image 11" descr="/var/folders/ky/3gqyhkyd7k16pwqdw48v0k400000gn/T/icon-icon-0ze3tv6jp-1767456281678.png">    </p:cNvPr>
+          <p:cNvPr id="39" name="Image 11" descr="/var/folders/1y/yzhkrds14j1gm67qjvlds8tm7vvy2b/T/icon-icon-7egv8h5z7-1767662385035.png">    </p:cNvPr>
           <p:cNvPicPr>
             <a:picLocks noChangeAspect="1"/>
           </p:cNvPicPr>
@@ -13404,7 +13404,7 @@
       </p:pic>
       <p:pic>
         <p:nvPicPr>
-          <p:cNvPr id="40" name="Image 12" descr="/var/folders/ky/3gqyhkyd7k16pwqdw48v0k400000gn/T/icon-icon-nr4ymelcl-1767456281724.png">    </p:cNvPr>
+          <p:cNvPr id="40" name="Image 12" descr="/var/folders/1y/yzhkrds14j1gm67qjvlds8tm7vvy2b/T/icon-icon-lup3qlicc-1767662385070.png">    </p:cNvPr>
           <p:cNvPicPr>
             <a:picLocks noChangeAspect="1"/>
           </p:cNvPicPr>
@@ -13428,7 +13428,7 @@
       </p:pic>
       <p:pic>
         <p:nvPicPr>
-          <p:cNvPr id="41" name="Image 13" descr="/var/folders/ky/3gqyhkyd7k16pwqdw48v0k400000gn/T/icon-icon-0ze3tv6jp-1767456281780.png">    </p:cNvPr>
+          <p:cNvPr id="41" name="Image 13" descr="/var/folders/1y/yzhkrds14j1gm67qjvlds8tm7vvy2b/T/icon-icon-7egv8h5z7-1767662385103.png">    </p:cNvPr>
           <p:cNvPicPr>
             <a:picLocks noChangeAspect="1"/>
           </p:cNvPicPr>
@@ -13452,7 +13452,7 @@
       </p:pic>
       <p:pic>
         <p:nvPicPr>
-          <p:cNvPr id="42" name="Image 14" descr="/var/folders/ky/3gqyhkyd7k16pwqdw48v0k400000gn/T/icon-icon-nr4ymelcl-1767456281832.png">    </p:cNvPr>
+          <p:cNvPr id="42" name="Image 14" descr="/var/folders/1y/yzhkrds14j1gm67qjvlds8tm7vvy2b/T/icon-icon-lup3qlicc-1767662385136.png">    </p:cNvPr>
           <p:cNvPicPr>
             <a:picLocks noChangeAspect="1"/>
           </p:cNvPicPr>
@@ -13476,7 +13476,7 @@
       </p:pic>
       <p:pic>
         <p:nvPicPr>
-          <p:cNvPr id="43" name="Image 15" descr="/var/folders/ky/3gqyhkyd7k16pwqdw48v0k400000gn/T/icon-icon-k5meadul0-1767456281900.png">    </p:cNvPr>
+          <p:cNvPr id="43" name="Image 15" descr="/var/folders/1y/yzhkrds14j1gm67qjvlds8tm7vvy2b/T/icon-icon-4q01t1y3q-1767662385170.png">    </p:cNvPr>
           <p:cNvPicPr>
             <a:picLocks noChangeAspect="1"/>
           </p:cNvPicPr>
@@ -13500,7 +13500,7 @@
       </p:pic>
       <p:pic>
         <p:nvPicPr>
-          <p:cNvPr id="44" name="Image 16" descr="/var/folders/ky/3gqyhkyd7k16pwqdw48v0k400000gn/T/icon-icon-k5meadul0-1767456281964.png">    </p:cNvPr>
+          <p:cNvPr id="44" name="Image 16" descr="/var/folders/1y/yzhkrds14j1gm67qjvlds8tm7vvy2b/T/icon-icon-4q01t1y3q-1767662385211.png">    </p:cNvPr>
           <p:cNvPicPr>
             <a:picLocks noChangeAspect="1"/>
           </p:cNvPicPr>
@@ -13524,7 +13524,7 @@
       </p:pic>
       <p:pic>
         <p:nvPicPr>
-          <p:cNvPr id="45" name="Image 17" descr="/var/folders/ky/3gqyhkyd7k16pwqdw48v0k400000gn/T/icon-icon-1uqwedu2d-1767456282032.png">    </p:cNvPr>
+          <p:cNvPr id="45" name="Image 17" descr="/var/folders/1y/yzhkrds14j1gm67qjvlds8tm7vvy2b/T/icon-icon-8fpnn9ldk-1767662385244.png">    </p:cNvPr>
           <p:cNvPicPr>
             <a:picLocks noChangeAspect="1"/>
           </p:cNvPicPr>
@@ -13548,7 +13548,7 @@
       </p:pic>
       <p:pic>
         <p:nvPicPr>
-          <p:cNvPr id="46" name="Image 18" descr="/var/folders/ky/3gqyhkyd7k16pwqdw48v0k400000gn/T/icon-icon-bksl7aebe-1767456282084.png">    </p:cNvPr>
+          <p:cNvPr id="46" name="Image 18" descr="/var/folders/1y/yzhkrds14j1gm67qjvlds8tm7vvy2b/T/icon-icon-imetolpfc-1767662385277.png">    </p:cNvPr>
           <p:cNvPicPr>
             <a:picLocks noChangeAspect="1"/>
           </p:cNvPicPr>
@@ -13572,7 +13572,7 @@
       </p:pic>
       <p:pic>
         <p:nvPicPr>
-          <p:cNvPr id="47" name="Image 19" descr="/var/folders/ky/3gqyhkyd7k16pwqdw48v0k400000gn/T/icon-icon-03j014uop-1767456282162.png">    </p:cNvPr>
+          <p:cNvPr id="47" name="Image 19" descr="/var/folders/1y/yzhkrds14j1gm67qjvlds8tm7vvy2b/T/icon-icon-6eunr8gjt-1767662385311.png">    </p:cNvPr>
           <p:cNvPicPr>
             <a:picLocks noChangeAspect="1"/>
           </p:cNvPicPr>
@@ -13596,7 +13596,7 @@
       </p:pic>
       <p:pic>
         <p:nvPicPr>
-          <p:cNvPr id="48" name="Image 20" descr="/var/folders/ky/3gqyhkyd7k16pwqdw48v0k400000gn/T/icon-icon-inu8exkma-1767456282209.png">    </p:cNvPr>
+          <p:cNvPr id="48" name="Image 20" descr="/var/folders/1y/yzhkrds14j1gm67qjvlds8tm7vvy2b/T/icon-icon-hz645jf0v-1767662385345.png">    </p:cNvPr>
           <p:cNvPicPr>
             <a:picLocks noChangeAspect="1"/>
           </p:cNvPicPr>
@@ -13620,7 +13620,7 @@
       </p:pic>
       <p:pic>
         <p:nvPicPr>
-          <p:cNvPr id="49" name="Image 21" descr="/var/folders/ky/3gqyhkyd7k16pwqdw48v0k400000gn/T/icon-icon-bksl7aebe-1767456282280.png">    </p:cNvPr>
+          <p:cNvPr id="49" name="Image 21" descr="/var/folders/1y/yzhkrds14j1gm67qjvlds8tm7vvy2b/T/icon-icon-imetolpfc-1767662385377.png">    </p:cNvPr>
           <p:cNvPicPr>
             <a:picLocks noChangeAspect="1"/>
           </p:cNvPicPr>
@@ -13644,7 +13644,7 @@
       </p:pic>
       <p:pic>
         <p:nvPicPr>
-          <p:cNvPr id="50" name="Image 22" descr="/var/folders/ky/3gqyhkyd7k16pwqdw48v0k400000gn/T/icon-icon-03j014uop-1767456282341.png">    </p:cNvPr>
+          <p:cNvPr id="50" name="Image 22" descr="/var/folders/1y/yzhkrds14j1gm67qjvlds8tm7vvy2b/T/icon-icon-6eunr8gjt-1767662385411.png">    </p:cNvPr>
           <p:cNvPicPr>
             <a:picLocks noChangeAspect="1"/>
           </p:cNvPicPr>
@@ -13668,7 +13668,7 @@
       </p:pic>
       <p:pic>
         <p:nvPicPr>
-          <p:cNvPr id="51" name="Image 23" descr="/var/folders/ky/3gqyhkyd7k16pwqdw48v0k400000gn/T/icon-icon-inu8exkma-1767456282409.png">    </p:cNvPr>
+          <p:cNvPr id="51" name="Image 23" descr="/var/folders/1y/yzhkrds14j1gm67qjvlds8tm7vvy2b/T/icon-icon-hz645jf0v-1767662385444.png">    </p:cNvPr>
           <p:cNvPicPr>
             <a:picLocks noChangeAspect="1"/>
           </p:cNvPicPr>
@@ -13692,7 +13692,7 @@
       </p:pic>
       <p:pic>
         <p:nvPicPr>
-          <p:cNvPr id="52" name="Image 24" descr="/var/folders/ky/3gqyhkyd7k16pwqdw48v0k400000gn/T/icon-icon-t3nhubhnk-1767456282458.png">    </p:cNvPr>
+          <p:cNvPr id="52" name="Image 24" descr="/var/folders/1y/yzhkrds14j1gm67qjvlds8tm7vvy2b/T/icon-icon-13gfqp5id-1767662385477.png">    </p:cNvPr>
           <p:cNvPicPr>
             <a:picLocks noChangeAspect="1"/>
           </p:cNvPicPr>
@@ -13716,7 +13716,7 @@
       </p:pic>
       <p:pic>
         <p:nvPicPr>
-          <p:cNvPr id="53" name="Image 25" descr="/var/folders/ky/3gqyhkyd7k16pwqdw48v0k400000gn/T/icon-icon-t3nhubhnk-1767456282499.png">    </p:cNvPr>
+          <p:cNvPr id="53" name="Image 25" descr="/var/folders/1y/yzhkrds14j1gm67qjvlds8tm7vvy2b/T/icon-icon-13gfqp5id-1767662385511.png">    </p:cNvPr>
           <p:cNvPicPr>
             <a:picLocks noChangeAspect="1"/>
           </p:cNvPicPr>
@@ -15314,7 +15314,7 @@
       </p:sp>
       <p:pic>
         <p:nvPicPr>
-          <p:cNvPr id="42" name="Image 0" descr="/var/folders/ky/3gqyhkyd7k16pwqdw48v0k400000gn/T/icon-icon-g1tzw3izc-1767456283476.png">    </p:cNvPr>
+          <p:cNvPr id="42" name="Image 0" descr="/var/folders/1y/yzhkrds14j1gm67qjvlds8tm7vvy2b/T/icon-icon-ptwngn5o4-1767662387402.png">    </p:cNvPr>
           <p:cNvPicPr>
             <a:picLocks noChangeAspect="1"/>
           </p:cNvPicPr>
@@ -15338,7 +15338,7 @@
       </p:pic>
       <p:pic>
         <p:nvPicPr>
-          <p:cNvPr id="43" name="Image 1" descr="/var/folders/ky/3gqyhkyd7k16pwqdw48v0k400000gn/T/icon-icon-g1tzw3izc-1767456283547.png">    </p:cNvPr>
+          <p:cNvPr id="43" name="Image 1" descr="/var/folders/1y/yzhkrds14j1gm67qjvlds8tm7vvy2b/T/icon-icon-ptwngn5o4-1767662387444.png">    </p:cNvPr>
           <p:cNvPicPr>
             <a:picLocks noChangeAspect="1"/>
           </p:cNvPicPr>
@@ -15362,7 +15362,7 @@
       </p:pic>
       <p:pic>
         <p:nvPicPr>
-          <p:cNvPr id="44" name="Image 2" descr="/var/folders/ky/3gqyhkyd7k16pwqdw48v0k400000gn/T/icon-icon-74p0a7p2j-1767456283599.png">    </p:cNvPr>
+          <p:cNvPr id="44" name="Image 2" descr="/var/folders/1y/yzhkrds14j1gm67qjvlds8tm7vvy2b/T/icon-icon-0i6thgida-1767662387478.png">    </p:cNvPr>
           <p:cNvPicPr>
             <a:picLocks noChangeAspect="1"/>
           </p:cNvPicPr>
@@ -15386,7 +15386,7 @@
       </p:pic>
       <p:pic>
         <p:nvPicPr>
-          <p:cNvPr id="45" name="Image 3" descr="/var/folders/ky/3gqyhkyd7k16pwqdw48v0k400000gn/T/icon-icon-i2qxd7gud-1767456283673.png">    </p:cNvPr>
+          <p:cNvPr id="45" name="Image 3" descr="/var/folders/1y/yzhkrds14j1gm67qjvlds8tm7vvy2b/T/icon-icon-o4u6twpaa-1767662387509.png">    </p:cNvPr>
           <p:cNvPicPr>
             <a:picLocks noChangeAspect="1"/>
           </p:cNvPicPr>
@@ -15410,7 +15410,7 @@
       </p:pic>
       <p:pic>
         <p:nvPicPr>
-          <p:cNvPr id="46" name="Image 4" descr="/var/folders/ky/3gqyhkyd7k16pwqdw48v0k400000gn/T/icon-icon-fzdy7o4ok-1767456283730.png">    </p:cNvPr>
+          <p:cNvPr id="46" name="Image 4" descr="/var/folders/1y/yzhkrds14j1gm67qjvlds8tm7vvy2b/T/icon-icon-6v3pbed1z-1767662387542.png">    </p:cNvPr>
           <p:cNvPicPr>
             <a:picLocks noChangeAspect="1"/>
           </p:cNvPicPr>
@@ -15434,7 +15434,7 @@
       </p:pic>
       <p:pic>
         <p:nvPicPr>
-          <p:cNvPr id="47" name="Image 5" descr="/var/folders/ky/3gqyhkyd7k16pwqdw48v0k400000gn/T/icon-icon-zsund2bet-1767456283783.png">    </p:cNvPr>
+          <p:cNvPr id="47" name="Image 5" descr="/var/folders/1y/yzhkrds14j1gm67qjvlds8tm7vvy2b/T/icon-icon-frigqeorv-1767662387577.png">    </p:cNvPr>
           <p:cNvPicPr>
             <a:picLocks noChangeAspect="1"/>
           </p:cNvPicPr>
@@ -15458,7 +15458,7 @@
       </p:pic>
       <p:pic>
         <p:nvPicPr>
-          <p:cNvPr id="48" name="Image 6" descr="/var/folders/ky/3gqyhkyd7k16pwqdw48v0k400000gn/T/icon-icon-zsund2bet-1767456283846.png">    </p:cNvPr>
+          <p:cNvPr id="48" name="Image 6" descr="/var/folders/1y/yzhkrds14j1gm67qjvlds8tm7vvy2b/T/icon-icon-frigqeorv-1767662387610.png">    </p:cNvPr>
           <p:cNvPicPr>
             <a:picLocks noChangeAspect="1"/>
           </p:cNvPicPr>
@@ -15482,7 +15482,7 @@
       </p:pic>
       <p:pic>
         <p:nvPicPr>
-          <p:cNvPr id="49" name="Image 7" descr="/var/folders/ky/3gqyhkyd7k16pwqdw48v0k400000gn/T/icon-icon-4szczkt7v-1767456283897.png">    </p:cNvPr>
+          <p:cNvPr id="49" name="Image 7" descr="/var/folders/1y/yzhkrds14j1gm67qjvlds8tm7vvy2b/T/icon-icon-op306oezv-1767662387645.png">    </p:cNvPr>
           <p:cNvPicPr>
             <a:picLocks noChangeAspect="1"/>
           </p:cNvPicPr>
@@ -15506,7 +15506,7 @@
       </p:pic>
       <p:pic>
         <p:nvPicPr>
-          <p:cNvPr id="50" name="Image 8" descr="/var/folders/ky/3gqyhkyd7k16pwqdw48v0k400000gn/T/icon-icon-cinattjcc-1767456283934.png">    </p:cNvPr>
+          <p:cNvPr id="50" name="Image 8" descr="/var/folders/1y/yzhkrds14j1gm67qjvlds8tm7vvy2b/T/icon-icon-hu3swrguk-1767662387677.png">    </p:cNvPr>
           <p:cNvPicPr>
             <a:picLocks noChangeAspect="1"/>
           </p:cNvPicPr>
@@ -15530,7 +15530,7 @@
       </p:pic>
       <p:pic>
         <p:nvPicPr>
-          <p:cNvPr id="51" name="Image 9" descr="/var/folders/ky/3gqyhkyd7k16pwqdw48v0k400000gn/T/icon-icon-onrnn42dj-1767456283997.png">    </p:cNvPr>
+          <p:cNvPr id="51" name="Image 9" descr="/var/folders/1y/yzhkrds14j1gm67qjvlds8tm7vvy2b/T/icon-icon-3k7vdktis-1767662387720.png">    </p:cNvPr>
           <p:cNvPicPr>
             <a:picLocks noChangeAspect="1"/>
           </p:cNvPicPr>
@@ -15554,7 +15554,7 @@
       </p:pic>
       <p:pic>
         <p:nvPicPr>
-          <p:cNvPr id="52" name="Image 10" descr="/var/folders/ky/3gqyhkyd7k16pwqdw48v0k400000gn/T/icon-icon-oac3po5rv-1767456284045.png">    </p:cNvPr>
+          <p:cNvPr id="52" name="Image 10" descr="/var/folders/1y/yzhkrds14j1gm67qjvlds8tm7vvy2b/T/icon-icon-do9ik8cg5-1767662387753.png">    </p:cNvPr>
           <p:cNvPicPr>
             <a:picLocks noChangeAspect="1"/>
           </p:cNvPicPr>
@@ -15578,7 +15578,7 @@
       </p:pic>
       <p:pic>
         <p:nvPicPr>
-          <p:cNvPr id="53" name="Image 11" descr="/var/folders/ky/3gqyhkyd7k16pwqdw48v0k400000gn/T/icon-icon-0hwirq4ol-1767456284086.png">    </p:cNvPr>
+          <p:cNvPr id="53" name="Image 11" descr="/var/folders/1y/yzhkrds14j1gm67qjvlds8tm7vvy2b/T/icon-icon-rcxknec8a-1767662387786.png">    </p:cNvPr>
           <p:cNvPicPr>
             <a:picLocks noChangeAspect="1"/>
           </p:cNvPicPr>
@@ -15602,7 +15602,7 @@
       </p:pic>
       <p:pic>
         <p:nvPicPr>
-          <p:cNvPr id="54" name="Image 12" descr="/var/folders/ky/3gqyhkyd7k16pwqdw48v0k400000gn/T/icon-icon-oac3po5rv-1767456284150.png">    </p:cNvPr>
+          <p:cNvPr id="54" name="Image 12" descr="/var/folders/1y/yzhkrds14j1gm67qjvlds8tm7vvy2b/T/icon-icon-do9ik8cg5-1767662387818.png">    </p:cNvPr>
           <p:cNvPicPr>
             <a:picLocks noChangeAspect="1"/>
           </p:cNvPicPr>
@@ -15626,7 +15626,7 @@
       </p:pic>
       <p:pic>
         <p:nvPicPr>
-          <p:cNvPr id="55" name="Image 13" descr="/var/folders/ky/3gqyhkyd7k16pwqdw48v0k400000gn/T/icon-icon-0hwirq4ol-1767456284195.png">    </p:cNvPr>
+          <p:cNvPr id="55" name="Image 13" descr="/var/folders/1y/yzhkrds14j1gm67qjvlds8tm7vvy2b/T/icon-icon-rcxknec8a-1767662387851.png">    </p:cNvPr>
           <p:cNvPicPr>
             <a:picLocks noChangeAspect="1"/>
           </p:cNvPicPr>
@@ -17181,7 +17181,7 @@
       </p:sp>
       <p:pic>
         <p:nvPicPr>
-          <p:cNvPr id="32" name="Image 0" descr="/var/folders/ky/3gqyhkyd7k16pwqdw48v0k400000gn/T/icon-icon-ph4zfgk2z-1767456285181.png">    </p:cNvPr>
+          <p:cNvPr id="32" name="Image 0" descr="/var/folders/1y/yzhkrds14j1gm67qjvlds8tm7vvy2b/T/icon-icon-a7v9e1lwr-1767662389726.png">    </p:cNvPr>
           <p:cNvPicPr>
             <a:picLocks noChangeAspect="1"/>
           </p:cNvPicPr>
@@ -17205,7 +17205,7 @@
       </p:pic>
       <p:pic>
         <p:nvPicPr>
-          <p:cNvPr id="33" name="Image 1" descr="/var/folders/ky/3gqyhkyd7k16pwqdw48v0k400000gn/T/icon-icon-ph4zfgk2z-1767456285250.png">    </p:cNvPr>
+          <p:cNvPr id="33" name="Image 1" descr="/var/folders/1y/yzhkrds14j1gm67qjvlds8tm7vvy2b/T/icon-icon-a7v9e1lwr-1767662389770.png">    </p:cNvPr>
           <p:cNvPicPr>
             <a:picLocks noChangeAspect="1"/>
           </p:cNvPicPr>
@@ -17229,7 +17229,7 @@
       </p:pic>
       <p:pic>
         <p:nvPicPr>
-          <p:cNvPr id="34" name="Image 2" descr="/var/folders/ky/3gqyhkyd7k16pwqdw48v0k400000gn/T/icon-icon-yc20gntl1-1767456285305.png">    </p:cNvPr>
+          <p:cNvPr id="34" name="Image 2" descr="/var/folders/1y/yzhkrds14j1gm67qjvlds8tm7vvy2b/T/icon-icon-hcyhyuuz9-1767662389803.png">    </p:cNvPr>
           <p:cNvPicPr>
             <a:picLocks noChangeAspect="1"/>
           </p:cNvPicPr>
@@ -17253,7 +17253,7 @@
       </p:pic>
       <p:pic>
         <p:nvPicPr>
-          <p:cNvPr id="35" name="Image 3" descr="/var/folders/ky/3gqyhkyd7k16pwqdw48v0k400000gn/T/icon-icon-yc20gntl1-1767456285362.png">    </p:cNvPr>
+          <p:cNvPr id="35" name="Image 3" descr="/var/folders/1y/yzhkrds14j1gm67qjvlds8tm7vvy2b/T/icon-icon-hcyhyuuz9-1767662389836.png">    </p:cNvPr>
           <p:cNvPicPr>
             <a:picLocks noChangeAspect="1"/>
           </p:cNvPicPr>
@@ -17277,7 +17277,7 @@
       </p:pic>
       <p:pic>
         <p:nvPicPr>
-          <p:cNvPr id="36" name="Image 4" descr="/var/folders/ky/3gqyhkyd7k16pwqdw48v0k400000gn/T/icon-icon-6b2ezv712-1767456285416.png">    </p:cNvPr>
+          <p:cNvPr id="36" name="Image 4" descr="/var/folders/1y/yzhkrds14j1gm67qjvlds8tm7vvy2b/T/icon-icon-ep27m5nze-1767662389868.png">    </p:cNvPr>
           <p:cNvPicPr>
             <a:picLocks noChangeAspect="1"/>
           </p:cNvPicPr>
@@ -17301,7 +17301,7 @@
       </p:pic>
       <p:pic>
         <p:nvPicPr>
-          <p:cNvPr id="37" name="Image 5" descr="/var/folders/ky/3gqyhkyd7k16pwqdw48v0k400000gn/T/icon-icon-6b2ezv712-1767456285479.png">    </p:cNvPr>
+          <p:cNvPr id="37" name="Image 5" descr="/var/folders/1y/yzhkrds14j1gm67qjvlds8tm7vvy2b/T/icon-icon-ep27m5nze-1767662389902.png">    </p:cNvPr>
           <p:cNvPicPr>
             <a:picLocks noChangeAspect="1"/>
           </p:cNvPicPr>
@@ -17325,7 +17325,7 @@
       </p:pic>
       <p:pic>
         <p:nvPicPr>
-          <p:cNvPr id="38" name="Image 6" descr="/var/folders/ky/3gqyhkyd7k16pwqdw48v0k400000gn/T/icon-icon-tvs6wuj4a-1767456285530.png">    </p:cNvPr>
+          <p:cNvPr id="38" name="Image 6" descr="/var/folders/1y/yzhkrds14j1gm67qjvlds8tm7vvy2b/T/icon-icon-qejyl0o11-1767662389936.png">    </p:cNvPr>
           <p:cNvPicPr>
             <a:picLocks noChangeAspect="1"/>
           </p:cNvPicPr>
@@ -17349,7 +17349,7 @@
       </p:pic>
       <p:pic>
         <p:nvPicPr>
-          <p:cNvPr id="39" name="Image 7" descr="/var/folders/ky/3gqyhkyd7k16pwqdw48v0k400000gn/T/icon-icon-tvs6wuj4a-1767456285592.png">    </p:cNvPr>
+          <p:cNvPr id="39" name="Image 7" descr="/var/folders/1y/yzhkrds14j1gm67qjvlds8tm7vvy2b/T/icon-icon-qejyl0o11-1767662389969.png">    </p:cNvPr>
           <p:cNvPicPr>
             <a:picLocks noChangeAspect="1"/>
           </p:cNvPicPr>
@@ -17373,7 +17373,7 @@
       </p:pic>
       <p:pic>
         <p:nvPicPr>
-          <p:cNvPr id="40" name="Image 8" descr="/var/folders/ky/3gqyhkyd7k16pwqdw48v0k400000gn/T/icon-icon-25uhs8kyd-1767456285638.png">    </p:cNvPr>
+          <p:cNvPr id="40" name="Image 8" descr="/var/folders/1y/yzhkrds14j1gm67qjvlds8tm7vvy2b/T/icon-icon-irqn0kbi1-1767662390003.png">    </p:cNvPr>
           <p:cNvPicPr>
             <a:picLocks noChangeAspect="1"/>
           </p:cNvPicPr>
@@ -17397,7 +17397,7 @@
       </p:pic>
       <p:pic>
         <p:nvPicPr>
-          <p:cNvPr id="41" name="Image 9" descr="/var/folders/ky/3gqyhkyd7k16pwqdw48v0k400000gn/T/icon-icon-25uhs8kyd-1767456285708.png">    </p:cNvPr>
+          <p:cNvPr id="41" name="Image 9" descr="/var/folders/1y/yzhkrds14j1gm67qjvlds8tm7vvy2b/T/icon-icon-irqn0kbi1-1767662390036.png">    </p:cNvPr>
           <p:cNvPicPr>
             <a:picLocks noChangeAspect="1"/>
           </p:cNvPicPr>
@@ -17421,7 +17421,7 @@
       </p:pic>
       <p:pic>
         <p:nvPicPr>
-          <p:cNvPr id="42" name="Image 10" descr="/var/folders/ky/3gqyhkyd7k16pwqdw48v0k400000gn/T/icon-icon-6p82smskw-1767456285755.png">    </p:cNvPr>
+          <p:cNvPr id="42" name="Image 10" descr="/var/folders/1y/yzhkrds14j1gm67qjvlds8tm7vvy2b/T/icon-icon-370qk5q6z-1767662390069.png">    </p:cNvPr>
           <p:cNvPicPr>
             <a:picLocks noChangeAspect="1"/>
           </p:cNvPicPr>
@@ -17445,7 +17445,7 @@
       </p:pic>
       <p:pic>
         <p:nvPicPr>
-          <p:cNvPr id="43" name="Image 11" descr="/var/folders/ky/3gqyhkyd7k16pwqdw48v0k400000gn/T/icon-icon-6p82smskw-1767456285813.png">    </p:cNvPr>
+          <p:cNvPr id="43" name="Image 11" descr="/var/folders/1y/yzhkrds14j1gm67qjvlds8tm7vvy2b/T/icon-icon-370qk5q6z-1767662390101.png">    </p:cNvPr>
           <p:cNvPicPr>
             <a:picLocks noChangeAspect="1"/>
           </p:cNvPicPr>
@@ -17469,7 +17469,7 @@
       </p:pic>
       <p:pic>
         <p:nvPicPr>
-          <p:cNvPr id="44" name="Image 12" descr="/var/folders/ky/3gqyhkyd7k16pwqdw48v0k400000gn/T/icon-icon-xfdh60ecj-1767456285866.png">    </p:cNvPr>
+          <p:cNvPr id="44" name="Image 12" descr="/var/folders/1y/yzhkrds14j1gm67qjvlds8tm7vvy2b/T/icon-icon-iwbl9gmf4-1767662390136.png">    </p:cNvPr>
           <p:cNvPicPr>
             <a:picLocks noChangeAspect="1"/>
           </p:cNvPicPr>
@@ -17493,7 +17493,7 @@
       </p:pic>
       <p:pic>
         <p:nvPicPr>
-          <p:cNvPr id="45" name="Image 13" descr="/var/folders/ky/3gqyhkyd7k16pwqdw48v0k400000gn/T/icon-icon-xfdh60ecj-1767456285930.png">    </p:cNvPr>
+          <p:cNvPr id="45" name="Image 13" descr="/var/folders/1y/yzhkrds14j1gm67qjvlds8tm7vvy2b/T/icon-icon-iwbl9gmf4-1767662390169.png">    </p:cNvPr>
           <p:cNvPicPr>
             <a:picLocks noChangeAspect="1"/>
           </p:cNvPicPr>
@@ -17517,7 +17517,7 @@
       </p:pic>
       <p:pic>
         <p:nvPicPr>
-          <p:cNvPr id="46" name="Image 14" descr="/var/folders/ky/3gqyhkyd7k16pwqdw48v0k400000gn/T/icon-icon-p6ei03xq0-1767456285980.png">    </p:cNvPr>
+          <p:cNvPr id="46" name="Image 14" descr="/var/folders/1y/yzhkrds14j1gm67qjvlds8tm7vvy2b/T/icon-icon-rsns5se4q-1767662390203.png">    </p:cNvPr>
           <p:cNvPicPr>
             <a:picLocks noChangeAspect="1"/>
           </p:cNvPicPr>
@@ -17541,7 +17541,7 @@
       </p:pic>
       <p:pic>
         <p:nvPicPr>
-          <p:cNvPr id="47" name="Image 15" descr="/var/folders/ky/3gqyhkyd7k16pwqdw48v0k400000gn/T/icon-icon-p6ei03xq0-1767456286019.png">    </p:cNvPr>
+          <p:cNvPr id="47" name="Image 15" descr="/var/folders/1y/yzhkrds14j1gm67qjvlds8tm7vvy2b/T/icon-icon-rsns5se4q-1767662390236.png">    </p:cNvPr>
           <p:cNvPicPr>
             <a:picLocks noChangeAspect="1"/>
           </p:cNvPicPr>
@@ -17565,7 +17565,7 @@
       </p:pic>
       <p:pic>
         <p:nvPicPr>
-          <p:cNvPr id="48" name="Image 16" descr="/var/folders/ky/3gqyhkyd7k16pwqdw48v0k400000gn/T/icon-icon-6zfom86np-1767456286080.png">    </p:cNvPr>
+          <p:cNvPr id="48" name="Image 16" descr="/var/folders/1y/yzhkrds14j1gm67qjvlds8tm7vvy2b/T/icon-icon-hj01lo649-1767662390278.png">    </p:cNvPr>
           <p:cNvPicPr>
             <a:picLocks noChangeAspect="1"/>
           </p:cNvPicPr>
@@ -17589,7 +17589,7 @@
       </p:pic>
       <p:pic>
         <p:nvPicPr>
-          <p:cNvPr id="49" name="Image 17" descr="/var/folders/ky/3gqyhkyd7k16pwqdw48v0k400000gn/T/icon-icon-6zfom86np-1767456286133.png">    </p:cNvPr>
+          <p:cNvPr id="49" name="Image 17" descr="/var/folders/1y/yzhkrds14j1gm67qjvlds8tm7vvy2b/T/icon-icon-hj01lo649-1767662390312.png">    </p:cNvPr>
           <p:cNvPicPr>
             <a:picLocks noChangeAspect="1"/>
           </p:cNvPicPr>
@@ -17613,7 +17613,7 @@
       </p:pic>
       <p:pic>
         <p:nvPicPr>
-          <p:cNvPr id="50" name="Image 18" descr="/var/folders/ky/3gqyhkyd7k16pwqdw48v0k400000gn/T/icon-icon-nuz3tlco8-1767456286207.png">    </p:cNvPr>
+          <p:cNvPr id="50" name="Image 18" descr="/var/folders/1y/yzhkrds14j1gm67qjvlds8tm7vvy2b/T/icon-icon-gq4cp6qhj-1767662390353.png">    </p:cNvPr>
           <p:cNvPicPr>
             <a:picLocks noChangeAspect="1"/>
           </p:cNvPicPr>
@@ -17637,7 +17637,7 @@
       </p:pic>
       <p:pic>
         <p:nvPicPr>
-          <p:cNvPr id="51" name="Image 19" descr="/var/folders/ky/3gqyhkyd7k16pwqdw48v0k400000gn/T/icon-icon-nuz3tlco8-1767456286264.png">    </p:cNvPr>
+          <p:cNvPr id="51" name="Image 19" descr="/var/folders/1y/yzhkrds14j1gm67qjvlds8tm7vvy2b/T/icon-icon-gq4cp6qhj-1767662390395.png">    </p:cNvPr>
           <p:cNvPicPr>
             <a:picLocks noChangeAspect="1"/>
           </p:cNvPicPr>
@@ -17661,7 +17661,7 @@
       </p:pic>
       <p:pic>
         <p:nvPicPr>
-          <p:cNvPr id="52" name="Image 20" descr="/var/folders/ky/3gqyhkyd7k16pwqdw48v0k400000gn/T/icon-icon-7ak5bpflt-1767456286316.png">    </p:cNvPr>
+          <p:cNvPr id="52" name="Image 20" descr="/var/folders/1y/yzhkrds14j1gm67qjvlds8tm7vvy2b/T/icon-icon-xlrnbwwfn-1767662390436.png">    </p:cNvPr>
           <p:cNvPicPr>
             <a:picLocks noChangeAspect="1"/>
           </p:cNvPicPr>
@@ -17685,7 +17685,7 @@
       </p:pic>
       <p:pic>
         <p:nvPicPr>
-          <p:cNvPr id="53" name="Image 21" descr="/var/folders/ky/3gqyhkyd7k16pwqdw48v0k400000gn/T/icon-icon-7ak5bpflt-1767456286381.png">    </p:cNvPr>
+          <p:cNvPr id="53" name="Image 21" descr="/var/folders/1y/yzhkrds14j1gm67qjvlds8tm7vvy2b/T/icon-icon-xlrnbwwfn-1767662390470.png">    </p:cNvPr>
           <p:cNvPicPr>
             <a:picLocks noChangeAspect="1"/>
           </p:cNvPicPr>
@@ -17709,7 +17709,7 @@
       </p:pic>
       <p:pic>
         <p:nvPicPr>
-          <p:cNvPr id="54" name="Image 22" descr="/var/folders/ky/3gqyhkyd7k16pwqdw48v0k400000gn/T/icon-icon-4spesjwpj-1767456286432.png">    </p:cNvPr>
+          <p:cNvPr id="54" name="Image 22" descr="/var/folders/1y/yzhkrds14j1gm67qjvlds8tm7vvy2b/T/icon-icon-802i7e2fc-1767662390511.png">    </p:cNvPr>
           <p:cNvPicPr>
             <a:picLocks noChangeAspect="1"/>
           </p:cNvPicPr>
@@ -17733,7 +17733,7 @@
       </p:pic>
       <p:pic>
         <p:nvPicPr>
-          <p:cNvPr id="55" name="Image 23" descr="/var/folders/ky/3gqyhkyd7k16pwqdw48v0k400000gn/T/icon-icon-4spesjwpj-1767456286506.png">    </p:cNvPr>
+          <p:cNvPr id="55" name="Image 23" descr="/var/folders/1y/yzhkrds14j1gm67qjvlds8tm7vvy2b/T/icon-icon-802i7e2fc-1767662390542.png">    </p:cNvPr>
           <p:cNvPicPr>
             <a:picLocks noChangeAspect="1"/>
           </p:cNvPicPr>
@@ -17757,7 +17757,7 @@
       </p:pic>
       <p:pic>
         <p:nvPicPr>
-          <p:cNvPr id="56" name="Image 24" descr="/var/folders/ky/3gqyhkyd7k16pwqdw48v0k400000gn/T/icon-icon-4rps8n7e4-1767456286564.png">    </p:cNvPr>
+          <p:cNvPr id="56" name="Image 24" descr="/var/folders/1y/yzhkrds14j1gm67qjvlds8tm7vvy2b/T/icon-icon-x5ck77fbi-1767662390577.png">    </p:cNvPr>
           <p:cNvPicPr>
             <a:picLocks noChangeAspect="1"/>
           </p:cNvPicPr>
@@ -17781,7 +17781,7 @@
       </p:pic>
       <p:pic>
         <p:nvPicPr>
-          <p:cNvPr id="57" name="Image 25" descr="/var/folders/ky/3gqyhkyd7k16pwqdw48v0k400000gn/T/icon-icon-4rps8n7e4-1767456286615.png">    </p:cNvPr>
+          <p:cNvPr id="57" name="Image 25" descr="/var/folders/1y/yzhkrds14j1gm67qjvlds8tm7vvy2b/T/icon-icon-x5ck77fbi-1767662390610.png">    </p:cNvPr>
           <p:cNvPicPr>
             <a:picLocks noChangeAspect="1"/>
           </p:cNvPicPr>
@@ -17805,7 +17805,7 @@
       </p:pic>
       <p:pic>
         <p:nvPicPr>
-          <p:cNvPr id="58" name="Image 26" descr="/var/folders/ky/3gqyhkyd7k16pwqdw48v0k400000gn/T/icon-icon-qww4lrzb6-1767456286679.png">    </p:cNvPr>
+          <p:cNvPr id="58" name="Image 26" descr="/var/folders/1y/yzhkrds14j1gm67qjvlds8tm7vvy2b/T/icon-icon-e41k5x05c-1767662390645.png">    </p:cNvPr>
           <p:cNvPicPr>
             <a:picLocks noChangeAspect="1"/>
           </p:cNvPicPr>
@@ -17829,7 +17829,7 @@
       </p:pic>
       <p:pic>
         <p:nvPicPr>
-          <p:cNvPr id="59" name="Image 27" descr="/var/folders/ky/3gqyhkyd7k16pwqdw48v0k400000gn/T/icon-icon-qww4lrzb6-1767456286735.png">    </p:cNvPr>
+          <p:cNvPr id="59" name="Image 27" descr="/var/folders/1y/yzhkrds14j1gm67qjvlds8tm7vvy2b/T/icon-icon-e41k5x05c-1767662390678.png">    </p:cNvPr>
           <p:cNvPicPr>
             <a:picLocks noChangeAspect="1"/>
           </p:cNvPicPr>
@@ -17853,7 +17853,7 @@
       </p:pic>
       <p:pic>
         <p:nvPicPr>
-          <p:cNvPr id="60" name="Image 28" descr="/var/folders/ky/3gqyhkyd7k16pwqdw48v0k400000gn/T/icon-icon-rckffxxbw-1767456286807.png">    </p:cNvPr>
+          <p:cNvPr id="60" name="Image 28" descr="/var/folders/1y/yzhkrds14j1gm67qjvlds8tm7vvy2b/T/icon-icon-nqvm1385j-1767662390712.png">    </p:cNvPr>
           <p:cNvPicPr>
             <a:picLocks noChangeAspect="1"/>
           </p:cNvPicPr>
@@ -17877,7 +17877,7 @@
       </p:pic>
       <p:pic>
         <p:nvPicPr>
-          <p:cNvPr id="61" name="Image 29" descr="/var/folders/ky/3gqyhkyd7k16pwqdw48v0k400000gn/T/icon-icon-rckffxxbw-1767456286863.png">    </p:cNvPr>
+          <p:cNvPr id="61" name="Image 29" descr="/var/folders/1y/yzhkrds14j1gm67qjvlds8tm7vvy2b/T/icon-icon-nqvm1385j-1767662390751.png">    </p:cNvPr>
           <p:cNvPicPr>
             <a:picLocks noChangeAspect="1"/>
           </p:cNvPicPr>
@@ -17901,7 +17901,7 @@
       </p:pic>
       <p:pic>
         <p:nvPicPr>
-          <p:cNvPr id="62" name="Image 30" descr="/var/folders/ky/3gqyhkyd7k16pwqdw48v0k400000gn/T/icon-icon-uz4dj41lw-1767456286916.png">    </p:cNvPr>
+          <p:cNvPr id="62" name="Image 30" descr="/var/folders/1y/yzhkrds14j1gm67qjvlds8tm7vvy2b/T/icon-icon-nj87i1ydu-1767662390786.png">    </p:cNvPr>
           <p:cNvPicPr>
             <a:picLocks noChangeAspect="1"/>
           </p:cNvPicPr>
@@ -17925,7 +17925,7 @@
       </p:pic>
       <p:pic>
         <p:nvPicPr>
-          <p:cNvPr id="63" name="Image 31" descr="/var/folders/ky/3gqyhkyd7k16pwqdw48v0k400000gn/T/icon-icon-uz4dj41lw-1767456286981.png">    </p:cNvPr>
+          <p:cNvPr id="63" name="Image 31" descr="/var/folders/1y/yzhkrds14j1gm67qjvlds8tm7vvy2b/T/icon-icon-nj87i1ydu-1767662390818.png">    </p:cNvPr>
           <p:cNvPicPr>
             <a:picLocks noChangeAspect="1"/>
           </p:cNvPicPr>
@@ -17949,7 +17949,7 @@
       </p:pic>
       <p:pic>
         <p:nvPicPr>
-          <p:cNvPr id="64" name="Image 32" descr="/var/folders/ky/3gqyhkyd7k16pwqdw48v0k400000gn/T/icon-icon-v61svvayq-1767456287032.png">    </p:cNvPr>
+          <p:cNvPr id="64" name="Image 32" descr="/var/folders/1y/yzhkrds14j1gm67qjvlds8tm7vvy2b/T/icon-icon-xxp9zul13-1767662390853.png">    </p:cNvPr>
           <p:cNvPicPr>
             <a:picLocks noChangeAspect="1"/>
           </p:cNvPicPr>
@@ -17973,7 +17973,7 @@
       </p:pic>
       <p:pic>
         <p:nvPicPr>
-          <p:cNvPr id="65" name="Image 33" descr="/var/folders/ky/3gqyhkyd7k16pwqdw48v0k400000gn/T/icon-icon-v61svvayq-1767456287106.png">    </p:cNvPr>
+          <p:cNvPr id="65" name="Image 33" descr="/var/folders/1y/yzhkrds14j1gm67qjvlds8tm7vvy2b/T/icon-icon-xxp9zul13-1767662390886.png">    </p:cNvPr>
           <p:cNvPicPr>
             <a:picLocks noChangeAspect="1"/>
           </p:cNvPicPr>
@@ -17997,7 +17997,7 @@
       </p:pic>
       <p:pic>
         <p:nvPicPr>
-          <p:cNvPr id="66" name="Image 34" descr="/var/folders/ky/3gqyhkyd7k16pwqdw48v0k400000gn/T/icon-icon-zzr4frqw3-1767456287164.png">    </p:cNvPr>
+          <p:cNvPr id="66" name="Image 34" descr="/var/folders/1y/yzhkrds14j1gm67qjvlds8tm7vvy2b/T/icon-icon-0ob3ea0k2-1767662390919.png">    </p:cNvPr>
           <p:cNvPicPr>
             <a:picLocks noChangeAspect="1"/>
           </p:cNvPicPr>
@@ -18021,7 +18021,7 @@
       </p:pic>
       <p:pic>
         <p:nvPicPr>
-          <p:cNvPr id="67" name="Image 35" descr="/var/folders/ky/3gqyhkyd7k16pwqdw48v0k400000gn/T/icon-icon-zzr4frqw3-1767456287217.png">    </p:cNvPr>
+          <p:cNvPr id="67" name="Image 35" descr="/var/folders/1y/yzhkrds14j1gm67qjvlds8tm7vvy2b/T/icon-icon-0ob3ea0k2-1767662390953.png">    </p:cNvPr>
           <p:cNvPicPr>
             <a:picLocks noChangeAspect="1"/>
           </p:cNvPicPr>
@@ -18045,7 +18045,7 @@
       </p:pic>
       <p:pic>
         <p:nvPicPr>
-          <p:cNvPr id="68" name="Image 36" descr="/var/folders/ky/3gqyhkyd7k16pwqdw48v0k400000gn/T/icon-icon-4lid4siip-1767456287282.png">    </p:cNvPr>
+          <p:cNvPr id="68" name="Image 36" descr="/var/folders/1y/yzhkrds14j1gm67qjvlds8tm7vvy2b/T/icon-icon-kasbhogq6-1767662390987.png">    </p:cNvPr>
           <p:cNvPicPr>
             <a:picLocks noChangeAspect="1"/>
           </p:cNvPicPr>
@@ -18069,7 +18069,7 @@
       </p:pic>
       <p:pic>
         <p:nvPicPr>
-          <p:cNvPr id="69" name="Image 37" descr="/var/folders/ky/3gqyhkyd7k16pwqdw48v0k400000gn/T/icon-icon-4lid4siip-1767456287333.png">    </p:cNvPr>
+          <p:cNvPr id="69" name="Image 37" descr="/var/folders/1y/yzhkrds14j1gm67qjvlds8tm7vvy2b/T/icon-icon-kasbhogq6-1767662391028.png">    </p:cNvPr>
           <p:cNvPicPr>
             <a:picLocks noChangeAspect="1"/>
           </p:cNvPicPr>
@@ -18093,7 +18093,7 @@
       </p:pic>
       <p:pic>
         <p:nvPicPr>
-          <p:cNvPr id="70" name="Image 38" descr="/var/folders/ky/3gqyhkyd7k16pwqdw48v0k400000gn/T/icon-icon-mxp3n4e49-1767456287409.png">    </p:cNvPr>
+          <p:cNvPr id="70" name="Image 38" descr="/var/folders/1y/yzhkrds14j1gm67qjvlds8tm7vvy2b/T/icon-icon-v341w9dh3-1767662391061.png">    </p:cNvPr>
           <p:cNvPicPr>
             <a:picLocks noChangeAspect="1"/>
           </p:cNvPicPr>
@@ -18117,7 +18117,7 @@
       </p:pic>
       <p:pic>
         <p:nvPicPr>
-          <p:cNvPr id="71" name="Image 39" descr="/var/folders/ky/3gqyhkyd7k16pwqdw48v0k400000gn/T/icon-icon-mxp3n4e49-1767456287460.png">    </p:cNvPr>
+          <p:cNvPr id="71" name="Image 39" descr="/var/folders/1y/yzhkrds14j1gm67qjvlds8tm7vvy2b/T/icon-icon-v341w9dh3-1767662391094.png">    </p:cNvPr>
           <p:cNvPicPr>
             <a:picLocks noChangeAspect="1"/>
           </p:cNvPicPr>

--- a/test2_output.pptx
+++ b/test2_output.pptx
@@ -2235,7 +2235,7 @@
       </p:sp>
       <p:pic>
         <p:nvPicPr>
-          <p:cNvPr id="12" name="Image 1" descr="/var/folders/1y/yzhkrds14j1gm67qjvlds8tm7vvy2b/T/icon-bg-4vg7ux6mb-1767662372497.png">    </p:cNvPr>
+          <p:cNvPr id="12" name="Image 1" descr="/var/folders/1y/yzhkrds14j1gm67qjvlds8tm7vvy2b/T/icon-bg-c50fli3wy-1767663812312.png">    </p:cNvPr>
           <p:cNvPicPr>
             <a:picLocks noChangeAspect="1"/>
           </p:cNvPicPr>
@@ -2259,7 +2259,7 @@
       </p:pic>
       <p:pic>
         <p:nvPicPr>
-          <p:cNvPr id="13" name="Image 2" descr="/var/folders/1y/yzhkrds14j1gm67qjvlds8tm7vvy2b/T/icon-icon-88s27kop0-1767662372657.png">    </p:cNvPr>
+          <p:cNvPr id="13" name="Image 2" descr="/var/folders/1y/yzhkrds14j1gm67qjvlds8tm7vvy2b/T/icon-icon-ouaj0wnuj-1767663812476.png">    </p:cNvPr>
           <p:cNvPicPr>
             <a:picLocks noChangeAspect="1"/>
           </p:cNvPicPr>
@@ -2283,7 +2283,7 @@
       </p:pic>
       <p:pic>
         <p:nvPicPr>
-          <p:cNvPr id="14" name="Image 3" descr="/var/folders/1y/yzhkrds14j1gm67qjvlds8tm7vvy2b/T/icon-icon-g9i14kyea-1767662372694.png">    </p:cNvPr>
+          <p:cNvPr id="14" name="Image 3" descr="/var/folders/1y/yzhkrds14j1gm67qjvlds8tm7vvy2b/T/icon-icon-pvqkmehbe-1767663812511.png">    </p:cNvPr>
           <p:cNvPicPr>
             <a:picLocks noChangeAspect="1"/>
           </p:cNvPicPr>
@@ -3296,7 +3296,7 @@
       </p:sp>
       <p:pic>
         <p:nvPicPr>
-          <p:cNvPr id="25" name="Image 0" descr="/var/folders/1y/yzhkrds14j1gm67qjvlds8tm7vvy2b/T/icon-icon-fmhqmqvy1-1767662393042.png">    </p:cNvPr>
+          <p:cNvPr id="25" name="Image 0" descr="/var/folders/1y/yzhkrds14j1gm67qjvlds8tm7vvy2b/T/icon-icon-xikgeg9xt-1767663832494.png">    </p:cNvPr>
           <p:cNvPicPr>
             <a:picLocks noChangeAspect="1"/>
           </p:cNvPicPr>
@@ -3320,7 +3320,7 @@
       </p:pic>
       <p:pic>
         <p:nvPicPr>
-          <p:cNvPr id="26" name="Image 1" descr="/var/folders/1y/yzhkrds14j1gm67qjvlds8tm7vvy2b/T/icon-icon-fo6nwavkk-1767662393086.png">    </p:cNvPr>
+          <p:cNvPr id="26" name="Image 1" descr="/var/folders/1y/yzhkrds14j1gm67qjvlds8tm7vvy2b/T/icon-icon-o9yhi4fye-1767663832536.png">    </p:cNvPr>
           <p:cNvPicPr>
             <a:picLocks noChangeAspect="1"/>
           </p:cNvPicPr>
@@ -3344,7 +3344,7 @@
       </p:pic>
       <p:pic>
         <p:nvPicPr>
-          <p:cNvPr id="27" name="Image 2" descr="/var/folders/1y/yzhkrds14j1gm67qjvlds8tm7vvy2b/T/icon-icon-7puf6cw6t-1767662393122.png">    </p:cNvPr>
+          <p:cNvPr id="27" name="Image 2" descr="/var/folders/1y/yzhkrds14j1gm67qjvlds8tm7vvy2b/T/icon-icon-8yr59yhtc-1767663832568.png">    </p:cNvPr>
           <p:cNvPicPr>
             <a:picLocks noChangeAspect="1"/>
           </p:cNvPicPr>
@@ -3368,7 +3368,7 @@
       </p:pic>
       <p:pic>
         <p:nvPicPr>
-          <p:cNvPr id="28" name="Image 3" descr="/var/folders/1y/yzhkrds14j1gm67qjvlds8tm7vvy2b/T/icon-icon-hox087a39-1767662393161.png">    </p:cNvPr>
+          <p:cNvPr id="28" name="Image 3" descr="/var/folders/1y/yzhkrds14j1gm67qjvlds8tm7vvy2b/T/icon-icon-fb84jibaw-1767663832601.png">    </p:cNvPr>
           <p:cNvPicPr>
             <a:picLocks noChangeAspect="1"/>
           </p:cNvPicPr>
@@ -3392,7 +3392,7 @@
       </p:pic>
       <p:pic>
         <p:nvPicPr>
-          <p:cNvPr id="29" name="Image 4" descr="/var/folders/1y/yzhkrds14j1gm67qjvlds8tm7vvy2b/T/icon-icon-ka2nqo70w-1767662393193.png">    </p:cNvPr>
+          <p:cNvPr id="29" name="Image 4" descr="/var/folders/1y/yzhkrds14j1gm67qjvlds8tm7vvy2b/T/icon-icon-vkupwsvwu-1767663832634.png">    </p:cNvPr>
           <p:cNvPicPr>
             <a:picLocks noChangeAspect="1"/>
           </p:cNvPicPr>
@@ -3416,7 +3416,7 @@
       </p:pic>
       <p:pic>
         <p:nvPicPr>
-          <p:cNvPr id="30" name="Image 5" descr="/var/folders/1y/yzhkrds14j1gm67qjvlds8tm7vvy2b/T/icon-icon-3z169hq25-1767662393228.png">    </p:cNvPr>
+          <p:cNvPr id="30" name="Image 5" descr="/var/folders/1y/yzhkrds14j1gm67qjvlds8tm7vvy2b/T/icon-icon-r4q2d57di-1767663832668.png">    </p:cNvPr>
           <p:cNvPicPr>
             <a:picLocks noChangeAspect="1"/>
           </p:cNvPicPr>
@@ -3440,7 +3440,7 @@
       </p:pic>
       <p:pic>
         <p:nvPicPr>
-          <p:cNvPr id="31" name="Image 6" descr="/var/folders/1y/yzhkrds14j1gm67qjvlds8tm7vvy2b/T/icon-icon-b3oq6ok97-1767662393261.png">    </p:cNvPr>
+          <p:cNvPr id="31" name="Image 6" descr="/var/folders/1y/yzhkrds14j1gm67qjvlds8tm7vvy2b/T/icon-icon-4t7rlgly3-1767663832701.png">    </p:cNvPr>
           <p:cNvPicPr>
             <a:picLocks noChangeAspect="1"/>
           </p:cNvPicPr>
@@ -3464,7 +3464,7 @@
       </p:pic>
       <p:pic>
         <p:nvPicPr>
-          <p:cNvPr id="32" name="Image 7" descr="/var/folders/1y/yzhkrds14j1gm67qjvlds8tm7vvy2b/T/icon-icon-3z169hq25-1767662393292.png">    </p:cNvPr>
+          <p:cNvPr id="32" name="Image 7" descr="/var/folders/1y/yzhkrds14j1gm67qjvlds8tm7vvy2b/T/icon-icon-r4q2d57di-1767663832734.png">    </p:cNvPr>
           <p:cNvPicPr>
             <a:picLocks noChangeAspect="1"/>
           </p:cNvPicPr>
@@ -3488,7 +3488,7 @@
       </p:pic>
       <p:pic>
         <p:nvPicPr>
-          <p:cNvPr id="33" name="Image 8" descr="/var/folders/1y/yzhkrds14j1gm67qjvlds8tm7vvy2b/T/icon-icon-b3oq6ok97-1767662393326.png">    </p:cNvPr>
+          <p:cNvPr id="33" name="Image 8" descr="/var/folders/1y/yzhkrds14j1gm67qjvlds8tm7vvy2b/T/icon-icon-4t7rlgly3-1767663832768.png">    </p:cNvPr>
           <p:cNvPicPr>
             <a:picLocks noChangeAspect="1"/>
           </p:cNvPicPr>
@@ -4421,7 +4421,7 @@
       </p:sp>
       <p:pic>
         <p:nvPicPr>
-          <p:cNvPr id="23" name="Image 0" descr="/var/folders/1y/yzhkrds14j1gm67qjvlds8tm7vvy2b/T/icon-icon-bz3yhu5vw-1767662395199.png">    </p:cNvPr>
+          <p:cNvPr id="23" name="Image 0" descr="/var/folders/1y/yzhkrds14j1gm67qjvlds8tm7vvy2b/T/icon-icon-iwezqpf9l-1767663834654.png">    </p:cNvPr>
           <p:cNvPicPr>
             <a:picLocks noChangeAspect="1"/>
           </p:cNvPicPr>
@@ -4445,7 +4445,7 @@
       </p:pic>
       <p:pic>
         <p:nvPicPr>
-          <p:cNvPr id="24" name="Image 1" descr="/var/folders/1y/yzhkrds14j1gm67qjvlds8tm7vvy2b/T/icon-icon-fji8ovvzj-1767662395244.png">    </p:cNvPr>
+          <p:cNvPr id="24" name="Image 1" descr="/var/folders/1y/yzhkrds14j1gm67qjvlds8tm7vvy2b/T/icon-icon-gg1saqrln-1767663834703.png">    </p:cNvPr>
           <p:cNvPicPr>
             <a:picLocks noChangeAspect="1"/>
           </p:cNvPicPr>
@@ -4469,7 +4469,7 @@
       </p:pic>
       <p:pic>
         <p:nvPicPr>
-          <p:cNvPr id="25" name="Image 2" descr="/var/folders/1y/yzhkrds14j1gm67qjvlds8tm7vvy2b/T/icon-icon-myqvec2n6-1767662395277.png">    </p:cNvPr>
+          <p:cNvPr id="25" name="Image 2" descr="/var/folders/1y/yzhkrds14j1gm67qjvlds8tm7vvy2b/T/icon-icon-1s5f63i6b-1767663834736.png">    </p:cNvPr>
           <p:cNvPicPr>
             <a:picLocks noChangeAspect="1"/>
           </p:cNvPicPr>
@@ -4493,7 +4493,7 @@
       </p:pic>
       <p:pic>
         <p:nvPicPr>
-          <p:cNvPr id="26" name="Image 3" descr="/var/folders/1y/yzhkrds14j1gm67qjvlds8tm7vvy2b/T/icon-icon-e21ctq6z4-1767662395310.png">    </p:cNvPr>
+          <p:cNvPr id="26" name="Image 3" descr="/var/folders/1y/yzhkrds14j1gm67qjvlds8tm7vvy2b/T/icon-icon-l12lmb8rk-1767663834769.png">    </p:cNvPr>
           <p:cNvPicPr>
             <a:picLocks noChangeAspect="1"/>
           </p:cNvPicPr>
@@ -4517,7 +4517,7 @@
       </p:pic>
       <p:pic>
         <p:nvPicPr>
-          <p:cNvPr id="27" name="Image 4" descr="/var/folders/1y/yzhkrds14j1gm67qjvlds8tm7vvy2b/T/icon-icon-htkg5a0yd-1767662395342.png">    </p:cNvPr>
+          <p:cNvPr id="27" name="Image 4" descr="/var/folders/1y/yzhkrds14j1gm67qjvlds8tm7vvy2b/T/icon-icon-r9opmmakd-1767663834801.png">    </p:cNvPr>
           <p:cNvPicPr>
             <a:picLocks noChangeAspect="1"/>
           </p:cNvPicPr>
@@ -4541,7 +4541,7 @@
       </p:pic>
       <p:pic>
         <p:nvPicPr>
-          <p:cNvPr id="28" name="Image 5" descr="/var/folders/1y/yzhkrds14j1gm67qjvlds8tm7vvy2b/T/icon-icon-e21ctq6z4-1767662395376.png">    </p:cNvPr>
+          <p:cNvPr id="28" name="Image 5" descr="/var/folders/1y/yzhkrds14j1gm67qjvlds8tm7vvy2b/T/icon-icon-l12lmb8rk-1767663834834.png">    </p:cNvPr>
           <p:cNvPicPr>
             <a:picLocks noChangeAspect="1"/>
           </p:cNvPicPr>
@@ -4565,7 +4565,7 @@
       </p:pic>
       <p:pic>
         <p:nvPicPr>
-          <p:cNvPr id="29" name="Image 6" descr="/var/folders/1y/yzhkrds14j1gm67qjvlds8tm7vvy2b/T/icon-icon-htkg5a0yd-1767662395411.png">    </p:cNvPr>
+          <p:cNvPr id="29" name="Image 6" descr="/var/folders/1y/yzhkrds14j1gm67qjvlds8tm7vvy2b/T/icon-icon-r9opmmakd-1767663834869.png">    </p:cNvPr>
           <p:cNvPicPr>
             <a:picLocks noChangeAspect="1"/>
           </p:cNvPicPr>
@@ -5868,7 +5868,7 @@
       </p:sp>
       <p:pic>
         <p:nvPicPr>
-          <p:cNvPr id="31" name="Image 0" descr="/var/folders/1y/yzhkrds14j1gm67qjvlds8tm7vvy2b/T/icon-icon-jq06x3btm-1767662397279.png">    </p:cNvPr>
+          <p:cNvPr id="31" name="Image 0" descr="/var/folders/1y/yzhkrds14j1gm67qjvlds8tm7vvy2b/T/icon-icon-2vqfal8g9-1767663836834.png">    </p:cNvPr>
           <p:cNvPicPr>
             <a:picLocks noChangeAspect="1"/>
           </p:cNvPicPr>
@@ -5892,7 +5892,7 @@
       </p:pic>
       <p:pic>
         <p:nvPicPr>
-          <p:cNvPr id="32" name="Image 1" descr="/var/folders/1y/yzhkrds14j1gm67qjvlds8tm7vvy2b/T/icon-icon-yvzrci78b-1767662397320.png">    </p:cNvPr>
+          <p:cNvPr id="32" name="Image 1" descr="/var/folders/1y/yzhkrds14j1gm67qjvlds8tm7vvy2b/T/icon-icon-uymcpbyp6-1767663836877.png">    </p:cNvPr>
           <p:cNvPicPr>
             <a:picLocks noChangeAspect="1"/>
           </p:cNvPicPr>
@@ -5916,7 +5916,7 @@
       </p:pic>
       <p:pic>
         <p:nvPicPr>
-          <p:cNvPr id="33" name="Image 2" descr="/var/folders/1y/yzhkrds14j1gm67qjvlds8tm7vvy2b/T/icon-icon-1t4s3muqo-1767662397353.png">    </p:cNvPr>
+          <p:cNvPr id="33" name="Image 2" descr="/var/folders/1y/yzhkrds14j1gm67qjvlds8tm7vvy2b/T/icon-icon-3biyafx9j-1767663836910.png">    </p:cNvPr>
           <p:cNvPicPr>
             <a:picLocks noChangeAspect="1"/>
           </p:cNvPicPr>
@@ -5940,7 +5940,7 @@
       </p:pic>
       <p:pic>
         <p:nvPicPr>
-          <p:cNvPr id="34" name="Image 3" descr="/var/folders/1y/yzhkrds14j1gm67qjvlds8tm7vvy2b/T/icon-icon-1t4s3muqo-1767662397384.png">    </p:cNvPr>
+          <p:cNvPr id="34" name="Image 3" descr="/var/folders/1y/yzhkrds14j1gm67qjvlds8tm7vvy2b/T/icon-icon-3biyafx9j-1767663836944.png">    </p:cNvPr>
           <p:cNvPicPr>
             <a:picLocks noChangeAspect="1"/>
           </p:cNvPicPr>
@@ -5964,7 +5964,7 @@
       </p:pic>
       <p:pic>
         <p:nvPicPr>
-          <p:cNvPr id="35" name="Image 4" descr="/var/folders/1y/yzhkrds14j1gm67qjvlds8tm7vvy2b/T/icon-icon-ge5yd0voe-1767662397418.png">    </p:cNvPr>
+          <p:cNvPr id="35" name="Image 4" descr="/var/folders/1y/yzhkrds14j1gm67qjvlds8tm7vvy2b/T/icon-icon-yk0w2own0-1767663836977.png">    </p:cNvPr>
           <p:cNvPicPr>
             <a:picLocks noChangeAspect="1"/>
           </p:cNvPicPr>
@@ -5988,7 +5988,7 @@
       </p:pic>
       <p:pic>
         <p:nvPicPr>
-          <p:cNvPr id="36" name="Image 5" descr="/var/folders/1y/yzhkrds14j1gm67qjvlds8tm7vvy2b/T/icon-icon-ge5yd0voe-1767662397451.png">    </p:cNvPr>
+          <p:cNvPr id="36" name="Image 5" descr="/var/folders/1y/yzhkrds14j1gm67qjvlds8tm7vvy2b/T/icon-icon-yk0w2own0-1767663837011.png">    </p:cNvPr>
           <p:cNvPicPr>
             <a:picLocks noChangeAspect="1"/>
           </p:cNvPicPr>
@@ -6012,7 +6012,7 @@
       </p:pic>
       <p:pic>
         <p:nvPicPr>
-          <p:cNvPr id="37" name="Image 6" descr="/var/folders/1y/yzhkrds14j1gm67qjvlds8tm7vvy2b/T/icon-icon-vmgp1l5mt-1767662397484.png">    </p:cNvPr>
+          <p:cNvPr id="37" name="Image 6" descr="/var/folders/1y/yzhkrds14j1gm67qjvlds8tm7vvy2b/T/icon-icon-8wyrxrm4d-1767663837044.png">    </p:cNvPr>
           <p:cNvPicPr>
             <a:picLocks noChangeAspect="1"/>
           </p:cNvPicPr>
@@ -6036,7 +6036,7 @@
       </p:pic>
       <p:pic>
         <p:nvPicPr>
-          <p:cNvPr id="38" name="Image 7" descr="/var/folders/1y/yzhkrds14j1gm67qjvlds8tm7vvy2b/T/icon-icon-lv2gw4d7v-1767662397519.png">    </p:cNvPr>
+          <p:cNvPr id="38" name="Image 7" descr="/var/folders/1y/yzhkrds14j1gm67qjvlds8tm7vvy2b/T/icon-icon-uyi7itgrm-1767663837076.png">    </p:cNvPr>
           <p:cNvPicPr>
             <a:picLocks noChangeAspect="1"/>
           </p:cNvPicPr>
@@ -6060,7 +6060,7 @@
       </p:pic>
       <p:pic>
         <p:nvPicPr>
-          <p:cNvPr id="39" name="Image 8" descr="/var/folders/1y/yzhkrds14j1gm67qjvlds8tm7vvy2b/T/icon-icon-dbxe5i7wv-1767662397551.png">    </p:cNvPr>
+          <p:cNvPr id="39" name="Image 8" descr="/var/folders/1y/yzhkrds14j1gm67qjvlds8tm7vvy2b/T/icon-icon-jv42dxcuv-1767663837109.png">    </p:cNvPr>
           <p:cNvPicPr>
             <a:picLocks noChangeAspect="1"/>
           </p:cNvPicPr>
@@ -6084,7 +6084,7 @@
       </p:pic>
       <p:pic>
         <p:nvPicPr>
-          <p:cNvPr id="40" name="Image 9" descr="/var/folders/1y/yzhkrds14j1gm67qjvlds8tm7vvy2b/T/icon-icon-2ninznksb-1767662397585.png">    </p:cNvPr>
+          <p:cNvPr id="40" name="Image 9" descr="/var/folders/1y/yzhkrds14j1gm67qjvlds8tm7vvy2b/T/icon-icon-b2gm2f8cz-1767663837145.png">    </p:cNvPr>
           <p:cNvPicPr>
             <a:picLocks noChangeAspect="1"/>
           </p:cNvPicPr>
@@ -6108,7 +6108,7 @@
       </p:pic>
       <p:pic>
         <p:nvPicPr>
-          <p:cNvPr id="41" name="Image 10" descr="/var/folders/1y/yzhkrds14j1gm67qjvlds8tm7vvy2b/T/icon-icon-2ninznksb-1767662397620.png">    </p:cNvPr>
+          <p:cNvPr id="41" name="Image 10" descr="/var/folders/1y/yzhkrds14j1gm67qjvlds8tm7vvy2b/T/icon-icon-b2gm2f8cz-1767663837178.png">    </p:cNvPr>
           <p:cNvPicPr>
             <a:picLocks noChangeAspect="1"/>
           </p:cNvPicPr>
@@ -6132,7 +6132,7 @@
       </p:pic>
       <p:pic>
         <p:nvPicPr>
-          <p:cNvPr id="42" name="Image 11" descr="/var/folders/1y/yzhkrds14j1gm67qjvlds8tm7vvy2b/T/icon-icon-wshkvrlp7-1767662397661.png">    </p:cNvPr>
+          <p:cNvPr id="42" name="Image 11" descr="/var/folders/1y/yzhkrds14j1gm67qjvlds8tm7vvy2b/T/icon-icon-jjhzkywu2-1767663837211.png">    </p:cNvPr>
           <p:cNvPicPr>
             <a:picLocks noChangeAspect="1"/>
           </p:cNvPicPr>
@@ -6156,7 +6156,7 @@
       </p:pic>
       <p:pic>
         <p:nvPicPr>
-          <p:cNvPr id="43" name="Image 12" descr="/var/folders/1y/yzhkrds14j1gm67qjvlds8tm7vvy2b/T/icon-icon-wshkvrlp7-1767662397702.png">    </p:cNvPr>
+          <p:cNvPr id="43" name="Image 12" descr="/var/folders/1y/yzhkrds14j1gm67qjvlds8tm7vvy2b/T/icon-icon-jjhzkywu2-1767663837245.png">    </p:cNvPr>
           <p:cNvPicPr>
             <a:picLocks noChangeAspect="1"/>
           </p:cNvPicPr>
@@ -6180,7 +6180,7 @@
       </p:pic>
       <p:pic>
         <p:nvPicPr>
-          <p:cNvPr id="44" name="Image 13" descr="/var/folders/1y/yzhkrds14j1gm67qjvlds8tm7vvy2b/T/icon-icon-duvkjj494-1767662397736.png">    </p:cNvPr>
+          <p:cNvPr id="44" name="Image 13" descr="/var/folders/1y/yzhkrds14j1gm67qjvlds8tm7vvy2b/T/icon-icon-mnxpygdnf-1767663837277.png">    </p:cNvPr>
           <p:cNvPicPr>
             <a:picLocks noChangeAspect="1"/>
           </p:cNvPicPr>
@@ -6204,7 +6204,7 @@
       </p:pic>
       <p:pic>
         <p:nvPicPr>
-          <p:cNvPr id="45" name="Image 14" descr="/var/folders/1y/yzhkrds14j1gm67qjvlds8tm7vvy2b/T/icon-icon-duvkjj494-1767662397776.png">    </p:cNvPr>
+          <p:cNvPr id="45" name="Image 14" descr="/var/folders/1y/yzhkrds14j1gm67qjvlds8tm7vvy2b/T/icon-icon-mnxpygdnf-1767663837311.png">    </p:cNvPr>
           <p:cNvPicPr>
             <a:picLocks noChangeAspect="1"/>
           </p:cNvPicPr>
@@ -6228,7 +6228,7 @@
       </p:pic>
       <p:pic>
         <p:nvPicPr>
-          <p:cNvPr id="46" name="Image 15" descr="/var/folders/1y/yzhkrds14j1gm67qjvlds8tm7vvy2b/T/icon-icon-rm53mle1t-1767662397812.png">    </p:cNvPr>
+          <p:cNvPr id="46" name="Image 15" descr="/var/folders/1y/yzhkrds14j1gm67qjvlds8tm7vvy2b/T/icon-icon-xp76pzj3t-1767663837344.png">    </p:cNvPr>
           <p:cNvPicPr>
             <a:picLocks noChangeAspect="1"/>
           </p:cNvPicPr>
@@ -6252,7 +6252,7 @@
       </p:pic>
       <p:pic>
         <p:nvPicPr>
-          <p:cNvPr id="47" name="Image 16" descr="/var/folders/1y/yzhkrds14j1gm67qjvlds8tm7vvy2b/T/icon-icon-rm53mle1t-1767662397853.png">    </p:cNvPr>
+          <p:cNvPr id="47" name="Image 16" descr="/var/folders/1y/yzhkrds14j1gm67qjvlds8tm7vvy2b/T/icon-icon-xp76pzj3t-1767663837386.png">    </p:cNvPr>
           <p:cNvPicPr>
             <a:picLocks noChangeAspect="1"/>
           </p:cNvPicPr>
@@ -7094,7 +7094,7 @@
       </p:sp>
       <p:pic>
         <p:nvPicPr>
-          <p:cNvPr id="23" name="Image 0" descr="/var/folders/1y/yzhkrds14j1gm67qjvlds8tm7vvy2b/T/icon-icon-bcv3dothl-1767662374889.png">    </p:cNvPr>
+          <p:cNvPr id="23" name="Image 0" descr="/var/folders/1y/yzhkrds14j1gm67qjvlds8tm7vvy2b/T/icon-icon-mfol73pfp-1767663814337.png">    </p:cNvPr>
           <p:cNvPicPr>
             <a:picLocks noChangeAspect="1"/>
           </p:cNvPicPr>
@@ -7118,7 +7118,7 @@
       </p:pic>
       <p:pic>
         <p:nvPicPr>
-          <p:cNvPr id="24" name="Image 1" descr="/var/folders/1y/yzhkrds14j1gm67qjvlds8tm7vvy2b/T/icon-icon-0zt17efc4-1767662374937.png">    </p:cNvPr>
+          <p:cNvPr id="24" name="Image 1" descr="/var/folders/1y/yzhkrds14j1gm67qjvlds8tm7vvy2b/T/icon-icon-rspdg49qk-1767663814379.png">    </p:cNvPr>
           <p:cNvPicPr>
             <a:picLocks noChangeAspect="1"/>
           </p:cNvPicPr>
@@ -7142,7 +7142,7 @@
       </p:pic>
       <p:pic>
         <p:nvPicPr>
-          <p:cNvPr id="25" name="Image 2" descr="/var/folders/1y/yzhkrds14j1gm67qjvlds8tm7vvy2b/T/icon-icon-bixoj07uh-1767662374968.png">    </p:cNvPr>
+          <p:cNvPr id="25" name="Image 2" descr="/var/folders/1y/yzhkrds14j1gm67qjvlds8tm7vvy2b/T/icon-icon-f1htk1msd-1767663814410.png">    </p:cNvPr>
           <p:cNvPicPr>
             <a:picLocks noChangeAspect="1"/>
           </p:cNvPicPr>
@@ -7166,7 +7166,7 @@
       </p:pic>
       <p:pic>
         <p:nvPicPr>
-          <p:cNvPr id="26" name="Image 3" descr="/var/folders/1y/yzhkrds14j1gm67qjvlds8tm7vvy2b/T/icon-icon-ua88x4kyw-1767662375003.png">    </p:cNvPr>
+          <p:cNvPr id="26" name="Image 3" descr="/var/folders/1y/yzhkrds14j1gm67qjvlds8tm7vvy2b/T/icon-icon-8bpk0dhoe-1767663814445.png">    </p:cNvPr>
           <p:cNvPicPr>
             <a:picLocks noChangeAspect="1"/>
           </p:cNvPicPr>
@@ -7190,7 +7190,7 @@
       </p:pic>
       <p:pic>
         <p:nvPicPr>
-          <p:cNvPr id="27" name="Image 4" descr="/var/folders/1y/yzhkrds14j1gm67qjvlds8tm7vvy2b/T/icon-icon-ua88x4kyw-1767662375036.png">    </p:cNvPr>
+          <p:cNvPr id="27" name="Image 4" descr="/var/folders/1y/yzhkrds14j1gm67qjvlds8tm7vvy2b/T/icon-icon-8bpk0dhoe-1767663814485.png">    </p:cNvPr>
           <p:cNvPicPr>
             <a:picLocks noChangeAspect="1"/>
           </p:cNvPicPr>
@@ -8410,7 +8410,7 @@
       </p:sp>
       <p:pic>
         <p:nvPicPr>
-          <p:cNvPr id="32" name="Image 0" descr="/var/folders/1y/yzhkrds14j1gm67qjvlds8tm7vvy2b/T/icon-icon-7701iu6mx-1767662376853.png">    </p:cNvPr>
+          <p:cNvPr id="32" name="Image 0" descr="/var/folders/1y/yzhkrds14j1gm67qjvlds8tm7vvy2b/T/icon-icon-8p2e6d1zv-1767663816362.png">    </p:cNvPr>
           <p:cNvPicPr>
             <a:picLocks noChangeAspect="1"/>
           </p:cNvPicPr>
@@ -8434,7 +8434,7 @@
       </p:pic>
       <p:pic>
         <p:nvPicPr>
-          <p:cNvPr id="33" name="Image 1" descr="/var/folders/1y/yzhkrds14j1gm67qjvlds8tm7vvy2b/T/icon-icon-aya7f3qsg-1767662376901.png">    </p:cNvPr>
+          <p:cNvPr id="33" name="Image 1" descr="/var/folders/1y/yzhkrds14j1gm67qjvlds8tm7vvy2b/T/icon-icon-wh1e0ekjb-1767663816402.png">    </p:cNvPr>
           <p:cNvPicPr>
             <a:picLocks noChangeAspect="1"/>
           </p:cNvPicPr>
@@ -8458,7 +8458,7 @@
       </p:pic>
       <p:pic>
         <p:nvPicPr>
-          <p:cNvPr id="34" name="Image 2" descr="/var/folders/1y/yzhkrds14j1gm67qjvlds8tm7vvy2b/T/icon-icon-0i0lu0chb-1767662376934.png">    </p:cNvPr>
+          <p:cNvPr id="34" name="Image 2" descr="/var/folders/1y/yzhkrds14j1gm67qjvlds8tm7vvy2b/T/icon-icon-rcie3v039-1767663816435.png">    </p:cNvPr>
           <p:cNvPicPr>
             <a:picLocks noChangeAspect="1"/>
           </p:cNvPicPr>
@@ -8482,7 +8482,7 @@
       </p:pic>
       <p:pic>
         <p:nvPicPr>
-          <p:cNvPr id="35" name="Image 3" descr="/var/folders/1y/yzhkrds14j1gm67qjvlds8tm7vvy2b/T/icon-icon-mz0sv7yev-1767662376968.png">    </p:cNvPr>
+          <p:cNvPr id="35" name="Image 3" descr="/var/folders/1y/yzhkrds14j1gm67qjvlds8tm7vvy2b/T/icon-icon-poza6m8hj-1767663816468.png">    </p:cNvPr>
           <p:cNvPicPr>
             <a:picLocks noChangeAspect="1"/>
           </p:cNvPicPr>
@@ -9448,7 +9448,7 @@
       </p:sp>
       <p:pic>
         <p:nvPicPr>
-          <p:cNvPr id="27" name="Image 0" descr="/var/folders/1y/yzhkrds14j1gm67qjvlds8tm7vvy2b/T/icon-icon-4e77jn539-1767662378792.png">    </p:cNvPr>
+          <p:cNvPr id="27" name="Image 0" descr="/var/folders/1y/yzhkrds14j1gm67qjvlds8tm7vvy2b/T/icon-icon-n0l3ubcvs-1767663818308.png">    </p:cNvPr>
           <p:cNvPicPr>
             <a:picLocks noChangeAspect="1"/>
           </p:cNvPicPr>
@@ -9472,7 +9472,7 @@
       </p:pic>
       <p:pic>
         <p:nvPicPr>
-          <p:cNvPr id="28" name="Image 1" descr="/var/folders/1y/yzhkrds14j1gm67qjvlds8tm7vvy2b/T/icon-icon-nb0lsowtt-1767662378836.png">    </p:cNvPr>
+          <p:cNvPr id="28" name="Image 1" descr="/var/folders/1y/yzhkrds14j1gm67qjvlds8tm7vvy2b/T/icon-icon-1lmi6k4fs-1767663818353.png">    </p:cNvPr>
           <p:cNvPicPr>
             <a:picLocks noChangeAspect="1"/>
           </p:cNvPicPr>
@@ -9496,7 +9496,7 @@
       </p:pic>
       <p:pic>
         <p:nvPicPr>
-          <p:cNvPr id="29" name="Image 2" descr="/var/folders/1y/yzhkrds14j1gm67qjvlds8tm7vvy2b/T/icon-icon-7izkf7mqt-1767662378869.png">    </p:cNvPr>
+          <p:cNvPr id="29" name="Image 2" descr="/var/folders/1y/yzhkrds14j1gm67qjvlds8tm7vvy2b/T/icon-icon-rq8bffcib-1767663818386.png">    </p:cNvPr>
           <p:cNvPicPr>
             <a:picLocks noChangeAspect="1"/>
           </p:cNvPicPr>
@@ -9520,7 +9520,7 @@
       </p:pic>
       <p:pic>
         <p:nvPicPr>
-          <p:cNvPr id="30" name="Image 3" descr="/var/folders/1y/yzhkrds14j1gm67qjvlds8tm7vvy2b/T/icon-icon-8feufv6ey-1767662378903.png">    </p:cNvPr>
+          <p:cNvPr id="30" name="Image 3" descr="/var/folders/1y/yzhkrds14j1gm67qjvlds8tm7vvy2b/T/icon-icon-6vcijxy5k-1767663818420.png">    </p:cNvPr>
           <p:cNvPicPr>
             <a:picLocks noChangeAspect="1"/>
           </p:cNvPicPr>
@@ -10298,7 +10298,7 @@
       </p:sp>
       <p:pic>
         <p:nvPicPr>
-          <p:cNvPr id="22" name="Image 1" descr="/var/folders/1y/yzhkrds14j1gm67qjvlds8tm7vvy2b/T/icon-icon-7va9vvsug-1767662380705.png">    </p:cNvPr>
+          <p:cNvPr id="22" name="Image 1" descr="/var/folders/1y/yzhkrds14j1gm67qjvlds8tm7vvy2b/T/icon-icon-9ao90q44e-1767663820258.png">    </p:cNvPr>
           <p:cNvPicPr>
             <a:picLocks noChangeAspect="1"/>
           </p:cNvPicPr>
@@ -10322,7 +10322,7 @@
       </p:pic>
       <p:pic>
         <p:nvPicPr>
-          <p:cNvPr id="23" name="Image 2" descr="/var/folders/1y/yzhkrds14j1gm67qjvlds8tm7vvy2b/T/icon-icon-ai8ina1a4-1767662380753.png">    </p:cNvPr>
+          <p:cNvPr id="23" name="Image 2" descr="/var/folders/1y/yzhkrds14j1gm67qjvlds8tm7vvy2b/T/icon-icon-va4tkglsk-1767663820302.png">    </p:cNvPr>
           <p:cNvPicPr>
             <a:picLocks noChangeAspect="1"/>
           </p:cNvPicPr>
@@ -10346,7 +10346,7 @@
       </p:pic>
       <p:pic>
         <p:nvPicPr>
-          <p:cNvPr id="24" name="Image 3" descr="/var/folders/1y/yzhkrds14j1gm67qjvlds8tm7vvy2b/T/icon-icon-6uwhyr2fg-1767662380784.png">    </p:cNvPr>
+          <p:cNvPr id="24" name="Image 3" descr="/var/folders/1y/yzhkrds14j1gm67qjvlds8tm7vvy2b/T/icon-icon-r4v4ds9hb-1767663820335.png">    </p:cNvPr>
           <p:cNvPicPr>
             <a:picLocks noChangeAspect="1"/>
           </p:cNvPicPr>
@@ -11468,7 +11468,7 @@
       </p:sp>
       <p:pic>
         <p:nvPicPr>
-          <p:cNvPr id="29" name="Image 0" descr="/var/folders/1y/yzhkrds14j1gm67qjvlds8tm7vvy2b/T/icon-icon-ybgs84wdi-1767662382628.png">    </p:cNvPr>
+          <p:cNvPr id="29" name="Image 0" descr="/var/folders/1y/yzhkrds14j1gm67qjvlds8tm7vvy2b/T/icon-icon-m3ok84rg3-1767663822144.png">    </p:cNvPr>
           <p:cNvPicPr>
             <a:picLocks noChangeAspect="1"/>
           </p:cNvPicPr>
@@ -11492,7 +11492,7 @@
       </p:pic>
       <p:pic>
         <p:nvPicPr>
-          <p:cNvPr id="30" name="Image 1" descr="/var/folders/1y/yzhkrds14j1gm67qjvlds8tm7vvy2b/T/icon-icon-v1c5mepit-1767662382679.png">    </p:cNvPr>
+          <p:cNvPr id="30" name="Image 1" descr="/var/folders/1y/yzhkrds14j1gm67qjvlds8tm7vvy2b/T/icon-icon-5cxh9t14n-1767663822188.png">    </p:cNvPr>
           <p:cNvPicPr>
             <a:picLocks noChangeAspect="1"/>
           </p:cNvPicPr>
@@ -11516,7 +11516,7 @@
       </p:pic>
       <p:pic>
         <p:nvPicPr>
-          <p:cNvPr id="31" name="Image 2" descr="/var/folders/1y/yzhkrds14j1gm67qjvlds8tm7vvy2b/T/icon-icon-va92v8gfe-1767662382710.png">    </p:cNvPr>
+          <p:cNvPr id="31" name="Image 2" descr="/var/folders/1y/yzhkrds14j1gm67qjvlds8tm7vvy2b/T/icon-icon-2gnpq7yjz-1767663822227.png">    </p:cNvPr>
           <p:cNvPicPr>
             <a:picLocks noChangeAspect="1"/>
           </p:cNvPicPr>
@@ -11540,7 +11540,7 @@
       </p:pic>
       <p:pic>
         <p:nvPicPr>
-          <p:cNvPr id="32" name="Image 3" descr="/var/folders/1y/yzhkrds14j1gm67qjvlds8tm7vvy2b/T/icon-icon-i3z543als-1767662382744.png">    </p:cNvPr>
+          <p:cNvPr id="32" name="Image 3" descr="/var/folders/1y/yzhkrds14j1gm67qjvlds8tm7vvy2b/T/icon-icon-2lskj2lfh-1767663822260.png">    </p:cNvPr>
           <p:cNvPicPr>
             <a:picLocks noChangeAspect="1"/>
           </p:cNvPicPr>
@@ -11564,7 +11564,7 @@
       </p:pic>
       <p:pic>
         <p:nvPicPr>
-          <p:cNvPr id="33" name="Image 4" descr="/var/folders/1y/yzhkrds14j1gm67qjvlds8tm7vvy2b/T/icon-icon-726c7yo4j-1767662382777.png">    </p:cNvPr>
+          <p:cNvPr id="33" name="Image 4" descr="/var/folders/1y/yzhkrds14j1gm67qjvlds8tm7vvy2b/T/icon-icon-ijq64wfmd-1767663822293.png">    </p:cNvPr>
           <p:cNvPicPr>
             <a:picLocks noChangeAspect="1"/>
           </p:cNvPicPr>
@@ -11588,7 +11588,7 @@
       </p:pic>
       <p:pic>
         <p:nvPicPr>
-          <p:cNvPr id="34" name="Image 5" descr="/var/folders/1y/yzhkrds14j1gm67qjvlds8tm7vvy2b/T/icon-icon-vzuby07zw-1767662382810.png">    </p:cNvPr>
+          <p:cNvPr id="34" name="Image 5" descr="/var/folders/1y/yzhkrds14j1gm67qjvlds8tm7vvy2b/T/icon-icon-35ugpubef-1767663822326.png">    </p:cNvPr>
           <p:cNvPicPr>
             <a:picLocks noChangeAspect="1"/>
           </p:cNvPicPr>
@@ -11612,7 +11612,7 @@
       </p:pic>
       <p:pic>
         <p:nvPicPr>
-          <p:cNvPr id="35" name="Image 6" descr="/var/folders/1y/yzhkrds14j1gm67qjvlds8tm7vvy2b/T/icon-icon-9zry7o4k5-1767662382844.png">    </p:cNvPr>
+          <p:cNvPr id="35" name="Image 6" descr="/var/folders/1y/yzhkrds14j1gm67qjvlds8tm7vvy2b/T/icon-icon-zvz8lsrnq-1767663822361.png">    </p:cNvPr>
           <p:cNvPicPr>
             <a:picLocks noChangeAspect="1"/>
           </p:cNvPicPr>
@@ -13140,7 +13140,7 @@
       </p:sp>
       <p:pic>
         <p:nvPicPr>
-          <p:cNvPr id="29" name="Image 1" descr="/var/folders/1y/yzhkrds14j1gm67qjvlds8tm7vvy2b/T/icon-icon-7dpy8952r-1767662384681.png">    </p:cNvPr>
+          <p:cNvPr id="29" name="Image 1" descr="/var/folders/1y/yzhkrds14j1gm67qjvlds8tm7vvy2b/T/icon-icon-ikhc9ux8z-1767663824216.png">    </p:cNvPr>
           <p:cNvPicPr>
             <a:picLocks noChangeAspect="1"/>
           </p:cNvPicPr>
@@ -13164,7 +13164,7 @@
       </p:pic>
       <p:pic>
         <p:nvPicPr>
-          <p:cNvPr id="30" name="Image 2" descr="/var/folders/1y/yzhkrds14j1gm67qjvlds8tm7vvy2b/T/icon-icon-e8y77r3c7-1767662384727.png">    </p:cNvPr>
+          <p:cNvPr id="30" name="Image 2" descr="/var/folders/1y/yzhkrds14j1gm67qjvlds8tm7vvy2b/T/icon-icon-rat9iirga-1767663824262.png">    </p:cNvPr>
           <p:cNvPicPr>
             <a:picLocks noChangeAspect="1"/>
           </p:cNvPicPr>
@@ -13188,7 +13188,7 @@
       </p:pic>
       <p:pic>
         <p:nvPicPr>
-          <p:cNvPr id="31" name="Image 3" descr="/var/folders/1y/yzhkrds14j1gm67qjvlds8tm7vvy2b/T/icon-icon-byjeqfyhj-1767662384759.png">    </p:cNvPr>
+          <p:cNvPr id="31" name="Image 3" descr="/var/folders/1y/yzhkrds14j1gm67qjvlds8tm7vvy2b/T/icon-icon-namz1eger-1767663824303.png">    </p:cNvPr>
           <p:cNvPicPr>
             <a:picLocks noChangeAspect="1"/>
           </p:cNvPicPr>
@@ -13212,7 +13212,7 @@
       </p:pic>
       <p:pic>
         <p:nvPicPr>
-          <p:cNvPr id="32" name="Image 4" descr="/var/folders/1y/yzhkrds14j1gm67qjvlds8tm7vvy2b/T/icon-icon-s9qc8ppev-1767662384794.png">    </p:cNvPr>
+          <p:cNvPr id="32" name="Image 4" descr="/var/folders/1y/yzhkrds14j1gm67qjvlds8tm7vvy2b/T/icon-icon-lvt7k9xw1-1767663824336.png">    </p:cNvPr>
           <p:cNvPicPr>
             <a:picLocks noChangeAspect="1"/>
           </p:cNvPicPr>
@@ -13236,7 +13236,7 @@
       </p:pic>
       <p:pic>
         <p:nvPicPr>
-          <p:cNvPr id="33" name="Image 5" descr="/var/folders/1y/yzhkrds14j1gm67qjvlds8tm7vvy2b/T/icon-icon-e8y77r3c7-1767662384827.png">    </p:cNvPr>
+          <p:cNvPr id="33" name="Image 5" descr="/var/folders/1y/yzhkrds14j1gm67qjvlds8tm7vvy2b/T/icon-icon-rat9iirga-1767663824370.png">    </p:cNvPr>
           <p:cNvPicPr>
             <a:picLocks noChangeAspect="1"/>
           </p:cNvPicPr>
@@ -13260,7 +13260,7 @@
       </p:pic>
       <p:pic>
         <p:nvPicPr>
-          <p:cNvPr id="34" name="Image 6" descr="/var/folders/1y/yzhkrds14j1gm67qjvlds8tm7vvy2b/T/icon-icon-byjeqfyhj-1767662384859.png">    </p:cNvPr>
+          <p:cNvPr id="34" name="Image 6" descr="/var/folders/1y/yzhkrds14j1gm67qjvlds8tm7vvy2b/T/icon-icon-namz1eger-1767663824403.png">    </p:cNvPr>
           <p:cNvPicPr>
             <a:picLocks noChangeAspect="1"/>
           </p:cNvPicPr>
@@ -13284,7 +13284,7 @@
       </p:pic>
       <p:pic>
         <p:nvPicPr>
-          <p:cNvPr id="35" name="Image 7" descr="/var/folders/1y/yzhkrds14j1gm67qjvlds8tm7vvy2b/T/icon-icon-s9qc8ppev-1767662384894.png">    </p:cNvPr>
+          <p:cNvPr id="35" name="Image 7" descr="/var/folders/1y/yzhkrds14j1gm67qjvlds8tm7vvy2b/T/icon-icon-lvt7k9xw1-1767663824436.png">    </p:cNvPr>
           <p:cNvPicPr>
             <a:picLocks noChangeAspect="1"/>
           </p:cNvPicPr>
@@ -13308,7 +13308,7 @@
       </p:pic>
       <p:pic>
         <p:nvPicPr>
-          <p:cNvPr id="36" name="Image 8" descr="/var/folders/1y/yzhkrds14j1gm67qjvlds8tm7vvy2b/T/icon-icon-8mid7h262-1767662384926.png">    </p:cNvPr>
+          <p:cNvPr id="36" name="Image 8" descr="/var/folders/1y/yzhkrds14j1gm67qjvlds8tm7vvy2b/T/icon-icon-kb0x3hong-1767663824470.png">    </p:cNvPr>
           <p:cNvPicPr>
             <a:picLocks noChangeAspect="1"/>
           </p:cNvPicPr>
@@ -13332,7 +13332,7 @@
       </p:pic>
       <p:pic>
         <p:nvPicPr>
-          <p:cNvPr id="37" name="Image 9" descr="/var/folders/1y/yzhkrds14j1gm67qjvlds8tm7vvy2b/T/icon-icon-8mid7h262-1767662384961.png">    </p:cNvPr>
+          <p:cNvPr id="37" name="Image 9" descr="/var/folders/1y/yzhkrds14j1gm67qjvlds8tm7vvy2b/T/icon-icon-kb0x3hong-1767663824511.png">    </p:cNvPr>
           <p:cNvPicPr>
             <a:picLocks noChangeAspect="1"/>
           </p:cNvPicPr>
@@ -13356,7 +13356,7 @@
       </p:pic>
       <p:pic>
         <p:nvPicPr>
-          <p:cNvPr id="38" name="Image 10" descr="/var/folders/1y/yzhkrds14j1gm67qjvlds8tm7vvy2b/T/icon-icon-ojgputcz2-1767662385003.png">    </p:cNvPr>
+          <p:cNvPr id="38" name="Image 10" descr="/var/folders/1y/yzhkrds14j1gm67qjvlds8tm7vvy2b/T/icon-icon-iw8yulqhe-1767663824545.png">    </p:cNvPr>
           <p:cNvPicPr>
             <a:picLocks noChangeAspect="1"/>
           </p:cNvPicPr>
@@ -13380,7 +13380,7 @@
       </p:pic>
       <p:pic>
         <p:nvPicPr>
-          <p:cNvPr id="39" name="Image 11" descr="/var/folders/1y/yzhkrds14j1gm67qjvlds8tm7vvy2b/T/icon-icon-7egv8h5z7-1767662385035.png">    </p:cNvPr>
+          <p:cNvPr id="39" name="Image 11" descr="/var/folders/1y/yzhkrds14j1gm67qjvlds8tm7vvy2b/T/icon-icon-mxzzj11k9-1767663824577.png">    </p:cNvPr>
           <p:cNvPicPr>
             <a:picLocks noChangeAspect="1"/>
           </p:cNvPicPr>
@@ -13404,7 +13404,7 @@
       </p:pic>
       <p:pic>
         <p:nvPicPr>
-          <p:cNvPr id="40" name="Image 12" descr="/var/folders/1y/yzhkrds14j1gm67qjvlds8tm7vvy2b/T/icon-icon-lup3qlicc-1767662385070.png">    </p:cNvPr>
+          <p:cNvPr id="40" name="Image 12" descr="/var/folders/1y/yzhkrds14j1gm67qjvlds8tm7vvy2b/T/icon-icon-70n7bamfl-1767663824611.png">    </p:cNvPr>
           <p:cNvPicPr>
             <a:picLocks noChangeAspect="1"/>
           </p:cNvPicPr>
@@ -13428,7 +13428,7 @@
       </p:pic>
       <p:pic>
         <p:nvPicPr>
-          <p:cNvPr id="41" name="Image 13" descr="/var/folders/1y/yzhkrds14j1gm67qjvlds8tm7vvy2b/T/icon-icon-7egv8h5z7-1767662385103.png">    </p:cNvPr>
+          <p:cNvPr id="41" name="Image 13" descr="/var/folders/1y/yzhkrds14j1gm67qjvlds8tm7vvy2b/T/icon-icon-mxzzj11k9-1767663824644.png">    </p:cNvPr>
           <p:cNvPicPr>
             <a:picLocks noChangeAspect="1"/>
           </p:cNvPicPr>
@@ -13452,7 +13452,7 @@
       </p:pic>
       <p:pic>
         <p:nvPicPr>
-          <p:cNvPr id="42" name="Image 14" descr="/var/folders/1y/yzhkrds14j1gm67qjvlds8tm7vvy2b/T/icon-icon-lup3qlicc-1767662385136.png">    </p:cNvPr>
+          <p:cNvPr id="42" name="Image 14" descr="/var/folders/1y/yzhkrds14j1gm67qjvlds8tm7vvy2b/T/icon-icon-70n7bamfl-1767663824678.png">    </p:cNvPr>
           <p:cNvPicPr>
             <a:picLocks noChangeAspect="1"/>
           </p:cNvPicPr>
@@ -13476,7 +13476,7 @@
       </p:pic>
       <p:pic>
         <p:nvPicPr>
-          <p:cNvPr id="43" name="Image 15" descr="/var/folders/1y/yzhkrds14j1gm67qjvlds8tm7vvy2b/T/icon-icon-4q01t1y3q-1767662385170.png">    </p:cNvPr>
+          <p:cNvPr id="43" name="Image 15" descr="/var/folders/1y/yzhkrds14j1gm67qjvlds8tm7vvy2b/T/icon-icon-nofggs0rm-1767663824720.png">    </p:cNvPr>
           <p:cNvPicPr>
             <a:picLocks noChangeAspect="1"/>
           </p:cNvPicPr>
@@ -13500,7 +13500,7 @@
       </p:pic>
       <p:pic>
         <p:nvPicPr>
-          <p:cNvPr id="44" name="Image 16" descr="/var/folders/1y/yzhkrds14j1gm67qjvlds8tm7vvy2b/T/icon-icon-4q01t1y3q-1767662385211.png">    </p:cNvPr>
+          <p:cNvPr id="44" name="Image 16" descr="/var/folders/1y/yzhkrds14j1gm67qjvlds8tm7vvy2b/T/icon-icon-nofggs0rm-1767663824753.png">    </p:cNvPr>
           <p:cNvPicPr>
             <a:picLocks noChangeAspect="1"/>
           </p:cNvPicPr>
@@ -13524,7 +13524,7 @@
       </p:pic>
       <p:pic>
         <p:nvPicPr>
-          <p:cNvPr id="45" name="Image 17" descr="/var/folders/1y/yzhkrds14j1gm67qjvlds8tm7vvy2b/T/icon-icon-8fpnn9ldk-1767662385244.png">    </p:cNvPr>
+          <p:cNvPr id="45" name="Image 17" descr="/var/folders/1y/yzhkrds14j1gm67qjvlds8tm7vvy2b/T/icon-icon-583j3fyw9-1767663824786.png">    </p:cNvPr>
           <p:cNvPicPr>
             <a:picLocks noChangeAspect="1"/>
           </p:cNvPicPr>
@@ -13548,7 +13548,7 @@
       </p:pic>
       <p:pic>
         <p:nvPicPr>
-          <p:cNvPr id="46" name="Image 18" descr="/var/folders/1y/yzhkrds14j1gm67qjvlds8tm7vvy2b/T/icon-icon-imetolpfc-1767662385277.png">    </p:cNvPr>
+          <p:cNvPr id="46" name="Image 18" descr="/var/folders/1y/yzhkrds14j1gm67qjvlds8tm7vvy2b/T/icon-icon-suqflilbs-1767663824820.png">    </p:cNvPr>
           <p:cNvPicPr>
             <a:picLocks noChangeAspect="1"/>
           </p:cNvPicPr>
@@ -13572,7 +13572,7 @@
       </p:pic>
       <p:pic>
         <p:nvPicPr>
-          <p:cNvPr id="47" name="Image 19" descr="/var/folders/1y/yzhkrds14j1gm67qjvlds8tm7vvy2b/T/icon-icon-6eunr8gjt-1767662385311.png">    </p:cNvPr>
+          <p:cNvPr id="47" name="Image 19" descr="/var/folders/1y/yzhkrds14j1gm67qjvlds8tm7vvy2b/T/icon-icon-hhaekcu0s-1767663824853.png">    </p:cNvPr>
           <p:cNvPicPr>
             <a:picLocks noChangeAspect="1"/>
           </p:cNvPicPr>
@@ -13596,7 +13596,7 @@
       </p:pic>
       <p:pic>
         <p:nvPicPr>
-          <p:cNvPr id="48" name="Image 20" descr="/var/folders/1y/yzhkrds14j1gm67qjvlds8tm7vvy2b/T/icon-icon-hz645jf0v-1767662385345.png">    </p:cNvPr>
+          <p:cNvPr id="48" name="Image 20" descr="/var/folders/1y/yzhkrds14j1gm67qjvlds8tm7vvy2b/T/icon-icon-7ywphn3pg-1767663824886.png">    </p:cNvPr>
           <p:cNvPicPr>
             <a:picLocks noChangeAspect="1"/>
           </p:cNvPicPr>
@@ -13620,7 +13620,7 @@
       </p:pic>
       <p:pic>
         <p:nvPicPr>
-          <p:cNvPr id="49" name="Image 21" descr="/var/folders/1y/yzhkrds14j1gm67qjvlds8tm7vvy2b/T/icon-icon-imetolpfc-1767662385377.png">    </p:cNvPr>
+          <p:cNvPr id="49" name="Image 21" descr="/var/folders/1y/yzhkrds14j1gm67qjvlds8tm7vvy2b/T/icon-icon-suqflilbs-1767663824919.png">    </p:cNvPr>
           <p:cNvPicPr>
             <a:picLocks noChangeAspect="1"/>
           </p:cNvPicPr>
@@ -13644,7 +13644,7 @@
       </p:pic>
       <p:pic>
         <p:nvPicPr>
-          <p:cNvPr id="50" name="Image 22" descr="/var/folders/1y/yzhkrds14j1gm67qjvlds8tm7vvy2b/T/icon-icon-6eunr8gjt-1767662385411.png">    </p:cNvPr>
+          <p:cNvPr id="50" name="Image 22" descr="/var/folders/1y/yzhkrds14j1gm67qjvlds8tm7vvy2b/T/icon-icon-hhaekcu0s-1767663824953.png">    </p:cNvPr>
           <p:cNvPicPr>
             <a:picLocks noChangeAspect="1"/>
           </p:cNvPicPr>
@@ -13668,7 +13668,7 @@
       </p:pic>
       <p:pic>
         <p:nvPicPr>
-          <p:cNvPr id="51" name="Image 23" descr="/var/folders/1y/yzhkrds14j1gm67qjvlds8tm7vvy2b/T/icon-icon-hz645jf0v-1767662385444.png">    </p:cNvPr>
+          <p:cNvPr id="51" name="Image 23" descr="/var/folders/1y/yzhkrds14j1gm67qjvlds8tm7vvy2b/T/icon-icon-7ywphn3pg-1767663824986.png">    </p:cNvPr>
           <p:cNvPicPr>
             <a:picLocks noChangeAspect="1"/>
           </p:cNvPicPr>
@@ -13692,7 +13692,7 @@
       </p:pic>
       <p:pic>
         <p:nvPicPr>
-          <p:cNvPr id="52" name="Image 24" descr="/var/folders/1y/yzhkrds14j1gm67qjvlds8tm7vvy2b/T/icon-icon-13gfqp5id-1767662385477.png">    </p:cNvPr>
+          <p:cNvPr id="52" name="Image 24" descr="/var/folders/1y/yzhkrds14j1gm67qjvlds8tm7vvy2b/T/icon-icon-g9khdw8rh-1767663825019.png">    </p:cNvPr>
           <p:cNvPicPr>
             <a:picLocks noChangeAspect="1"/>
           </p:cNvPicPr>
@@ -13716,7 +13716,7 @@
       </p:pic>
       <p:pic>
         <p:nvPicPr>
-          <p:cNvPr id="53" name="Image 25" descr="/var/folders/1y/yzhkrds14j1gm67qjvlds8tm7vvy2b/T/icon-icon-13gfqp5id-1767662385511.png">    </p:cNvPr>
+          <p:cNvPr id="53" name="Image 25" descr="/var/folders/1y/yzhkrds14j1gm67qjvlds8tm7vvy2b/T/icon-icon-g9khdw8rh-1767663825053.png">    </p:cNvPr>
           <p:cNvPicPr>
             <a:picLocks noChangeAspect="1"/>
           </p:cNvPicPr>
@@ -15314,7 +15314,7 @@
       </p:sp>
       <p:pic>
         <p:nvPicPr>
-          <p:cNvPr id="42" name="Image 0" descr="/var/folders/1y/yzhkrds14j1gm67qjvlds8tm7vvy2b/T/icon-icon-ptwngn5o4-1767662387402.png">    </p:cNvPr>
+          <p:cNvPr id="42" name="Image 0" descr="/var/folders/1y/yzhkrds14j1gm67qjvlds8tm7vvy2b/T/icon-icon-514vbmtjc-1767663826923.png">    </p:cNvPr>
           <p:cNvPicPr>
             <a:picLocks noChangeAspect="1"/>
           </p:cNvPicPr>
@@ -15338,7 +15338,7 @@
       </p:pic>
       <p:pic>
         <p:nvPicPr>
-          <p:cNvPr id="43" name="Image 1" descr="/var/folders/1y/yzhkrds14j1gm67qjvlds8tm7vvy2b/T/icon-icon-ptwngn5o4-1767662387444.png">    </p:cNvPr>
+          <p:cNvPr id="43" name="Image 1" descr="/var/folders/1y/yzhkrds14j1gm67qjvlds8tm7vvy2b/T/icon-icon-514vbmtjc-1767663826970.png">    </p:cNvPr>
           <p:cNvPicPr>
             <a:picLocks noChangeAspect="1"/>
           </p:cNvPicPr>
@@ -15362,7 +15362,7 @@
       </p:pic>
       <p:pic>
         <p:nvPicPr>
-          <p:cNvPr id="44" name="Image 2" descr="/var/folders/1y/yzhkrds14j1gm67qjvlds8tm7vvy2b/T/icon-icon-0i6thgida-1767662387478.png">    </p:cNvPr>
+          <p:cNvPr id="44" name="Image 2" descr="/var/folders/1y/yzhkrds14j1gm67qjvlds8tm7vvy2b/T/icon-icon-7tdspu2jk-1767663827003.png">    </p:cNvPr>
           <p:cNvPicPr>
             <a:picLocks noChangeAspect="1"/>
           </p:cNvPicPr>
@@ -15386,7 +15386,7 @@
       </p:pic>
       <p:pic>
         <p:nvPicPr>
-          <p:cNvPr id="45" name="Image 3" descr="/var/folders/1y/yzhkrds14j1gm67qjvlds8tm7vvy2b/T/icon-icon-o4u6twpaa-1767662387509.png">    </p:cNvPr>
+          <p:cNvPr id="45" name="Image 3" descr="/var/folders/1y/yzhkrds14j1gm67qjvlds8tm7vvy2b/T/icon-icon-qmanat388-1767663827036.png">    </p:cNvPr>
           <p:cNvPicPr>
             <a:picLocks noChangeAspect="1"/>
           </p:cNvPicPr>
@@ -15410,7 +15410,7 @@
       </p:pic>
       <p:pic>
         <p:nvPicPr>
-          <p:cNvPr id="46" name="Image 4" descr="/var/folders/1y/yzhkrds14j1gm67qjvlds8tm7vvy2b/T/icon-icon-6v3pbed1z-1767662387542.png">    </p:cNvPr>
+          <p:cNvPr id="46" name="Image 4" descr="/var/folders/1y/yzhkrds14j1gm67qjvlds8tm7vvy2b/T/icon-icon-cfwcgxtpb-1767663827068.png">    </p:cNvPr>
           <p:cNvPicPr>
             <a:picLocks noChangeAspect="1"/>
           </p:cNvPicPr>
@@ -15434,7 +15434,7 @@
       </p:pic>
       <p:pic>
         <p:nvPicPr>
-          <p:cNvPr id="47" name="Image 5" descr="/var/folders/1y/yzhkrds14j1gm67qjvlds8tm7vvy2b/T/icon-icon-frigqeorv-1767662387577.png">    </p:cNvPr>
+          <p:cNvPr id="47" name="Image 5" descr="/var/folders/1y/yzhkrds14j1gm67qjvlds8tm7vvy2b/T/icon-icon-xme29qat5-1767663827103.png">    </p:cNvPr>
           <p:cNvPicPr>
             <a:picLocks noChangeAspect="1"/>
           </p:cNvPicPr>
@@ -15458,7 +15458,7 @@
       </p:pic>
       <p:pic>
         <p:nvPicPr>
-          <p:cNvPr id="48" name="Image 6" descr="/var/folders/1y/yzhkrds14j1gm67qjvlds8tm7vvy2b/T/icon-icon-frigqeorv-1767662387610.png">    </p:cNvPr>
+          <p:cNvPr id="48" name="Image 6" descr="/var/folders/1y/yzhkrds14j1gm67qjvlds8tm7vvy2b/T/icon-icon-xme29qat5-1767663827135.png">    </p:cNvPr>
           <p:cNvPicPr>
             <a:picLocks noChangeAspect="1"/>
           </p:cNvPicPr>
@@ -15482,7 +15482,7 @@
       </p:pic>
       <p:pic>
         <p:nvPicPr>
-          <p:cNvPr id="49" name="Image 7" descr="/var/folders/1y/yzhkrds14j1gm67qjvlds8tm7vvy2b/T/icon-icon-op306oezv-1767662387645.png">    </p:cNvPr>
+          <p:cNvPr id="49" name="Image 7" descr="/var/folders/1y/yzhkrds14j1gm67qjvlds8tm7vvy2b/T/icon-icon-ayjei5ux9-1767663827170.png">    </p:cNvPr>
           <p:cNvPicPr>
             <a:picLocks noChangeAspect="1"/>
           </p:cNvPicPr>
@@ -15506,7 +15506,7 @@
       </p:pic>
       <p:pic>
         <p:nvPicPr>
-          <p:cNvPr id="50" name="Image 8" descr="/var/folders/1y/yzhkrds14j1gm67qjvlds8tm7vvy2b/T/icon-icon-hu3swrguk-1767662387677.png">    </p:cNvPr>
+          <p:cNvPr id="50" name="Image 8" descr="/var/folders/1y/yzhkrds14j1gm67qjvlds8tm7vvy2b/T/icon-icon-ygcd43pdc-1767663827209.png">    </p:cNvPr>
           <p:cNvPicPr>
             <a:picLocks noChangeAspect="1"/>
           </p:cNvPicPr>
@@ -15530,7 +15530,7 @@
       </p:pic>
       <p:pic>
         <p:nvPicPr>
-          <p:cNvPr id="51" name="Image 9" descr="/var/folders/1y/yzhkrds14j1gm67qjvlds8tm7vvy2b/T/icon-icon-3k7vdktis-1767662387720.png">    </p:cNvPr>
+          <p:cNvPr id="51" name="Image 9" descr="/var/folders/1y/yzhkrds14j1gm67qjvlds8tm7vvy2b/T/icon-icon-ttapr65ke-1767663827244.png">    </p:cNvPr>
           <p:cNvPicPr>
             <a:picLocks noChangeAspect="1"/>
           </p:cNvPicPr>
@@ -15554,7 +15554,7 @@
       </p:pic>
       <p:pic>
         <p:nvPicPr>
-          <p:cNvPr id="52" name="Image 10" descr="/var/folders/1y/yzhkrds14j1gm67qjvlds8tm7vvy2b/T/icon-icon-do9ik8cg5-1767662387753.png">    </p:cNvPr>
+          <p:cNvPr id="52" name="Image 10" descr="/var/folders/1y/yzhkrds14j1gm67qjvlds8tm7vvy2b/T/icon-icon-dth5ttm9f-1767663827277.png">    </p:cNvPr>
           <p:cNvPicPr>
             <a:picLocks noChangeAspect="1"/>
           </p:cNvPicPr>
@@ -15578,7 +15578,7 @@
       </p:pic>
       <p:pic>
         <p:nvPicPr>
-          <p:cNvPr id="53" name="Image 11" descr="/var/folders/1y/yzhkrds14j1gm67qjvlds8tm7vvy2b/T/icon-icon-rcxknec8a-1767662387786.png">    </p:cNvPr>
+          <p:cNvPr id="53" name="Image 11" descr="/var/folders/1y/yzhkrds14j1gm67qjvlds8tm7vvy2b/T/icon-icon-ydy4e8tjm-1767663827311.png">    </p:cNvPr>
           <p:cNvPicPr>
             <a:picLocks noChangeAspect="1"/>
           </p:cNvPicPr>
@@ -15602,7 +15602,7 @@
       </p:pic>
       <p:pic>
         <p:nvPicPr>
-          <p:cNvPr id="54" name="Image 12" descr="/var/folders/1y/yzhkrds14j1gm67qjvlds8tm7vvy2b/T/icon-icon-do9ik8cg5-1767662387818.png">    </p:cNvPr>
+          <p:cNvPr id="54" name="Image 12" descr="/var/folders/1y/yzhkrds14j1gm67qjvlds8tm7vvy2b/T/icon-icon-dth5ttm9f-1767663827352.png">    </p:cNvPr>
           <p:cNvPicPr>
             <a:picLocks noChangeAspect="1"/>
           </p:cNvPicPr>
@@ -15626,7 +15626,7 @@
       </p:pic>
       <p:pic>
         <p:nvPicPr>
-          <p:cNvPr id="55" name="Image 13" descr="/var/folders/1y/yzhkrds14j1gm67qjvlds8tm7vvy2b/T/icon-icon-rcxknec8a-1767662387851.png">    </p:cNvPr>
+          <p:cNvPr id="55" name="Image 13" descr="/var/folders/1y/yzhkrds14j1gm67qjvlds8tm7vvy2b/T/icon-icon-ydy4e8tjm-1767663827385.png">    </p:cNvPr>
           <p:cNvPicPr>
             <a:picLocks noChangeAspect="1"/>
           </p:cNvPicPr>
@@ -17181,7 +17181,7 @@
       </p:sp>
       <p:pic>
         <p:nvPicPr>
-          <p:cNvPr id="32" name="Image 0" descr="/var/folders/1y/yzhkrds14j1gm67qjvlds8tm7vvy2b/T/icon-icon-a7v9e1lwr-1767662389726.png">    </p:cNvPr>
+          <p:cNvPr id="32" name="Image 0" descr="/var/folders/1y/yzhkrds14j1gm67qjvlds8tm7vvy2b/T/icon-icon-mpbj25ij5-1767663829264.png">    </p:cNvPr>
           <p:cNvPicPr>
             <a:picLocks noChangeAspect="1"/>
           </p:cNvPicPr>
@@ -17205,7 +17205,7 @@
       </p:pic>
       <p:pic>
         <p:nvPicPr>
-          <p:cNvPr id="33" name="Image 1" descr="/var/folders/1y/yzhkrds14j1gm67qjvlds8tm7vvy2b/T/icon-icon-a7v9e1lwr-1767662389770.png">    </p:cNvPr>
+          <p:cNvPr id="33" name="Image 1" descr="/var/folders/1y/yzhkrds14j1gm67qjvlds8tm7vvy2b/T/icon-icon-mpbj25ij5-1767663829309.png">    </p:cNvPr>
           <p:cNvPicPr>
             <a:picLocks noChangeAspect="1"/>
           </p:cNvPicPr>
@@ -17229,7 +17229,7 @@
       </p:pic>
       <p:pic>
         <p:nvPicPr>
-          <p:cNvPr id="34" name="Image 2" descr="/var/folders/1y/yzhkrds14j1gm67qjvlds8tm7vvy2b/T/icon-icon-hcyhyuuz9-1767662389803.png">    </p:cNvPr>
+          <p:cNvPr id="34" name="Image 2" descr="/var/folders/1y/yzhkrds14j1gm67qjvlds8tm7vvy2b/T/icon-icon-8dwoeyhew-1767663829343.png">    </p:cNvPr>
           <p:cNvPicPr>
             <a:picLocks noChangeAspect="1"/>
           </p:cNvPicPr>
@@ -17253,7 +17253,7 @@
       </p:pic>
       <p:pic>
         <p:nvPicPr>
-          <p:cNvPr id="35" name="Image 3" descr="/var/folders/1y/yzhkrds14j1gm67qjvlds8tm7vvy2b/T/icon-icon-hcyhyuuz9-1767662389836.png">    </p:cNvPr>
+          <p:cNvPr id="35" name="Image 3" descr="/var/folders/1y/yzhkrds14j1gm67qjvlds8tm7vvy2b/T/icon-icon-8dwoeyhew-1767663829376.png">    </p:cNvPr>
           <p:cNvPicPr>
             <a:picLocks noChangeAspect="1"/>
           </p:cNvPicPr>
@@ -17277,7 +17277,7 @@
       </p:pic>
       <p:pic>
         <p:nvPicPr>
-          <p:cNvPr id="36" name="Image 4" descr="/var/folders/1y/yzhkrds14j1gm67qjvlds8tm7vvy2b/T/icon-icon-ep27m5nze-1767662389868.png">    </p:cNvPr>
+          <p:cNvPr id="36" name="Image 4" descr="/var/folders/1y/yzhkrds14j1gm67qjvlds8tm7vvy2b/T/icon-icon-b3z784u3j-1767663829411.png">    </p:cNvPr>
           <p:cNvPicPr>
             <a:picLocks noChangeAspect="1"/>
           </p:cNvPicPr>
@@ -17301,7 +17301,7 @@
       </p:pic>
       <p:pic>
         <p:nvPicPr>
-          <p:cNvPr id="37" name="Image 5" descr="/var/folders/1y/yzhkrds14j1gm67qjvlds8tm7vvy2b/T/icon-icon-ep27m5nze-1767662389902.png">    </p:cNvPr>
+          <p:cNvPr id="37" name="Image 5" descr="/var/folders/1y/yzhkrds14j1gm67qjvlds8tm7vvy2b/T/icon-icon-b3z784u3j-1767663829443.png">    </p:cNvPr>
           <p:cNvPicPr>
             <a:picLocks noChangeAspect="1"/>
           </p:cNvPicPr>
@@ -17325,7 +17325,7 @@
       </p:pic>
       <p:pic>
         <p:nvPicPr>
-          <p:cNvPr id="38" name="Image 6" descr="/var/folders/1y/yzhkrds14j1gm67qjvlds8tm7vvy2b/T/icon-icon-qejyl0o11-1767662389936.png">    </p:cNvPr>
+          <p:cNvPr id="38" name="Image 6" descr="/var/folders/1y/yzhkrds14j1gm67qjvlds8tm7vvy2b/T/icon-icon-5gm098rc2-1767663829476.png">    </p:cNvPr>
           <p:cNvPicPr>
             <a:picLocks noChangeAspect="1"/>
           </p:cNvPicPr>
@@ -17349,7 +17349,7 @@
       </p:pic>
       <p:pic>
         <p:nvPicPr>
-          <p:cNvPr id="39" name="Image 7" descr="/var/folders/1y/yzhkrds14j1gm67qjvlds8tm7vvy2b/T/icon-icon-qejyl0o11-1767662389969.png">    </p:cNvPr>
+          <p:cNvPr id="39" name="Image 7" descr="/var/folders/1y/yzhkrds14j1gm67qjvlds8tm7vvy2b/T/icon-icon-5gm098rc2-1767663829510.png">    </p:cNvPr>
           <p:cNvPicPr>
             <a:picLocks noChangeAspect="1"/>
           </p:cNvPicPr>
@@ -17373,7 +17373,7 @@
       </p:pic>
       <p:pic>
         <p:nvPicPr>
-          <p:cNvPr id="40" name="Image 8" descr="/var/folders/1y/yzhkrds14j1gm67qjvlds8tm7vvy2b/T/icon-icon-irqn0kbi1-1767662390003.png">    </p:cNvPr>
+          <p:cNvPr id="40" name="Image 8" descr="/var/folders/1y/yzhkrds14j1gm67qjvlds8tm7vvy2b/T/icon-icon-ixn860onw-1767663829544.png">    </p:cNvPr>
           <p:cNvPicPr>
             <a:picLocks noChangeAspect="1"/>
           </p:cNvPicPr>
@@ -17397,7 +17397,7 @@
       </p:pic>
       <p:pic>
         <p:nvPicPr>
-          <p:cNvPr id="41" name="Image 9" descr="/var/folders/1y/yzhkrds14j1gm67qjvlds8tm7vvy2b/T/icon-icon-irqn0kbi1-1767662390036.png">    </p:cNvPr>
+          <p:cNvPr id="41" name="Image 9" descr="/var/folders/1y/yzhkrds14j1gm67qjvlds8tm7vvy2b/T/icon-icon-ixn860onw-1767663829578.png">    </p:cNvPr>
           <p:cNvPicPr>
             <a:picLocks noChangeAspect="1"/>
           </p:cNvPicPr>
@@ -17421,7 +17421,7 @@
       </p:pic>
       <p:pic>
         <p:nvPicPr>
-          <p:cNvPr id="42" name="Image 10" descr="/var/folders/1y/yzhkrds14j1gm67qjvlds8tm7vvy2b/T/icon-icon-370qk5q6z-1767662390069.png">    </p:cNvPr>
+          <p:cNvPr id="42" name="Image 10" descr="/var/folders/1y/yzhkrds14j1gm67qjvlds8tm7vvy2b/T/icon-icon-qu1jikyqu-1767663829620.png">    </p:cNvPr>
           <p:cNvPicPr>
             <a:picLocks noChangeAspect="1"/>
           </p:cNvPicPr>
@@ -17445,7 +17445,7 @@
       </p:pic>
       <p:pic>
         <p:nvPicPr>
-          <p:cNvPr id="43" name="Image 11" descr="/var/folders/1y/yzhkrds14j1gm67qjvlds8tm7vvy2b/T/icon-icon-370qk5q6z-1767662390101.png">    </p:cNvPr>
+          <p:cNvPr id="43" name="Image 11" descr="/var/folders/1y/yzhkrds14j1gm67qjvlds8tm7vvy2b/T/icon-icon-qu1jikyqu-1767663829651.png">    </p:cNvPr>
           <p:cNvPicPr>
             <a:picLocks noChangeAspect="1"/>
           </p:cNvPicPr>
@@ -17469,7 +17469,7 @@
       </p:pic>
       <p:pic>
         <p:nvPicPr>
-          <p:cNvPr id="44" name="Image 12" descr="/var/folders/1y/yzhkrds14j1gm67qjvlds8tm7vvy2b/T/icon-icon-iwbl9gmf4-1767662390136.png">    </p:cNvPr>
+          <p:cNvPr id="44" name="Image 12" descr="/var/folders/1y/yzhkrds14j1gm67qjvlds8tm7vvy2b/T/icon-icon-o95vn5o2e-1767663829686.png">    </p:cNvPr>
           <p:cNvPicPr>
             <a:picLocks noChangeAspect="1"/>
           </p:cNvPicPr>
@@ -17493,7 +17493,7 @@
       </p:pic>
       <p:pic>
         <p:nvPicPr>
-          <p:cNvPr id="45" name="Image 13" descr="/var/folders/1y/yzhkrds14j1gm67qjvlds8tm7vvy2b/T/icon-icon-iwbl9gmf4-1767662390169.png">    </p:cNvPr>
+          <p:cNvPr id="45" name="Image 13" descr="/var/folders/1y/yzhkrds14j1gm67qjvlds8tm7vvy2b/T/icon-icon-o95vn5o2e-1767663829719.png">    </p:cNvPr>
           <p:cNvPicPr>
             <a:picLocks noChangeAspect="1"/>
           </p:cNvPicPr>
@@ -17517,7 +17517,7 @@
       </p:pic>
       <p:pic>
         <p:nvPicPr>
-          <p:cNvPr id="46" name="Image 14" descr="/var/folders/1y/yzhkrds14j1gm67qjvlds8tm7vvy2b/T/icon-icon-rsns5se4q-1767662390203.png">    </p:cNvPr>
+          <p:cNvPr id="46" name="Image 14" descr="/var/folders/1y/yzhkrds14j1gm67qjvlds8tm7vvy2b/T/icon-icon-6ythgfxu6-1767663829753.png">    </p:cNvPr>
           <p:cNvPicPr>
             <a:picLocks noChangeAspect="1"/>
           </p:cNvPicPr>
@@ -17541,7 +17541,7 @@
       </p:pic>
       <p:pic>
         <p:nvPicPr>
-          <p:cNvPr id="47" name="Image 15" descr="/var/folders/1y/yzhkrds14j1gm67qjvlds8tm7vvy2b/T/icon-icon-rsns5se4q-1767662390236.png">    </p:cNvPr>
+          <p:cNvPr id="47" name="Image 15" descr="/var/folders/1y/yzhkrds14j1gm67qjvlds8tm7vvy2b/T/icon-icon-6ythgfxu6-1767663829794.png">    </p:cNvPr>
           <p:cNvPicPr>
             <a:picLocks noChangeAspect="1"/>
           </p:cNvPicPr>
@@ -17565,7 +17565,7 @@
       </p:pic>
       <p:pic>
         <p:nvPicPr>
-          <p:cNvPr id="48" name="Image 16" descr="/var/folders/1y/yzhkrds14j1gm67qjvlds8tm7vvy2b/T/icon-icon-hj01lo649-1767662390278.png">    </p:cNvPr>
+          <p:cNvPr id="48" name="Image 16" descr="/var/folders/1y/yzhkrds14j1gm67qjvlds8tm7vvy2b/T/icon-icon-80hy8hc6k-1767663829828.png">    </p:cNvPr>
           <p:cNvPicPr>
             <a:picLocks noChangeAspect="1"/>
           </p:cNvPicPr>
@@ -17589,7 +17589,7 @@
       </p:pic>
       <p:pic>
         <p:nvPicPr>
-          <p:cNvPr id="49" name="Image 17" descr="/var/folders/1y/yzhkrds14j1gm67qjvlds8tm7vvy2b/T/icon-icon-hj01lo649-1767662390312.png">    </p:cNvPr>
+          <p:cNvPr id="49" name="Image 17" descr="/var/folders/1y/yzhkrds14j1gm67qjvlds8tm7vvy2b/T/icon-icon-80hy8hc6k-1767663829862.png">    </p:cNvPr>
           <p:cNvPicPr>
             <a:picLocks noChangeAspect="1"/>
           </p:cNvPicPr>
@@ -17613,7 +17613,7 @@
       </p:pic>
       <p:pic>
         <p:nvPicPr>
-          <p:cNvPr id="50" name="Image 18" descr="/var/folders/1y/yzhkrds14j1gm67qjvlds8tm7vvy2b/T/icon-icon-gq4cp6qhj-1767662390353.png">    </p:cNvPr>
+          <p:cNvPr id="50" name="Image 18" descr="/var/folders/1y/yzhkrds14j1gm67qjvlds8tm7vvy2b/T/icon-icon-sb0g9pmps-1767663829894.png">    </p:cNvPr>
           <p:cNvPicPr>
             <a:picLocks noChangeAspect="1"/>
           </p:cNvPicPr>
@@ -17637,7 +17637,7 @@
       </p:pic>
       <p:pic>
         <p:nvPicPr>
-          <p:cNvPr id="51" name="Image 19" descr="/var/folders/1y/yzhkrds14j1gm67qjvlds8tm7vvy2b/T/icon-icon-gq4cp6qhj-1767662390395.png">    </p:cNvPr>
+          <p:cNvPr id="51" name="Image 19" descr="/var/folders/1y/yzhkrds14j1gm67qjvlds8tm7vvy2b/T/icon-icon-sb0g9pmps-1767663829928.png">    </p:cNvPr>
           <p:cNvPicPr>
             <a:picLocks noChangeAspect="1"/>
           </p:cNvPicPr>
@@ -17661,7 +17661,7 @@
       </p:pic>
       <p:pic>
         <p:nvPicPr>
-          <p:cNvPr id="52" name="Image 20" descr="/var/folders/1y/yzhkrds14j1gm67qjvlds8tm7vvy2b/T/icon-icon-xlrnbwwfn-1767662390436.png">    </p:cNvPr>
+          <p:cNvPr id="52" name="Image 20" descr="/var/folders/1y/yzhkrds14j1gm67qjvlds8tm7vvy2b/T/icon-icon-ybb7ozvlb-1767663829970.png">    </p:cNvPr>
           <p:cNvPicPr>
             <a:picLocks noChangeAspect="1"/>
           </p:cNvPicPr>
@@ -17685,7 +17685,7 @@
       </p:pic>
       <p:pic>
         <p:nvPicPr>
-          <p:cNvPr id="53" name="Image 21" descr="/var/folders/1y/yzhkrds14j1gm67qjvlds8tm7vvy2b/T/icon-icon-xlrnbwwfn-1767662390470.png">    </p:cNvPr>
+          <p:cNvPr id="53" name="Image 21" descr="/var/folders/1y/yzhkrds14j1gm67qjvlds8tm7vvy2b/T/icon-icon-ybb7ozvlb-1767663830002.png">    </p:cNvPr>
           <p:cNvPicPr>
             <a:picLocks noChangeAspect="1"/>
           </p:cNvPicPr>
@@ -17709,7 +17709,7 @@
       </p:pic>
       <p:pic>
         <p:nvPicPr>
-          <p:cNvPr id="54" name="Image 22" descr="/var/folders/1y/yzhkrds14j1gm67qjvlds8tm7vvy2b/T/icon-icon-802i7e2fc-1767662390511.png">    </p:cNvPr>
+          <p:cNvPr id="54" name="Image 22" descr="/var/folders/1y/yzhkrds14j1gm67qjvlds8tm7vvy2b/T/icon-icon-3ugfey8m2-1767663830037.png">    </p:cNvPr>
           <p:cNvPicPr>
             <a:picLocks noChangeAspect="1"/>
           </p:cNvPicPr>
@@ -17733,7 +17733,7 @@
       </p:pic>
       <p:pic>
         <p:nvPicPr>
-          <p:cNvPr id="55" name="Image 23" descr="/var/folders/1y/yzhkrds14j1gm67qjvlds8tm7vvy2b/T/icon-icon-802i7e2fc-1767662390542.png">    </p:cNvPr>
+          <p:cNvPr id="55" name="Image 23" descr="/var/folders/1y/yzhkrds14j1gm67qjvlds8tm7vvy2b/T/icon-icon-3ugfey8m2-1767663830077.png">    </p:cNvPr>
           <p:cNvPicPr>
             <a:picLocks noChangeAspect="1"/>
           </p:cNvPicPr>
@@ -17757,7 +17757,7 @@
       </p:pic>
       <p:pic>
         <p:nvPicPr>
-          <p:cNvPr id="56" name="Image 24" descr="/var/folders/1y/yzhkrds14j1gm67qjvlds8tm7vvy2b/T/icon-icon-x5ck77fbi-1767662390577.png">    </p:cNvPr>
+          <p:cNvPr id="56" name="Image 24" descr="/var/folders/1y/yzhkrds14j1gm67qjvlds8tm7vvy2b/T/icon-icon-2wlr3ldob-1767663830112.png">    </p:cNvPr>
           <p:cNvPicPr>
             <a:picLocks noChangeAspect="1"/>
           </p:cNvPicPr>
@@ -17781,7 +17781,7 @@
       </p:pic>
       <p:pic>
         <p:nvPicPr>
-          <p:cNvPr id="57" name="Image 25" descr="/var/folders/1y/yzhkrds14j1gm67qjvlds8tm7vvy2b/T/icon-icon-x5ck77fbi-1767662390610.png">    </p:cNvPr>
+          <p:cNvPr id="57" name="Image 25" descr="/var/folders/1y/yzhkrds14j1gm67qjvlds8tm7vvy2b/T/icon-icon-2wlr3ldob-1767663830153.png">    </p:cNvPr>
           <p:cNvPicPr>
             <a:picLocks noChangeAspect="1"/>
           </p:cNvPicPr>
@@ -17805,7 +17805,7 @@
       </p:pic>
       <p:pic>
         <p:nvPicPr>
-          <p:cNvPr id="58" name="Image 26" descr="/var/folders/1y/yzhkrds14j1gm67qjvlds8tm7vvy2b/T/icon-icon-e41k5x05c-1767662390645.png">    </p:cNvPr>
+          <p:cNvPr id="58" name="Image 26" descr="/var/folders/1y/yzhkrds14j1gm67qjvlds8tm7vvy2b/T/icon-icon-iaj1i1ol7-1767663830194.png">    </p:cNvPr>
           <p:cNvPicPr>
             <a:picLocks noChangeAspect="1"/>
           </p:cNvPicPr>
@@ -17829,7 +17829,7 @@
       </p:pic>
       <p:pic>
         <p:nvPicPr>
-          <p:cNvPr id="59" name="Image 27" descr="/var/folders/1y/yzhkrds14j1gm67qjvlds8tm7vvy2b/T/icon-icon-e41k5x05c-1767662390678.png">    </p:cNvPr>
+          <p:cNvPr id="59" name="Image 27" descr="/var/folders/1y/yzhkrds14j1gm67qjvlds8tm7vvy2b/T/icon-icon-iaj1i1ol7-1767663830229.png">    </p:cNvPr>
           <p:cNvPicPr>
             <a:picLocks noChangeAspect="1"/>
           </p:cNvPicPr>
@@ -17853,7 +17853,7 @@
       </p:pic>
       <p:pic>
         <p:nvPicPr>
-          <p:cNvPr id="60" name="Image 28" descr="/var/folders/1y/yzhkrds14j1gm67qjvlds8tm7vvy2b/T/icon-icon-nqvm1385j-1767662390712.png">    </p:cNvPr>
+          <p:cNvPr id="60" name="Image 28" descr="/var/folders/1y/yzhkrds14j1gm67qjvlds8tm7vvy2b/T/icon-icon-e1xuc6umm-1767663830270.png">    </p:cNvPr>
           <p:cNvPicPr>
             <a:picLocks noChangeAspect="1"/>
           </p:cNvPicPr>
@@ -17877,7 +17877,7 @@
       </p:pic>
       <p:pic>
         <p:nvPicPr>
-          <p:cNvPr id="61" name="Image 29" descr="/var/folders/1y/yzhkrds14j1gm67qjvlds8tm7vvy2b/T/icon-icon-nqvm1385j-1767662390751.png">    </p:cNvPr>
+          <p:cNvPr id="61" name="Image 29" descr="/var/folders/1y/yzhkrds14j1gm67qjvlds8tm7vvy2b/T/icon-icon-e1xuc6umm-1767663830310.png">    </p:cNvPr>
           <p:cNvPicPr>
             <a:picLocks noChangeAspect="1"/>
           </p:cNvPicPr>
@@ -17901,7 +17901,7 @@
       </p:pic>
       <p:pic>
         <p:nvPicPr>
-          <p:cNvPr id="62" name="Image 30" descr="/var/folders/1y/yzhkrds14j1gm67qjvlds8tm7vvy2b/T/icon-icon-nj87i1ydu-1767662390786.png">    </p:cNvPr>
+          <p:cNvPr id="62" name="Image 30" descr="/var/folders/1y/yzhkrds14j1gm67qjvlds8tm7vvy2b/T/icon-icon-6y7swtr9c-1767663830344.png">    </p:cNvPr>
           <p:cNvPicPr>
             <a:picLocks noChangeAspect="1"/>
           </p:cNvPicPr>
@@ -17925,7 +17925,7 @@
       </p:pic>
       <p:pic>
         <p:nvPicPr>
-          <p:cNvPr id="63" name="Image 31" descr="/var/folders/1y/yzhkrds14j1gm67qjvlds8tm7vvy2b/T/icon-icon-nj87i1ydu-1767662390818.png">    </p:cNvPr>
+          <p:cNvPr id="63" name="Image 31" descr="/var/folders/1y/yzhkrds14j1gm67qjvlds8tm7vvy2b/T/icon-icon-6y7swtr9c-1767663830385.png">    </p:cNvPr>
           <p:cNvPicPr>
             <a:picLocks noChangeAspect="1"/>
           </p:cNvPicPr>
@@ -17949,7 +17949,7 @@
       </p:pic>
       <p:pic>
         <p:nvPicPr>
-          <p:cNvPr id="64" name="Image 32" descr="/var/folders/1y/yzhkrds14j1gm67qjvlds8tm7vvy2b/T/icon-icon-xxp9zul13-1767662390853.png">    </p:cNvPr>
+          <p:cNvPr id="64" name="Image 32" descr="/var/folders/1y/yzhkrds14j1gm67qjvlds8tm7vvy2b/T/icon-icon-zqhr8l2bj-1767663830420.png">    </p:cNvPr>
           <p:cNvPicPr>
             <a:picLocks noChangeAspect="1"/>
           </p:cNvPicPr>
@@ -17973,7 +17973,7 @@
       </p:pic>
       <p:pic>
         <p:nvPicPr>
-          <p:cNvPr id="65" name="Image 33" descr="/var/folders/1y/yzhkrds14j1gm67qjvlds8tm7vvy2b/T/icon-icon-xxp9zul13-1767662390886.png">    </p:cNvPr>
+          <p:cNvPr id="65" name="Image 33" descr="/var/folders/1y/yzhkrds14j1gm67qjvlds8tm7vvy2b/T/icon-icon-zqhr8l2bj-1767663830453.png">    </p:cNvPr>
           <p:cNvPicPr>
             <a:picLocks noChangeAspect="1"/>
           </p:cNvPicPr>
@@ -17997,7 +17997,7 @@
       </p:pic>
       <p:pic>
         <p:nvPicPr>
-          <p:cNvPr id="66" name="Image 34" descr="/var/folders/1y/yzhkrds14j1gm67qjvlds8tm7vvy2b/T/icon-icon-0ob3ea0k2-1767662390919.png">    </p:cNvPr>
+          <p:cNvPr id="66" name="Image 34" descr="/var/folders/1y/yzhkrds14j1gm67qjvlds8tm7vvy2b/T/icon-icon-hrdgj231b-1767663830486.png">    </p:cNvPr>
           <p:cNvPicPr>
             <a:picLocks noChangeAspect="1"/>
           </p:cNvPicPr>
@@ -18021,7 +18021,7 @@
       </p:pic>
       <p:pic>
         <p:nvPicPr>
-          <p:cNvPr id="67" name="Image 35" descr="/var/folders/1y/yzhkrds14j1gm67qjvlds8tm7vvy2b/T/icon-icon-0ob3ea0k2-1767662390953.png">    </p:cNvPr>
+          <p:cNvPr id="67" name="Image 35" descr="/var/folders/1y/yzhkrds14j1gm67qjvlds8tm7vvy2b/T/icon-icon-hrdgj231b-1767663830528.png">    </p:cNvPr>
           <p:cNvPicPr>
             <a:picLocks noChangeAspect="1"/>
           </p:cNvPicPr>
@@ -18045,7 +18045,7 @@
       </p:pic>
       <p:pic>
         <p:nvPicPr>
-          <p:cNvPr id="68" name="Image 36" descr="/var/folders/1y/yzhkrds14j1gm67qjvlds8tm7vvy2b/T/icon-icon-kasbhogq6-1767662390987.png">    </p:cNvPr>
+          <p:cNvPr id="68" name="Image 36" descr="/var/folders/1y/yzhkrds14j1gm67qjvlds8tm7vvy2b/T/icon-icon-s13tw7us8-1767663830570.png">    </p:cNvPr>
           <p:cNvPicPr>
             <a:picLocks noChangeAspect="1"/>
           </p:cNvPicPr>
@@ -18069,7 +18069,7 @@
       </p:pic>
       <p:pic>
         <p:nvPicPr>
-          <p:cNvPr id="69" name="Image 37" descr="/var/folders/1y/yzhkrds14j1gm67qjvlds8tm7vvy2b/T/icon-icon-kasbhogq6-1767662391028.png">    </p:cNvPr>
+          <p:cNvPr id="69" name="Image 37" descr="/var/folders/1y/yzhkrds14j1gm67qjvlds8tm7vvy2b/T/icon-icon-s13tw7us8-1767663830611.png">    </p:cNvPr>
           <p:cNvPicPr>
             <a:picLocks noChangeAspect="1"/>
           </p:cNvPicPr>
@@ -18093,7 +18093,7 @@
       </p:pic>
       <p:pic>
         <p:nvPicPr>
-          <p:cNvPr id="70" name="Image 38" descr="/var/folders/1y/yzhkrds14j1gm67qjvlds8tm7vvy2b/T/icon-icon-v341w9dh3-1767662391061.png">    </p:cNvPr>
+          <p:cNvPr id="70" name="Image 38" descr="/var/folders/1y/yzhkrds14j1gm67qjvlds8tm7vvy2b/T/icon-icon-d3q746fc9-1767663830644.png">    </p:cNvPr>
           <p:cNvPicPr>
             <a:picLocks noChangeAspect="1"/>
           </p:cNvPicPr>
@@ -18117,7 +18117,7 @@
       </p:pic>
       <p:pic>
         <p:nvPicPr>
-          <p:cNvPr id="71" name="Image 39" descr="/var/folders/1y/yzhkrds14j1gm67qjvlds8tm7vvy2b/T/icon-icon-v341w9dh3-1767662391094.png">    </p:cNvPr>
+          <p:cNvPr id="71" name="Image 39" descr="/var/folders/1y/yzhkrds14j1gm67qjvlds8tm7vvy2b/T/icon-icon-d3q746fc9-1767663830678.png">    </p:cNvPr>
           <p:cNvPicPr>
             <a:picLocks noChangeAspect="1"/>
           </p:cNvPicPr>

--- a/test2_output.pptx
+++ b/test2_output.pptx
@@ -2235,7 +2235,7 @@
       </p:sp>
       <p:pic>
         <p:nvPicPr>
-          <p:cNvPr id="12" name="Image 1" descr="/var/folders/1y/yzhkrds14j1gm67qjvlds8tm7vvy2b/T/icon-bg-c50fli3wy-1767663812312.png">    </p:cNvPr>
+          <p:cNvPr id="12" name="Image 1" descr="/var/folders/1y/yzhkrds14j1gm67qjvlds8tm7vvy2b/T/icon-bg-f87z2ykrt-1767664874584.png">    </p:cNvPr>
           <p:cNvPicPr>
             <a:picLocks noChangeAspect="1"/>
           </p:cNvPicPr>
@@ -2259,7 +2259,7 @@
       </p:pic>
       <p:pic>
         <p:nvPicPr>
-          <p:cNvPr id="13" name="Image 2" descr="/var/folders/1y/yzhkrds14j1gm67qjvlds8tm7vvy2b/T/icon-icon-ouaj0wnuj-1767663812476.png">    </p:cNvPr>
+          <p:cNvPr id="13" name="Image 2" descr="/var/folders/1y/yzhkrds14j1gm67qjvlds8tm7vvy2b/T/icon-icon-j1a56nc3q-1767664874756.png">    </p:cNvPr>
           <p:cNvPicPr>
             <a:picLocks noChangeAspect="1"/>
           </p:cNvPicPr>
@@ -2283,7 +2283,7 @@
       </p:pic>
       <p:pic>
         <p:nvPicPr>
-          <p:cNvPr id="14" name="Image 3" descr="/var/folders/1y/yzhkrds14j1gm67qjvlds8tm7vvy2b/T/icon-icon-pvqkmehbe-1767663812511.png">    </p:cNvPr>
+          <p:cNvPr id="14" name="Image 3" descr="/var/folders/1y/yzhkrds14j1gm67qjvlds8tm7vvy2b/T/icon-icon-dk7jc6mzw-1767664874791.png">    </p:cNvPr>
           <p:cNvPicPr>
             <a:picLocks noChangeAspect="1"/>
           </p:cNvPicPr>
@@ -3296,7 +3296,7 @@
       </p:sp>
       <p:pic>
         <p:nvPicPr>
-          <p:cNvPr id="25" name="Image 0" descr="/var/folders/1y/yzhkrds14j1gm67qjvlds8tm7vvy2b/T/icon-icon-xikgeg9xt-1767663832494.png">    </p:cNvPr>
+          <p:cNvPr id="25" name="Image 0" descr="/var/folders/1y/yzhkrds14j1gm67qjvlds8tm7vvy2b/T/icon-icon-dnl64xu1m-1767664895031.png">    </p:cNvPr>
           <p:cNvPicPr>
             <a:picLocks noChangeAspect="1"/>
           </p:cNvPicPr>
@@ -3320,7 +3320,7 @@
       </p:pic>
       <p:pic>
         <p:nvPicPr>
-          <p:cNvPr id="26" name="Image 1" descr="/var/folders/1y/yzhkrds14j1gm67qjvlds8tm7vvy2b/T/icon-icon-o9yhi4fye-1767663832536.png">    </p:cNvPr>
+          <p:cNvPr id="26" name="Image 1" descr="/var/folders/1y/yzhkrds14j1gm67qjvlds8tm7vvy2b/T/icon-icon-clfe52hk0-1767664895075.png">    </p:cNvPr>
           <p:cNvPicPr>
             <a:picLocks noChangeAspect="1"/>
           </p:cNvPicPr>
@@ -3344,7 +3344,7 @@
       </p:pic>
       <p:pic>
         <p:nvPicPr>
-          <p:cNvPr id="27" name="Image 2" descr="/var/folders/1y/yzhkrds14j1gm67qjvlds8tm7vvy2b/T/icon-icon-8yr59yhtc-1767663832568.png">    </p:cNvPr>
+          <p:cNvPr id="27" name="Image 2" descr="/var/folders/1y/yzhkrds14j1gm67qjvlds8tm7vvy2b/T/icon-icon-27pik06be-1767664895107.png">    </p:cNvPr>
           <p:cNvPicPr>
             <a:picLocks noChangeAspect="1"/>
           </p:cNvPicPr>
@@ -3368,7 +3368,7 @@
       </p:pic>
       <p:pic>
         <p:nvPicPr>
-          <p:cNvPr id="28" name="Image 3" descr="/var/folders/1y/yzhkrds14j1gm67qjvlds8tm7vvy2b/T/icon-icon-fb84jibaw-1767663832601.png">    </p:cNvPr>
+          <p:cNvPr id="28" name="Image 3" descr="/var/folders/1y/yzhkrds14j1gm67qjvlds8tm7vvy2b/T/icon-icon-4e5d87mvp-1767664895140.png">    </p:cNvPr>
           <p:cNvPicPr>
             <a:picLocks noChangeAspect="1"/>
           </p:cNvPicPr>
@@ -3392,7 +3392,7 @@
       </p:pic>
       <p:pic>
         <p:nvPicPr>
-          <p:cNvPr id="29" name="Image 4" descr="/var/folders/1y/yzhkrds14j1gm67qjvlds8tm7vvy2b/T/icon-icon-vkupwsvwu-1767663832634.png">    </p:cNvPr>
+          <p:cNvPr id="29" name="Image 4" descr="/var/folders/1y/yzhkrds14j1gm67qjvlds8tm7vvy2b/T/icon-icon-h3pvw9ejf-1767664895174.png">    </p:cNvPr>
           <p:cNvPicPr>
             <a:picLocks noChangeAspect="1"/>
           </p:cNvPicPr>
@@ -3416,7 +3416,7 @@
       </p:pic>
       <p:pic>
         <p:nvPicPr>
-          <p:cNvPr id="30" name="Image 5" descr="/var/folders/1y/yzhkrds14j1gm67qjvlds8tm7vvy2b/T/icon-icon-r4q2d57di-1767663832668.png">    </p:cNvPr>
+          <p:cNvPr id="30" name="Image 5" descr="/var/folders/1y/yzhkrds14j1gm67qjvlds8tm7vvy2b/T/icon-icon-xj510mblr-1767664895208.png">    </p:cNvPr>
           <p:cNvPicPr>
             <a:picLocks noChangeAspect="1"/>
           </p:cNvPicPr>
@@ -3440,7 +3440,7 @@
       </p:pic>
       <p:pic>
         <p:nvPicPr>
-          <p:cNvPr id="31" name="Image 6" descr="/var/folders/1y/yzhkrds14j1gm67qjvlds8tm7vvy2b/T/icon-icon-4t7rlgly3-1767663832701.png">    </p:cNvPr>
+          <p:cNvPr id="31" name="Image 6" descr="/var/folders/1y/yzhkrds14j1gm67qjvlds8tm7vvy2b/T/icon-icon-6na0axnn6-1767664895240.png">    </p:cNvPr>
           <p:cNvPicPr>
             <a:picLocks noChangeAspect="1"/>
           </p:cNvPicPr>
@@ -3464,7 +3464,7 @@
       </p:pic>
       <p:pic>
         <p:nvPicPr>
-          <p:cNvPr id="32" name="Image 7" descr="/var/folders/1y/yzhkrds14j1gm67qjvlds8tm7vvy2b/T/icon-icon-r4q2d57di-1767663832734.png">    </p:cNvPr>
+          <p:cNvPr id="32" name="Image 7" descr="/var/folders/1y/yzhkrds14j1gm67qjvlds8tm7vvy2b/T/icon-icon-xj510mblr-1767664895274.png">    </p:cNvPr>
           <p:cNvPicPr>
             <a:picLocks noChangeAspect="1"/>
           </p:cNvPicPr>
@@ -3488,7 +3488,7 @@
       </p:pic>
       <p:pic>
         <p:nvPicPr>
-          <p:cNvPr id="33" name="Image 8" descr="/var/folders/1y/yzhkrds14j1gm67qjvlds8tm7vvy2b/T/icon-icon-4t7rlgly3-1767663832768.png">    </p:cNvPr>
+          <p:cNvPr id="33" name="Image 8" descr="/var/folders/1y/yzhkrds14j1gm67qjvlds8tm7vvy2b/T/icon-icon-6na0axnn6-1767664895307.png">    </p:cNvPr>
           <p:cNvPicPr>
             <a:picLocks noChangeAspect="1"/>
           </p:cNvPicPr>
@@ -4421,7 +4421,7 @@
       </p:sp>
       <p:pic>
         <p:nvPicPr>
-          <p:cNvPr id="23" name="Image 0" descr="/var/folders/1y/yzhkrds14j1gm67qjvlds8tm7vvy2b/T/icon-icon-iwezqpf9l-1767663834654.png">    </p:cNvPr>
+          <p:cNvPr id="23" name="Image 0" descr="/var/folders/1y/yzhkrds14j1gm67qjvlds8tm7vvy2b/T/icon-icon-j73wruohb-1767664897130.png">    </p:cNvPr>
           <p:cNvPicPr>
             <a:picLocks noChangeAspect="1"/>
           </p:cNvPicPr>
@@ -4445,7 +4445,7 @@
       </p:pic>
       <p:pic>
         <p:nvPicPr>
-          <p:cNvPr id="24" name="Image 1" descr="/var/folders/1y/yzhkrds14j1gm67qjvlds8tm7vvy2b/T/icon-icon-gg1saqrln-1767663834703.png">    </p:cNvPr>
+          <p:cNvPr id="24" name="Image 1" descr="/var/folders/1y/yzhkrds14j1gm67qjvlds8tm7vvy2b/T/icon-icon-x7z8aisaj-1767664897174.png">    </p:cNvPr>
           <p:cNvPicPr>
             <a:picLocks noChangeAspect="1"/>
           </p:cNvPicPr>
@@ -4469,7 +4469,7 @@
       </p:pic>
       <p:pic>
         <p:nvPicPr>
-          <p:cNvPr id="25" name="Image 2" descr="/var/folders/1y/yzhkrds14j1gm67qjvlds8tm7vvy2b/T/icon-icon-1s5f63i6b-1767663834736.png">    </p:cNvPr>
+          <p:cNvPr id="25" name="Image 2" descr="/var/folders/1y/yzhkrds14j1gm67qjvlds8tm7vvy2b/T/icon-icon-ag21q9pvy-1767664897209.png">    </p:cNvPr>
           <p:cNvPicPr>
             <a:picLocks noChangeAspect="1"/>
           </p:cNvPicPr>
@@ -4493,7 +4493,7 @@
       </p:pic>
       <p:pic>
         <p:nvPicPr>
-          <p:cNvPr id="26" name="Image 3" descr="/var/folders/1y/yzhkrds14j1gm67qjvlds8tm7vvy2b/T/icon-icon-l12lmb8rk-1767663834769.png">    </p:cNvPr>
+          <p:cNvPr id="26" name="Image 3" descr="/var/folders/1y/yzhkrds14j1gm67qjvlds8tm7vvy2b/T/icon-icon-m1bc991yp-1767664897240.png">    </p:cNvPr>
           <p:cNvPicPr>
             <a:picLocks noChangeAspect="1"/>
           </p:cNvPicPr>
@@ -4517,7 +4517,7 @@
       </p:pic>
       <p:pic>
         <p:nvPicPr>
-          <p:cNvPr id="27" name="Image 4" descr="/var/folders/1y/yzhkrds14j1gm67qjvlds8tm7vvy2b/T/icon-icon-r9opmmakd-1767663834801.png">    </p:cNvPr>
+          <p:cNvPr id="27" name="Image 4" descr="/var/folders/1y/yzhkrds14j1gm67qjvlds8tm7vvy2b/T/icon-icon-gdggr4nk9-1767664897273.png">    </p:cNvPr>
           <p:cNvPicPr>
             <a:picLocks noChangeAspect="1"/>
           </p:cNvPicPr>
@@ -4541,7 +4541,7 @@
       </p:pic>
       <p:pic>
         <p:nvPicPr>
-          <p:cNvPr id="28" name="Image 5" descr="/var/folders/1y/yzhkrds14j1gm67qjvlds8tm7vvy2b/T/icon-icon-l12lmb8rk-1767663834834.png">    </p:cNvPr>
+          <p:cNvPr id="28" name="Image 5" descr="/var/folders/1y/yzhkrds14j1gm67qjvlds8tm7vvy2b/T/icon-icon-m1bc991yp-1767664897307.png">    </p:cNvPr>
           <p:cNvPicPr>
             <a:picLocks noChangeAspect="1"/>
           </p:cNvPicPr>
@@ -4565,7 +4565,7 @@
       </p:pic>
       <p:pic>
         <p:nvPicPr>
-          <p:cNvPr id="29" name="Image 6" descr="/var/folders/1y/yzhkrds14j1gm67qjvlds8tm7vvy2b/T/icon-icon-r9opmmakd-1767663834869.png">    </p:cNvPr>
+          <p:cNvPr id="29" name="Image 6" descr="/var/folders/1y/yzhkrds14j1gm67qjvlds8tm7vvy2b/T/icon-icon-gdggr4nk9-1767664897343.png">    </p:cNvPr>
           <p:cNvPicPr>
             <a:picLocks noChangeAspect="1"/>
           </p:cNvPicPr>
@@ -5868,7 +5868,7 @@
       </p:sp>
       <p:pic>
         <p:nvPicPr>
-          <p:cNvPr id="31" name="Image 0" descr="/var/folders/1y/yzhkrds14j1gm67qjvlds8tm7vvy2b/T/icon-icon-2vqfal8g9-1767663836834.png">    </p:cNvPr>
+          <p:cNvPr id="31" name="Image 0" descr="/var/folders/1y/yzhkrds14j1gm67qjvlds8tm7vvy2b/T/icon-icon-gm4l9c4f0-1767664899202.png">    </p:cNvPr>
           <p:cNvPicPr>
             <a:picLocks noChangeAspect="1"/>
           </p:cNvPicPr>
@@ -5892,7 +5892,7 @@
       </p:pic>
       <p:pic>
         <p:nvPicPr>
-          <p:cNvPr id="32" name="Image 1" descr="/var/folders/1y/yzhkrds14j1gm67qjvlds8tm7vvy2b/T/icon-icon-uymcpbyp6-1767663836877.png">    </p:cNvPr>
+          <p:cNvPr id="32" name="Image 1" descr="/var/folders/1y/yzhkrds14j1gm67qjvlds8tm7vvy2b/T/icon-icon-qqymtncb2-1767664899242.png">    </p:cNvPr>
           <p:cNvPicPr>
             <a:picLocks noChangeAspect="1"/>
           </p:cNvPicPr>
@@ -5916,7 +5916,7 @@
       </p:pic>
       <p:pic>
         <p:nvPicPr>
-          <p:cNvPr id="33" name="Image 2" descr="/var/folders/1y/yzhkrds14j1gm67qjvlds8tm7vvy2b/T/icon-icon-3biyafx9j-1767663836910.png">    </p:cNvPr>
+          <p:cNvPr id="33" name="Image 2" descr="/var/folders/1y/yzhkrds14j1gm67qjvlds8tm7vvy2b/T/icon-icon-k4avse6r5-1767664899275.png">    </p:cNvPr>
           <p:cNvPicPr>
             <a:picLocks noChangeAspect="1"/>
           </p:cNvPicPr>
@@ -5940,7 +5940,7 @@
       </p:pic>
       <p:pic>
         <p:nvPicPr>
-          <p:cNvPr id="34" name="Image 3" descr="/var/folders/1y/yzhkrds14j1gm67qjvlds8tm7vvy2b/T/icon-icon-3biyafx9j-1767663836944.png">    </p:cNvPr>
+          <p:cNvPr id="34" name="Image 3" descr="/var/folders/1y/yzhkrds14j1gm67qjvlds8tm7vvy2b/T/icon-icon-k4avse6r5-1767664899309.png">    </p:cNvPr>
           <p:cNvPicPr>
             <a:picLocks noChangeAspect="1"/>
           </p:cNvPicPr>
@@ -5964,7 +5964,7 @@
       </p:pic>
       <p:pic>
         <p:nvPicPr>
-          <p:cNvPr id="35" name="Image 4" descr="/var/folders/1y/yzhkrds14j1gm67qjvlds8tm7vvy2b/T/icon-icon-yk0w2own0-1767663836977.png">    </p:cNvPr>
+          <p:cNvPr id="35" name="Image 4" descr="/var/folders/1y/yzhkrds14j1gm67qjvlds8tm7vvy2b/T/icon-icon-nqoefdiiq-1767664899342.png">    </p:cNvPr>
           <p:cNvPicPr>
             <a:picLocks noChangeAspect="1"/>
           </p:cNvPicPr>
@@ -5988,7 +5988,7 @@
       </p:pic>
       <p:pic>
         <p:nvPicPr>
-          <p:cNvPr id="36" name="Image 5" descr="/var/folders/1y/yzhkrds14j1gm67qjvlds8tm7vvy2b/T/icon-icon-yk0w2own0-1767663837011.png">    </p:cNvPr>
+          <p:cNvPr id="36" name="Image 5" descr="/var/folders/1y/yzhkrds14j1gm67qjvlds8tm7vvy2b/T/icon-icon-nqoefdiiq-1767664899375.png">    </p:cNvPr>
           <p:cNvPicPr>
             <a:picLocks noChangeAspect="1"/>
           </p:cNvPicPr>
@@ -6012,7 +6012,7 @@
       </p:pic>
       <p:pic>
         <p:nvPicPr>
-          <p:cNvPr id="37" name="Image 6" descr="/var/folders/1y/yzhkrds14j1gm67qjvlds8tm7vvy2b/T/icon-icon-8wyrxrm4d-1767663837044.png">    </p:cNvPr>
+          <p:cNvPr id="37" name="Image 6" descr="/var/folders/1y/yzhkrds14j1gm67qjvlds8tm7vvy2b/T/icon-icon-ufvpohcgz-1767664899409.png">    </p:cNvPr>
           <p:cNvPicPr>
             <a:picLocks noChangeAspect="1"/>
           </p:cNvPicPr>
@@ -6036,7 +6036,7 @@
       </p:pic>
       <p:pic>
         <p:nvPicPr>
-          <p:cNvPr id="38" name="Image 7" descr="/var/folders/1y/yzhkrds14j1gm67qjvlds8tm7vvy2b/T/icon-icon-uyi7itgrm-1767663837076.png">    </p:cNvPr>
+          <p:cNvPr id="38" name="Image 7" descr="/var/folders/1y/yzhkrds14j1gm67qjvlds8tm7vvy2b/T/icon-icon-yro73zelu-1767664899441.png">    </p:cNvPr>
           <p:cNvPicPr>
             <a:picLocks noChangeAspect="1"/>
           </p:cNvPicPr>
@@ -6060,7 +6060,7 @@
       </p:pic>
       <p:pic>
         <p:nvPicPr>
-          <p:cNvPr id="39" name="Image 8" descr="/var/folders/1y/yzhkrds14j1gm67qjvlds8tm7vvy2b/T/icon-icon-jv42dxcuv-1767663837109.png">    </p:cNvPr>
+          <p:cNvPr id="39" name="Image 8" descr="/var/folders/1y/yzhkrds14j1gm67qjvlds8tm7vvy2b/T/icon-icon-oqbsbf944-1767664899474.png">    </p:cNvPr>
           <p:cNvPicPr>
             <a:picLocks noChangeAspect="1"/>
           </p:cNvPicPr>
@@ -6084,7 +6084,7 @@
       </p:pic>
       <p:pic>
         <p:nvPicPr>
-          <p:cNvPr id="40" name="Image 9" descr="/var/folders/1y/yzhkrds14j1gm67qjvlds8tm7vvy2b/T/icon-icon-b2gm2f8cz-1767663837145.png">    </p:cNvPr>
+          <p:cNvPr id="40" name="Image 9" descr="/var/folders/1y/yzhkrds14j1gm67qjvlds8tm7vvy2b/T/icon-icon-rhq8u40ve-1767664899507.png">    </p:cNvPr>
           <p:cNvPicPr>
             <a:picLocks noChangeAspect="1"/>
           </p:cNvPicPr>
@@ -6108,7 +6108,7 @@
       </p:pic>
       <p:pic>
         <p:nvPicPr>
-          <p:cNvPr id="41" name="Image 10" descr="/var/folders/1y/yzhkrds14j1gm67qjvlds8tm7vvy2b/T/icon-icon-b2gm2f8cz-1767663837178.png">    </p:cNvPr>
+          <p:cNvPr id="41" name="Image 10" descr="/var/folders/1y/yzhkrds14j1gm67qjvlds8tm7vvy2b/T/icon-icon-rhq8u40ve-1767664899542.png">    </p:cNvPr>
           <p:cNvPicPr>
             <a:picLocks noChangeAspect="1"/>
           </p:cNvPicPr>
@@ -6132,7 +6132,7 @@
       </p:pic>
       <p:pic>
         <p:nvPicPr>
-          <p:cNvPr id="42" name="Image 11" descr="/var/folders/1y/yzhkrds14j1gm67qjvlds8tm7vvy2b/T/icon-icon-jjhzkywu2-1767663837211.png">    </p:cNvPr>
+          <p:cNvPr id="42" name="Image 11" descr="/var/folders/1y/yzhkrds14j1gm67qjvlds8tm7vvy2b/T/icon-icon-lvmow85vq-1767664899575.png">    </p:cNvPr>
           <p:cNvPicPr>
             <a:picLocks noChangeAspect="1"/>
           </p:cNvPicPr>
@@ -6156,7 +6156,7 @@
       </p:pic>
       <p:pic>
         <p:nvPicPr>
-          <p:cNvPr id="43" name="Image 12" descr="/var/folders/1y/yzhkrds14j1gm67qjvlds8tm7vvy2b/T/icon-icon-jjhzkywu2-1767663837245.png">    </p:cNvPr>
+          <p:cNvPr id="43" name="Image 12" descr="/var/folders/1y/yzhkrds14j1gm67qjvlds8tm7vvy2b/T/icon-icon-lvmow85vq-1767664899607.png">    </p:cNvPr>
           <p:cNvPicPr>
             <a:picLocks noChangeAspect="1"/>
           </p:cNvPicPr>
@@ -6180,7 +6180,7 @@
       </p:pic>
       <p:pic>
         <p:nvPicPr>
-          <p:cNvPr id="44" name="Image 13" descr="/var/folders/1y/yzhkrds14j1gm67qjvlds8tm7vvy2b/T/icon-icon-mnxpygdnf-1767663837277.png">    </p:cNvPr>
+          <p:cNvPr id="44" name="Image 13" descr="/var/folders/1y/yzhkrds14j1gm67qjvlds8tm7vvy2b/T/icon-icon-8qift7e6h-1767664899642.png">    </p:cNvPr>
           <p:cNvPicPr>
             <a:picLocks noChangeAspect="1"/>
           </p:cNvPicPr>
@@ -6204,7 +6204,7 @@
       </p:pic>
       <p:pic>
         <p:nvPicPr>
-          <p:cNvPr id="45" name="Image 14" descr="/var/folders/1y/yzhkrds14j1gm67qjvlds8tm7vvy2b/T/icon-icon-mnxpygdnf-1767663837311.png">    </p:cNvPr>
+          <p:cNvPr id="45" name="Image 14" descr="/var/folders/1y/yzhkrds14j1gm67qjvlds8tm7vvy2b/T/icon-icon-8qift7e6h-1767664899683.png">    </p:cNvPr>
           <p:cNvPicPr>
             <a:picLocks noChangeAspect="1"/>
           </p:cNvPicPr>
@@ -6228,7 +6228,7 @@
       </p:pic>
       <p:pic>
         <p:nvPicPr>
-          <p:cNvPr id="46" name="Image 15" descr="/var/folders/1y/yzhkrds14j1gm67qjvlds8tm7vvy2b/T/icon-icon-xp76pzj3t-1767663837344.png">    </p:cNvPr>
+          <p:cNvPr id="46" name="Image 15" descr="/var/folders/1y/yzhkrds14j1gm67qjvlds8tm7vvy2b/T/icon-icon-wuz8gb6hq-1767664899717.png">    </p:cNvPr>
           <p:cNvPicPr>
             <a:picLocks noChangeAspect="1"/>
           </p:cNvPicPr>
@@ -6252,7 +6252,7 @@
       </p:pic>
       <p:pic>
         <p:nvPicPr>
-          <p:cNvPr id="47" name="Image 16" descr="/var/folders/1y/yzhkrds14j1gm67qjvlds8tm7vvy2b/T/icon-icon-xp76pzj3t-1767663837386.png">    </p:cNvPr>
+          <p:cNvPr id="47" name="Image 16" descr="/var/folders/1y/yzhkrds14j1gm67qjvlds8tm7vvy2b/T/icon-icon-wuz8gb6hq-1767664899757.png">    </p:cNvPr>
           <p:cNvPicPr>
             <a:picLocks noChangeAspect="1"/>
           </p:cNvPicPr>
@@ -7094,7 +7094,7 @@
       </p:sp>
       <p:pic>
         <p:nvPicPr>
-          <p:cNvPr id="23" name="Image 0" descr="/var/folders/1y/yzhkrds14j1gm67qjvlds8tm7vvy2b/T/icon-icon-mfol73pfp-1767663814337.png">    </p:cNvPr>
+          <p:cNvPr id="23" name="Image 0" descr="/var/folders/1y/yzhkrds14j1gm67qjvlds8tm7vvy2b/T/icon-icon-2yqzlwtkg-1767664876669.png">    </p:cNvPr>
           <p:cNvPicPr>
             <a:picLocks noChangeAspect="1"/>
           </p:cNvPicPr>
@@ -7118,7 +7118,7 @@
       </p:pic>
       <p:pic>
         <p:nvPicPr>
-          <p:cNvPr id="24" name="Image 1" descr="/var/folders/1y/yzhkrds14j1gm67qjvlds8tm7vvy2b/T/icon-icon-rspdg49qk-1767663814379.png">    </p:cNvPr>
+          <p:cNvPr id="24" name="Image 1" descr="/var/folders/1y/yzhkrds14j1gm67qjvlds8tm7vvy2b/T/icon-icon-3pp2s79c6-1767664876710.png">    </p:cNvPr>
           <p:cNvPicPr>
             <a:picLocks noChangeAspect="1"/>
           </p:cNvPicPr>
@@ -7142,7 +7142,7 @@
       </p:pic>
       <p:pic>
         <p:nvPicPr>
-          <p:cNvPr id="25" name="Image 2" descr="/var/folders/1y/yzhkrds14j1gm67qjvlds8tm7vvy2b/T/icon-icon-f1htk1msd-1767663814410.png">    </p:cNvPr>
+          <p:cNvPr id="25" name="Image 2" descr="/var/folders/1y/yzhkrds14j1gm67qjvlds8tm7vvy2b/T/icon-icon-qtfy5k2l7-1767664876741.png">    </p:cNvPr>
           <p:cNvPicPr>
             <a:picLocks noChangeAspect="1"/>
           </p:cNvPicPr>
@@ -7166,7 +7166,7 @@
       </p:pic>
       <p:pic>
         <p:nvPicPr>
-          <p:cNvPr id="26" name="Image 3" descr="/var/folders/1y/yzhkrds14j1gm67qjvlds8tm7vvy2b/T/icon-icon-8bpk0dhoe-1767663814445.png">    </p:cNvPr>
+          <p:cNvPr id="26" name="Image 3" descr="/var/folders/1y/yzhkrds14j1gm67qjvlds8tm7vvy2b/T/icon-icon-99t5x2qi7-1767664876775.png">    </p:cNvPr>
           <p:cNvPicPr>
             <a:picLocks noChangeAspect="1"/>
           </p:cNvPicPr>
@@ -7190,7 +7190,7 @@
       </p:pic>
       <p:pic>
         <p:nvPicPr>
-          <p:cNvPr id="27" name="Image 4" descr="/var/folders/1y/yzhkrds14j1gm67qjvlds8tm7vvy2b/T/icon-icon-8bpk0dhoe-1767663814485.png">    </p:cNvPr>
+          <p:cNvPr id="27" name="Image 4" descr="/var/folders/1y/yzhkrds14j1gm67qjvlds8tm7vvy2b/T/icon-icon-99t5x2qi7-1767664876807.png">    </p:cNvPr>
           <p:cNvPicPr>
             <a:picLocks noChangeAspect="1"/>
           </p:cNvPicPr>
@@ -8410,7 +8410,7 @@
       </p:sp>
       <p:pic>
         <p:nvPicPr>
-          <p:cNvPr id="32" name="Image 0" descr="/var/folders/1y/yzhkrds14j1gm67qjvlds8tm7vvy2b/T/icon-icon-8p2e6d1zv-1767663816362.png">    </p:cNvPr>
+          <p:cNvPr id="32" name="Image 0" descr="/var/folders/1y/yzhkrds14j1gm67qjvlds8tm7vvy2b/T/icon-icon-rh7rjyoci-1767664878669.png">    </p:cNvPr>
           <p:cNvPicPr>
             <a:picLocks noChangeAspect="1"/>
           </p:cNvPicPr>
@@ -8434,7 +8434,7 @@
       </p:pic>
       <p:pic>
         <p:nvPicPr>
-          <p:cNvPr id="33" name="Image 1" descr="/var/folders/1y/yzhkrds14j1gm67qjvlds8tm7vvy2b/T/icon-icon-wh1e0ekjb-1767663816402.png">    </p:cNvPr>
+          <p:cNvPr id="33" name="Image 1" descr="/var/folders/1y/yzhkrds14j1gm67qjvlds8tm7vvy2b/T/icon-icon-suefyi05s-1767664878718.png">    </p:cNvPr>
           <p:cNvPicPr>
             <a:picLocks noChangeAspect="1"/>
           </p:cNvPicPr>
@@ -8458,7 +8458,7 @@
       </p:pic>
       <p:pic>
         <p:nvPicPr>
-          <p:cNvPr id="34" name="Image 2" descr="/var/folders/1y/yzhkrds14j1gm67qjvlds8tm7vvy2b/T/icon-icon-rcie3v039-1767663816435.png">    </p:cNvPr>
+          <p:cNvPr id="34" name="Image 2" descr="/var/folders/1y/yzhkrds14j1gm67qjvlds8tm7vvy2b/T/icon-icon-300s4b0ox-1767664878749.png">    </p:cNvPr>
           <p:cNvPicPr>
             <a:picLocks noChangeAspect="1"/>
           </p:cNvPicPr>
@@ -8482,7 +8482,7 @@
       </p:pic>
       <p:pic>
         <p:nvPicPr>
-          <p:cNvPr id="35" name="Image 3" descr="/var/folders/1y/yzhkrds14j1gm67qjvlds8tm7vvy2b/T/icon-icon-poza6m8hj-1767663816468.png">    </p:cNvPr>
+          <p:cNvPr id="35" name="Image 3" descr="/var/folders/1y/yzhkrds14j1gm67qjvlds8tm7vvy2b/T/icon-icon-b1c5ptimm-1767664878784.png">    </p:cNvPr>
           <p:cNvPicPr>
             <a:picLocks noChangeAspect="1"/>
           </p:cNvPicPr>
@@ -9448,7 +9448,7 @@
       </p:sp>
       <p:pic>
         <p:nvPicPr>
-          <p:cNvPr id="27" name="Image 0" descr="/var/folders/1y/yzhkrds14j1gm67qjvlds8tm7vvy2b/T/icon-icon-n0l3ubcvs-1767663818308.png">    </p:cNvPr>
+          <p:cNvPr id="27" name="Image 0" descr="/var/folders/1y/yzhkrds14j1gm67qjvlds8tm7vvy2b/T/icon-icon-c9magapd2-1767664880752.png">    </p:cNvPr>
           <p:cNvPicPr>
             <a:picLocks noChangeAspect="1"/>
           </p:cNvPicPr>
@@ -9472,7 +9472,7 @@
       </p:pic>
       <p:pic>
         <p:nvPicPr>
-          <p:cNvPr id="28" name="Image 1" descr="/var/folders/1y/yzhkrds14j1gm67qjvlds8tm7vvy2b/T/icon-icon-1lmi6k4fs-1767663818353.png">    </p:cNvPr>
+          <p:cNvPr id="28" name="Image 1" descr="/var/folders/1y/yzhkrds14j1gm67qjvlds8tm7vvy2b/T/icon-icon-jf74587je-1767664880801.png">    </p:cNvPr>
           <p:cNvPicPr>
             <a:picLocks noChangeAspect="1"/>
           </p:cNvPicPr>
@@ -9496,7 +9496,7 @@
       </p:pic>
       <p:pic>
         <p:nvPicPr>
-          <p:cNvPr id="29" name="Image 2" descr="/var/folders/1y/yzhkrds14j1gm67qjvlds8tm7vvy2b/T/icon-icon-rq8bffcib-1767663818386.png">    </p:cNvPr>
+          <p:cNvPr id="29" name="Image 2" descr="/var/folders/1y/yzhkrds14j1gm67qjvlds8tm7vvy2b/T/icon-icon-h9gb4k7x7-1767664880831.png">    </p:cNvPr>
           <p:cNvPicPr>
             <a:picLocks noChangeAspect="1"/>
           </p:cNvPicPr>
@@ -9520,7 +9520,7 @@
       </p:pic>
       <p:pic>
         <p:nvPicPr>
-          <p:cNvPr id="30" name="Image 3" descr="/var/folders/1y/yzhkrds14j1gm67qjvlds8tm7vvy2b/T/icon-icon-6vcijxy5k-1767663818420.png">    </p:cNvPr>
+          <p:cNvPr id="30" name="Image 3" descr="/var/folders/1y/yzhkrds14j1gm67qjvlds8tm7vvy2b/T/icon-icon-g6d3ylrgl-1767664880865.png">    </p:cNvPr>
           <p:cNvPicPr>
             <a:picLocks noChangeAspect="1"/>
           </p:cNvPicPr>
@@ -10298,7 +10298,7 @@
       </p:sp>
       <p:pic>
         <p:nvPicPr>
-          <p:cNvPr id="22" name="Image 1" descr="/var/folders/1y/yzhkrds14j1gm67qjvlds8tm7vvy2b/T/icon-icon-9ao90q44e-1767663820258.png">    </p:cNvPr>
+          <p:cNvPr id="22" name="Image 1" descr="/var/folders/1y/yzhkrds14j1gm67qjvlds8tm7vvy2b/T/icon-icon-xnpvgnqjy-1767664882539.png">    </p:cNvPr>
           <p:cNvPicPr>
             <a:picLocks noChangeAspect="1"/>
           </p:cNvPicPr>
@@ -10322,7 +10322,7 @@
       </p:pic>
       <p:pic>
         <p:nvPicPr>
-          <p:cNvPr id="23" name="Image 2" descr="/var/folders/1y/yzhkrds14j1gm67qjvlds8tm7vvy2b/T/icon-icon-va4tkglsk-1767663820302.png">    </p:cNvPr>
+          <p:cNvPr id="23" name="Image 2" descr="/var/folders/1y/yzhkrds14j1gm67qjvlds8tm7vvy2b/T/icon-icon-d14jeri0b-1767664882584.png">    </p:cNvPr>
           <p:cNvPicPr>
             <a:picLocks noChangeAspect="1"/>
           </p:cNvPicPr>
@@ -10346,7 +10346,7 @@
       </p:pic>
       <p:pic>
         <p:nvPicPr>
-          <p:cNvPr id="24" name="Image 3" descr="/var/folders/1y/yzhkrds14j1gm67qjvlds8tm7vvy2b/T/icon-icon-r4v4ds9hb-1767663820335.png">    </p:cNvPr>
+          <p:cNvPr id="24" name="Image 3" descr="/var/folders/1y/yzhkrds14j1gm67qjvlds8tm7vvy2b/T/icon-icon-ecrxjwt93-1767664882615.png">    </p:cNvPr>
           <p:cNvPicPr>
             <a:picLocks noChangeAspect="1"/>
           </p:cNvPicPr>
@@ -11468,7 +11468,7 @@
       </p:sp>
       <p:pic>
         <p:nvPicPr>
-          <p:cNvPr id="29" name="Image 0" descr="/var/folders/1y/yzhkrds14j1gm67qjvlds8tm7vvy2b/T/icon-icon-m3ok84rg3-1767663822144.png">    </p:cNvPr>
+          <p:cNvPr id="29" name="Image 0" descr="/var/folders/1y/yzhkrds14j1gm67qjvlds8tm7vvy2b/T/icon-icon-h9wlwz4qg-1767664884451.png">    </p:cNvPr>
           <p:cNvPicPr>
             <a:picLocks noChangeAspect="1"/>
           </p:cNvPicPr>
@@ -11492,7 +11492,7 @@
       </p:pic>
       <p:pic>
         <p:nvPicPr>
-          <p:cNvPr id="30" name="Image 1" descr="/var/folders/1y/yzhkrds14j1gm67qjvlds8tm7vvy2b/T/icon-icon-5cxh9t14n-1767663822188.png">    </p:cNvPr>
+          <p:cNvPr id="30" name="Image 1" descr="/var/folders/1y/yzhkrds14j1gm67qjvlds8tm7vvy2b/T/icon-icon-ib6stz4l3-1767664884501.png">    </p:cNvPr>
           <p:cNvPicPr>
             <a:picLocks noChangeAspect="1"/>
           </p:cNvPicPr>
@@ -11516,7 +11516,7 @@
       </p:pic>
       <p:pic>
         <p:nvPicPr>
-          <p:cNvPr id="31" name="Image 2" descr="/var/folders/1y/yzhkrds14j1gm67qjvlds8tm7vvy2b/T/icon-icon-2gnpq7yjz-1767663822227.png">    </p:cNvPr>
+          <p:cNvPr id="31" name="Image 2" descr="/var/folders/1y/yzhkrds14j1gm67qjvlds8tm7vvy2b/T/icon-icon-odyl7gbu6-1767664884540.png">    </p:cNvPr>
           <p:cNvPicPr>
             <a:picLocks noChangeAspect="1"/>
           </p:cNvPicPr>
@@ -11540,7 +11540,7 @@
       </p:pic>
       <p:pic>
         <p:nvPicPr>
-          <p:cNvPr id="32" name="Image 3" descr="/var/folders/1y/yzhkrds14j1gm67qjvlds8tm7vvy2b/T/icon-icon-2lskj2lfh-1767663822260.png">    </p:cNvPr>
+          <p:cNvPr id="32" name="Image 3" descr="/var/folders/1y/yzhkrds14j1gm67qjvlds8tm7vvy2b/T/icon-icon-pu7gmoa3z-1767664884574.png">    </p:cNvPr>
           <p:cNvPicPr>
             <a:picLocks noChangeAspect="1"/>
           </p:cNvPicPr>
@@ -11564,7 +11564,7 @@
       </p:pic>
       <p:pic>
         <p:nvPicPr>
-          <p:cNvPr id="33" name="Image 4" descr="/var/folders/1y/yzhkrds14j1gm67qjvlds8tm7vvy2b/T/icon-icon-ijq64wfmd-1767663822293.png">    </p:cNvPr>
+          <p:cNvPr id="33" name="Image 4" descr="/var/folders/1y/yzhkrds14j1gm67qjvlds8tm7vvy2b/T/icon-icon-ljxa3dbkl-1767664884608.png">    </p:cNvPr>
           <p:cNvPicPr>
             <a:picLocks noChangeAspect="1"/>
           </p:cNvPicPr>
@@ -11588,7 +11588,7 @@
       </p:pic>
       <p:pic>
         <p:nvPicPr>
-          <p:cNvPr id="34" name="Image 5" descr="/var/folders/1y/yzhkrds14j1gm67qjvlds8tm7vvy2b/T/icon-icon-35ugpubef-1767663822326.png">    </p:cNvPr>
+          <p:cNvPr id="34" name="Image 5" descr="/var/folders/1y/yzhkrds14j1gm67qjvlds8tm7vvy2b/T/icon-icon-clo419q79-1767664884643.png">    </p:cNvPr>
           <p:cNvPicPr>
             <a:picLocks noChangeAspect="1"/>
           </p:cNvPicPr>
@@ -11612,7 +11612,7 @@
       </p:pic>
       <p:pic>
         <p:nvPicPr>
-          <p:cNvPr id="35" name="Image 6" descr="/var/folders/1y/yzhkrds14j1gm67qjvlds8tm7vvy2b/T/icon-icon-zvz8lsrnq-1767663822361.png">    </p:cNvPr>
+          <p:cNvPr id="35" name="Image 6" descr="/var/folders/1y/yzhkrds14j1gm67qjvlds8tm7vvy2b/T/icon-icon-9j3q85rjy-1767664884684.png">    </p:cNvPr>
           <p:cNvPicPr>
             <a:picLocks noChangeAspect="1"/>
           </p:cNvPicPr>
@@ -13140,7 +13140,7 @@
       </p:sp>
       <p:pic>
         <p:nvPicPr>
-          <p:cNvPr id="29" name="Image 1" descr="/var/folders/1y/yzhkrds14j1gm67qjvlds8tm7vvy2b/T/icon-icon-ikhc9ux8z-1767663824216.png">    </p:cNvPr>
+          <p:cNvPr id="29" name="Image 1" descr="/var/folders/1y/yzhkrds14j1gm67qjvlds8tm7vvy2b/T/icon-icon-see3ozygh-1767664886560.png">    </p:cNvPr>
           <p:cNvPicPr>
             <a:picLocks noChangeAspect="1"/>
           </p:cNvPicPr>
@@ -13164,7 +13164,7 @@
       </p:pic>
       <p:pic>
         <p:nvPicPr>
-          <p:cNvPr id="30" name="Image 2" descr="/var/folders/1y/yzhkrds14j1gm67qjvlds8tm7vvy2b/T/icon-icon-rat9iirga-1767663824262.png">    </p:cNvPr>
+          <p:cNvPr id="30" name="Image 2" descr="/var/folders/1y/yzhkrds14j1gm67qjvlds8tm7vvy2b/T/icon-icon-7puw2ad6q-1767664886609.png">    </p:cNvPr>
           <p:cNvPicPr>
             <a:picLocks noChangeAspect="1"/>
           </p:cNvPicPr>
@@ -13188,7 +13188,7 @@
       </p:pic>
       <p:pic>
         <p:nvPicPr>
-          <p:cNvPr id="31" name="Image 3" descr="/var/folders/1y/yzhkrds14j1gm67qjvlds8tm7vvy2b/T/icon-icon-namz1eger-1767663824303.png">    </p:cNvPr>
+          <p:cNvPr id="31" name="Image 3" descr="/var/folders/1y/yzhkrds14j1gm67qjvlds8tm7vvy2b/T/icon-icon-l2dbewyuh-1767664886648.png">    </p:cNvPr>
           <p:cNvPicPr>
             <a:picLocks noChangeAspect="1"/>
           </p:cNvPicPr>
@@ -13212,7 +13212,7 @@
       </p:pic>
       <p:pic>
         <p:nvPicPr>
-          <p:cNvPr id="32" name="Image 4" descr="/var/folders/1y/yzhkrds14j1gm67qjvlds8tm7vvy2b/T/icon-icon-lvt7k9xw1-1767663824336.png">    </p:cNvPr>
+          <p:cNvPr id="32" name="Image 4" descr="/var/folders/1y/yzhkrds14j1gm67qjvlds8tm7vvy2b/T/icon-icon-fs3ts5j77-1767664886683.png">    </p:cNvPr>
           <p:cNvPicPr>
             <a:picLocks noChangeAspect="1"/>
           </p:cNvPicPr>
@@ -13236,7 +13236,7 @@
       </p:pic>
       <p:pic>
         <p:nvPicPr>
-          <p:cNvPr id="33" name="Image 5" descr="/var/folders/1y/yzhkrds14j1gm67qjvlds8tm7vvy2b/T/icon-icon-rat9iirga-1767663824370.png">    </p:cNvPr>
+          <p:cNvPr id="33" name="Image 5" descr="/var/folders/1y/yzhkrds14j1gm67qjvlds8tm7vvy2b/T/icon-icon-7puw2ad6q-1767664886715.png">    </p:cNvPr>
           <p:cNvPicPr>
             <a:picLocks noChangeAspect="1"/>
           </p:cNvPicPr>
@@ -13260,7 +13260,7 @@
       </p:pic>
       <p:pic>
         <p:nvPicPr>
-          <p:cNvPr id="34" name="Image 6" descr="/var/folders/1y/yzhkrds14j1gm67qjvlds8tm7vvy2b/T/icon-icon-namz1eger-1767663824403.png">    </p:cNvPr>
+          <p:cNvPr id="34" name="Image 6" descr="/var/folders/1y/yzhkrds14j1gm67qjvlds8tm7vvy2b/T/icon-icon-l2dbewyuh-1767664886750.png">    </p:cNvPr>
           <p:cNvPicPr>
             <a:picLocks noChangeAspect="1"/>
           </p:cNvPicPr>
@@ -13284,7 +13284,7 @@
       </p:pic>
       <p:pic>
         <p:nvPicPr>
-          <p:cNvPr id="35" name="Image 7" descr="/var/folders/1y/yzhkrds14j1gm67qjvlds8tm7vvy2b/T/icon-icon-lvt7k9xw1-1767663824436.png">    </p:cNvPr>
+          <p:cNvPr id="35" name="Image 7" descr="/var/folders/1y/yzhkrds14j1gm67qjvlds8tm7vvy2b/T/icon-icon-fs3ts5j77-1767664886784.png">    </p:cNvPr>
           <p:cNvPicPr>
             <a:picLocks noChangeAspect="1"/>
           </p:cNvPicPr>
@@ -13308,7 +13308,7 @@
       </p:pic>
       <p:pic>
         <p:nvPicPr>
-          <p:cNvPr id="36" name="Image 8" descr="/var/folders/1y/yzhkrds14j1gm67qjvlds8tm7vvy2b/T/icon-icon-kb0x3hong-1767663824470.png">    </p:cNvPr>
+          <p:cNvPr id="36" name="Image 8" descr="/var/folders/1y/yzhkrds14j1gm67qjvlds8tm7vvy2b/T/icon-icon-jarl1lp2b-1767664886817.png">    </p:cNvPr>
           <p:cNvPicPr>
             <a:picLocks noChangeAspect="1"/>
           </p:cNvPicPr>
@@ -13332,7 +13332,7 @@
       </p:pic>
       <p:pic>
         <p:nvPicPr>
-          <p:cNvPr id="37" name="Image 9" descr="/var/folders/1y/yzhkrds14j1gm67qjvlds8tm7vvy2b/T/icon-icon-kb0x3hong-1767663824511.png">    </p:cNvPr>
+          <p:cNvPr id="37" name="Image 9" descr="/var/folders/1y/yzhkrds14j1gm67qjvlds8tm7vvy2b/T/icon-icon-jarl1lp2b-1767664886850.png">    </p:cNvPr>
           <p:cNvPicPr>
             <a:picLocks noChangeAspect="1"/>
           </p:cNvPicPr>
@@ -13356,7 +13356,7 @@
       </p:pic>
       <p:pic>
         <p:nvPicPr>
-          <p:cNvPr id="38" name="Image 10" descr="/var/folders/1y/yzhkrds14j1gm67qjvlds8tm7vvy2b/T/icon-icon-iw8yulqhe-1767663824545.png">    </p:cNvPr>
+          <p:cNvPr id="38" name="Image 10" descr="/var/folders/1y/yzhkrds14j1gm67qjvlds8tm7vvy2b/T/icon-icon-qdvuxbztl-1767664886892.png">    </p:cNvPr>
           <p:cNvPicPr>
             <a:picLocks noChangeAspect="1"/>
           </p:cNvPicPr>
@@ -13380,7 +13380,7 @@
       </p:pic>
       <p:pic>
         <p:nvPicPr>
-          <p:cNvPr id="39" name="Image 11" descr="/var/folders/1y/yzhkrds14j1gm67qjvlds8tm7vvy2b/T/icon-icon-mxzzj11k9-1767663824577.png">    </p:cNvPr>
+          <p:cNvPr id="39" name="Image 11" descr="/var/folders/1y/yzhkrds14j1gm67qjvlds8tm7vvy2b/T/icon-icon-8uso049dr-1767664886924.png">    </p:cNvPr>
           <p:cNvPicPr>
             <a:picLocks noChangeAspect="1"/>
           </p:cNvPicPr>
@@ -13404,7 +13404,7 @@
       </p:pic>
       <p:pic>
         <p:nvPicPr>
-          <p:cNvPr id="40" name="Image 12" descr="/var/folders/1y/yzhkrds14j1gm67qjvlds8tm7vvy2b/T/icon-icon-70n7bamfl-1767663824611.png">    </p:cNvPr>
+          <p:cNvPr id="40" name="Image 12" descr="/var/folders/1y/yzhkrds14j1gm67qjvlds8tm7vvy2b/T/icon-icon-p0gm2k7b0-1767664886959.png">    </p:cNvPr>
           <p:cNvPicPr>
             <a:picLocks noChangeAspect="1"/>
           </p:cNvPicPr>
@@ -13428,7 +13428,7 @@
       </p:pic>
       <p:pic>
         <p:nvPicPr>
-          <p:cNvPr id="41" name="Image 13" descr="/var/folders/1y/yzhkrds14j1gm67qjvlds8tm7vvy2b/T/icon-icon-mxzzj11k9-1767663824644.png">    </p:cNvPr>
+          <p:cNvPr id="41" name="Image 13" descr="/var/folders/1y/yzhkrds14j1gm67qjvlds8tm7vvy2b/T/icon-icon-8uso049dr-1767664886992.png">    </p:cNvPr>
           <p:cNvPicPr>
             <a:picLocks noChangeAspect="1"/>
           </p:cNvPicPr>
@@ -13452,7 +13452,7 @@
       </p:pic>
       <p:pic>
         <p:nvPicPr>
-          <p:cNvPr id="42" name="Image 14" descr="/var/folders/1y/yzhkrds14j1gm67qjvlds8tm7vvy2b/T/icon-icon-70n7bamfl-1767663824678.png">    </p:cNvPr>
+          <p:cNvPr id="42" name="Image 14" descr="/var/folders/1y/yzhkrds14j1gm67qjvlds8tm7vvy2b/T/icon-icon-p0gm2k7b0-1767664887026.png">    </p:cNvPr>
           <p:cNvPicPr>
             <a:picLocks noChangeAspect="1"/>
           </p:cNvPicPr>
@@ -13476,7 +13476,7 @@
       </p:pic>
       <p:pic>
         <p:nvPicPr>
-          <p:cNvPr id="43" name="Image 15" descr="/var/folders/1y/yzhkrds14j1gm67qjvlds8tm7vvy2b/T/icon-icon-nofggs0rm-1767663824720.png">    </p:cNvPr>
+          <p:cNvPr id="43" name="Image 15" descr="/var/folders/1y/yzhkrds14j1gm67qjvlds8tm7vvy2b/T/icon-icon-6qww76nir-1767664887059.png">    </p:cNvPr>
           <p:cNvPicPr>
             <a:picLocks noChangeAspect="1"/>
           </p:cNvPicPr>
@@ -13500,7 +13500,7 @@
       </p:pic>
       <p:pic>
         <p:nvPicPr>
-          <p:cNvPr id="44" name="Image 16" descr="/var/folders/1y/yzhkrds14j1gm67qjvlds8tm7vvy2b/T/icon-icon-nofggs0rm-1767663824753.png">    </p:cNvPr>
+          <p:cNvPr id="44" name="Image 16" descr="/var/folders/1y/yzhkrds14j1gm67qjvlds8tm7vvy2b/T/icon-icon-6qww76nir-1767664887092.png">    </p:cNvPr>
           <p:cNvPicPr>
             <a:picLocks noChangeAspect="1"/>
           </p:cNvPicPr>
@@ -13524,7 +13524,7 @@
       </p:pic>
       <p:pic>
         <p:nvPicPr>
-          <p:cNvPr id="45" name="Image 17" descr="/var/folders/1y/yzhkrds14j1gm67qjvlds8tm7vvy2b/T/icon-icon-583j3fyw9-1767663824786.png">    </p:cNvPr>
+          <p:cNvPr id="45" name="Image 17" descr="/var/folders/1y/yzhkrds14j1gm67qjvlds8tm7vvy2b/T/icon-icon-xhmidtyoi-1767664887126.png">    </p:cNvPr>
           <p:cNvPicPr>
             <a:picLocks noChangeAspect="1"/>
           </p:cNvPicPr>
@@ -13548,7 +13548,7 @@
       </p:pic>
       <p:pic>
         <p:nvPicPr>
-          <p:cNvPr id="46" name="Image 18" descr="/var/folders/1y/yzhkrds14j1gm67qjvlds8tm7vvy2b/T/icon-icon-suqflilbs-1767663824820.png">    </p:cNvPr>
+          <p:cNvPr id="46" name="Image 18" descr="/var/folders/1y/yzhkrds14j1gm67qjvlds8tm7vvy2b/T/icon-icon-zwyieirbt-1767664887168.png">    </p:cNvPr>
           <p:cNvPicPr>
             <a:picLocks noChangeAspect="1"/>
           </p:cNvPicPr>
@@ -13572,7 +13572,7 @@
       </p:pic>
       <p:pic>
         <p:nvPicPr>
-          <p:cNvPr id="47" name="Image 19" descr="/var/folders/1y/yzhkrds14j1gm67qjvlds8tm7vvy2b/T/icon-icon-hhaekcu0s-1767663824853.png">    </p:cNvPr>
+          <p:cNvPr id="47" name="Image 19" descr="/var/folders/1y/yzhkrds14j1gm67qjvlds8tm7vvy2b/T/icon-icon-tk7xjxp8l-1767664887209.png">    </p:cNvPr>
           <p:cNvPicPr>
             <a:picLocks noChangeAspect="1"/>
           </p:cNvPicPr>
@@ -13596,7 +13596,7 @@
       </p:pic>
       <p:pic>
         <p:nvPicPr>
-          <p:cNvPr id="48" name="Image 20" descr="/var/folders/1y/yzhkrds14j1gm67qjvlds8tm7vvy2b/T/icon-icon-7ywphn3pg-1767663824886.png">    </p:cNvPr>
+          <p:cNvPr id="48" name="Image 20" descr="/var/folders/1y/yzhkrds14j1gm67qjvlds8tm7vvy2b/T/icon-icon-36h66ika7-1767664887243.png">    </p:cNvPr>
           <p:cNvPicPr>
             <a:picLocks noChangeAspect="1"/>
           </p:cNvPicPr>
@@ -13620,7 +13620,7 @@
       </p:pic>
       <p:pic>
         <p:nvPicPr>
-          <p:cNvPr id="49" name="Image 21" descr="/var/folders/1y/yzhkrds14j1gm67qjvlds8tm7vvy2b/T/icon-icon-suqflilbs-1767663824919.png">    </p:cNvPr>
+          <p:cNvPr id="49" name="Image 21" descr="/var/folders/1y/yzhkrds14j1gm67qjvlds8tm7vvy2b/T/icon-icon-zwyieirbt-1767664887275.png">    </p:cNvPr>
           <p:cNvPicPr>
             <a:picLocks noChangeAspect="1"/>
           </p:cNvPicPr>
@@ -13644,7 +13644,7 @@
       </p:pic>
       <p:pic>
         <p:nvPicPr>
-          <p:cNvPr id="50" name="Image 22" descr="/var/folders/1y/yzhkrds14j1gm67qjvlds8tm7vvy2b/T/icon-icon-hhaekcu0s-1767663824953.png">    </p:cNvPr>
+          <p:cNvPr id="50" name="Image 22" descr="/var/folders/1y/yzhkrds14j1gm67qjvlds8tm7vvy2b/T/icon-icon-tk7xjxp8l-1767664887318.png">    </p:cNvPr>
           <p:cNvPicPr>
             <a:picLocks noChangeAspect="1"/>
           </p:cNvPicPr>
@@ -13668,7 +13668,7 @@
       </p:pic>
       <p:pic>
         <p:nvPicPr>
-          <p:cNvPr id="51" name="Image 23" descr="/var/folders/1y/yzhkrds14j1gm67qjvlds8tm7vvy2b/T/icon-icon-7ywphn3pg-1767663824986.png">    </p:cNvPr>
+          <p:cNvPr id="51" name="Image 23" descr="/var/folders/1y/yzhkrds14j1gm67qjvlds8tm7vvy2b/T/icon-icon-36h66ika7-1767664887359.png">    </p:cNvPr>
           <p:cNvPicPr>
             <a:picLocks noChangeAspect="1"/>
           </p:cNvPicPr>
@@ -13692,7 +13692,7 @@
       </p:pic>
       <p:pic>
         <p:nvPicPr>
-          <p:cNvPr id="52" name="Image 24" descr="/var/folders/1y/yzhkrds14j1gm67qjvlds8tm7vvy2b/T/icon-icon-g9khdw8rh-1767663825019.png">    </p:cNvPr>
+          <p:cNvPr id="52" name="Image 24" descr="/var/folders/1y/yzhkrds14j1gm67qjvlds8tm7vvy2b/T/icon-icon-quug5tc0n-1767664887392.png">    </p:cNvPr>
           <p:cNvPicPr>
             <a:picLocks noChangeAspect="1"/>
           </p:cNvPicPr>
@@ -13716,7 +13716,7 @@
       </p:pic>
       <p:pic>
         <p:nvPicPr>
-          <p:cNvPr id="53" name="Image 25" descr="/var/folders/1y/yzhkrds14j1gm67qjvlds8tm7vvy2b/T/icon-icon-g9khdw8rh-1767663825053.png">    </p:cNvPr>
+          <p:cNvPr id="53" name="Image 25" descr="/var/folders/1y/yzhkrds14j1gm67qjvlds8tm7vvy2b/T/icon-icon-quug5tc0n-1767664887426.png">    </p:cNvPr>
           <p:cNvPicPr>
             <a:picLocks noChangeAspect="1"/>
           </p:cNvPicPr>
@@ -15314,7 +15314,7 @@
       </p:sp>
       <p:pic>
         <p:nvPicPr>
-          <p:cNvPr id="42" name="Image 0" descr="/var/folders/1y/yzhkrds14j1gm67qjvlds8tm7vvy2b/T/icon-icon-514vbmtjc-1767663826923.png">    </p:cNvPr>
+          <p:cNvPr id="42" name="Image 0" descr="/var/folders/1y/yzhkrds14j1gm67qjvlds8tm7vvy2b/T/icon-icon-3hrub9867-1767664889316.png">    </p:cNvPr>
           <p:cNvPicPr>
             <a:picLocks noChangeAspect="1"/>
           </p:cNvPicPr>
@@ -15338,7 +15338,7 @@
       </p:pic>
       <p:pic>
         <p:nvPicPr>
-          <p:cNvPr id="43" name="Image 1" descr="/var/folders/1y/yzhkrds14j1gm67qjvlds8tm7vvy2b/T/icon-icon-514vbmtjc-1767663826970.png">    </p:cNvPr>
+          <p:cNvPr id="43" name="Image 1" descr="/var/folders/1y/yzhkrds14j1gm67qjvlds8tm7vvy2b/T/icon-icon-3hrub9867-1767664889359.png">    </p:cNvPr>
           <p:cNvPicPr>
             <a:picLocks noChangeAspect="1"/>
           </p:cNvPicPr>
@@ -15362,7 +15362,7 @@
       </p:pic>
       <p:pic>
         <p:nvPicPr>
-          <p:cNvPr id="44" name="Image 2" descr="/var/folders/1y/yzhkrds14j1gm67qjvlds8tm7vvy2b/T/icon-icon-7tdspu2jk-1767663827003.png">    </p:cNvPr>
+          <p:cNvPr id="44" name="Image 2" descr="/var/folders/1y/yzhkrds14j1gm67qjvlds8tm7vvy2b/T/icon-icon-v0kbvfu86-1767664889390.png">    </p:cNvPr>
           <p:cNvPicPr>
             <a:picLocks noChangeAspect="1"/>
           </p:cNvPicPr>
@@ -15386,7 +15386,7 @@
       </p:pic>
       <p:pic>
         <p:nvPicPr>
-          <p:cNvPr id="45" name="Image 3" descr="/var/folders/1y/yzhkrds14j1gm67qjvlds8tm7vvy2b/T/icon-icon-qmanat388-1767663827036.png">    </p:cNvPr>
+          <p:cNvPr id="45" name="Image 3" descr="/var/folders/1y/yzhkrds14j1gm67qjvlds8tm7vvy2b/T/icon-icon-mec3450ty-1767664889423.png">    </p:cNvPr>
           <p:cNvPicPr>
             <a:picLocks noChangeAspect="1"/>
           </p:cNvPicPr>
@@ -15410,7 +15410,7 @@
       </p:pic>
       <p:pic>
         <p:nvPicPr>
-          <p:cNvPr id="46" name="Image 4" descr="/var/folders/1y/yzhkrds14j1gm67qjvlds8tm7vvy2b/T/icon-icon-cfwcgxtpb-1767663827068.png">    </p:cNvPr>
+          <p:cNvPr id="46" name="Image 4" descr="/var/folders/1y/yzhkrds14j1gm67qjvlds8tm7vvy2b/T/icon-icon-xw3hznl0k-1767664889457.png">    </p:cNvPr>
           <p:cNvPicPr>
             <a:picLocks noChangeAspect="1"/>
           </p:cNvPicPr>
@@ -15434,7 +15434,7 @@
       </p:pic>
       <p:pic>
         <p:nvPicPr>
-          <p:cNvPr id="47" name="Image 5" descr="/var/folders/1y/yzhkrds14j1gm67qjvlds8tm7vvy2b/T/icon-icon-xme29qat5-1767663827103.png">    </p:cNvPr>
+          <p:cNvPr id="47" name="Image 5" descr="/var/folders/1y/yzhkrds14j1gm67qjvlds8tm7vvy2b/T/icon-icon-m6xdszcjp-1767664889492.png">    </p:cNvPr>
           <p:cNvPicPr>
             <a:picLocks noChangeAspect="1"/>
           </p:cNvPicPr>
@@ -15458,7 +15458,7 @@
       </p:pic>
       <p:pic>
         <p:nvPicPr>
-          <p:cNvPr id="48" name="Image 6" descr="/var/folders/1y/yzhkrds14j1gm67qjvlds8tm7vvy2b/T/icon-icon-xme29qat5-1767663827135.png">    </p:cNvPr>
+          <p:cNvPr id="48" name="Image 6" descr="/var/folders/1y/yzhkrds14j1gm67qjvlds8tm7vvy2b/T/icon-icon-m6xdszcjp-1767664889525.png">    </p:cNvPr>
           <p:cNvPicPr>
             <a:picLocks noChangeAspect="1"/>
           </p:cNvPicPr>
@@ -15482,7 +15482,7 @@
       </p:pic>
       <p:pic>
         <p:nvPicPr>
-          <p:cNvPr id="49" name="Image 7" descr="/var/folders/1y/yzhkrds14j1gm67qjvlds8tm7vvy2b/T/icon-icon-ayjei5ux9-1767663827170.png">    </p:cNvPr>
+          <p:cNvPr id="49" name="Image 7" descr="/var/folders/1y/yzhkrds14j1gm67qjvlds8tm7vvy2b/T/icon-icon-rsmos5hr6-1767664889559.png">    </p:cNvPr>
           <p:cNvPicPr>
             <a:picLocks noChangeAspect="1"/>
           </p:cNvPicPr>
@@ -15506,7 +15506,7 @@
       </p:pic>
       <p:pic>
         <p:nvPicPr>
-          <p:cNvPr id="50" name="Image 8" descr="/var/folders/1y/yzhkrds14j1gm67qjvlds8tm7vvy2b/T/icon-icon-ygcd43pdc-1767663827209.png">    </p:cNvPr>
+          <p:cNvPr id="50" name="Image 8" descr="/var/folders/1y/yzhkrds14j1gm67qjvlds8tm7vvy2b/T/icon-icon-vubfclpfq-1767664889591.png">    </p:cNvPr>
           <p:cNvPicPr>
             <a:picLocks noChangeAspect="1"/>
           </p:cNvPicPr>
@@ -15530,7 +15530,7 @@
       </p:pic>
       <p:pic>
         <p:nvPicPr>
-          <p:cNvPr id="51" name="Image 9" descr="/var/folders/1y/yzhkrds14j1gm67qjvlds8tm7vvy2b/T/icon-icon-ttapr65ke-1767663827244.png">    </p:cNvPr>
+          <p:cNvPr id="51" name="Image 9" descr="/var/folders/1y/yzhkrds14j1gm67qjvlds8tm7vvy2b/T/icon-icon-hynchrq5w-1767664889625.png">    </p:cNvPr>
           <p:cNvPicPr>
             <a:picLocks noChangeAspect="1"/>
           </p:cNvPicPr>
@@ -15554,7 +15554,7 @@
       </p:pic>
       <p:pic>
         <p:nvPicPr>
-          <p:cNvPr id="52" name="Image 10" descr="/var/folders/1y/yzhkrds14j1gm67qjvlds8tm7vvy2b/T/icon-icon-dth5ttm9f-1767663827277.png">    </p:cNvPr>
+          <p:cNvPr id="52" name="Image 10" descr="/var/folders/1y/yzhkrds14j1gm67qjvlds8tm7vvy2b/T/icon-icon-z6dxe7r60-1767664889659.png">    </p:cNvPr>
           <p:cNvPicPr>
             <a:picLocks noChangeAspect="1"/>
           </p:cNvPicPr>
@@ -15578,7 +15578,7 @@
       </p:pic>
       <p:pic>
         <p:nvPicPr>
-          <p:cNvPr id="53" name="Image 11" descr="/var/folders/1y/yzhkrds14j1gm67qjvlds8tm7vvy2b/T/icon-icon-ydy4e8tjm-1767663827311.png">    </p:cNvPr>
+          <p:cNvPr id="53" name="Image 11" descr="/var/folders/1y/yzhkrds14j1gm67qjvlds8tm7vvy2b/T/icon-icon-2qieiit91-1767664889701.png">    </p:cNvPr>
           <p:cNvPicPr>
             <a:picLocks noChangeAspect="1"/>
           </p:cNvPicPr>
@@ -15602,7 +15602,7 @@
       </p:pic>
       <p:pic>
         <p:nvPicPr>
-          <p:cNvPr id="54" name="Image 12" descr="/var/folders/1y/yzhkrds14j1gm67qjvlds8tm7vvy2b/T/icon-icon-dth5ttm9f-1767663827352.png">    </p:cNvPr>
+          <p:cNvPr id="54" name="Image 12" descr="/var/folders/1y/yzhkrds14j1gm67qjvlds8tm7vvy2b/T/icon-icon-z6dxe7r60-1767664889732.png">    </p:cNvPr>
           <p:cNvPicPr>
             <a:picLocks noChangeAspect="1"/>
           </p:cNvPicPr>
@@ -15626,7 +15626,7 @@
       </p:pic>
       <p:pic>
         <p:nvPicPr>
-          <p:cNvPr id="55" name="Image 13" descr="/var/folders/1y/yzhkrds14j1gm67qjvlds8tm7vvy2b/T/icon-icon-ydy4e8tjm-1767663827385.png">    </p:cNvPr>
+          <p:cNvPr id="55" name="Image 13" descr="/var/folders/1y/yzhkrds14j1gm67qjvlds8tm7vvy2b/T/icon-icon-2qieiit91-1767664889766.png">    </p:cNvPr>
           <p:cNvPicPr>
             <a:picLocks noChangeAspect="1"/>
           </p:cNvPicPr>
@@ -17181,7 +17181,7 @@
       </p:sp>
       <p:pic>
         <p:nvPicPr>
-          <p:cNvPr id="32" name="Image 0" descr="/var/folders/1y/yzhkrds14j1gm67qjvlds8tm7vvy2b/T/icon-icon-mpbj25ij5-1767663829264.png">    </p:cNvPr>
+          <p:cNvPr id="32" name="Image 0" descr="/var/folders/1y/yzhkrds14j1gm67qjvlds8tm7vvy2b/T/icon-icon-mjubu96gt-1767664891856.png">    </p:cNvPr>
           <p:cNvPicPr>
             <a:picLocks noChangeAspect="1"/>
           </p:cNvPicPr>
@@ -17205,7 +17205,7 @@
       </p:pic>
       <p:pic>
         <p:nvPicPr>
-          <p:cNvPr id="33" name="Image 1" descr="/var/folders/1y/yzhkrds14j1gm67qjvlds8tm7vvy2b/T/icon-icon-mpbj25ij5-1767663829309.png">    </p:cNvPr>
+          <p:cNvPr id="33" name="Image 1" descr="/var/folders/1y/yzhkrds14j1gm67qjvlds8tm7vvy2b/T/icon-icon-mjubu96gt-1767664891899.png">    </p:cNvPr>
           <p:cNvPicPr>
             <a:picLocks noChangeAspect="1"/>
           </p:cNvPicPr>
@@ -17229,7 +17229,7 @@
       </p:pic>
       <p:pic>
         <p:nvPicPr>
-          <p:cNvPr id="34" name="Image 2" descr="/var/folders/1y/yzhkrds14j1gm67qjvlds8tm7vvy2b/T/icon-icon-8dwoeyhew-1767663829343.png">    </p:cNvPr>
+          <p:cNvPr id="34" name="Image 2" descr="/var/folders/1y/yzhkrds14j1gm67qjvlds8tm7vvy2b/T/icon-icon-7lokp5pul-1767664891933.png">    </p:cNvPr>
           <p:cNvPicPr>
             <a:picLocks noChangeAspect="1"/>
           </p:cNvPicPr>
@@ -17253,7 +17253,7 @@
       </p:pic>
       <p:pic>
         <p:nvPicPr>
-          <p:cNvPr id="35" name="Image 3" descr="/var/folders/1y/yzhkrds14j1gm67qjvlds8tm7vvy2b/T/icon-icon-8dwoeyhew-1767663829376.png">    </p:cNvPr>
+          <p:cNvPr id="35" name="Image 3" descr="/var/folders/1y/yzhkrds14j1gm67qjvlds8tm7vvy2b/T/icon-icon-7lokp5pul-1767664891967.png">    </p:cNvPr>
           <p:cNvPicPr>
             <a:picLocks noChangeAspect="1"/>
           </p:cNvPicPr>
@@ -17277,7 +17277,7 @@
       </p:pic>
       <p:pic>
         <p:nvPicPr>
-          <p:cNvPr id="36" name="Image 4" descr="/var/folders/1y/yzhkrds14j1gm67qjvlds8tm7vvy2b/T/icon-icon-b3z784u3j-1767663829411.png">    </p:cNvPr>
+          <p:cNvPr id="36" name="Image 4" descr="/var/folders/1y/yzhkrds14j1gm67qjvlds8tm7vvy2b/T/icon-icon-kgh6xorja-1767664892009.png">    </p:cNvPr>
           <p:cNvPicPr>
             <a:picLocks noChangeAspect="1"/>
           </p:cNvPicPr>
@@ -17301,7 +17301,7 @@
       </p:pic>
       <p:pic>
         <p:nvPicPr>
-          <p:cNvPr id="37" name="Image 5" descr="/var/folders/1y/yzhkrds14j1gm67qjvlds8tm7vvy2b/T/icon-icon-b3z784u3j-1767663829443.png">    </p:cNvPr>
+          <p:cNvPr id="37" name="Image 5" descr="/var/folders/1y/yzhkrds14j1gm67qjvlds8tm7vvy2b/T/icon-icon-kgh6xorja-1767664892040.png">    </p:cNvPr>
           <p:cNvPicPr>
             <a:picLocks noChangeAspect="1"/>
           </p:cNvPicPr>
@@ -17325,7 +17325,7 @@
       </p:pic>
       <p:pic>
         <p:nvPicPr>
-          <p:cNvPr id="38" name="Image 6" descr="/var/folders/1y/yzhkrds14j1gm67qjvlds8tm7vvy2b/T/icon-icon-5gm098rc2-1767663829476.png">    </p:cNvPr>
+          <p:cNvPr id="38" name="Image 6" descr="/var/folders/1y/yzhkrds14j1gm67qjvlds8tm7vvy2b/T/icon-icon-lq2aeua97-1767664892075.png">    </p:cNvPr>
           <p:cNvPicPr>
             <a:picLocks noChangeAspect="1"/>
           </p:cNvPicPr>
@@ -17349,7 +17349,7 @@
       </p:pic>
       <p:pic>
         <p:nvPicPr>
-          <p:cNvPr id="39" name="Image 7" descr="/var/folders/1y/yzhkrds14j1gm67qjvlds8tm7vvy2b/T/icon-icon-5gm098rc2-1767663829510.png">    </p:cNvPr>
+          <p:cNvPr id="39" name="Image 7" descr="/var/folders/1y/yzhkrds14j1gm67qjvlds8tm7vvy2b/T/icon-icon-lq2aeua97-1767664892109.png">    </p:cNvPr>
           <p:cNvPicPr>
             <a:picLocks noChangeAspect="1"/>
           </p:cNvPicPr>
@@ -17373,7 +17373,7 @@
       </p:pic>
       <p:pic>
         <p:nvPicPr>
-          <p:cNvPr id="40" name="Image 8" descr="/var/folders/1y/yzhkrds14j1gm67qjvlds8tm7vvy2b/T/icon-icon-ixn860onw-1767663829544.png">    </p:cNvPr>
+          <p:cNvPr id="40" name="Image 8" descr="/var/folders/1y/yzhkrds14j1gm67qjvlds8tm7vvy2b/T/icon-icon-gflto13f5-1767664892142.png">    </p:cNvPr>
           <p:cNvPicPr>
             <a:picLocks noChangeAspect="1"/>
           </p:cNvPicPr>
@@ -17397,7 +17397,7 @@
       </p:pic>
       <p:pic>
         <p:nvPicPr>
-          <p:cNvPr id="41" name="Image 9" descr="/var/folders/1y/yzhkrds14j1gm67qjvlds8tm7vvy2b/T/icon-icon-ixn860onw-1767663829578.png">    </p:cNvPr>
+          <p:cNvPr id="41" name="Image 9" descr="/var/folders/1y/yzhkrds14j1gm67qjvlds8tm7vvy2b/T/icon-icon-gflto13f5-1767664892176.png">    </p:cNvPr>
           <p:cNvPicPr>
             <a:picLocks noChangeAspect="1"/>
           </p:cNvPicPr>
@@ -17421,7 +17421,7 @@
       </p:pic>
       <p:pic>
         <p:nvPicPr>
-          <p:cNvPr id="42" name="Image 10" descr="/var/folders/1y/yzhkrds14j1gm67qjvlds8tm7vvy2b/T/icon-icon-qu1jikyqu-1767663829620.png">    </p:cNvPr>
+          <p:cNvPr id="42" name="Image 10" descr="/var/folders/1y/yzhkrds14j1gm67qjvlds8tm7vvy2b/T/icon-icon-qmmkx23ox-1767664892209.png">    </p:cNvPr>
           <p:cNvPicPr>
             <a:picLocks noChangeAspect="1"/>
           </p:cNvPicPr>
@@ -17445,7 +17445,7 @@
       </p:pic>
       <p:pic>
         <p:nvPicPr>
-          <p:cNvPr id="43" name="Image 11" descr="/var/folders/1y/yzhkrds14j1gm67qjvlds8tm7vvy2b/T/icon-icon-qu1jikyqu-1767663829651.png">    </p:cNvPr>
+          <p:cNvPr id="43" name="Image 11" descr="/var/folders/1y/yzhkrds14j1gm67qjvlds8tm7vvy2b/T/icon-icon-qmmkx23ox-1767664892241.png">    </p:cNvPr>
           <p:cNvPicPr>
             <a:picLocks noChangeAspect="1"/>
           </p:cNvPicPr>
@@ -17469,7 +17469,7 @@
       </p:pic>
       <p:pic>
         <p:nvPicPr>
-          <p:cNvPr id="44" name="Image 12" descr="/var/folders/1y/yzhkrds14j1gm67qjvlds8tm7vvy2b/T/icon-icon-o95vn5o2e-1767663829686.png">    </p:cNvPr>
+          <p:cNvPr id="44" name="Image 12" descr="/var/folders/1y/yzhkrds14j1gm67qjvlds8tm7vvy2b/T/icon-icon-e8joqm2g5-1767664892276.png">    </p:cNvPr>
           <p:cNvPicPr>
             <a:picLocks noChangeAspect="1"/>
           </p:cNvPicPr>
@@ -17493,7 +17493,7 @@
       </p:pic>
       <p:pic>
         <p:nvPicPr>
-          <p:cNvPr id="45" name="Image 13" descr="/var/folders/1y/yzhkrds14j1gm67qjvlds8tm7vvy2b/T/icon-icon-o95vn5o2e-1767663829719.png">    </p:cNvPr>
+          <p:cNvPr id="45" name="Image 13" descr="/var/folders/1y/yzhkrds14j1gm67qjvlds8tm7vvy2b/T/icon-icon-e8joqm2g5-1767664892309.png">    </p:cNvPr>
           <p:cNvPicPr>
             <a:picLocks noChangeAspect="1"/>
           </p:cNvPicPr>
@@ -17517,7 +17517,7 @@
       </p:pic>
       <p:pic>
         <p:nvPicPr>
-          <p:cNvPr id="46" name="Image 14" descr="/var/folders/1y/yzhkrds14j1gm67qjvlds8tm7vvy2b/T/icon-icon-6ythgfxu6-1767663829753.png">    </p:cNvPr>
+          <p:cNvPr id="46" name="Image 14" descr="/var/folders/1y/yzhkrds14j1gm67qjvlds8tm7vvy2b/T/icon-icon-dyiboek89-1767664892342.png">    </p:cNvPr>
           <p:cNvPicPr>
             <a:picLocks noChangeAspect="1"/>
           </p:cNvPicPr>
@@ -17541,7 +17541,7 @@
       </p:pic>
       <p:pic>
         <p:nvPicPr>
-          <p:cNvPr id="47" name="Image 15" descr="/var/folders/1y/yzhkrds14j1gm67qjvlds8tm7vvy2b/T/icon-icon-6ythgfxu6-1767663829794.png">    </p:cNvPr>
+          <p:cNvPr id="47" name="Image 15" descr="/var/folders/1y/yzhkrds14j1gm67qjvlds8tm7vvy2b/T/icon-icon-dyiboek89-1767664892383.png">    </p:cNvPr>
           <p:cNvPicPr>
             <a:picLocks noChangeAspect="1"/>
           </p:cNvPicPr>
@@ -17565,7 +17565,7 @@
       </p:pic>
       <p:pic>
         <p:nvPicPr>
-          <p:cNvPr id="48" name="Image 16" descr="/var/folders/1y/yzhkrds14j1gm67qjvlds8tm7vvy2b/T/icon-icon-80hy8hc6k-1767663829828.png">    </p:cNvPr>
+          <p:cNvPr id="48" name="Image 16" descr="/var/folders/1y/yzhkrds14j1gm67qjvlds8tm7vvy2b/T/icon-icon-560xjo895-1767664892417.png">    </p:cNvPr>
           <p:cNvPicPr>
             <a:picLocks noChangeAspect="1"/>
           </p:cNvPicPr>
@@ -17589,7 +17589,7 @@
       </p:pic>
       <p:pic>
         <p:nvPicPr>
-          <p:cNvPr id="49" name="Image 17" descr="/var/folders/1y/yzhkrds14j1gm67qjvlds8tm7vvy2b/T/icon-icon-80hy8hc6k-1767663829862.png">    </p:cNvPr>
+          <p:cNvPr id="49" name="Image 17" descr="/var/folders/1y/yzhkrds14j1gm67qjvlds8tm7vvy2b/T/icon-icon-560xjo895-1767664892450.png">    </p:cNvPr>
           <p:cNvPicPr>
             <a:picLocks noChangeAspect="1"/>
           </p:cNvPicPr>
@@ -17613,7 +17613,7 @@
       </p:pic>
       <p:pic>
         <p:nvPicPr>
-          <p:cNvPr id="50" name="Image 18" descr="/var/folders/1y/yzhkrds14j1gm67qjvlds8tm7vvy2b/T/icon-icon-sb0g9pmps-1767663829894.png">    </p:cNvPr>
+          <p:cNvPr id="50" name="Image 18" descr="/var/folders/1y/yzhkrds14j1gm67qjvlds8tm7vvy2b/T/icon-icon-aitxcwxgg-1767664892484.png">    </p:cNvPr>
           <p:cNvPicPr>
             <a:picLocks noChangeAspect="1"/>
           </p:cNvPicPr>
@@ -17637,7 +17637,7 @@
       </p:pic>
       <p:pic>
         <p:nvPicPr>
-          <p:cNvPr id="51" name="Image 19" descr="/var/folders/1y/yzhkrds14j1gm67qjvlds8tm7vvy2b/T/icon-icon-sb0g9pmps-1767663829928.png">    </p:cNvPr>
+          <p:cNvPr id="51" name="Image 19" descr="/var/folders/1y/yzhkrds14j1gm67qjvlds8tm7vvy2b/T/icon-icon-aitxcwxgg-1767664892517.png">    </p:cNvPr>
           <p:cNvPicPr>
             <a:picLocks noChangeAspect="1"/>
           </p:cNvPicPr>
@@ -17661,7 +17661,7 @@
       </p:pic>
       <p:pic>
         <p:nvPicPr>
-          <p:cNvPr id="52" name="Image 20" descr="/var/folders/1y/yzhkrds14j1gm67qjvlds8tm7vvy2b/T/icon-icon-ybb7ozvlb-1767663829970.png">    </p:cNvPr>
+          <p:cNvPr id="52" name="Image 20" descr="/var/folders/1y/yzhkrds14j1gm67qjvlds8tm7vvy2b/T/icon-icon-bgvj5ue0b-1767664892549.png">    </p:cNvPr>
           <p:cNvPicPr>
             <a:picLocks noChangeAspect="1"/>
           </p:cNvPicPr>
@@ -17685,7 +17685,7 @@
       </p:pic>
       <p:pic>
         <p:nvPicPr>
-          <p:cNvPr id="53" name="Image 21" descr="/var/folders/1y/yzhkrds14j1gm67qjvlds8tm7vvy2b/T/icon-icon-ybb7ozvlb-1767663830002.png">    </p:cNvPr>
+          <p:cNvPr id="53" name="Image 21" descr="/var/folders/1y/yzhkrds14j1gm67qjvlds8tm7vvy2b/T/icon-icon-bgvj5ue0b-1767664892584.png">    </p:cNvPr>
           <p:cNvPicPr>
             <a:picLocks noChangeAspect="1"/>
           </p:cNvPicPr>
@@ -17709,7 +17709,7 @@
       </p:pic>
       <p:pic>
         <p:nvPicPr>
-          <p:cNvPr id="54" name="Image 22" descr="/var/folders/1y/yzhkrds14j1gm67qjvlds8tm7vvy2b/T/icon-icon-3ugfey8m2-1767663830037.png">    </p:cNvPr>
+          <p:cNvPr id="54" name="Image 22" descr="/var/folders/1y/yzhkrds14j1gm67qjvlds8tm7vvy2b/T/icon-icon-t3tazietl-1767664892618.png">    </p:cNvPr>
           <p:cNvPicPr>
             <a:picLocks noChangeAspect="1"/>
           </p:cNvPicPr>
@@ -17733,7 +17733,7 @@
       </p:pic>
       <p:pic>
         <p:nvPicPr>
-          <p:cNvPr id="55" name="Image 23" descr="/var/folders/1y/yzhkrds14j1gm67qjvlds8tm7vvy2b/T/icon-icon-3ugfey8m2-1767663830077.png">    </p:cNvPr>
+          <p:cNvPr id="55" name="Image 23" descr="/var/folders/1y/yzhkrds14j1gm67qjvlds8tm7vvy2b/T/icon-icon-t3tazietl-1767664892649.png">    </p:cNvPr>
           <p:cNvPicPr>
             <a:picLocks noChangeAspect="1"/>
           </p:cNvPicPr>
@@ -17757,7 +17757,7 @@
       </p:pic>
       <p:pic>
         <p:nvPicPr>
-          <p:cNvPr id="56" name="Image 24" descr="/var/folders/1y/yzhkrds14j1gm67qjvlds8tm7vvy2b/T/icon-icon-2wlr3ldob-1767663830112.png">    </p:cNvPr>
+          <p:cNvPr id="56" name="Image 24" descr="/var/folders/1y/yzhkrds14j1gm67qjvlds8tm7vvy2b/T/icon-icon-jadx803kk-1767664892684.png">    </p:cNvPr>
           <p:cNvPicPr>
             <a:picLocks noChangeAspect="1"/>
           </p:cNvPicPr>
@@ -17781,7 +17781,7 @@
       </p:pic>
       <p:pic>
         <p:nvPicPr>
-          <p:cNvPr id="57" name="Image 25" descr="/var/folders/1y/yzhkrds14j1gm67qjvlds8tm7vvy2b/T/icon-icon-2wlr3ldob-1767663830153.png">    </p:cNvPr>
+          <p:cNvPr id="57" name="Image 25" descr="/var/folders/1y/yzhkrds14j1gm67qjvlds8tm7vvy2b/T/icon-icon-jadx803kk-1767664892717.png">    </p:cNvPr>
           <p:cNvPicPr>
             <a:picLocks noChangeAspect="1"/>
           </p:cNvPicPr>
@@ -17805,7 +17805,7 @@
       </p:pic>
       <p:pic>
         <p:nvPicPr>
-          <p:cNvPr id="58" name="Image 26" descr="/var/folders/1y/yzhkrds14j1gm67qjvlds8tm7vvy2b/T/icon-icon-iaj1i1ol7-1767663830194.png">    </p:cNvPr>
+          <p:cNvPr id="58" name="Image 26" descr="/var/folders/1y/yzhkrds14j1gm67qjvlds8tm7vvy2b/T/icon-icon-75g70h42d-1767664892750.png">    </p:cNvPr>
           <p:cNvPicPr>
             <a:picLocks noChangeAspect="1"/>
           </p:cNvPicPr>
@@ -17829,7 +17829,7 @@
       </p:pic>
       <p:pic>
         <p:nvPicPr>
-          <p:cNvPr id="59" name="Image 27" descr="/var/folders/1y/yzhkrds14j1gm67qjvlds8tm7vvy2b/T/icon-icon-iaj1i1ol7-1767663830229.png">    </p:cNvPr>
+          <p:cNvPr id="59" name="Image 27" descr="/var/folders/1y/yzhkrds14j1gm67qjvlds8tm7vvy2b/T/icon-icon-75g70h42d-1767664892783.png">    </p:cNvPr>
           <p:cNvPicPr>
             <a:picLocks noChangeAspect="1"/>
           </p:cNvPicPr>
@@ -17853,7 +17853,7 @@
       </p:pic>
       <p:pic>
         <p:nvPicPr>
-          <p:cNvPr id="60" name="Image 28" descr="/var/folders/1y/yzhkrds14j1gm67qjvlds8tm7vvy2b/T/icon-icon-e1xuc6umm-1767663830270.png">    </p:cNvPr>
+          <p:cNvPr id="60" name="Image 28" descr="/var/folders/1y/yzhkrds14j1gm67qjvlds8tm7vvy2b/T/icon-icon-2c0qy6jzy-1767664892817.png">    </p:cNvPr>
           <p:cNvPicPr>
             <a:picLocks noChangeAspect="1"/>
           </p:cNvPicPr>
@@ -17877,7 +17877,7 @@
       </p:pic>
       <p:pic>
         <p:nvPicPr>
-          <p:cNvPr id="61" name="Image 29" descr="/var/folders/1y/yzhkrds14j1gm67qjvlds8tm7vvy2b/T/icon-icon-e1xuc6umm-1767663830310.png">    </p:cNvPr>
+          <p:cNvPr id="61" name="Image 29" descr="/var/folders/1y/yzhkrds14j1gm67qjvlds8tm7vvy2b/T/icon-icon-2c0qy6jzy-1767664892848.png">    </p:cNvPr>
           <p:cNvPicPr>
             <a:picLocks noChangeAspect="1"/>
           </p:cNvPicPr>
@@ -17901,7 +17901,7 @@
       </p:pic>
       <p:pic>
         <p:nvPicPr>
-          <p:cNvPr id="62" name="Image 30" descr="/var/folders/1y/yzhkrds14j1gm67qjvlds8tm7vvy2b/T/icon-icon-6y7swtr9c-1767663830344.png">    </p:cNvPr>
+          <p:cNvPr id="62" name="Image 30" descr="/var/folders/1y/yzhkrds14j1gm67qjvlds8tm7vvy2b/T/icon-icon-4i09t9fgx-1767664892884.png">    </p:cNvPr>
           <p:cNvPicPr>
             <a:picLocks noChangeAspect="1"/>
           </p:cNvPicPr>
@@ -17925,7 +17925,7 @@
       </p:pic>
       <p:pic>
         <p:nvPicPr>
-          <p:cNvPr id="63" name="Image 31" descr="/var/folders/1y/yzhkrds14j1gm67qjvlds8tm7vvy2b/T/icon-icon-6y7swtr9c-1767663830385.png">    </p:cNvPr>
+          <p:cNvPr id="63" name="Image 31" descr="/var/folders/1y/yzhkrds14j1gm67qjvlds8tm7vvy2b/T/icon-icon-4i09t9fgx-1767664892915.png">    </p:cNvPr>
           <p:cNvPicPr>
             <a:picLocks noChangeAspect="1"/>
           </p:cNvPicPr>
@@ -17949,7 +17949,7 @@
       </p:pic>
       <p:pic>
         <p:nvPicPr>
-          <p:cNvPr id="64" name="Image 32" descr="/var/folders/1y/yzhkrds14j1gm67qjvlds8tm7vvy2b/T/icon-icon-zqhr8l2bj-1767663830420.png">    </p:cNvPr>
+          <p:cNvPr id="64" name="Image 32" descr="/var/folders/1y/yzhkrds14j1gm67qjvlds8tm7vvy2b/T/icon-icon-5cvfquoxe-1767664892950.png">    </p:cNvPr>
           <p:cNvPicPr>
             <a:picLocks noChangeAspect="1"/>
           </p:cNvPicPr>
@@ -17973,7 +17973,7 @@
       </p:pic>
       <p:pic>
         <p:nvPicPr>
-          <p:cNvPr id="65" name="Image 33" descr="/var/folders/1y/yzhkrds14j1gm67qjvlds8tm7vvy2b/T/icon-icon-zqhr8l2bj-1767663830453.png">    </p:cNvPr>
+          <p:cNvPr id="65" name="Image 33" descr="/var/folders/1y/yzhkrds14j1gm67qjvlds8tm7vvy2b/T/icon-icon-5cvfquoxe-1767664892984.png">    </p:cNvPr>
           <p:cNvPicPr>
             <a:picLocks noChangeAspect="1"/>
           </p:cNvPicPr>
@@ -17997,7 +17997,7 @@
       </p:pic>
       <p:pic>
         <p:nvPicPr>
-          <p:cNvPr id="66" name="Image 34" descr="/var/folders/1y/yzhkrds14j1gm67qjvlds8tm7vvy2b/T/icon-icon-hrdgj231b-1767663830486.png">    </p:cNvPr>
+          <p:cNvPr id="66" name="Image 34" descr="/var/folders/1y/yzhkrds14j1gm67qjvlds8tm7vvy2b/T/icon-icon-yem6icxt8-1767664893017.png">    </p:cNvPr>
           <p:cNvPicPr>
             <a:picLocks noChangeAspect="1"/>
           </p:cNvPicPr>
@@ -18021,7 +18021,7 @@
       </p:pic>
       <p:pic>
         <p:nvPicPr>
-          <p:cNvPr id="67" name="Image 35" descr="/var/folders/1y/yzhkrds14j1gm67qjvlds8tm7vvy2b/T/icon-icon-hrdgj231b-1767663830528.png">    </p:cNvPr>
+          <p:cNvPr id="67" name="Image 35" descr="/var/folders/1y/yzhkrds14j1gm67qjvlds8tm7vvy2b/T/icon-icon-yem6icxt8-1767664893050.png">    </p:cNvPr>
           <p:cNvPicPr>
             <a:picLocks noChangeAspect="1"/>
           </p:cNvPicPr>
@@ -18045,7 +18045,7 @@
       </p:pic>
       <p:pic>
         <p:nvPicPr>
-          <p:cNvPr id="68" name="Image 36" descr="/var/folders/1y/yzhkrds14j1gm67qjvlds8tm7vvy2b/T/icon-icon-s13tw7us8-1767663830570.png">    </p:cNvPr>
+          <p:cNvPr id="68" name="Image 36" descr="/var/folders/1y/yzhkrds14j1gm67qjvlds8tm7vvy2b/T/icon-icon-m212ptlbo-1767664893084.png">    </p:cNvPr>
           <p:cNvPicPr>
             <a:picLocks noChangeAspect="1"/>
           </p:cNvPicPr>
@@ -18069,7 +18069,7 @@
       </p:pic>
       <p:pic>
         <p:nvPicPr>
-          <p:cNvPr id="69" name="Image 37" descr="/var/folders/1y/yzhkrds14j1gm67qjvlds8tm7vvy2b/T/icon-icon-s13tw7us8-1767663830611.png">    </p:cNvPr>
+          <p:cNvPr id="69" name="Image 37" descr="/var/folders/1y/yzhkrds14j1gm67qjvlds8tm7vvy2b/T/icon-icon-m212ptlbo-1767664893117.png">    </p:cNvPr>
           <p:cNvPicPr>
             <a:picLocks noChangeAspect="1"/>
           </p:cNvPicPr>
@@ -18093,7 +18093,7 @@
       </p:pic>
       <p:pic>
         <p:nvPicPr>
-          <p:cNvPr id="70" name="Image 38" descr="/var/folders/1y/yzhkrds14j1gm67qjvlds8tm7vvy2b/T/icon-icon-d3q746fc9-1767663830644.png">    </p:cNvPr>
+          <p:cNvPr id="70" name="Image 38" descr="/var/folders/1y/yzhkrds14j1gm67qjvlds8tm7vvy2b/T/icon-icon-lh77sp5dx-1767664893151.png">    </p:cNvPr>
           <p:cNvPicPr>
             <a:picLocks noChangeAspect="1"/>
           </p:cNvPicPr>
@@ -18117,7 +18117,7 @@
       </p:pic>
       <p:pic>
         <p:nvPicPr>
-          <p:cNvPr id="71" name="Image 39" descr="/var/folders/1y/yzhkrds14j1gm67qjvlds8tm7vvy2b/T/icon-icon-d3q746fc9-1767663830678.png">    </p:cNvPr>
+          <p:cNvPr id="71" name="Image 39" descr="/var/folders/1y/yzhkrds14j1gm67qjvlds8tm7vvy2b/T/icon-icon-lh77sp5dx-1767664893192.png">    </p:cNvPr>
           <p:cNvPicPr>
             <a:picLocks noChangeAspect="1"/>
           </p:cNvPicPr>

--- a/test2_output.pptx
+++ b/test2_output.pptx
@@ -2235,7 +2235,7 @@
       </p:sp>
       <p:pic>
         <p:nvPicPr>
-          <p:cNvPr id="12" name="Image 1" descr="/var/folders/1y/yzhkrds14j1gm67qjvlds8tm7vvy2b/T/icon-bg-f87z2ykrt-1767664874584.png">    </p:cNvPr>
+          <p:cNvPr id="12" name="Image 1" descr="/var/folders/1y/yzhkrds14j1gm67qjvlds8tm7vvy2b/T/icon-bg-3nnssmar2-1767665838838.png">    </p:cNvPr>
           <p:cNvPicPr>
             <a:picLocks noChangeAspect="1"/>
           </p:cNvPicPr>
@@ -2259,7 +2259,7 @@
       </p:pic>
       <p:pic>
         <p:nvPicPr>
-          <p:cNvPr id="13" name="Image 2" descr="/var/folders/1y/yzhkrds14j1gm67qjvlds8tm7vvy2b/T/icon-icon-j1a56nc3q-1767664874756.png">    </p:cNvPr>
+          <p:cNvPr id="13" name="Image 2" descr="/var/folders/1y/yzhkrds14j1gm67qjvlds8tm7vvy2b/T/icon-icon-dt5kfdqt5-1767665839010.png">    </p:cNvPr>
           <p:cNvPicPr>
             <a:picLocks noChangeAspect="1"/>
           </p:cNvPicPr>
@@ -2283,7 +2283,7 @@
       </p:pic>
       <p:pic>
         <p:nvPicPr>
-          <p:cNvPr id="14" name="Image 3" descr="/var/folders/1y/yzhkrds14j1gm67qjvlds8tm7vvy2b/T/icon-icon-dk7jc6mzw-1767664874791.png">    </p:cNvPr>
+          <p:cNvPr id="14" name="Image 3" descr="/var/folders/1y/yzhkrds14j1gm67qjvlds8tm7vvy2b/T/icon-icon-a7uyy6yyj-1767665839045.png">    </p:cNvPr>
           <p:cNvPicPr>
             <a:picLocks noChangeAspect="1"/>
           </p:cNvPicPr>
@@ -3296,7 +3296,7 @@
       </p:sp>
       <p:pic>
         <p:nvPicPr>
-          <p:cNvPr id="25" name="Image 0" descr="/var/folders/1y/yzhkrds14j1gm67qjvlds8tm7vvy2b/T/icon-icon-dnl64xu1m-1767664895031.png">    </p:cNvPr>
+          <p:cNvPr id="25" name="Image 0" descr="/var/folders/1y/yzhkrds14j1gm67qjvlds8tm7vvy2b/T/icon-icon-or2wr87ra-1767665858961.png">    </p:cNvPr>
           <p:cNvPicPr>
             <a:picLocks noChangeAspect="1"/>
           </p:cNvPicPr>
@@ -3320,7 +3320,7 @@
       </p:pic>
       <p:pic>
         <p:nvPicPr>
-          <p:cNvPr id="26" name="Image 1" descr="/var/folders/1y/yzhkrds14j1gm67qjvlds8tm7vvy2b/T/icon-icon-clfe52hk0-1767664895075.png">    </p:cNvPr>
+          <p:cNvPr id="26" name="Image 1" descr="/var/folders/1y/yzhkrds14j1gm67qjvlds8tm7vvy2b/T/icon-icon-aikx7jhlk-1767665859005.png">    </p:cNvPr>
           <p:cNvPicPr>
             <a:picLocks noChangeAspect="1"/>
           </p:cNvPicPr>
@@ -3344,7 +3344,7 @@
       </p:pic>
       <p:pic>
         <p:nvPicPr>
-          <p:cNvPr id="27" name="Image 2" descr="/var/folders/1y/yzhkrds14j1gm67qjvlds8tm7vvy2b/T/icon-icon-27pik06be-1767664895107.png">    </p:cNvPr>
+          <p:cNvPr id="27" name="Image 2" descr="/var/folders/1y/yzhkrds14j1gm67qjvlds8tm7vvy2b/T/icon-icon-qc74gisin-1767665859037.png">    </p:cNvPr>
           <p:cNvPicPr>
             <a:picLocks noChangeAspect="1"/>
           </p:cNvPicPr>
@@ -3368,7 +3368,7 @@
       </p:pic>
       <p:pic>
         <p:nvPicPr>
-          <p:cNvPr id="28" name="Image 3" descr="/var/folders/1y/yzhkrds14j1gm67qjvlds8tm7vvy2b/T/icon-icon-4e5d87mvp-1767664895140.png">    </p:cNvPr>
+          <p:cNvPr id="28" name="Image 3" descr="/var/folders/1y/yzhkrds14j1gm67qjvlds8tm7vvy2b/T/icon-icon-42hxbq41f-1767665859070.png">    </p:cNvPr>
           <p:cNvPicPr>
             <a:picLocks noChangeAspect="1"/>
           </p:cNvPicPr>
@@ -3392,7 +3392,7 @@
       </p:pic>
       <p:pic>
         <p:nvPicPr>
-          <p:cNvPr id="29" name="Image 4" descr="/var/folders/1y/yzhkrds14j1gm67qjvlds8tm7vvy2b/T/icon-icon-h3pvw9ejf-1767664895174.png">    </p:cNvPr>
+          <p:cNvPr id="29" name="Image 4" descr="/var/folders/1y/yzhkrds14j1gm67qjvlds8tm7vvy2b/T/icon-icon-ko7n9zs34-1767665859104.png">    </p:cNvPr>
           <p:cNvPicPr>
             <a:picLocks noChangeAspect="1"/>
           </p:cNvPicPr>
@@ -3416,7 +3416,7 @@
       </p:pic>
       <p:pic>
         <p:nvPicPr>
-          <p:cNvPr id="30" name="Image 5" descr="/var/folders/1y/yzhkrds14j1gm67qjvlds8tm7vvy2b/T/icon-icon-xj510mblr-1767664895208.png">    </p:cNvPr>
+          <p:cNvPr id="30" name="Image 5" descr="/var/folders/1y/yzhkrds14j1gm67qjvlds8tm7vvy2b/T/icon-icon-wuy6mpohu-1767665859136.png">    </p:cNvPr>
           <p:cNvPicPr>
             <a:picLocks noChangeAspect="1"/>
           </p:cNvPicPr>
@@ -3440,7 +3440,7 @@
       </p:pic>
       <p:pic>
         <p:nvPicPr>
-          <p:cNvPr id="31" name="Image 6" descr="/var/folders/1y/yzhkrds14j1gm67qjvlds8tm7vvy2b/T/icon-icon-6na0axnn6-1767664895240.png">    </p:cNvPr>
+          <p:cNvPr id="31" name="Image 6" descr="/var/folders/1y/yzhkrds14j1gm67qjvlds8tm7vvy2b/T/icon-icon-i6xkqaqo4-1767665859170.png">    </p:cNvPr>
           <p:cNvPicPr>
             <a:picLocks noChangeAspect="1"/>
           </p:cNvPicPr>
@@ -3464,7 +3464,7 @@
       </p:pic>
       <p:pic>
         <p:nvPicPr>
-          <p:cNvPr id="32" name="Image 7" descr="/var/folders/1y/yzhkrds14j1gm67qjvlds8tm7vvy2b/T/icon-icon-xj510mblr-1767664895274.png">    </p:cNvPr>
+          <p:cNvPr id="32" name="Image 7" descr="/var/folders/1y/yzhkrds14j1gm67qjvlds8tm7vvy2b/T/icon-icon-wuy6mpohu-1767665859203.png">    </p:cNvPr>
           <p:cNvPicPr>
             <a:picLocks noChangeAspect="1"/>
           </p:cNvPicPr>
@@ -3488,7 +3488,7 @@
       </p:pic>
       <p:pic>
         <p:nvPicPr>
-          <p:cNvPr id="33" name="Image 8" descr="/var/folders/1y/yzhkrds14j1gm67qjvlds8tm7vvy2b/T/icon-icon-6na0axnn6-1767664895307.png">    </p:cNvPr>
+          <p:cNvPr id="33" name="Image 8" descr="/var/folders/1y/yzhkrds14j1gm67qjvlds8tm7vvy2b/T/icon-icon-i6xkqaqo4-1767665859237.png">    </p:cNvPr>
           <p:cNvPicPr>
             <a:picLocks noChangeAspect="1"/>
           </p:cNvPicPr>
@@ -4421,7 +4421,7 @@
       </p:sp>
       <p:pic>
         <p:nvPicPr>
-          <p:cNvPr id="23" name="Image 0" descr="/var/folders/1y/yzhkrds14j1gm67qjvlds8tm7vvy2b/T/icon-icon-j73wruohb-1767664897130.png">    </p:cNvPr>
+          <p:cNvPr id="23" name="Image 0" descr="/var/folders/1y/yzhkrds14j1gm67qjvlds8tm7vvy2b/T/icon-icon-ummez7th3-1767665861149.png">    </p:cNvPr>
           <p:cNvPicPr>
             <a:picLocks noChangeAspect="1"/>
           </p:cNvPicPr>
@@ -4445,7 +4445,7 @@
       </p:pic>
       <p:pic>
         <p:nvPicPr>
-          <p:cNvPr id="24" name="Image 1" descr="/var/folders/1y/yzhkrds14j1gm67qjvlds8tm7vvy2b/T/icon-icon-x7z8aisaj-1767664897174.png">    </p:cNvPr>
+          <p:cNvPr id="24" name="Image 1" descr="/var/folders/1y/yzhkrds14j1gm67qjvlds8tm7vvy2b/T/icon-icon-lz7jnjfun-1767665861196.png">    </p:cNvPr>
           <p:cNvPicPr>
             <a:picLocks noChangeAspect="1"/>
           </p:cNvPicPr>
@@ -4469,7 +4469,7 @@
       </p:pic>
       <p:pic>
         <p:nvPicPr>
-          <p:cNvPr id="25" name="Image 2" descr="/var/folders/1y/yzhkrds14j1gm67qjvlds8tm7vvy2b/T/icon-icon-ag21q9pvy-1767664897209.png">    </p:cNvPr>
+          <p:cNvPr id="25" name="Image 2" descr="/var/folders/1y/yzhkrds14j1gm67qjvlds8tm7vvy2b/T/icon-icon-dq9caukt1-1767665861230.png">    </p:cNvPr>
           <p:cNvPicPr>
             <a:picLocks noChangeAspect="1"/>
           </p:cNvPicPr>
@@ -4493,7 +4493,7 @@
       </p:pic>
       <p:pic>
         <p:nvPicPr>
-          <p:cNvPr id="26" name="Image 3" descr="/var/folders/1y/yzhkrds14j1gm67qjvlds8tm7vvy2b/T/icon-icon-m1bc991yp-1767664897240.png">    </p:cNvPr>
+          <p:cNvPr id="26" name="Image 3" descr="/var/folders/1y/yzhkrds14j1gm67qjvlds8tm7vvy2b/T/icon-icon-r1n9nkiz9-1767665861264.png">    </p:cNvPr>
           <p:cNvPicPr>
             <a:picLocks noChangeAspect="1"/>
           </p:cNvPicPr>
@@ -4517,7 +4517,7 @@
       </p:pic>
       <p:pic>
         <p:nvPicPr>
-          <p:cNvPr id="27" name="Image 4" descr="/var/folders/1y/yzhkrds14j1gm67qjvlds8tm7vvy2b/T/icon-icon-gdggr4nk9-1767664897273.png">    </p:cNvPr>
+          <p:cNvPr id="27" name="Image 4" descr="/var/folders/1y/yzhkrds14j1gm67qjvlds8tm7vvy2b/T/icon-icon-lv5h1qind-1767665861297.png">    </p:cNvPr>
           <p:cNvPicPr>
             <a:picLocks noChangeAspect="1"/>
           </p:cNvPicPr>
@@ -4541,7 +4541,7 @@
       </p:pic>
       <p:pic>
         <p:nvPicPr>
-          <p:cNvPr id="28" name="Image 5" descr="/var/folders/1y/yzhkrds14j1gm67qjvlds8tm7vvy2b/T/icon-icon-m1bc991yp-1767664897307.png">    </p:cNvPr>
+          <p:cNvPr id="28" name="Image 5" descr="/var/folders/1y/yzhkrds14j1gm67qjvlds8tm7vvy2b/T/icon-icon-r1n9nkiz9-1767665861329.png">    </p:cNvPr>
           <p:cNvPicPr>
             <a:picLocks noChangeAspect="1"/>
           </p:cNvPicPr>
@@ -4565,7 +4565,7 @@
       </p:pic>
       <p:pic>
         <p:nvPicPr>
-          <p:cNvPr id="29" name="Image 6" descr="/var/folders/1y/yzhkrds14j1gm67qjvlds8tm7vvy2b/T/icon-icon-gdggr4nk9-1767664897343.png">    </p:cNvPr>
+          <p:cNvPr id="29" name="Image 6" descr="/var/folders/1y/yzhkrds14j1gm67qjvlds8tm7vvy2b/T/icon-icon-lv5h1qind-1767665861363.png">    </p:cNvPr>
           <p:cNvPicPr>
             <a:picLocks noChangeAspect="1"/>
           </p:cNvPicPr>
@@ -5868,7 +5868,7 @@
       </p:sp>
       <p:pic>
         <p:nvPicPr>
-          <p:cNvPr id="31" name="Image 0" descr="/var/folders/1y/yzhkrds14j1gm67qjvlds8tm7vvy2b/T/icon-icon-gm4l9c4f0-1767664899202.png">    </p:cNvPr>
+          <p:cNvPr id="31" name="Image 0" descr="/var/folders/1y/yzhkrds14j1gm67qjvlds8tm7vvy2b/T/icon-icon-ror84u3d7-1767665863162.png">    </p:cNvPr>
           <p:cNvPicPr>
             <a:picLocks noChangeAspect="1"/>
           </p:cNvPicPr>
@@ -5892,7 +5892,7 @@
       </p:pic>
       <p:pic>
         <p:nvPicPr>
-          <p:cNvPr id="32" name="Image 1" descr="/var/folders/1y/yzhkrds14j1gm67qjvlds8tm7vvy2b/T/icon-icon-qqymtncb2-1767664899242.png">    </p:cNvPr>
+          <p:cNvPr id="32" name="Image 1" descr="/var/folders/1y/yzhkrds14j1gm67qjvlds8tm7vvy2b/T/icon-icon-uma8mqf1p-1767665863205.png">    </p:cNvPr>
           <p:cNvPicPr>
             <a:picLocks noChangeAspect="1"/>
           </p:cNvPicPr>
@@ -5916,7 +5916,7 @@
       </p:pic>
       <p:pic>
         <p:nvPicPr>
-          <p:cNvPr id="33" name="Image 2" descr="/var/folders/1y/yzhkrds14j1gm67qjvlds8tm7vvy2b/T/icon-icon-k4avse6r5-1767664899275.png">    </p:cNvPr>
+          <p:cNvPr id="33" name="Image 2" descr="/var/folders/1y/yzhkrds14j1gm67qjvlds8tm7vvy2b/T/icon-icon-y2asi5h0m-1767665863236.png">    </p:cNvPr>
           <p:cNvPicPr>
             <a:picLocks noChangeAspect="1"/>
           </p:cNvPicPr>
@@ -5940,7 +5940,7 @@
       </p:pic>
       <p:pic>
         <p:nvPicPr>
-          <p:cNvPr id="34" name="Image 3" descr="/var/folders/1y/yzhkrds14j1gm67qjvlds8tm7vvy2b/T/icon-icon-k4avse6r5-1767664899309.png">    </p:cNvPr>
+          <p:cNvPr id="34" name="Image 3" descr="/var/folders/1y/yzhkrds14j1gm67qjvlds8tm7vvy2b/T/icon-icon-y2asi5h0m-1767665863270.png">    </p:cNvPr>
           <p:cNvPicPr>
             <a:picLocks noChangeAspect="1"/>
           </p:cNvPicPr>
@@ -5964,7 +5964,7 @@
       </p:pic>
       <p:pic>
         <p:nvPicPr>
-          <p:cNvPr id="35" name="Image 4" descr="/var/folders/1y/yzhkrds14j1gm67qjvlds8tm7vvy2b/T/icon-icon-nqoefdiiq-1767664899342.png">    </p:cNvPr>
+          <p:cNvPr id="35" name="Image 4" descr="/var/folders/1y/yzhkrds14j1gm67qjvlds8tm7vvy2b/T/icon-icon-waeywat0b-1767665863304.png">    </p:cNvPr>
           <p:cNvPicPr>
             <a:picLocks noChangeAspect="1"/>
           </p:cNvPicPr>
@@ -5988,7 +5988,7 @@
       </p:pic>
       <p:pic>
         <p:nvPicPr>
-          <p:cNvPr id="36" name="Image 5" descr="/var/folders/1y/yzhkrds14j1gm67qjvlds8tm7vvy2b/T/icon-icon-nqoefdiiq-1767664899375.png">    </p:cNvPr>
+          <p:cNvPr id="36" name="Image 5" descr="/var/folders/1y/yzhkrds14j1gm67qjvlds8tm7vvy2b/T/icon-icon-waeywat0b-1767665863338.png">    </p:cNvPr>
           <p:cNvPicPr>
             <a:picLocks noChangeAspect="1"/>
           </p:cNvPicPr>
@@ -6012,7 +6012,7 @@
       </p:pic>
       <p:pic>
         <p:nvPicPr>
-          <p:cNvPr id="37" name="Image 6" descr="/var/folders/1y/yzhkrds14j1gm67qjvlds8tm7vvy2b/T/icon-icon-ufvpohcgz-1767664899409.png">    </p:cNvPr>
+          <p:cNvPr id="37" name="Image 6" descr="/var/folders/1y/yzhkrds14j1gm67qjvlds8tm7vvy2b/T/icon-icon-tc10dqwyl-1767665863372.png">    </p:cNvPr>
           <p:cNvPicPr>
             <a:picLocks noChangeAspect="1"/>
           </p:cNvPicPr>
@@ -6036,7 +6036,7 @@
       </p:pic>
       <p:pic>
         <p:nvPicPr>
-          <p:cNvPr id="38" name="Image 7" descr="/var/folders/1y/yzhkrds14j1gm67qjvlds8tm7vvy2b/T/icon-icon-yro73zelu-1767664899441.png">    </p:cNvPr>
+          <p:cNvPr id="38" name="Image 7" descr="/var/folders/1y/yzhkrds14j1gm67qjvlds8tm7vvy2b/T/icon-icon-7kqlo5in9-1767665863405.png">    </p:cNvPr>
           <p:cNvPicPr>
             <a:picLocks noChangeAspect="1"/>
           </p:cNvPicPr>
@@ -6060,7 +6060,7 @@
       </p:pic>
       <p:pic>
         <p:nvPicPr>
-          <p:cNvPr id="39" name="Image 8" descr="/var/folders/1y/yzhkrds14j1gm67qjvlds8tm7vvy2b/T/icon-icon-oqbsbf944-1767664899474.png">    </p:cNvPr>
+          <p:cNvPr id="39" name="Image 8" descr="/var/folders/1y/yzhkrds14j1gm67qjvlds8tm7vvy2b/T/icon-icon-eo0kq53jg-1767665863437.png">    </p:cNvPr>
           <p:cNvPicPr>
             <a:picLocks noChangeAspect="1"/>
           </p:cNvPicPr>
@@ -6084,7 +6084,7 @@
       </p:pic>
       <p:pic>
         <p:nvPicPr>
-          <p:cNvPr id="40" name="Image 9" descr="/var/folders/1y/yzhkrds14j1gm67qjvlds8tm7vvy2b/T/icon-icon-rhq8u40ve-1767664899507.png">    </p:cNvPr>
+          <p:cNvPr id="40" name="Image 9" descr="/var/folders/1y/yzhkrds14j1gm67qjvlds8tm7vvy2b/T/icon-icon-e2w7l5fbl-1767665863472.png">    </p:cNvPr>
           <p:cNvPicPr>
             <a:picLocks noChangeAspect="1"/>
           </p:cNvPicPr>
@@ -6108,7 +6108,7 @@
       </p:pic>
       <p:pic>
         <p:nvPicPr>
-          <p:cNvPr id="41" name="Image 10" descr="/var/folders/1y/yzhkrds14j1gm67qjvlds8tm7vvy2b/T/icon-icon-rhq8u40ve-1767664899542.png">    </p:cNvPr>
+          <p:cNvPr id="41" name="Image 10" descr="/var/folders/1y/yzhkrds14j1gm67qjvlds8tm7vvy2b/T/icon-icon-e2w7l5fbl-1767665863505.png">    </p:cNvPr>
           <p:cNvPicPr>
             <a:picLocks noChangeAspect="1"/>
           </p:cNvPicPr>
@@ -6132,7 +6132,7 @@
       </p:pic>
       <p:pic>
         <p:nvPicPr>
-          <p:cNvPr id="42" name="Image 11" descr="/var/folders/1y/yzhkrds14j1gm67qjvlds8tm7vvy2b/T/icon-icon-lvmow85vq-1767664899575.png">    </p:cNvPr>
+          <p:cNvPr id="42" name="Image 11" descr="/var/folders/1y/yzhkrds14j1gm67qjvlds8tm7vvy2b/T/icon-icon-0kfw33xq1-1767665863538.png">    </p:cNvPr>
           <p:cNvPicPr>
             <a:picLocks noChangeAspect="1"/>
           </p:cNvPicPr>
@@ -6156,7 +6156,7 @@
       </p:pic>
       <p:pic>
         <p:nvPicPr>
-          <p:cNvPr id="43" name="Image 12" descr="/var/folders/1y/yzhkrds14j1gm67qjvlds8tm7vvy2b/T/icon-icon-lvmow85vq-1767664899607.png">    </p:cNvPr>
+          <p:cNvPr id="43" name="Image 12" descr="/var/folders/1y/yzhkrds14j1gm67qjvlds8tm7vvy2b/T/icon-icon-0kfw33xq1-1767665863572.png">    </p:cNvPr>
           <p:cNvPicPr>
             <a:picLocks noChangeAspect="1"/>
           </p:cNvPicPr>
@@ -6180,7 +6180,7 @@
       </p:pic>
       <p:pic>
         <p:nvPicPr>
-          <p:cNvPr id="44" name="Image 13" descr="/var/folders/1y/yzhkrds14j1gm67qjvlds8tm7vvy2b/T/icon-icon-8qift7e6h-1767664899642.png">    </p:cNvPr>
+          <p:cNvPr id="44" name="Image 13" descr="/var/folders/1y/yzhkrds14j1gm67qjvlds8tm7vvy2b/T/icon-icon-1aysc1bt5-1767665863605.png">    </p:cNvPr>
           <p:cNvPicPr>
             <a:picLocks noChangeAspect="1"/>
           </p:cNvPicPr>
@@ -6204,7 +6204,7 @@
       </p:pic>
       <p:pic>
         <p:nvPicPr>
-          <p:cNvPr id="45" name="Image 14" descr="/var/folders/1y/yzhkrds14j1gm67qjvlds8tm7vvy2b/T/icon-icon-8qift7e6h-1767664899683.png">    </p:cNvPr>
+          <p:cNvPr id="45" name="Image 14" descr="/var/folders/1y/yzhkrds14j1gm67qjvlds8tm7vvy2b/T/icon-icon-1aysc1bt5-1767665863637.png">    </p:cNvPr>
           <p:cNvPicPr>
             <a:picLocks noChangeAspect="1"/>
           </p:cNvPicPr>
@@ -6228,7 +6228,7 @@
       </p:pic>
       <p:pic>
         <p:nvPicPr>
-          <p:cNvPr id="46" name="Image 15" descr="/var/folders/1y/yzhkrds14j1gm67qjvlds8tm7vvy2b/T/icon-icon-wuz8gb6hq-1767664899717.png">    </p:cNvPr>
+          <p:cNvPr id="46" name="Image 15" descr="/var/folders/1y/yzhkrds14j1gm67qjvlds8tm7vvy2b/T/icon-icon-ys1dj9nnr-1767665863672.png">    </p:cNvPr>
           <p:cNvPicPr>
             <a:picLocks noChangeAspect="1"/>
           </p:cNvPicPr>
@@ -6252,7 +6252,7 @@
       </p:pic>
       <p:pic>
         <p:nvPicPr>
-          <p:cNvPr id="47" name="Image 16" descr="/var/folders/1y/yzhkrds14j1gm67qjvlds8tm7vvy2b/T/icon-icon-wuz8gb6hq-1767664899757.png">    </p:cNvPr>
+          <p:cNvPr id="47" name="Image 16" descr="/var/folders/1y/yzhkrds14j1gm67qjvlds8tm7vvy2b/T/icon-icon-ys1dj9nnr-1767665863714.png">    </p:cNvPr>
           <p:cNvPicPr>
             <a:picLocks noChangeAspect="1"/>
           </p:cNvPicPr>
@@ -7094,7 +7094,7 @@
       </p:sp>
       <p:pic>
         <p:nvPicPr>
-          <p:cNvPr id="23" name="Image 0" descr="/var/folders/1y/yzhkrds14j1gm67qjvlds8tm7vvy2b/T/icon-icon-2yqzlwtkg-1767664876669.png">    </p:cNvPr>
+          <p:cNvPr id="23" name="Image 0" descr="/var/folders/1y/yzhkrds14j1gm67qjvlds8tm7vvy2b/T/icon-icon-jqkxcsjdu-1767665840871.png">    </p:cNvPr>
           <p:cNvPicPr>
             <a:picLocks noChangeAspect="1"/>
           </p:cNvPicPr>
@@ -7118,7 +7118,7 @@
       </p:pic>
       <p:pic>
         <p:nvPicPr>
-          <p:cNvPr id="24" name="Image 1" descr="/var/folders/1y/yzhkrds14j1gm67qjvlds8tm7vvy2b/T/icon-icon-3pp2s79c6-1767664876710.png">    </p:cNvPr>
+          <p:cNvPr id="24" name="Image 1" descr="/var/folders/1y/yzhkrds14j1gm67qjvlds8tm7vvy2b/T/icon-icon-8mln02yox-1767665840914.png">    </p:cNvPr>
           <p:cNvPicPr>
             <a:picLocks noChangeAspect="1"/>
           </p:cNvPicPr>
@@ -7142,7 +7142,7 @@
       </p:pic>
       <p:pic>
         <p:nvPicPr>
-          <p:cNvPr id="25" name="Image 2" descr="/var/folders/1y/yzhkrds14j1gm67qjvlds8tm7vvy2b/T/icon-icon-qtfy5k2l7-1767664876741.png">    </p:cNvPr>
+          <p:cNvPr id="25" name="Image 2" descr="/var/folders/1y/yzhkrds14j1gm67qjvlds8tm7vvy2b/T/icon-icon-x5p9xt80d-1767665840954.png">    </p:cNvPr>
           <p:cNvPicPr>
             <a:picLocks noChangeAspect="1"/>
           </p:cNvPicPr>
@@ -7166,7 +7166,7 @@
       </p:pic>
       <p:pic>
         <p:nvPicPr>
-          <p:cNvPr id="26" name="Image 3" descr="/var/folders/1y/yzhkrds14j1gm67qjvlds8tm7vvy2b/T/icon-icon-99t5x2qi7-1767664876775.png">    </p:cNvPr>
+          <p:cNvPr id="26" name="Image 3" descr="/var/folders/1y/yzhkrds14j1gm67qjvlds8tm7vvy2b/T/icon-icon-28lgkv3ju-1767665840989.png">    </p:cNvPr>
           <p:cNvPicPr>
             <a:picLocks noChangeAspect="1"/>
           </p:cNvPicPr>
@@ -7190,7 +7190,7 @@
       </p:pic>
       <p:pic>
         <p:nvPicPr>
-          <p:cNvPr id="27" name="Image 4" descr="/var/folders/1y/yzhkrds14j1gm67qjvlds8tm7vvy2b/T/icon-icon-99t5x2qi7-1767664876807.png">    </p:cNvPr>
+          <p:cNvPr id="27" name="Image 4" descr="/var/folders/1y/yzhkrds14j1gm67qjvlds8tm7vvy2b/T/icon-icon-28lgkv3ju-1767665841020.png">    </p:cNvPr>
           <p:cNvPicPr>
             <a:picLocks noChangeAspect="1"/>
           </p:cNvPicPr>
@@ -8410,7 +8410,7 @@
       </p:sp>
       <p:pic>
         <p:nvPicPr>
-          <p:cNvPr id="32" name="Image 0" descr="/var/folders/1y/yzhkrds14j1gm67qjvlds8tm7vvy2b/T/icon-icon-rh7rjyoci-1767664878669.png">    </p:cNvPr>
+          <p:cNvPr id="32" name="Image 0" descr="/var/folders/1y/yzhkrds14j1gm67qjvlds8tm7vvy2b/T/icon-icon-4d01tyhts-1767665842889.png">    </p:cNvPr>
           <p:cNvPicPr>
             <a:picLocks noChangeAspect="1"/>
           </p:cNvPicPr>
@@ -8434,7 +8434,7 @@
       </p:pic>
       <p:pic>
         <p:nvPicPr>
-          <p:cNvPr id="33" name="Image 1" descr="/var/folders/1y/yzhkrds14j1gm67qjvlds8tm7vvy2b/T/icon-icon-suefyi05s-1767664878718.png">    </p:cNvPr>
+          <p:cNvPr id="33" name="Image 1" descr="/var/folders/1y/yzhkrds14j1gm67qjvlds8tm7vvy2b/T/icon-icon-q1ig50pii-1767665842940.png">    </p:cNvPr>
           <p:cNvPicPr>
             <a:picLocks noChangeAspect="1"/>
           </p:cNvPicPr>
@@ -8458,7 +8458,7 @@
       </p:pic>
       <p:pic>
         <p:nvPicPr>
-          <p:cNvPr id="34" name="Image 2" descr="/var/folders/1y/yzhkrds14j1gm67qjvlds8tm7vvy2b/T/icon-icon-300s4b0ox-1767664878749.png">    </p:cNvPr>
+          <p:cNvPr id="34" name="Image 2" descr="/var/folders/1y/yzhkrds14j1gm67qjvlds8tm7vvy2b/T/icon-icon-p0ndiu7fz-1767665842980.png">    </p:cNvPr>
           <p:cNvPicPr>
             <a:picLocks noChangeAspect="1"/>
           </p:cNvPicPr>
@@ -8482,7 +8482,7 @@
       </p:pic>
       <p:pic>
         <p:nvPicPr>
-          <p:cNvPr id="35" name="Image 3" descr="/var/folders/1y/yzhkrds14j1gm67qjvlds8tm7vvy2b/T/icon-icon-b1c5ptimm-1767664878784.png">    </p:cNvPr>
+          <p:cNvPr id="35" name="Image 3" descr="/var/folders/1y/yzhkrds14j1gm67qjvlds8tm7vvy2b/T/icon-icon-6jt3imq8h-1767665843022.png">    </p:cNvPr>
           <p:cNvPicPr>
             <a:picLocks noChangeAspect="1"/>
           </p:cNvPicPr>
@@ -9448,7 +9448,7 @@
       </p:sp>
       <p:pic>
         <p:nvPicPr>
-          <p:cNvPr id="27" name="Image 0" descr="/var/folders/1y/yzhkrds14j1gm67qjvlds8tm7vvy2b/T/icon-icon-c9magapd2-1767664880752.png">    </p:cNvPr>
+          <p:cNvPr id="27" name="Image 0" descr="/var/folders/1y/yzhkrds14j1gm67qjvlds8tm7vvy2b/T/icon-icon-am9ae8ic6-1767665844846.png">    </p:cNvPr>
           <p:cNvPicPr>
             <a:picLocks noChangeAspect="1"/>
           </p:cNvPicPr>
@@ -9472,7 +9472,7 @@
       </p:pic>
       <p:pic>
         <p:nvPicPr>
-          <p:cNvPr id="28" name="Image 1" descr="/var/folders/1y/yzhkrds14j1gm67qjvlds8tm7vvy2b/T/icon-icon-jf74587je-1767664880801.png">    </p:cNvPr>
+          <p:cNvPr id="28" name="Image 1" descr="/var/folders/1y/yzhkrds14j1gm67qjvlds8tm7vvy2b/T/icon-icon-2y02palos-1767665844888.png">    </p:cNvPr>
           <p:cNvPicPr>
             <a:picLocks noChangeAspect="1"/>
           </p:cNvPicPr>
@@ -9496,7 +9496,7 @@
       </p:pic>
       <p:pic>
         <p:nvPicPr>
-          <p:cNvPr id="29" name="Image 2" descr="/var/folders/1y/yzhkrds14j1gm67qjvlds8tm7vvy2b/T/icon-icon-h9gb4k7x7-1767664880831.png">    </p:cNvPr>
+          <p:cNvPr id="29" name="Image 2" descr="/var/folders/1y/yzhkrds14j1gm67qjvlds8tm7vvy2b/T/icon-icon-jt7thtof5-1767665844922.png">    </p:cNvPr>
           <p:cNvPicPr>
             <a:picLocks noChangeAspect="1"/>
           </p:cNvPicPr>
@@ -9520,7 +9520,7 @@
       </p:pic>
       <p:pic>
         <p:nvPicPr>
-          <p:cNvPr id="30" name="Image 3" descr="/var/folders/1y/yzhkrds14j1gm67qjvlds8tm7vvy2b/T/icon-icon-g6d3ylrgl-1767664880865.png">    </p:cNvPr>
+          <p:cNvPr id="30" name="Image 3" descr="/var/folders/1y/yzhkrds14j1gm67qjvlds8tm7vvy2b/T/icon-icon-g6pu5pmct-1767665844963.png">    </p:cNvPr>
           <p:cNvPicPr>
             <a:picLocks noChangeAspect="1"/>
           </p:cNvPicPr>
@@ -10298,7 +10298,7 @@
       </p:sp>
       <p:pic>
         <p:nvPicPr>
-          <p:cNvPr id="22" name="Image 1" descr="/var/folders/1y/yzhkrds14j1gm67qjvlds8tm7vvy2b/T/icon-icon-xnpvgnqjy-1767664882539.png">    </p:cNvPr>
+          <p:cNvPr id="22" name="Image 1" descr="/var/folders/1y/yzhkrds14j1gm67qjvlds8tm7vvy2b/T/icon-icon-ieqyxmuqg-1767665846844.png">    </p:cNvPr>
           <p:cNvPicPr>
             <a:picLocks noChangeAspect="1"/>
           </p:cNvPicPr>
@@ -10322,7 +10322,7 @@
       </p:pic>
       <p:pic>
         <p:nvPicPr>
-          <p:cNvPr id="23" name="Image 2" descr="/var/folders/1y/yzhkrds14j1gm67qjvlds8tm7vvy2b/T/icon-icon-d14jeri0b-1767664882584.png">    </p:cNvPr>
+          <p:cNvPr id="23" name="Image 2" descr="/var/folders/1y/yzhkrds14j1gm67qjvlds8tm7vvy2b/T/icon-icon-guo2eddom-1767665846889.png">    </p:cNvPr>
           <p:cNvPicPr>
             <a:picLocks noChangeAspect="1"/>
           </p:cNvPicPr>
@@ -10346,7 +10346,7 @@
       </p:pic>
       <p:pic>
         <p:nvPicPr>
-          <p:cNvPr id="24" name="Image 3" descr="/var/folders/1y/yzhkrds14j1gm67qjvlds8tm7vvy2b/T/icon-icon-ecrxjwt93-1767664882615.png">    </p:cNvPr>
+          <p:cNvPr id="24" name="Image 3" descr="/var/folders/1y/yzhkrds14j1gm67qjvlds8tm7vvy2b/T/icon-icon-bzrj1qb1f-1767665846920.png">    </p:cNvPr>
           <p:cNvPicPr>
             <a:picLocks noChangeAspect="1"/>
           </p:cNvPicPr>
@@ -11468,7 +11468,7 @@
       </p:sp>
       <p:pic>
         <p:nvPicPr>
-          <p:cNvPr id="29" name="Image 0" descr="/var/folders/1y/yzhkrds14j1gm67qjvlds8tm7vvy2b/T/icon-icon-h9wlwz4qg-1767664884451.png">    </p:cNvPr>
+          <p:cNvPr id="29" name="Image 0" descr="/var/folders/1y/yzhkrds14j1gm67qjvlds8tm7vvy2b/T/icon-icon-1drn7exj0-1767665848766.png">    </p:cNvPr>
           <p:cNvPicPr>
             <a:picLocks noChangeAspect="1"/>
           </p:cNvPicPr>
@@ -11492,7 +11492,7 @@
       </p:pic>
       <p:pic>
         <p:nvPicPr>
-          <p:cNvPr id="30" name="Image 1" descr="/var/folders/1y/yzhkrds14j1gm67qjvlds8tm7vvy2b/T/icon-icon-ib6stz4l3-1767664884501.png">    </p:cNvPr>
+          <p:cNvPr id="30" name="Image 1" descr="/var/folders/1y/yzhkrds14j1gm67qjvlds8tm7vvy2b/T/icon-icon-x8po9t2ru-1767665848814.png">    </p:cNvPr>
           <p:cNvPicPr>
             <a:picLocks noChangeAspect="1"/>
           </p:cNvPicPr>
@@ -11516,7 +11516,7 @@
       </p:pic>
       <p:pic>
         <p:nvPicPr>
-          <p:cNvPr id="31" name="Image 2" descr="/var/folders/1y/yzhkrds14j1gm67qjvlds8tm7vvy2b/T/icon-icon-odyl7gbu6-1767664884540.png">    </p:cNvPr>
+          <p:cNvPr id="31" name="Image 2" descr="/var/folders/1y/yzhkrds14j1gm67qjvlds8tm7vvy2b/T/icon-icon-rjaxuhs68-1767665848846.png">    </p:cNvPr>
           <p:cNvPicPr>
             <a:picLocks noChangeAspect="1"/>
           </p:cNvPicPr>
@@ -11540,7 +11540,7 @@
       </p:pic>
       <p:pic>
         <p:nvPicPr>
-          <p:cNvPr id="32" name="Image 3" descr="/var/folders/1y/yzhkrds14j1gm67qjvlds8tm7vvy2b/T/icon-icon-pu7gmoa3z-1767664884574.png">    </p:cNvPr>
+          <p:cNvPr id="32" name="Image 3" descr="/var/folders/1y/yzhkrds14j1gm67qjvlds8tm7vvy2b/T/icon-icon-aufyss3w9-1767665848879.png">    </p:cNvPr>
           <p:cNvPicPr>
             <a:picLocks noChangeAspect="1"/>
           </p:cNvPicPr>
@@ -11564,7 +11564,7 @@
       </p:pic>
       <p:pic>
         <p:nvPicPr>
-          <p:cNvPr id="33" name="Image 4" descr="/var/folders/1y/yzhkrds14j1gm67qjvlds8tm7vvy2b/T/icon-icon-ljxa3dbkl-1767664884608.png">    </p:cNvPr>
+          <p:cNvPr id="33" name="Image 4" descr="/var/folders/1y/yzhkrds14j1gm67qjvlds8tm7vvy2b/T/icon-icon-y8naoytdr-1767665848912.png">    </p:cNvPr>
           <p:cNvPicPr>
             <a:picLocks noChangeAspect="1"/>
           </p:cNvPicPr>
@@ -11588,7 +11588,7 @@
       </p:pic>
       <p:pic>
         <p:nvPicPr>
-          <p:cNvPr id="34" name="Image 5" descr="/var/folders/1y/yzhkrds14j1gm67qjvlds8tm7vvy2b/T/icon-icon-clo419q79-1767664884643.png">    </p:cNvPr>
+          <p:cNvPr id="34" name="Image 5" descr="/var/folders/1y/yzhkrds14j1gm67qjvlds8tm7vvy2b/T/icon-icon-h4olkv2p8-1767665848947.png">    </p:cNvPr>
           <p:cNvPicPr>
             <a:picLocks noChangeAspect="1"/>
           </p:cNvPicPr>
@@ -11612,7 +11612,7 @@
       </p:pic>
       <p:pic>
         <p:nvPicPr>
-          <p:cNvPr id="35" name="Image 6" descr="/var/folders/1y/yzhkrds14j1gm67qjvlds8tm7vvy2b/T/icon-icon-9j3q85rjy-1767664884684.png">    </p:cNvPr>
+          <p:cNvPr id="35" name="Image 6" descr="/var/folders/1y/yzhkrds14j1gm67qjvlds8tm7vvy2b/T/icon-icon-uw1hd5n36-1767665848980.png">    </p:cNvPr>
           <p:cNvPicPr>
             <a:picLocks noChangeAspect="1"/>
           </p:cNvPicPr>
@@ -13140,7 +13140,7 @@
       </p:sp>
       <p:pic>
         <p:nvPicPr>
-          <p:cNvPr id="29" name="Image 1" descr="/var/folders/1y/yzhkrds14j1gm67qjvlds8tm7vvy2b/T/icon-icon-see3ozygh-1767664886560.png">    </p:cNvPr>
+          <p:cNvPr id="29" name="Image 1" descr="/var/folders/1y/yzhkrds14j1gm67qjvlds8tm7vvy2b/T/icon-icon-yryp0wui0-1767665850829.png">    </p:cNvPr>
           <p:cNvPicPr>
             <a:picLocks noChangeAspect="1"/>
           </p:cNvPicPr>
@@ -13164,7 +13164,7 @@
       </p:pic>
       <p:pic>
         <p:nvPicPr>
-          <p:cNvPr id="30" name="Image 2" descr="/var/folders/1y/yzhkrds14j1gm67qjvlds8tm7vvy2b/T/icon-icon-7puw2ad6q-1767664886609.png">    </p:cNvPr>
+          <p:cNvPr id="30" name="Image 2" descr="/var/folders/1y/yzhkrds14j1gm67qjvlds8tm7vvy2b/T/icon-icon-ft32adcfe-1767665850873.png">    </p:cNvPr>
           <p:cNvPicPr>
             <a:picLocks noChangeAspect="1"/>
           </p:cNvPicPr>
@@ -13188,7 +13188,7 @@
       </p:pic>
       <p:pic>
         <p:nvPicPr>
-          <p:cNvPr id="31" name="Image 3" descr="/var/folders/1y/yzhkrds14j1gm67qjvlds8tm7vvy2b/T/icon-icon-l2dbewyuh-1767664886648.png">    </p:cNvPr>
+          <p:cNvPr id="31" name="Image 3" descr="/var/folders/1y/yzhkrds14j1gm67qjvlds8tm7vvy2b/T/icon-icon-yuyub60vi-1767665850914.png">    </p:cNvPr>
           <p:cNvPicPr>
             <a:picLocks noChangeAspect="1"/>
           </p:cNvPicPr>
@@ -13212,7 +13212,7 @@
       </p:pic>
       <p:pic>
         <p:nvPicPr>
-          <p:cNvPr id="32" name="Image 4" descr="/var/folders/1y/yzhkrds14j1gm67qjvlds8tm7vvy2b/T/icon-icon-fs3ts5j77-1767664886683.png">    </p:cNvPr>
+          <p:cNvPr id="32" name="Image 4" descr="/var/folders/1y/yzhkrds14j1gm67qjvlds8tm7vvy2b/T/icon-icon-rb1ulwo5a-1767665850947.png">    </p:cNvPr>
           <p:cNvPicPr>
             <a:picLocks noChangeAspect="1"/>
           </p:cNvPicPr>
@@ -13236,7 +13236,7 @@
       </p:pic>
       <p:pic>
         <p:nvPicPr>
-          <p:cNvPr id="33" name="Image 5" descr="/var/folders/1y/yzhkrds14j1gm67qjvlds8tm7vvy2b/T/icon-icon-7puw2ad6q-1767664886715.png">    </p:cNvPr>
+          <p:cNvPr id="33" name="Image 5" descr="/var/folders/1y/yzhkrds14j1gm67qjvlds8tm7vvy2b/T/icon-icon-ft32adcfe-1767665850980.png">    </p:cNvPr>
           <p:cNvPicPr>
             <a:picLocks noChangeAspect="1"/>
           </p:cNvPicPr>
@@ -13260,7 +13260,7 @@
       </p:pic>
       <p:pic>
         <p:nvPicPr>
-          <p:cNvPr id="34" name="Image 6" descr="/var/folders/1y/yzhkrds14j1gm67qjvlds8tm7vvy2b/T/icon-icon-l2dbewyuh-1767664886750.png">    </p:cNvPr>
+          <p:cNvPr id="34" name="Image 6" descr="/var/folders/1y/yzhkrds14j1gm67qjvlds8tm7vvy2b/T/icon-icon-yuyub60vi-1767665851013.png">    </p:cNvPr>
           <p:cNvPicPr>
             <a:picLocks noChangeAspect="1"/>
           </p:cNvPicPr>
@@ -13284,7 +13284,7 @@
       </p:pic>
       <p:pic>
         <p:nvPicPr>
-          <p:cNvPr id="35" name="Image 7" descr="/var/folders/1y/yzhkrds14j1gm67qjvlds8tm7vvy2b/T/icon-icon-fs3ts5j77-1767664886784.png">    </p:cNvPr>
+          <p:cNvPr id="35" name="Image 7" descr="/var/folders/1y/yzhkrds14j1gm67qjvlds8tm7vvy2b/T/icon-icon-rb1ulwo5a-1767665851047.png">    </p:cNvPr>
           <p:cNvPicPr>
             <a:picLocks noChangeAspect="1"/>
           </p:cNvPicPr>
@@ -13308,7 +13308,7 @@
       </p:pic>
       <p:pic>
         <p:nvPicPr>
-          <p:cNvPr id="36" name="Image 8" descr="/var/folders/1y/yzhkrds14j1gm67qjvlds8tm7vvy2b/T/icon-icon-jarl1lp2b-1767664886817.png">    </p:cNvPr>
+          <p:cNvPr id="36" name="Image 8" descr="/var/folders/1y/yzhkrds14j1gm67qjvlds8tm7vvy2b/T/icon-icon-kj1w0swdy-1767665851080.png">    </p:cNvPr>
           <p:cNvPicPr>
             <a:picLocks noChangeAspect="1"/>
           </p:cNvPicPr>
@@ -13332,7 +13332,7 @@
       </p:pic>
       <p:pic>
         <p:nvPicPr>
-          <p:cNvPr id="37" name="Image 9" descr="/var/folders/1y/yzhkrds14j1gm67qjvlds8tm7vvy2b/T/icon-icon-jarl1lp2b-1767664886850.png">    </p:cNvPr>
+          <p:cNvPr id="37" name="Image 9" descr="/var/folders/1y/yzhkrds14j1gm67qjvlds8tm7vvy2b/T/icon-icon-kj1w0swdy-1767665851122.png">    </p:cNvPr>
           <p:cNvPicPr>
             <a:picLocks noChangeAspect="1"/>
           </p:cNvPicPr>
@@ -13356,7 +13356,7 @@
       </p:pic>
       <p:pic>
         <p:nvPicPr>
-          <p:cNvPr id="38" name="Image 10" descr="/var/folders/1y/yzhkrds14j1gm67qjvlds8tm7vvy2b/T/icon-icon-qdvuxbztl-1767664886892.png">    </p:cNvPr>
+          <p:cNvPr id="38" name="Image 10" descr="/var/folders/1y/yzhkrds14j1gm67qjvlds8tm7vvy2b/T/icon-icon-r3a1pi120-1767665851154.png">    </p:cNvPr>
           <p:cNvPicPr>
             <a:picLocks noChangeAspect="1"/>
           </p:cNvPicPr>
@@ -13380,7 +13380,7 @@
       </p:pic>
       <p:pic>
         <p:nvPicPr>
-          <p:cNvPr id="39" name="Image 11" descr="/var/folders/1y/yzhkrds14j1gm67qjvlds8tm7vvy2b/T/icon-icon-8uso049dr-1767664886924.png">    </p:cNvPr>
+          <p:cNvPr id="39" name="Image 11" descr="/var/folders/1y/yzhkrds14j1gm67qjvlds8tm7vvy2b/T/icon-icon-3ozcn4b62-1767665851187.png">    </p:cNvPr>
           <p:cNvPicPr>
             <a:picLocks noChangeAspect="1"/>
           </p:cNvPicPr>
@@ -13404,7 +13404,7 @@
       </p:pic>
       <p:pic>
         <p:nvPicPr>
-          <p:cNvPr id="40" name="Image 12" descr="/var/folders/1y/yzhkrds14j1gm67qjvlds8tm7vvy2b/T/icon-icon-p0gm2k7b0-1767664886959.png">    </p:cNvPr>
+          <p:cNvPr id="40" name="Image 12" descr="/var/folders/1y/yzhkrds14j1gm67qjvlds8tm7vvy2b/T/icon-icon-67iyq7tmj-1767665851222.png">    </p:cNvPr>
           <p:cNvPicPr>
             <a:picLocks noChangeAspect="1"/>
           </p:cNvPicPr>
@@ -13428,7 +13428,7 @@
       </p:pic>
       <p:pic>
         <p:nvPicPr>
-          <p:cNvPr id="41" name="Image 13" descr="/var/folders/1y/yzhkrds14j1gm67qjvlds8tm7vvy2b/T/icon-icon-8uso049dr-1767664886992.png">    </p:cNvPr>
+          <p:cNvPr id="41" name="Image 13" descr="/var/folders/1y/yzhkrds14j1gm67qjvlds8tm7vvy2b/T/icon-icon-3ozcn4b62-1767665851255.png">    </p:cNvPr>
           <p:cNvPicPr>
             <a:picLocks noChangeAspect="1"/>
           </p:cNvPicPr>
@@ -13452,7 +13452,7 @@
       </p:pic>
       <p:pic>
         <p:nvPicPr>
-          <p:cNvPr id="42" name="Image 14" descr="/var/folders/1y/yzhkrds14j1gm67qjvlds8tm7vvy2b/T/icon-icon-p0gm2k7b0-1767664887026.png">    </p:cNvPr>
+          <p:cNvPr id="42" name="Image 14" descr="/var/folders/1y/yzhkrds14j1gm67qjvlds8tm7vvy2b/T/icon-icon-67iyq7tmj-1767665851288.png">    </p:cNvPr>
           <p:cNvPicPr>
             <a:picLocks noChangeAspect="1"/>
           </p:cNvPicPr>
@@ -13476,7 +13476,7 @@
       </p:pic>
       <p:pic>
         <p:nvPicPr>
-          <p:cNvPr id="43" name="Image 15" descr="/var/folders/1y/yzhkrds14j1gm67qjvlds8tm7vvy2b/T/icon-icon-6qww76nir-1767664887059.png">    </p:cNvPr>
+          <p:cNvPr id="43" name="Image 15" descr="/var/folders/1y/yzhkrds14j1gm67qjvlds8tm7vvy2b/T/icon-icon-w3v5bphwn-1767665851322.png">    </p:cNvPr>
           <p:cNvPicPr>
             <a:picLocks noChangeAspect="1"/>
           </p:cNvPicPr>
@@ -13500,7 +13500,7 @@
       </p:pic>
       <p:pic>
         <p:nvPicPr>
-          <p:cNvPr id="44" name="Image 16" descr="/var/folders/1y/yzhkrds14j1gm67qjvlds8tm7vvy2b/T/icon-icon-6qww76nir-1767664887092.png">    </p:cNvPr>
+          <p:cNvPr id="44" name="Image 16" descr="/var/folders/1y/yzhkrds14j1gm67qjvlds8tm7vvy2b/T/icon-icon-w3v5bphwn-1767665851355.png">    </p:cNvPr>
           <p:cNvPicPr>
             <a:picLocks noChangeAspect="1"/>
           </p:cNvPicPr>
@@ -13524,7 +13524,7 @@
       </p:pic>
       <p:pic>
         <p:nvPicPr>
-          <p:cNvPr id="45" name="Image 17" descr="/var/folders/1y/yzhkrds14j1gm67qjvlds8tm7vvy2b/T/icon-icon-xhmidtyoi-1767664887126.png">    </p:cNvPr>
+          <p:cNvPr id="45" name="Image 17" descr="/var/folders/1y/yzhkrds14j1gm67qjvlds8tm7vvy2b/T/icon-icon-5l2b36luy-1767665851388.png">    </p:cNvPr>
           <p:cNvPicPr>
             <a:picLocks noChangeAspect="1"/>
           </p:cNvPicPr>
@@ -13548,7 +13548,7 @@
       </p:pic>
       <p:pic>
         <p:nvPicPr>
-          <p:cNvPr id="46" name="Image 18" descr="/var/folders/1y/yzhkrds14j1gm67qjvlds8tm7vvy2b/T/icon-icon-zwyieirbt-1767664887168.png">    </p:cNvPr>
+          <p:cNvPr id="46" name="Image 18" descr="/var/folders/1y/yzhkrds14j1gm67qjvlds8tm7vvy2b/T/icon-icon-6epn0w8ue-1767665851421.png">    </p:cNvPr>
           <p:cNvPicPr>
             <a:picLocks noChangeAspect="1"/>
           </p:cNvPicPr>
@@ -13572,7 +13572,7 @@
       </p:pic>
       <p:pic>
         <p:nvPicPr>
-          <p:cNvPr id="47" name="Image 19" descr="/var/folders/1y/yzhkrds14j1gm67qjvlds8tm7vvy2b/T/icon-icon-tk7xjxp8l-1767664887209.png">    </p:cNvPr>
+          <p:cNvPr id="47" name="Image 19" descr="/var/folders/1y/yzhkrds14j1gm67qjvlds8tm7vvy2b/T/icon-icon-514xelq65-1767665851454.png">    </p:cNvPr>
           <p:cNvPicPr>
             <a:picLocks noChangeAspect="1"/>
           </p:cNvPicPr>
@@ -13596,7 +13596,7 @@
       </p:pic>
       <p:pic>
         <p:nvPicPr>
-          <p:cNvPr id="48" name="Image 20" descr="/var/folders/1y/yzhkrds14j1gm67qjvlds8tm7vvy2b/T/icon-icon-36h66ika7-1767664887243.png">    </p:cNvPr>
+          <p:cNvPr id="48" name="Image 20" descr="/var/folders/1y/yzhkrds14j1gm67qjvlds8tm7vvy2b/T/icon-icon-43k9ifmro-1767665851489.png">    </p:cNvPr>
           <p:cNvPicPr>
             <a:picLocks noChangeAspect="1"/>
           </p:cNvPicPr>
@@ -13620,7 +13620,7 @@
       </p:pic>
       <p:pic>
         <p:nvPicPr>
-          <p:cNvPr id="49" name="Image 21" descr="/var/folders/1y/yzhkrds14j1gm67qjvlds8tm7vvy2b/T/icon-icon-zwyieirbt-1767664887275.png">    </p:cNvPr>
+          <p:cNvPr id="49" name="Image 21" descr="/var/folders/1y/yzhkrds14j1gm67qjvlds8tm7vvy2b/T/icon-icon-6epn0w8ue-1767665851522.png">    </p:cNvPr>
           <p:cNvPicPr>
             <a:picLocks noChangeAspect="1"/>
           </p:cNvPicPr>
@@ -13644,7 +13644,7 @@
       </p:pic>
       <p:pic>
         <p:nvPicPr>
-          <p:cNvPr id="50" name="Image 22" descr="/var/folders/1y/yzhkrds14j1gm67qjvlds8tm7vvy2b/T/icon-icon-tk7xjxp8l-1767664887318.png">    </p:cNvPr>
+          <p:cNvPr id="50" name="Image 22" descr="/var/folders/1y/yzhkrds14j1gm67qjvlds8tm7vvy2b/T/icon-icon-514xelq65-1767665851555.png">    </p:cNvPr>
           <p:cNvPicPr>
             <a:picLocks noChangeAspect="1"/>
           </p:cNvPicPr>
@@ -13668,7 +13668,7 @@
       </p:pic>
       <p:pic>
         <p:nvPicPr>
-          <p:cNvPr id="51" name="Image 23" descr="/var/folders/1y/yzhkrds14j1gm67qjvlds8tm7vvy2b/T/icon-icon-36h66ika7-1767664887359.png">    </p:cNvPr>
+          <p:cNvPr id="51" name="Image 23" descr="/var/folders/1y/yzhkrds14j1gm67qjvlds8tm7vvy2b/T/icon-icon-43k9ifmro-1767665851588.png">    </p:cNvPr>
           <p:cNvPicPr>
             <a:picLocks noChangeAspect="1"/>
           </p:cNvPicPr>
@@ -13692,7 +13692,7 @@
       </p:pic>
       <p:pic>
         <p:nvPicPr>
-          <p:cNvPr id="52" name="Image 24" descr="/var/folders/1y/yzhkrds14j1gm67qjvlds8tm7vvy2b/T/icon-icon-quug5tc0n-1767664887392.png">    </p:cNvPr>
+          <p:cNvPr id="52" name="Image 24" descr="/var/folders/1y/yzhkrds14j1gm67qjvlds8tm7vvy2b/T/icon-icon-2v0v85po7-1767665851622.png">    </p:cNvPr>
           <p:cNvPicPr>
             <a:picLocks noChangeAspect="1"/>
           </p:cNvPicPr>
@@ -13716,7 +13716,7 @@
       </p:pic>
       <p:pic>
         <p:nvPicPr>
-          <p:cNvPr id="53" name="Image 25" descr="/var/folders/1y/yzhkrds14j1gm67qjvlds8tm7vvy2b/T/icon-icon-quug5tc0n-1767664887426.png">    </p:cNvPr>
+          <p:cNvPr id="53" name="Image 25" descr="/var/folders/1y/yzhkrds14j1gm67qjvlds8tm7vvy2b/T/icon-icon-2v0v85po7-1767665851655.png">    </p:cNvPr>
           <p:cNvPicPr>
             <a:picLocks noChangeAspect="1"/>
           </p:cNvPicPr>
@@ -15314,7 +15314,7 @@
       </p:sp>
       <p:pic>
         <p:nvPicPr>
-          <p:cNvPr id="42" name="Image 0" descr="/var/folders/1y/yzhkrds14j1gm67qjvlds8tm7vvy2b/T/icon-icon-3hrub9867-1767664889316.png">    </p:cNvPr>
+          <p:cNvPr id="42" name="Image 0" descr="/var/folders/1y/yzhkrds14j1gm67qjvlds8tm7vvy2b/T/icon-icon-rkfim8dd7-1767665853545.png">    </p:cNvPr>
           <p:cNvPicPr>
             <a:picLocks noChangeAspect="1"/>
           </p:cNvPicPr>
@@ -15338,7 +15338,7 @@
       </p:pic>
       <p:pic>
         <p:nvPicPr>
-          <p:cNvPr id="43" name="Image 1" descr="/var/folders/1y/yzhkrds14j1gm67qjvlds8tm7vvy2b/T/icon-icon-3hrub9867-1767664889359.png">    </p:cNvPr>
+          <p:cNvPr id="43" name="Image 1" descr="/var/folders/1y/yzhkrds14j1gm67qjvlds8tm7vvy2b/T/icon-icon-rkfim8dd7-1767665853589.png">    </p:cNvPr>
           <p:cNvPicPr>
             <a:picLocks noChangeAspect="1"/>
           </p:cNvPicPr>
@@ -15362,7 +15362,7 @@
       </p:pic>
       <p:pic>
         <p:nvPicPr>
-          <p:cNvPr id="44" name="Image 2" descr="/var/folders/1y/yzhkrds14j1gm67qjvlds8tm7vvy2b/T/icon-icon-v0kbvfu86-1767664889390.png">    </p:cNvPr>
+          <p:cNvPr id="44" name="Image 2" descr="/var/folders/1y/yzhkrds14j1gm67qjvlds8tm7vvy2b/T/icon-icon-icmyr6z77-1767665853620.png">    </p:cNvPr>
           <p:cNvPicPr>
             <a:picLocks noChangeAspect="1"/>
           </p:cNvPicPr>
@@ -15386,7 +15386,7 @@
       </p:pic>
       <p:pic>
         <p:nvPicPr>
-          <p:cNvPr id="45" name="Image 3" descr="/var/folders/1y/yzhkrds14j1gm67qjvlds8tm7vvy2b/T/icon-icon-mec3450ty-1767664889423.png">    </p:cNvPr>
+          <p:cNvPr id="45" name="Image 3" descr="/var/folders/1y/yzhkrds14j1gm67qjvlds8tm7vvy2b/T/icon-icon-isyia64sd-1767665853654.png">    </p:cNvPr>
           <p:cNvPicPr>
             <a:picLocks noChangeAspect="1"/>
           </p:cNvPicPr>
@@ -15410,7 +15410,7 @@
       </p:pic>
       <p:pic>
         <p:nvPicPr>
-          <p:cNvPr id="46" name="Image 4" descr="/var/folders/1y/yzhkrds14j1gm67qjvlds8tm7vvy2b/T/icon-icon-xw3hznl0k-1767664889457.png">    </p:cNvPr>
+          <p:cNvPr id="46" name="Image 4" descr="/var/folders/1y/yzhkrds14j1gm67qjvlds8tm7vvy2b/T/icon-icon-m87xfakn3-1767665853687.png">    </p:cNvPr>
           <p:cNvPicPr>
             <a:picLocks noChangeAspect="1"/>
           </p:cNvPicPr>
@@ -15434,7 +15434,7 @@
       </p:pic>
       <p:pic>
         <p:nvPicPr>
-          <p:cNvPr id="47" name="Image 5" descr="/var/folders/1y/yzhkrds14j1gm67qjvlds8tm7vvy2b/T/icon-icon-m6xdszcjp-1767664889492.png">    </p:cNvPr>
+          <p:cNvPr id="47" name="Image 5" descr="/var/folders/1y/yzhkrds14j1gm67qjvlds8tm7vvy2b/T/icon-icon-82ekpxl77-1767665853720.png">    </p:cNvPr>
           <p:cNvPicPr>
             <a:picLocks noChangeAspect="1"/>
           </p:cNvPicPr>
@@ -15458,7 +15458,7 @@
       </p:pic>
       <p:pic>
         <p:nvPicPr>
-          <p:cNvPr id="48" name="Image 6" descr="/var/folders/1y/yzhkrds14j1gm67qjvlds8tm7vvy2b/T/icon-icon-m6xdszcjp-1767664889525.png">    </p:cNvPr>
+          <p:cNvPr id="48" name="Image 6" descr="/var/folders/1y/yzhkrds14j1gm67qjvlds8tm7vvy2b/T/icon-icon-82ekpxl77-1767665853755.png">    </p:cNvPr>
           <p:cNvPicPr>
             <a:picLocks noChangeAspect="1"/>
           </p:cNvPicPr>
@@ -15482,7 +15482,7 @@
       </p:pic>
       <p:pic>
         <p:nvPicPr>
-          <p:cNvPr id="49" name="Image 7" descr="/var/folders/1y/yzhkrds14j1gm67qjvlds8tm7vvy2b/T/icon-icon-rsmos5hr6-1767664889559.png">    </p:cNvPr>
+          <p:cNvPr id="49" name="Image 7" descr="/var/folders/1y/yzhkrds14j1gm67qjvlds8tm7vvy2b/T/icon-icon-zndk0ohm9-1767665853789.png">    </p:cNvPr>
           <p:cNvPicPr>
             <a:picLocks noChangeAspect="1"/>
           </p:cNvPicPr>
@@ -15506,7 +15506,7 @@
       </p:pic>
       <p:pic>
         <p:nvPicPr>
-          <p:cNvPr id="50" name="Image 8" descr="/var/folders/1y/yzhkrds14j1gm67qjvlds8tm7vvy2b/T/icon-icon-vubfclpfq-1767664889591.png">    </p:cNvPr>
+          <p:cNvPr id="50" name="Image 8" descr="/var/folders/1y/yzhkrds14j1gm67qjvlds8tm7vvy2b/T/icon-icon-j4d925bgh-1767665853821.png">    </p:cNvPr>
           <p:cNvPicPr>
             <a:picLocks noChangeAspect="1"/>
           </p:cNvPicPr>
@@ -15530,7 +15530,7 @@
       </p:pic>
       <p:pic>
         <p:nvPicPr>
-          <p:cNvPr id="51" name="Image 9" descr="/var/folders/1y/yzhkrds14j1gm67qjvlds8tm7vvy2b/T/icon-icon-hynchrq5w-1767664889625.png">    </p:cNvPr>
+          <p:cNvPr id="51" name="Image 9" descr="/var/folders/1y/yzhkrds14j1gm67qjvlds8tm7vvy2b/T/icon-icon-ai6ygcazj-1767665853855.png">    </p:cNvPr>
           <p:cNvPicPr>
             <a:picLocks noChangeAspect="1"/>
           </p:cNvPicPr>
@@ -15554,7 +15554,7 @@
       </p:pic>
       <p:pic>
         <p:nvPicPr>
-          <p:cNvPr id="52" name="Image 10" descr="/var/folders/1y/yzhkrds14j1gm67qjvlds8tm7vvy2b/T/icon-icon-z6dxe7r60-1767664889659.png">    </p:cNvPr>
+          <p:cNvPr id="52" name="Image 10" descr="/var/folders/1y/yzhkrds14j1gm67qjvlds8tm7vvy2b/T/icon-icon-6bw034qz0-1767665853897.png">    </p:cNvPr>
           <p:cNvPicPr>
             <a:picLocks noChangeAspect="1"/>
           </p:cNvPicPr>
@@ -15578,7 +15578,7 @@
       </p:pic>
       <p:pic>
         <p:nvPicPr>
-          <p:cNvPr id="53" name="Image 11" descr="/var/folders/1y/yzhkrds14j1gm67qjvlds8tm7vvy2b/T/icon-icon-2qieiit91-1767664889701.png">    </p:cNvPr>
+          <p:cNvPr id="53" name="Image 11" descr="/var/folders/1y/yzhkrds14j1gm67qjvlds8tm7vvy2b/T/icon-icon-uz34atnlu-1767665853939.png">    </p:cNvPr>
           <p:cNvPicPr>
             <a:picLocks noChangeAspect="1"/>
           </p:cNvPicPr>
@@ -15602,7 +15602,7 @@
       </p:pic>
       <p:pic>
         <p:nvPicPr>
-          <p:cNvPr id="54" name="Image 12" descr="/var/folders/1y/yzhkrds14j1gm67qjvlds8tm7vvy2b/T/icon-icon-z6dxe7r60-1767664889732.png">    </p:cNvPr>
+          <p:cNvPr id="54" name="Image 12" descr="/var/folders/1y/yzhkrds14j1gm67qjvlds8tm7vvy2b/T/icon-icon-6bw034qz0-1767665853971.png">    </p:cNvPr>
           <p:cNvPicPr>
             <a:picLocks noChangeAspect="1"/>
           </p:cNvPicPr>
@@ -15626,7 +15626,7 @@
       </p:pic>
       <p:pic>
         <p:nvPicPr>
-          <p:cNvPr id="55" name="Image 13" descr="/var/folders/1y/yzhkrds14j1gm67qjvlds8tm7vvy2b/T/icon-icon-2qieiit91-1767664889766.png">    </p:cNvPr>
+          <p:cNvPr id="55" name="Image 13" descr="/var/folders/1y/yzhkrds14j1gm67qjvlds8tm7vvy2b/T/icon-icon-uz34atnlu-1767665854004.png">    </p:cNvPr>
           <p:cNvPicPr>
             <a:picLocks noChangeAspect="1"/>
           </p:cNvPicPr>
@@ -17181,7 +17181,7 @@
       </p:sp>
       <p:pic>
         <p:nvPicPr>
-          <p:cNvPr id="32" name="Image 0" descr="/var/folders/1y/yzhkrds14j1gm67qjvlds8tm7vvy2b/T/icon-icon-mjubu96gt-1767664891856.png">    </p:cNvPr>
+          <p:cNvPr id="32" name="Image 0" descr="/var/folders/1y/yzhkrds14j1gm67qjvlds8tm7vvy2b/T/icon-icon-lo6ji3wm1-1767665855831.png">    </p:cNvPr>
           <p:cNvPicPr>
             <a:picLocks noChangeAspect="1"/>
           </p:cNvPicPr>
@@ -17205,7 +17205,7 @@
       </p:pic>
       <p:pic>
         <p:nvPicPr>
-          <p:cNvPr id="33" name="Image 1" descr="/var/folders/1y/yzhkrds14j1gm67qjvlds8tm7vvy2b/T/icon-icon-mjubu96gt-1767664891899.png">    </p:cNvPr>
+          <p:cNvPr id="33" name="Image 1" descr="/var/folders/1y/yzhkrds14j1gm67qjvlds8tm7vvy2b/T/icon-icon-lo6ji3wm1-1767665855871.png">    </p:cNvPr>
           <p:cNvPicPr>
             <a:picLocks noChangeAspect="1"/>
           </p:cNvPicPr>
@@ -17229,7 +17229,7 @@
       </p:pic>
       <p:pic>
         <p:nvPicPr>
-          <p:cNvPr id="34" name="Image 2" descr="/var/folders/1y/yzhkrds14j1gm67qjvlds8tm7vvy2b/T/icon-icon-7lokp5pul-1767664891933.png">    </p:cNvPr>
+          <p:cNvPr id="34" name="Image 2" descr="/var/folders/1y/yzhkrds14j1gm67qjvlds8tm7vvy2b/T/icon-icon-ccazbnhne-1767665855905.png">    </p:cNvPr>
           <p:cNvPicPr>
             <a:picLocks noChangeAspect="1"/>
           </p:cNvPicPr>
@@ -17253,7 +17253,7 @@
       </p:pic>
       <p:pic>
         <p:nvPicPr>
-          <p:cNvPr id="35" name="Image 3" descr="/var/folders/1y/yzhkrds14j1gm67qjvlds8tm7vvy2b/T/icon-icon-7lokp5pul-1767664891967.png">    </p:cNvPr>
+          <p:cNvPr id="35" name="Image 3" descr="/var/folders/1y/yzhkrds14j1gm67qjvlds8tm7vvy2b/T/icon-icon-ccazbnhne-1767665855937.png">    </p:cNvPr>
           <p:cNvPicPr>
             <a:picLocks noChangeAspect="1"/>
           </p:cNvPicPr>
@@ -17277,7 +17277,7 @@
       </p:pic>
       <p:pic>
         <p:nvPicPr>
-          <p:cNvPr id="36" name="Image 4" descr="/var/folders/1y/yzhkrds14j1gm67qjvlds8tm7vvy2b/T/icon-icon-kgh6xorja-1767664892009.png">    </p:cNvPr>
+          <p:cNvPr id="36" name="Image 4" descr="/var/folders/1y/yzhkrds14j1gm67qjvlds8tm7vvy2b/T/icon-icon-g3gsz0rj2-1767665855970.png">    </p:cNvPr>
           <p:cNvPicPr>
             <a:picLocks noChangeAspect="1"/>
           </p:cNvPicPr>
@@ -17301,7 +17301,7 @@
       </p:pic>
       <p:pic>
         <p:nvPicPr>
-          <p:cNvPr id="37" name="Image 5" descr="/var/folders/1y/yzhkrds14j1gm67qjvlds8tm7vvy2b/T/icon-icon-kgh6xorja-1767664892040.png">    </p:cNvPr>
+          <p:cNvPr id="37" name="Image 5" descr="/var/folders/1y/yzhkrds14j1gm67qjvlds8tm7vvy2b/T/icon-icon-g3gsz0rj2-1767665856003.png">    </p:cNvPr>
           <p:cNvPicPr>
             <a:picLocks noChangeAspect="1"/>
           </p:cNvPicPr>
@@ -17325,7 +17325,7 @@
       </p:pic>
       <p:pic>
         <p:nvPicPr>
-          <p:cNvPr id="38" name="Image 6" descr="/var/folders/1y/yzhkrds14j1gm67qjvlds8tm7vvy2b/T/icon-icon-lq2aeua97-1767664892075.png">    </p:cNvPr>
+          <p:cNvPr id="38" name="Image 6" descr="/var/folders/1y/yzhkrds14j1gm67qjvlds8tm7vvy2b/T/icon-icon-25xzd6s24-1767665856036.png">    </p:cNvPr>
           <p:cNvPicPr>
             <a:picLocks noChangeAspect="1"/>
           </p:cNvPicPr>
@@ -17349,7 +17349,7 @@
       </p:pic>
       <p:pic>
         <p:nvPicPr>
-          <p:cNvPr id="39" name="Image 7" descr="/var/folders/1y/yzhkrds14j1gm67qjvlds8tm7vvy2b/T/icon-icon-lq2aeua97-1767664892109.png">    </p:cNvPr>
+          <p:cNvPr id="39" name="Image 7" descr="/var/folders/1y/yzhkrds14j1gm67qjvlds8tm7vvy2b/T/icon-icon-25xzd6s24-1767665856070.png">    </p:cNvPr>
           <p:cNvPicPr>
             <a:picLocks noChangeAspect="1"/>
           </p:cNvPicPr>
@@ -17373,7 +17373,7 @@
       </p:pic>
       <p:pic>
         <p:nvPicPr>
-          <p:cNvPr id="40" name="Image 8" descr="/var/folders/1y/yzhkrds14j1gm67qjvlds8tm7vvy2b/T/icon-icon-gflto13f5-1767664892142.png">    </p:cNvPr>
+          <p:cNvPr id="40" name="Image 8" descr="/var/folders/1y/yzhkrds14j1gm67qjvlds8tm7vvy2b/T/icon-icon-llkgrt5te-1767665856105.png">    </p:cNvPr>
           <p:cNvPicPr>
             <a:picLocks noChangeAspect="1"/>
           </p:cNvPicPr>
@@ -17397,7 +17397,7 @@
       </p:pic>
       <p:pic>
         <p:nvPicPr>
-          <p:cNvPr id="41" name="Image 9" descr="/var/folders/1y/yzhkrds14j1gm67qjvlds8tm7vvy2b/T/icon-icon-gflto13f5-1767664892176.png">    </p:cNvPr>
+          <p:cNvPr id="41" name="Image 9" descr="/var/folders/1y/yzhkrds14j1gm67qjvlds8tm7vvy2b/T/icon-icon-llkgrt5te-1767665856139.png">    </p:cNvPr>
           <p:cNvPicPr>
             <a:picLocks noChangeAspect="1"/>
           </p:cNvPicPr>
@@ -17421,7 +17421,7 @@
       </p:pic>
       <p:pic>
         <p:nvPicPr>
-          <p:cNvPr id="42" name="Image 10" descr="/var/folders/1y/yzhkrds14j1gm67qjvlds8tm7vvy2b/T/icon-icon-qmmkx23ox-1767664892209.png">    </p:cNvPr>
+          <p:cNvPr id="42" name="Image 10" descr="/var/folders/1y/yzhkrds14j1gm67qjvlds8tm7vvy2b/T/icon-icon-z1d82aphq-1767665856172.png">    </p:cNvPr>
           <p:cNvPicPr>
             <a:picLocks noChangeAspect="1"/>
           </p:cNvPicPr>
@@ -17445,7 +17445,7 @@
       </p:pic>
       <p:pic>
         <p:nvPicPr>
-          <p:cNvPr id="43" name="Image 11" descr="/var/folders/1y/yzhkrds14j1gm67qjvlds8tm7vvy2b/T/icon-icon-qmmkx23ox-1767664892241.png">    </p:cNvPr>
+          <p:cNvPr id="43" name="Image 11" descr="/var/folders/1y/yzhkrds14j1gm67qjvlds8tm7vvy2b/T/icon-icon-z1d82aphq-1767665856203.png">    </p:cNvPr>
           <p:cNvPicPr>
             <a:picLocks noChangeAspect="1"/>
           </p:cNvPicPr>
@@ -17469,7 +17469,7 @@
       </p:pic>
       <p:pic>
         <p:nvPicPr>
-          <p:cNvPr id="44" name="Image 12" descr="/var/folders/1y/yzhkrds14j1gm67qjvlds8tm7vvy2b/T/icon-icon-e8joqm2g5-1767664892276.png">    </p:cNvPr>
+          <p:cNvPr id="44" name="Image 12" descr="/var/folders/1y/yzhkrds14j1gm67qjvlds8tm7vvy2b/T/icon-icon-usayzi1va-1767665856239.png">    </p:cNvPr>
           <p:cNvPicPr>
             <a:picLocks noChangeAspect="1"/>
           </p:cNvPicPr>
@@ -17493,7 +17493,7 @@
       </p:pic>
       <p:pic>
         <p:nvPicPr>
-          <p:cNvPr id="45" name="Image 13" descr="/var/folders/1y/yzhkrds14j1gm67qjvlds8tm7vvy2b/T/icon-icon-e8joqm2g5-1767664892309.png">    </p:cNvPr>
+          <p:cNvPr id="45" name="Image 13" descr="/var/folders/1y/yzhkrds14j1gm67qjvlds8tm7vvy2b/T/icon-icon-usayzi1va-1767665856272.png">    </p:cNvPr>
           <p:cNvPicPr>
             <a:picLocks noChangeAspect="1"/>
           </p:cNvPicPr>
@@ -17517,7 +17517,7 @@
       </p:pic>
       <p:pic>
         <p:nvPicPr>
-          <p:cNvPr id="46" name="Image 14" descr="/var/folders/1y/yzhkrds14j1gm67qjvlds8tm7vvy2b/T/icon-icon-dyiboek89-1767664892342.png">    </p:cNvPr>
+          <p:cNvPr id="46" name="Image 14" descr="/var/folders/1y/yzhkrds14j1gm67qjvlds8tm7vvy2b/T/icon-icon-p00donucu-1767665856304.png">    </p:cNvPr>
           <p:cNvPicPr>
             <a:picLocks noChangeAspect="1"/>
           </p:cNvPicPr>
@@ -17541,7 +17541,7 @@
       </p:pic>
       <p:pic>
         <p:nvPicPr>
-          <p:cNvPr id="47" name="Image 15" descr="/var/folders/1y/yzhkrds14j1gm67qjvlds8tm7vvy2b/T/icon-icon-dyiboek89-1767664892383.png">    </p:cNvPr>
+          <p:cNvPr id="47" name="Image 15" descr="/var/folders/1y/yzhkrds14j1gm67qjvlds8tm7vvy2b/T/icon-icon-p00donucu-1767665856339.png">    </p:cNvPr>
           <p:cNvPicPr>
             <a:picLocks noChangeAspect="1"/>
           </p:cNvPicPr>
@@ -17565,7 +17565,7 @@
       </p:pic>
       <p:pic>
         <p:nvPicPr>
-          <p:cNvPr id="48" name="Image 16" descr="/var/folders/1y/yzhkrds14j1gm67qjvlds8tm7vvy2b/T/icon-icon-560xjo895-1767664892417.png">    </p:cNvPr>
+          <p:cNvPr id="48" name="Image 16" descr="/var/folders/1y/yzhkrds14j1gm67qjvlds8tm7vvy2b/T/icon-icon-a7en9ywor-1767665856372.png">    </p:cNvPr>
           <p:cNvPicPr>
             <a:picLocks noChangeAspect="1"/>
           </p:cNvPicPr>
@@ -17589,7 +17589,7 @@
       </p:pic>
       <p:pic>
         <p:nvPicPr>
-          <p:cNvPr id="49" name="Image 17" descr="/var/folders/1y/yzhkrds14j1gm67qjvlds8tm7vvy2b/T/icon-icon-560xjo895-1767664892450.png">    </p:cNvPr>
+          <p:cNvPr id="49" name="Image 17" descr="/var/folders/1y/yzhkrds14j1gm67qjvlds8tm7vvy2b/T/icon-icon-a7en9ywor-1767665856405.png">    </p:cNvPr>
           <p:cNvPicPr>
             <a:picLocks noChangeAspect="1"/>
           </p:cNvPicPr>
@@ -17613,7 +17613,7 @@
       </p:pic>
       <p:pic>
         <p:nvPicPr>
-          <p:cNvPr id="50" name="Image 18" descr="/var/folders/1y/yzhkrds14j1gm67qjvlds8tm7vvy2b/T/icon-icon-aitxcwxgg-1767664892484.png">    </p:cNvPr>
+          <p:cNvPr id="50" name="Image 18" descr="/var/folders/1y/yzhkrds14j1gm67qjvlds8tm7vvy2b/T/icon-icon-y3gsfishb-1767665856438.png">    </p:cNvPr>
           <p:cNvPicPr>
             <a:picLocks noChangeAspect="1"/>
           </p:cNvPicPr>
@@ -17637,7 +17637,7 @@
       </p:pic>
       <p:pic>
         <p:nvPicPr>
-          <p:cNvPr id="51" name="Image 19" descr="/var/folders/1y/yzhkrds14j1gm67qjvlds8tm7vvy2b/T/icon-icon-aitxcwxgg-1767664892517.png">    </p:cNvPr>
+          <p:cNvPr id="51" name="Image 19" descr="/var/folders/1y/yzhkrds14j1gm67qjvlds8tm7vvy2b/T/icon-icon-y3gsfishb-1767665856472.png">    </p:cNvPr>
           <p:cNvPicPr>
             <a:picLocks noChangeAspect="1"/>
           </p:cNvPicPr>
@@ -17661,7 +17661,7 @@
       </p:pic>
       <p:pic>
         <p:nvPicPr>
-          <p:cNvPr id="52" name="Image 20" descr="/var/folders/1y/yzhkrds14j1gm67qjvlds8tm7vvy2b/T/icon-icon-bgvj5ue0b-1767664892549.png">    </p:cNvPr>
+          <p:cNvPr id="52" name="Image 20" descr="/var/folders/1y/yzhkrds14j1gm67qjvlds8tm7vvy2b/T/icon-icon-m2l2p4cku-1767665856505.png">    </p:cNvPr>
           <p:cNvPicPr>
             <a:picLocks noChangeAspect="1"/>
           </p:cNvPicPr>
@@ -17685,7 +17685,7 @@
       </p:pic>
       <p:pic>
         <p:nvPicPr>
-          <p:cNvPr id="53" name="Image 21" descr="/var/folders/1y/yzhkrds14j1gm67qjvlds8tm7vvy2b/T/icon-icon-bgvj5ue0b-1767664892584.png">    </p:cNvPr>
+          <p:cNvPr id="53" name="Image 21" descr="/var/folders/1y/yzhkrds14j1gm67qjvlds8tm7vvy2b/T/icon-icon-m2l2p4cku-1767665856539.png">    </p:cNvPr>
           <p:cNvPicPr>
             <a:picLocks noChangeAspect="1"/>
           </p:cNvPicPr>
@@ -17709,7 +17709,7 @@
       </p:pic>
       <p:pic>
         <p:nvPicPr>
-          <p:cNvPr id="54" name="Image 22" descr="/var/folders/1y/yzhkrds14j1gm67qjvlds8tm7vvy2b/T/icon-icon-t3tazietl-1767664892618.png">    </p:cNvPr>
+          <p:cNvPr id="54" name="Image 22" descr="/var/folders/1y/yzhkrds14j1gm67qjvlds8tm7vvy2b/T/icon-icon-hmjxcz37n-1767665856572.png">    </p:cNvPr>
           <p:cNvPicPr>
             <a:picLocks noChangeAspect="1"/>
           </p:cNvPicPr>
@@ -17733,7 +17733,7 @@
       </p:pic>
       <p:pic>
         <p:nvPicPr>
-          <p:cNvPr id="55" name="Image 23" descr="/var/folders/1y/yzhkrds14j1gm67qjvlds8tm7vvy2b/T/icon-icon-t3tazietl-1767664892649.png">    </p:cNvPr>
+          <p:cNvPr id="55" name="Image 23" descr="/var/folders/1y/yzhkrds14j1gm67qjvlds8tm7vvy2b/T/icon-icon-hmjxcz37n-1767665856604.png">    </p:cNvPr>
           <p:cNvPicPr>
             <a:picLocks noChangeAspect="1"/>
           </p:cNvPicPr>
@@ -17757,7 +17757,7 @@
       </p:pic>
       <p:pic>
         <p:nvPicPr>
-          <p:cNvPr id="56" name="Image 24" descr="/var/folders/1y/yzhkrds14j1gm67qjvlds8tm7vvy2b/T/icon-icon-jadx803kk-1767664892684.png">    </p:cNvPr>
+          <p:cNvPr id="56" name="Image 24" descr="/var/folders/1y/yzhkrds14j1gm67qjvlds8tm7vvy2b/T/icon-icon-do2kz4jd6-1767665856639.png">    </p:cNvPr>
           <p:cNvPicPr>
             <a:picLocks noChangeAspect="1"/>
           </p:cNvPicPr>
@@ -17781,7 +17781,7 @@
       </p:pic>
       <p:pic>
         <p:nvPicPr>
-          <p:cNvPr id="57" name="Image 25" descr="/var/folders/1y/yzhkrds14j1gm67qjvlds8tm7vvy2b/T/icon-icon-jadx803kk-1767664892717.png">    </p:cNvPr>
+          <p:cNvPr id="57" name="Image 25" descr="/var/folders/1y/yzhkrds14j1gm67qjvlds8tm7vvy2b/T/icon-icon-do2kz4jd6-1767665856672.png">    </p:cNvPr>
           <p:cNvPicPr>
             <a:picLocks noChangeAspect="1"/>
           </p:cNvPicPr>
@@ -17805,7 +17805,7 @@
       </p:pic>
       <p:pic>
         <p:nvPicPr>
-          <p:cNvPr id="58" name="Image 26" descr="/var/folders/1y/yzhkrds14j1gm67qjvlds8tm7vvy2b/T/icon-icon-75g70h42d-1767664892750.png">    </p:cNvPr>
+          <p:cNvPr id="58" name="Image 26" descr="/var/folders/1y/yzhkrds14j1gm67qjvlds8tm7vvy2b/T/icon-icon-8p4abkhu9-1767665856705.png">    </p:cNvPr>
           <p:cNvPicPr>
             <a:picLocks noChangeAspect="1"/>
           </p:cNvPicPr>
@@ -17829,7 +17829,7 @@
       </p:pic>
       <p:pic>
         <p:nvPicPr>
-          <p:cNvPr id="59" name="Image 27" descr="/var/folders/1y/yzhkrds14j1gm67qjvlds8tm7vvy2b/T/icon-icon-75g70h42d-1767664892783.png">    </p:cNvPr>
+          <p:cNvPr id="59" name="Image 27" descr="/var/folders/1y/yzhkrds14j1gm67qjvlds8tm7vvy2b/T/icon-icon-8p4abkhu9-1767665856739.png">    </p:cNvPr>
           <p:cNvPicPr>
             <a:picLocks noChangeAspect="1"/>
           </p:cNvPicPr>
@@ -17853,7 +17853,7 @@
       </p:pic>
       <p:pic>
         <p:nvPicPr>
-          <p:cNvPr id="60" name="Image 28" descr="/var/folders/1y/yzhkrds14j1gm67qjvlds8tm7vvy2b/T/icon-icon-2c0qy6jzy-1767664892817.png">    </p:cNvPr>
+          <p:cNvPr id="60" name="Image 28" descr="/var/folders/1y/yzhkrds14j1gm67qjvlds8tm7vvy2b/T/icon-icon-ur68ahhcq-1767665856772.png">    </p:cNvPr>
           <p:cNvPicPr>
             <a:picLocks noChangeAspect="1"/>
           </p:cNvPicPr>
@@ -17877,7 +17877,7 @@
       </p:pic>
       <p:pic>
         <p:nvPicPr>
-          <p:cNvPr id="61" name="Image 29" descr="/var/folders/1y/yzhkrds14j1gm67qjvlds8tm7vvy2b/T/icon-icon-2c0qy6jzy-1767664892848.png">    </p:cNvPr>
+          <p:cNvPr id="61" name="Image 29" descr="/var/folders/1y/yzhkrds14j1gm67qjvlds8tm7vvy2b/T/icon-icon-ur68ahhcq-1767665856803.png">    </p:cNvPr>
           <p:cNvPicPr>
             <a:picLocks noChangeAspect="1"/>
           </p:cNvPicPr>
@@ -17901,7 +17901,7 @@
       </p:pic>
       <p:pic>
         <p:nvPicPr>
-          <p:cNvPr id="62" name="Image 30" descr="/var/folders/1y/yzhkrds14j1gm67qjvlds8tm7vvy2b/T/icon-icon-4i09t9fgx-1767664892884.png">    </p:cNvPr>
+          <p:cNvPr id="62" name="Image 30" descr="/var/folders/1y/yzhkrds14j1gm67qjvlds8tm7vvy2b/T/icon-icon-1vwd16asb-1767665856838.png">    </p:cNvPr>
           <p:cNvPicPr>
             <a:picLocks noChangeAspect="1"/>
           </p:cNvPicPr>
@@ -17925,7 +17925,7 @@
       </p:pic>
       <p:pic>
         <p:nvPicPr>
-          <p:cNvPr id="63" name="Image 31" descr="/var/folders/1y/yzhkrds14j1gm67qjvlds8tm7vvy2b/T/icon-icon-4i09t9fgx-1767664892915.png">    </p:cNvPr>
+          <p:cNvPr id="63" name="Image 31" descr="/var/folders/1y/yzhkrds14j1gm67qjvlds8tm7vvy2b/T/icon-icon-1vwd16asb-1767665856872.png">    </p:cNvPr>
           <p:cNvPicPr>
             <a:picLocks noChangeAspect="1"/>
           </p:cNvPicPr>
@@ -17949,7 +17949,7 @@
       </p:pic>
       <p:pic>
         <p:nvPicPr>
-          <p:cNvPr id="64" name="Image 32" descr="/var/folders/1y/yzhkrds14j1gm67qjvlds8tm7vvy2b/T/icon-icon-5cvfquoxe-1767664892950.png">    </p:cNvPr>
+          <p:cNvPr id="64" name="Image 32" descr="/var/folders/1y/yzhkrds14j1gm67qjvlds8tm7vvy2b/T/icon-icon-2kw5jee3l-1767665856905.png">    </p:cNvPr>
           <p:cNvPicPr>
             <a:picLocks noChangeAspect="1"/>
           </p:cNvPicPr>
@@ -17973,7 +17973,7 @@
       </p:pic>
       <p:pic>
         <p:nvPicPr>
-          <p:cNvPr id="65" name="Image 33" descr="/var/folders/1y/yzhkrds14j1gm67qjvlds8tm7vvy2b/T/icon-icon-5cvfquoxe-1767664892984.png">    </p:cNvPr>
+          <p:cNvPr id="65" name="Image 33" descr="/var/folders/1y/yzhkrds14j1gm67qjvlds8tm7vvy2b/T/icon-icon-2kw5jee3l-1767665856938.png">    </p:cNvPr>
           <p:cNvPicPr>
             <a:picLocks noChangeAspect="1"/>
           </p:cNvPicPr>
@@ -17997,7 +17997,7 @@
       </p:pic>
       <p:pic>
         <p:nvPicPr>
-          <p:cNvPr id="66" name="Image 34" descr="/var/folders/1y/yzhkrds14j1gm67qjvlds8tm7vvy2b/T/icon-icon-yem6icxt8-1767664893017.png">    </p:cNvPr>
+          <p:cNvPr id="66" name="Image 34" descr="/var/folders/1y/yzhkrds14j1gm67qjvlds8tm7vvy2b/T/icon-icon-s5kax8iov-1767665856972.png">    </p:cNvPr>
           <p:cNvPicPr>
             <a:picLocks noChangeAspect="1"/>
           </p:cNvPicPr>
@@ -18021,7 +18021,7 @@
       </p:pic>
       <p:pic>
         <p:nvPicPr>
-          <p:cNvPr id="67" name="Image 35" descr="/var/folders/1y/yzhkrds14j1gm67qjvlds8tm7vvy2b/T/icon-icon-yem6icxt8-1767664893050.png">    </p:cNvPr>
+          <p:cNvPr id="67" name="Image 35" descr="/var/folders/1y/yzhkrds14j1gm67qjvlds8tm7vvy2b/T/icon-icon-s5kax8iov-1767665857005.png">    </p:cNvPr>
           <p:cNvPicPr>
             <a:picLocks noChangeAspect="1"/>
           </p:cNvPicPr>
@@ -18045,7 +18045,7 @@
       </p:pic>
       <p:pic>
         <p:nvPicPr>
-          <p:cNvPr id="68" name="Image 36" descr="/var/folders/1y/yzhkrds14j1gm67qjvlds8tm7vvy2b/T/icon-icon-m212ptlbo-1767664893084.png">    </p:cNvPr>
+          <p:cNvPr id="68" name="Image 36" descr="/var/folders/1y/yzhkrds14j1gm67qjvlds8tm7vvy2b/T/icon-icon-tw4qto2qd-1767665857038.png">    </p:cNvPr>
           <p:cNvPicPr>
             <a:picLocks noChangeAspect="1"/>
           </p:cNvPicPr>
@@ -18069,7 +18069,7 @@
       </p:pic>
       <p:pic>
         <p:nvPicPr>
-          <p:cNvPr id="69" name="Image 37" descr="/var/folders/1y/yzhkrds14j1gm67qjvlds8tm7vvy2b/T/icon-icon-m212ptlbo-1767664893117.png">    </p:cNvPr>
+          <p:cNvPr id="69" name="Image 37" descr="/var/folders/1y/yzhkrds14j1gm67qjvlds8tm7vvy2b/T/icon-icon-tw4qto2qd-1767665857072.png">    </p:cNvPr>
           <p:cNvPicPr>
             <a:picLocks noChangeAspect="1"/>
           </p:cNvPicPr>
@@ -18093,7 +18093,7 @@
       </p:pic>
       <p:pic>
         <p:nvPicPr>
-          <p:cNvPr id="70" name="Image 38" descr="/var/folders/1y/yzhkrds14j1gm67qjvlds8tm7vvy2b/T/icon-icon-lh77sp5dx-1767664893151.png">    </p:cNvPr>
+          <p:cNvPr id="70" name="Image 38" descr="/var/folders/1y/yzhkrds14j1gm67qjvlds8tm7vvy2b/T/icon-icon-dvmlth8p4-1767665857104.png">    </p:cNvPr>
           <p:cNvPicPr>
             <a:picLocks noChangeAspect="1"/>
           </p:cNvPicPr>
@@ -18117,7 +18117,7 @@
       </p:pic>
       <p:pic>
         <p:nvPicPr>
-          <p:cNvPr id="71" name="Image 39" descr="/var/folders/1y/yzhkrds14j1gm67qjvlds8tm7vvy2b/T/icon-icon-lh77sp5dx-1767664893192.png">    </p:cNvPr>
+          <p:cNvPr id="71" name="Image 39" descr="/var/folders/1y/yzhkrds14j1gm67qjvlds8tm7vvy2b/T/icon-icon-dvmlth8p4-1767665857138.png">    </p:cNvPr>
           <p:cNvPicPr>
             <a:picLocks noChangeAspect="1"/>
           </p:cNvPicPr>
